--- a/Angular signals - présentation.pptx
+++ b/Angular signals - présentation.pptx
@@ -5,17 +5,28 @@
     <p:sldMasterId id="2147483650" r:id="rId4"/>
   </p:sldMasterIdLst>
   <p:notesMasterIdLst>
-    <p:notesMasterId r:id="rId10"/>
+    <p:notesMasterId r:id="rId21"/>
   </p:notesMasterIdLst>
   <p:handoutMasterIdLst>
-    <p:handoutMasterId r:id="rId11"/>
+    <p:handoutMasterId r:id="rId22"/>
   </p:handoutMasterIdLst>
   <p:sldIdLst>
     <p:sldId id="312" r:id="rId5"/>
     <p:sldId id="322" r:id="rId6"/>
     <p:sldId id="319" r:id="rId7"/>
-    <p:sldId id="323" r:id="rId8"/>
-    <p:sldId id="297" r:id="rId9"/>
+    <p:sldId id="325" r:id="rId8"/>
+    <p:sldId id="323" r:id="rId9"/>
+    <p:sldId id="324" r:id="rId10"/>
+    <p:sldId id="327" r:id="rId11"/>
+    <p:sldId id="328" r:id="rId12"/>
+    <p:sldId id="332" r:id="rId13"/>
+    <p:sldId id="329" r:id="rId14"/>
+    <p:sldId id="330" r:id="rId15"/>
+    <p:sldId id="331" r:id="rId16"/>
+    <p:sldId id="333" r:id="rId17"/>
+    <p:sldId id="334" r:id="rId18"/>
+    <p:sldId id="326" r:id="rId19"/>
+    <p:sldId id="335" r:id="rId20"/>
   </p:sldIdLst>
   <p:sldSz cx="12192000" cy="6858000"/>
   <p:notesSz cx="13716000" cy="24384000"/>
@@ -630,6 +641,622 @@
 </p:notes>
 </file>
 
+<file path=ppt/notesSlides/notesSlide10.xml><?xml version="1.0" encoding="utf-8"?>
+<p:notes xmlns:a="http://schemas.openxmlformats.org/drawingml/2006/main" xmlns:r="http://schemas.openxmlformats.org/officeDocument/2006/relationships" xmlns:p="http://schemas.openxmlformats.org/presentationml/2006/main">
+  <p:cSld>
+    <p:spTree>
+      <p:nvGrpSpPr>
+        <p:cNvPr id="1" name=""/>
+        <p:cNvGrpSpPr/>
+        <p:nvPr/>
+      </p:nvGrpSpPr>
+      <p:grpSpPr>
+        <a:xfrm>
+          <a:off x="0" y="0"/>
+          <a:ext cx="0" cy="0"/>
+          <a:chOff x="0" y="0"/>
+          <a:chExt cx="0" cy="0"/>
+        </a:xfrm>
+      </p:grpSpPr>
+      <p:sp>
+        <p:nvSpPr>
+          <p:cNvPr id="2" name="Espace réservé de l’image des diapositives 1"/>
+          <p:cNvSpPr>
+            <a:spLocks noGrp="1" noRot="1" noChangeAspect="1"/>
+          </p:cNvSpPr>
+          <p:nvPr>
+            <p:ph type="sldImg"/>
+          </p:nvPr>
+        </p:nvSpPr>
+        <p:spPr>
+          <a:xfrm>
+            <a:off x="-457200" y="3048000"/>
+            <a:ext cx="14630400" cy="8229600"/>
+          </a:xfrm>
+          <a:prstGeom prst="rect">
+            <a:avLst/>
+          </a:prstGeom>
+          <a:noFill/>
+          <a:ln w="12700">
+            <a:solidFill>
+              <a:prstClr val="black"/>
+            </a:solidFill>
+          </a:ln>
+        </p:spPr>
+      </p:sp>
+      <p:sp>
+        <p:nvSpPr>
+          <p:cNvPr id="3" name="Espace réservé des commentaires 2"/>
+          <p:cNvSpPr>
+            <a:spLocks noGrp="1"/>
+          </p:cNvSpPr>
+          <p:nvPr>
+            <p:ph type="body" idx="1"/>
+          </p:nvPr>
+        </p:nvSpPr>
+        <p:spPr>
+          <a:xfrm>
+            <a:off x="1371600" y="11734800"/>
+            <a:ext cx="10972800" cy="9601200"/>
+          </a:xfrm>
+          <a:prstGeom prst="rect">
+            <a:avLst/>
+          </a:prstGeom>
+        </p:spPr>
+        <p:txBody>
+          <a:bodyPr rtlCol="0"/>
+          <a:lstStyle>
+            <a:defPPr>
+              <a:defRPr lang="fr-FR"/>
+            </a:defPPr>
+          </a:lstStyle>
+          <a:p>
+            <a:pPr rtl="0"/>
+            <a:endParaRPr lang="fr-FR" dirty="0"/>
+          </a:p>
+        </p:txBody>
+      </p:sp>
+    </p:spTree>
+    <p:extLst>
+      <p:ext uri="{BB962C8B-B14F-4D97-AF65-F5344CB8AC3E}">
+        <p14:creationId xmlns:p14="http://schemas.microsoft.com/office/powerpoint/2010/main" val="1351773729"/>
+      </p:ext>
+    </p:extLst>
+  </p:cSld>
+  <p:clrMapOvr>
+    <a:masterClrMapping/>
+  </p:clrMapOvr>
+</p:notes>
+</file>
+
+<file path=ppt/notesSlides/notesSlide11.xml><?xml version="1.0" encoding="utf-8"?>
+<p:notes xmlns:a="http://schemas.openxmlformats.org/drawingml/2006/main" xmlns:r="http://schemas.openxmlformats.org/officeDocument/2006/relationships" xmlns:p="http://schemas.openxmlformats.org/presentationml/2006/main">
+  <p:cSld>
+    <p:spTree>
+      <p:nvGrpSpPr>
+        <p:cNvPr id="1" name=""/>
+        <p:cNvGrpSpPr/>
+        <p:nvPr/>
+      </p:nvGrpSpPr>
+      <p:grpSpPr>
+        <a:xfrm>
+          <a:off x="0" y="0"/>
+          <a:ext cx="0" cy="0"/>
+          <a:chOff x="0" y="0"/>
+          <a:chExt cx="0" cy="0"/>
+        </a:xfrm>
+      </p:grpSpPr>
+      <p:sp>
+        <p:nvSpPr>
+          <p:cNvPr id="2" name="Espace réservé de l’image des diapositives 1"/>
+          <p:cNvSpPr>
+            <a:spLocks noGrp="1" noRot="1" noChangeAspect="1"/>
+          </p:cNvSpPr>
+          <p:nvPr>
+            <p:ph type="sldImg"/>
+          </p:nvPr>
+        </p:nvSpPr>
+        <p:spPr>
+          <a:xfrm>
+            <a:off x="-457200" y="3048000"/>
+            <a:ext cx="14630400" cy="8229600"/>
+          </a:xfrm>
+          <a:prstGeom prst="rect">
+            <a:avLst/>
+          </a:prstGeom>
+          <a:noFill/>
+          <a:ln w="12700">
+            <a:solidFill>
+              <a:prstClr val="black"/>
+            </a:solidFill>
+          </a:ln>
+        </p:spPr>
+      </p:sp>
+      <p:sp>
+        <p:nvSpPr>
+          <p:cNvPr id="3" name="Espace réservé des commentaires 2"/>
+          <p:cNvSpPr>
+            <a:spLocks noGrp="1"/>
+          </p:cNvSpPr>
+          <p:nvPr>
+            <p:ph type="body" idx="1"/>
+          </p:nvPr>
+        </p:nvSpPr>
+        <p:spPr>
+          <a:xfrm>
+            <a:off x="1371600" y="11734800"/>
+            <a:ext cx="10972800" cy="9601200"/>
+          </a:xfrm>
+          <a:prstGeom prst="rect">
+            <a:avLst/>
+          </a:prstGeom>
+        </p:spPr>
+        <p:txBody>
+          <a:bodyPr rtlCol="0"/>
+          <a:lstStyle>
+            <a:defPPr>
+              <a:defRPr lang="fr-FR"/>
+            </a:defPPr>
+          </a:lstStyle>
+          <a:p>
+            <a:pPr rtl="0"/>
+            <a:endParaRPr lang="fr-FR" dirty="0"/>
+          </a:p>
+        </p:txBody>
+      </p:sp>
+    </p:spTree>
+    <p:extLst>
+      <p:ext uri="{BB962C8B-B14F-4D97-AF65-F5344CB8AC3E}">
+        <p14:creationId xmlns:p14="http://schemas.microsoft.com/office/powerpoint/2010/main" val="885220177"/>
+      </p:ext>
+    </p:extLst>
+  </p:cSld>
+  <p:clrMapOvr>
+    <a:masterClrMapping/>
+  </p:clrMapOvr>
+</p:notes>
+</file>
+
+<file path=ppt/notesSlides/notesSlide12.xml><?xml version="1.0" encoding="utf-8"?>
+<p:notes xmlns:a="http://schemas.openxmlformats.org/drawingml/2006/main" xmlns:r="http://schemas.openxmlformats.org/officeDocument/2006/relationships" xmlns:p="http://schemas.openxmlformats.org/presentationml/2006/main">
+  <p:cSld>
+    <p:spTree>
+      <p:nvGrpSpPr>
+        <p:cNvPr id="1" name=""/>
+        <p:cNvGrpSpPr/>
+        <p:nvPr/>
+      </p:nvGrpSpPr>
+      <p:grpSpPr>
+        <a:xfrm>
+          <a:off x="0" y="0"/>
+          <a:ext cx="0" cy="0"/>
+          <a:chOff x="0" y="0"/>
+          <a:chExt cx="0" cy="0"/>
+        </a:xfrm>
+      </p:grpSpPr>
+      <p:sp>
+        <p:nvSpPr>
+          <p:cNvPr id="2" name="Espace réservé de l’image des diapositives 1"/>
+          <p:cNvSpPr>
+            <a:spLocks noGrp="1" noRot="1" noChangeAspect="1"/>
+          </p:cNvSpPr>
+          <p:nvPr>
+            <p:ph type="sldImg"/>
+          </p:nvPr>
+        </p:nvSpPr>
+        <p:spPr>
+          <a:xfrm>
+            <a:off x="-457200" y="3048000"/>
+            <a:ext cx="14630400" cy="8229600"/>
+          </a:xfrm>
+          <a:prstGeom prst="rect">
+            <a:avLst/>
+          </a:prstGeom>
+          <a:noFill/>
+          <a:ln w="12700">
+            <a:solidFill>
+              <a:prstClr val="black"/>
+            </a:solidFill>
+          </a:ln>
+        </p:spPr>
+      </p:sp>
+      <p:sp>
+        <p:nvSpPr>
+          <p:cNvPr id="3" name="Espace réservé des commentaires 2"/>
+          <p:cNvSpPr>
+            <a:spLocks noGrp="1"/>
+          </p:cNvSpPr>
+          <p:nvPr>
+            <p:ph type="body" idx="1"/>
+          </p:nvPr>
+        </p:nvSpPr>
+        <p:spPr>
+          <a:xfrm>
+            <a:off x="1371600" y="11734800"/>
+            <a:ext cx="10972800" cy="9601200"/>
+          </a:xfrm>
+          <a:prstGeom prst="rect">
+            <a:avLst/>
+          </a:prstGeom>
+        </p:spPr>
+        <p:txBody>
+          <a:bodyPr rtlCol="0"/>
+          <a:lstStyle>
+            <a:defPPr>
+              <a:defRPr lang="fr-FR"/>
+            </a:defPPr>
+          </a:lstStyle>
+          <a:p>
+            <a:pPr rtl="0"/>
+            <a:endParaRPr lang="fr-FR" dirty="0"/>
+          </a:p>
+        </p:txBody>
+      </p:sp>
+    </p:spTree>
+    <p:extLst>
+      <p:ext uri="{BB962C8B-B14F-4D97-AF65-F5344CB8AC3E}">
+        <p14:creationId xmlns:p14="http://schemas.microsoft.com/office/powerpoint/2010/main" val="773637527"/>
+      </p:ext>
+    </p:extLst>
+  </p:cSld>
+  <p:clrMapOvr>
+    <a:masterClrMapping/>
+  </p:clrMapOvr>
+</p:notes>
+</file>
+
+<file path=ppt/notesSlides/notesSlide13.xml><?xml version="1.0" encoding="utf-8"?>
+<p:notes xmlns:a="http://schemas.openxmlformats.org/drawingml/2006/main" xmlns:r="http://schemas.openxmlformats.org/officeDocument/2006/relationships" xmlns:p="http://schemas.openxmlformats.org/presentationml/2006/main">
+  <p:cSld>
+    <p:spTree>
+      <p:nvGrpSpPr>
+        <p:cNvPr id="1" name=""/>
+        <p:cNvGrpSpPr/>
+        <p:nvPr/>
+      </p:nvGrpSpPr>
+      <p:grpSpPr>
+        <a:xfrm>
+          <a:off x="0" y="0"/>
+          <a:ext cx="0" cy="0"/>
+          <a:chOff x="0" y="0"/>
+          <a:chExt cx="0" cy="0"/>
+        </a:xfrm>
+      </p:grpSpPr>
+      <p:sp>
+        <p:nvSpPr>
+          <p:cNvPr id="2" name="Espace réservé de l’image des diapositives 1"/>
+          <p:cNvSpPr>
+            <a:spLocks noGrp="1" noRot="1" noChangeAspect="1"/>
+          </p:cNvSpPr>
+          <p:nvPr>
+            <p:ph type="sldImg"/>
+          </p:nvPr>
+        </p:nvSpPr>
+        <p:spPr>
+          <a:xfrm>
+            <a:off x="-457200" y="3048000"/>
+            <a:ext cx="14630400" cy="8229600"/>
+          </a:xfrm>
+          <a:prstGeom prst="rect">
+            <a:avLst/>
+          </a:prstGeom>
+          <a:noFill/>
+          <a:ln w="12700">
+            <a:solidFill>
+              <a:prstClr val="black"/>
+            </a:solidFill>
+          </a:ln>
+        </p:spPr>
+      </p:sp>
+      <p:sp>
+        <p:nvSpPr>
+          <p:cNvPr id="3" name="Espace réservé des commentaires 2"/>
+          <p:cNvSpPr>
+            <a:spLocks noGrp="1"/>
+          </p:cNvSpPr>
+          <p:nvPr>
+            <p:ph type="body" idx="1"/>
+          </p:nvPr>
+        </p:nvSpPr>
+        <p:spPr>
+          <a:xfrm>
+            <a:off x="1371600" y="11734800"/>
+            <a:ext cx="10972800" cy="9601200"/>
+          </a:xfrm>
+          <a:prstGeom prst="rect">
+            <a:avLst/>
+          </a:prstGeom>
+        </p:spPr>
+        <p:txBody>
+          <a:bodyPr rtlCol="0"/>
+          <a:lstStyle>
+            <a:defPPr>
+              <a:defRPr lang="fr-FR"/>
+            </a:defPPr>
+          </a:lstStyle>
+          <a:p>
+            <a:pPr rtl="0"/>
+            <a:endParaRPr lang="fr-FR" dirty="0"/>
+          </a:p>
+        </p:txBody>
+      </p:sp>
+    </p:spTree>
+    <p:extLst>
+      <p:ext uri="{BB962C8B-B14F-4D97-AF65-F5344CB8AC3E}">
+        <p14:creationId xmlns:p14="http://schemas.microsoft.com/office/powerpoint/2010/main" val="2435397549"/>
+      </p:ext>
+    </p:extLst>
+  </p:cSld>
+  <p:clrMapOvr>
+    <a:masterClrMapping/>
+  </p:clrMapOvr>
+</p:notes>
+</file>
+
+<file path=ppt/notesSlides/notesSlide14.xml><?xml version="1.0" encoding="utf-8"?>
+<p:notes xmlns:a="http://schemas.openxmlformats.org/drawingml/2006/main" xmlns:r="http://schemas.openxmlformats.org/officeDocument/2006/relationships" xmlns:p="http://schemas.openxmlformats.org/presentationml/2006/main">
+  <p:cSld>
+    <p:spTree>
+      <p:nvGrpSpPr>
+        <p:cNvPr id="1" name=""/>
+        <p:cNvGrpSpPr/>
+        <p:nvPr/>
+      </p:nvGrpSpPr>
+      <p:grpSpPr>
+        <a:xfrm>
+          <a:off x="0" y="0"/>
+          <a:ext cx="0" cy="0"/>
+          <a:chOff x="0" y="0"/>
+          <a:chExt cx="0" cy="0"/>
+        </a:xfrm>
+      </p:grpSpPr>
+      <p:sp>
+        <p:nvSpPr>
+          <p:cNvPr id="2" name="Espace réservé de l’image des diapositives 1"/>
+          <p:cNvSpPr>
+            <a:spLocks noGrp="1" noRot="1" noChangeAspect="1"/>
+          </p:cNvSpPr>
+          <p:nvPr>
+            <p:ph type="sldImg"/>
+          </p:nvPr>
+        </p:nvSpPr>
+        <p:spPr>
+          <a:xfrm>
+            <a:off x="-457200" y="3048000"/>
+            <a:ext cx="14630400" cy="8229600"/>
+          </a:xfrm>
+          <a:prstGeom prst="rect">
+            <a:avLst/>
+          </a:prstGeom>
+          <a:noFill/>
+          <a:ln w="12700">
+            <a:solidFill>
+              <a:prstClr val="black"/>
+            </a:solidFill>
+          </a:ln>
+        </p:spPr>
+      </p:sp>
+      <p:sp>
+        <p:nvSpPr>
+          <p:cNvPr id="3" name="Espace réservé des commentaires 2"/>
+          <p:cNvSpPr>
+            <a:spLocks noGrp="1"/>
+          </p:cNvSpPr>
+          <p:nvPr>
+            <p:ph type="body" idx="1"/>
+          </p:nvPr>
+        </p:nvSpPr>
+        <p:spPr>
+          <a:xfrm>
+            <a:off x="1371600" y="11734800"/>
+            <a:ext cx="10972800" cy="9601200"/>
+          </a:xfrm>
+          <a:prstGeom prst="rect">
+            <a:avLst/>
+          </a:prstGeom>
+        </p:spPr>
+        <p:txBody>
+          <a:bodyPr rtlCol="0"/>
+          <a:lstStyle>
+            <a:defPPr>
+              <a:defRPr lang="fr-FR"/>
+            </a:defPPr>
+          </a:lstStyle>
+          <a:p>
+            <a:pPr rtl="0"/>
+            <a:endParaRPr lang="fr-FR" dirty="0"/>
+          </a:p>
+        </p:txBody>
+      </p:sp>
+    </p:spTree>
+    <p:extLst>
+      <p:ext uri="{BB962C8B-B14F-4D97-AF65-F5344CB8AC3E}">
+        <p14:creationId xmlns:p14="http://schemas.microsoft.com/office/powerpoint/2010/main" val="575770413"/>
+      </p:ext>
+    </p:extLst>
+  </p:cSld>
+  <p:clrMapOvr>
+    <a:masterClrMapping/>
+  </p:clrMapOvr>
+</p:notes>
+</file>
+
+<file path=ppt/notesSlides/notesSlide15.xml><?xml version="1.0" encoding="utf-8"?>
+<p:notes xmlns:a="http://schemas.openxmlformats.org/drawingml/2006/main" xmlns:r="http://schemas.openxmlformats.org/officeDocument/2006/relationships" xmlns:p="http://schemas.openxmlformats.org/presentationml/2006/main">
+  <p:cSld>
+    <p:spTree>
+      <p:nvGrpSpPr>
+        <p:cNvPr id="1" name=""/>
+        <p:cNvGrpSpPr/>
+        <p:nvPr/>
+      </p:nvGrpSpPr>
+      <p:grpSpPr>
+        <a:xfrm>
+          <a:off x="0" y="0"/>
+          <a:ext cx="0" cy="0"/>
+          <a:chOff x="0" y="0"/>
+          <a:chExt cx="0" cy="0"/>
+        </a:xfrm>
+      </p:grpSpPr>
+      <p:sp>
+        <p:nvSpPr>
+          <p:cNvPr id="2" name="Espace réservé de l’image des diapositives 1"/>
+          <p:cNvSpPr>
+            <a:spLocks noGrp="1" noRot="1" noChangeAspect="1"/>
+          </p:cNvSpPr>
+          <p:nvPr>
+            <p:ph type="sldImg"/>
+          </p:nvPr>
+        </p:nvSpPr>
+        <p:spPr>
+          <a:xfrm>
+            <a:off x="-457200" y="3048000"/>
+            <a:ext cx="14630400" cy="8229600"/>
+          </a:xfrm>
+          <a:prstGeom prst="rect">
+            <a:avLst/>
+          </a:prstGeom>
+          <a:noFill/>
+          <a:ln w="12700">
+            <a:solidFill>
+              <a:prstClr val="black"/>
+            </a:solidFill>
+          </a:ln>
+        </p:spPr>
+      </p:sp>
+      <p:sp>
+        <p:nvSpPr>
+          <p:cNvPr id="3" name="Espace réservé des commentaires 2"/>
+          <p:cNvSpPr>
+            <a:spLocks noGrp="1"/>
+          </p:cNvSpPr>
+          <p:nvPr>
+            <p:ph type="body" idx="1"/>
+          </p:nvPr>
+        </p:nvSpPr>
+        <p:spPr>
+          <a:xfrm>
+            <a:off x="1371600" y="11734800"/>
+            <a:ext cx="10972800" cy="9601200"/>
+          </a:xfrm>
+          <a:prstGeom prst="rect">
+            <a:avLst/>
+          </a:prstGeom>
+        </p:spPr>
+        <p:txBody>
+          <a:bodyPr rtlCol="0"/>
+          <a:lstStyle>
+            <a:defPPr>
+              <a:defRPr lang="fr-FR"/>
+            </a:defPPr>
+          </a:lstStyle>
+          <a:p>
+            <a:pPr rtl="0"/>
+            <a:endParaRPr lang="fr-FR" dirty="0"/>
+          </a:p>
+        </p:txBody>
+      </p:sp>
+    </p:spTree>
+    <p:extLst>
+      <p:ext uri="{BB962C8B-B14F-4D97-AF65-F5344CB8AC3E}">
+        <p14:creationId xmlns:p14="http://schemas.microsoft.com/office/powerpoint/2010/main" val="674467062"/>
+      </p:ext>
+    </p:extLst>
+  </p:cSld>
+  <p:clrMapOvr>
+    <a:masterClrMapping/>
+  </p:clrMapOvr>
+</p:notes>
+</file>
+
+<file path=ppt/notesSlides/notesSlide16.xml><?xml version="1.0" encoding="utf-8"?>
+<p:notes xmlns:a="http://schemas.openxmlformats.org/drawingml/2006/main" xmlns:r="http://schemas.openxmlformats.org/officeDocument/2006/relationships" xmlns:p="http://schemas.openxmlformats.org/presentationml/2006/main">
+  <p:cSld>
+    <p:spTree>
+      <p:nvGrpSpPr>
+        <p:cNvPr id="1" name=""/>
+        <p:cNvGrpSpPr/>
+        <p:nvPr/>
+      </p:nvGrpSpPr>
+      <p:grpSpPr>
+        <a:xfrm>
+          <a:off x="0" y="0"/>
+          <a:ext cx="0" cy="0"/>
+          <a:chOff x="0" y="0"/>
+          <a:chExt cx="0" cy="0"/>
+        </a:xfrm>
+      </p:grpSpPr>
+      <p:sp>
+        <p:nvSpPr>
+          <p:cNvPr id="2" name="Espace réservé de l’image des diapositives 1"/>
+          <p:cNvSpPr>
+            <a:spLocks noGrp="1" noRot="1" noChangeAspect="1"/>
+          </p:cNvSpPr>
+          <p:nvPr>
+            <p:ph type="sldImg"/>
+          </p:nvPr>
+        </p:nvSpPr>
+        <p:spPr>
+          <a:xfrm>
+            <a:off x="-457200" y="3048000"/>
+            <a:ext cx="14630400" cy="8229600"/>
+          </a:xfrm>
+          <a:prstGeom prst="rect">
+            <a:avLst/>
+          </a:prstGeom>
+          <a:noFill/>
+          <a:ln w="12700">
+            <a:solidFill>
+              <a:prstClr val="black"/>
+            </a:solidFill>
+          </a:ln>
+        </p:spPr>
+      </p:sp>
+      <p:sp>
+        <p:nvSpPr>
+          <p:cNvPr id="3" name="Espace réservé des commentaires 2"/>
+          <p:cNvSpPr>
+            <a:spLocks noGrp="1"/>
+          </p:cNvSpPr>
+          <p:nvPr>
+            <p:ph type="body" idx="1"/>
+          </p:nvPr>
+        </p:nvSpPr>
+        <p:spPr>
+          <a:xfrm>
+            <a:off x="1371600" y="11734800"/>
+            <a:ext cx="10972800" cy="9601200"/>
+          </a:xfrm>
+          <a:prstGeom prst="rect">
+            <a:avLst/>
+          </a:prstGeom>
+        </p:spPr>
+        <p:txBody>
+          <a:bodyPr rtlCol="0"/>
+          <a:lstStyle>
+            <a:defPPr>
+              <a:defRPr lang="fr-FR"/>
+            </a:defPPr>
+          </a:lstStyle>
+          <a:p>
+            <a:pPr rtl="0"/>
+            <a:endParaRPr lang="fr-FR" dirty="0"/>
+          </a:p>
+        </p:txBody>
+      </p:sp>
+    </p:spTree>
+    <p:extLst>
+      <p:ext uri="{BB962C8B-B14F-4D97-AF65-F5344CB8AC3E}">
+        <p14:creationId xmlns:p14="http://schemas.microsoft.com/office/powerpoint/2010/main" val="1607147747"/>
+      </p:ext>
+    </p:extLst>
+  </p:cSld>
+  <p:clrMapOvr>
+    <a:masterClrMapping/>
+  </p:clrMapOvr>
+</p:notes>
+</file>
+
 <file path=ppt/notesSlides/notesSlide2.xml><?xml version="1.0" encoding="utf-8"?>
 <p:notes xmlns:a="http://schemas.openxmlformats.org/drawingml/2006/main" xmlns:r="http://schemas.openxmlformats.org/officeDocument/2006/relationships" xmlns:p="http://schemas.openxmlformats.org/presentationml/2006/main">
   <p:cSld>
@@ -884,7 +1511,7 @@
     </p:spTree>
     <p:extLst>
       <p:ext uri="{BB962C8B-B14F-4D97-AF65-F5344CB8AC3E}">
-        <p14:creationId xmlns:p14="http://schemas.microsoft.com/office/powerpoint/2010/main" val="764021143"/>
+        <p14:creationId xmlns:p14="http://schemas.microsoft.com/office/powerpoint/2010/main" val="1448185002"/>
       </p:ext>
     </p:extLst>
   </p:cSld>
@@ -972,7 +1599,359 @@
     </p:spTree>
     <p:extLst>
       <p:ext uri="{BB962C8B-B14F-4D97-AF65-F5344CB8AC3E}">
-        <p14:creationId xmlns:p14="http://schemas.microsoft.com/office/powerpoint/2010/main" val="931307476"/>
+        <p14:creationId xmlns:p14="http://schemas.microsoft.com/office/powerpoint/2010/main" val="764021143"/>
+      </p:ext>
+    </p:extLst>
+  </p:cSld>
+  <p:clrMapOvr>
+    <a:masterClrMapping/>
+  </p:clrMapOvr>
+</p:notes>
+</file>
+
+<file path=ppt/notesSlides/notesSlide6.xml><?xml version="1.0" encoding="utf-8"?>
+<p:notes xmlns:a="http://schemas.openxmlformats.org/drawingml/2006/main" xmlns:r="http://schemas.openxmlformats.org/officeDocument/2006/relationships" xmlns:p="http://schemas.openxmlformats.org/presentationml/2006/main">
+  <p:cSld>
+    <p:spTree>
+      <p:nvGrpSpPr>
+        <p:cNvPr id="1" name=""/>
+        <p:cNvGrpSpPr/>
+        <p:nvPr/>
+      </p:nvGrpSpPr>
+      <p:grpSpPr>
+        <a:xfrm>
+          <a:off x="0" y="0"/>
+          <a:ext cx="0" cy="0"/>
+          <a:chOff x="0" y="0"/>
+          <a:chExt cx="0" cy="0"/>
+        </a:xfrm>
+      </p:grpSpPr>
+      <p:sp>
+        <p:nvSpPr>
+          <p:cNvPr id="2" name="Espace réservé de l’image des diapositives 1"/>
+          <p:cNvSpPr>
+            <a:spLocks noGrp="1" noRot="1" noChangeAspect="1"/>
+          </p:cNvSpPr>
+          <p:nvPr>
+            <p:ph type="sldImg"/>
+          </p:nvPr>
+        </p:nvSpPr>
+        <p:spPr>
+          <a:xfrm>
+            <a:off x="-457200" y="3048000"/>
+            <a:ext cx="14630400" cy="8229600"/>
+          </a:xfrm>
+          <a:prstGeom prst="rect">
+            <a:avLst/>
+          </a:prstGeom>
+          <a:noFill/>
+          <a:ln w="12700">
+            <a:solidFill>
+              <a:prstClr val="black"/>
+            </a:solidFill>
+          </a:ln>
+        </p:spPr>
+      </p:sp>
+      <p:sp>
+        <p:nvSpPr>
+          <p:cNvPr id="3" name="Espace réservé des commentaires 2"/>
+          <p:cNvSpPr>
+            <a:spLocks noGrp="1"/>
+          </p:cNvSpPr>
+          <p:nvPr>
+            <p:ph type="body" idx="1"/>
+          </p:nvPr>
+        </p:nvSpPr>
+        <p:spPr>
+          <a:xfrm>
+            <a:off x="1371600" y="11734800"/>
+            <a:ext cx="10972800" cy="9601200"/>
+          </a:xfrm>
+          <a:prstGeom prst="rect">
+            <a:avLst/>
+          </a:prstGeom>
+        </p:spPr>
+        <p:txBody>
+          <a:bodyPr rtlCol="0"/>
+          <a:lstStyle>
+            <a:defPPr>
+              <a:defRPr lang="fr-FR"/>
+            </a:defPPr>
+          </a:lstStyle>
+          <a:p>
+            <a:pPr rtl="0"/>
+            <a:endParaRPr lang="fr-FR" dirty="0"/>
+          </a:p>
+        </p:txBody>
+      </p:sp>
+    </p:spTree>
+    <p:extLst>
+      <p:ext uri="{BB962C8B-B14F-4D97-AF65-F5344CB8AC3E}">
+        <p14:creationId xmlns:p14="http://schemas.microsoft.com/office/powerpoint/2010/main" val="2948984759"/>
+      </p:ext>
+    </p:extLst>
+  </p:cSld>
+  <p:clrMapOvr>
+    <a:masterClrMapping/>
+  </p:clrMapOvr>
+</p:notes>
+</file>
+
+<file path=ppt/notesSlides/notesSlide7.xml><?xml version="1.0" encoding="utf-8"?>
+<p:notes xmlns:a="http://schemas.openxmlformats.org/drawingml/2006/main" xmlns:r="http://schemas.openxmlformats.org/officeDocument/2006/relationships" xmlns:p="http://schemas.openxmlformats.org/presentationml/2006/main">
+  <p:cSld>
+    <p:spTree>
+      <p:nvGrpSpPr>
+        <p:cNvPr id="1" name=""/>
+        <p:cNvGrpSpPr/>
+        <p:nvPr/>
+      </p:nvGrpSpPr>
+      <p:grpSpPr>
+        <a:xfrm>
+          <a:off x="0" y="0"/>
+          <a:ext cx="0" cy="0"/>
+          <a:chOff x="0" y="0"/>
+          <a:chExt cx="0" cy="0"/>
+        </a:xfrm>
+      </p:grpSpPr>
+      <p:sp>
+        <p:nvSpPr>
+          <p:cNvPr id="2" name="Espace réservé de l’image des diapositives 1"/>
+          <p:cNvSpPr>
+            <a:spLocks noGrp="1" noRot="1" noChangeAspect="1"/>
+          </p:cNvSpPr>
+          <p:nvPr>
+            <p:ph type="sldImg"/>
+          </p:nvPr>
+        </p:nvSpPr>
+        <p:spPr>
+          <a:xfrm>
+            <a:off x="-457200" y="3048000"/>
+            <a:ext cx="14630400" cy="8229600"/>
+          </a:xfrm>
+          <a:prstGeom prst="rect">
+            <a:avLst/>
+          </a:prstGeom>
+          <a:noFill/>
+          <a:ln w="12700">
+            <a:solidFill>
+              <a:prstClr val="black"/>
+            </a:solidFill>
+          </a:ln>
+        </p:spPr>
+      </p:sp>
+      <p:sp>
+        <p:nvSpPr>
+          <p:cNvPr id="3" name="Espace réservé des commentaires 2"/>
+          <p:cNvSpPr>
+            <a:spLocks noGrp="1"/>
+          </p:cNvSpPr>
+          <p:nvPr>
+            <p:ph type="body" idx="1"/>
+          </p:nvPr>
+        </p:nvSpPr>
+        <p:spPr>
+          <a:xfrm>
+            <a:off x="1371600" y="11734800"/>
+            <a:ext cx="10972800" cy="9601200"/>
+          </a:xfrm>
+          <a:prstGeom prst="rect">
+            <a:avLst/>
+          </a:prstGeom>
+        </p:spPr>
+        <p:txBody>
+          <a:bodyPr rtlCol="0"/>
+          <a:lstStyle>
+            <a:defPPr>
+              <a:defRPr lang="fr-FR"/>
+            </a:defPPr>
+          </a:lstStyle>
+          <a:p>
+            <a:pPr rtl="0"/>
+            <a:endParaRPr lang="fr-FR" dirty="0"/>
+          </a:p>
+        </p:txBody>
+      </p:sp>
+    </p:spTree>
+    <p:extLst>
+      <p:ext uri="{BB962C8B-B14F-4D97-AF65-F5344CB8AC3E}">
+        <p14:creationId xmlns:p14="http://schemas.microsoft.com/office/powerpoint/2010/main" val="3072689487"/>
+      </p:ext>
+    </p:extLst>
+  </p:cSld>
+  <p:clrMapOvr>
+    <a:masterClrMapping/>
+  </p:clrMapOvr>
+</p:notes>
+</file>
+
+<file path=ppt/notesSlides/notesSlide8.xml><?xml version="1.0" encoding="utf-8"?>
+<p:notes xmlns:a="http://schemas.openxmlformats.org/drawingml/2006/main" xmlns:r="http://schemas.openxmlformats.org/officeDocument/2006/relationships" xmlns:p="http://schemas.openxmlformats.org/presentationml/2006/main">
+  <p:cSld>
+    <p:spTree>
+      <p:nvGrpSpPr>
+        <p:cNvPr id="1" name=""/>
+        <p:cNvGrpSpPr/>
+        <p:nvPr/>
+      </p:nvGrpSpPr>
+      <p:grpSpPr>
+        <a:xfrm>
+          <a:off x="0" y="0"/>
+          <a:ext cx="0" cy="0"/>
+          <a:chOff x="0" y="0"/>
+          <a:chExt cx="0" cy="0"/>
+        </a:xfrm>
+      </p:grpSpPr>
+      <p:sp>
+        <p:nvSpPr>
+          <p:cNvPr id="2" name="Espace réservé de l’image des diapositives 1"/>
+          <p:cNvSpPr>
+            <a:spLocks noGrp="1" noRot="1" noChangeAspect="1"/>
+          </p:cNvSpPr>
+          <p:nvPr>
+            <p:ph type="sldImg"/>
+          </p:nvPr>
+        </p:nvSpPr>
+        <p:spPr>
+          <a:xfrm>
+            <a:off x="-457200" y="3048000"/>
+            <a:ext cx="14630400" cy="8229600"/>
+          </a:xfrm>
+          <a:prstGeom prst="rect">
+            <a:avLst/>
+          </a:prstGeom>
+          <a:noFill/>
+          <a:ln w="12700">
+            <a:solidFill>
+              <a:prstClr val="black"/>
+            </a:solidFill>
+          </a:ln>
+        </p:spPr>
+      </p:sp>
+      <p:sp>
+        <p:nvSpPr>
+          <p:cNvPr id="3" name="Espace réservé des commentaires 2"/>
+          <p:cNvSpPr>
+            <a:spLocks noGrp="1"/>
+          </p:cNvSpPr>
+          <p:nvPr>
+            <p:ph type="body" idx="1"/>
+          </p:nvPr>
+        </p:nvSpPr>
+        <p:spPr>
+          <a:xfrm>
+            <a:off x="1371600" y="11734800"/>
+            <a:ext cx="10972800" cy="9601200"/>
+          </a:xfrm>
+          <a:prstGeom prst="rect">
+            <a:avLst/>
+          </a:prstGeom>
+        </p:spPr>
+        <p:txBody>
+          <a:bodyPr rtlCol="0"/>
+          <a:lstStyle>
+            <a:defPPr>
+              <a:defRPr lang="fr-FR"/>
+            </a:defPPr>
+          </a:lstStyle>
+          <a:p>
+            <a:pPr rtl="0"/>
+            <a:endParaRPr lang="fr-FR" dirty="0"/>
+          </a:p>
+        </p:txBody>
+      </p:sp>
+    </p:spTree>
+    <p:extLst>
+      <p:ext uri="{BB962C8B-B14F-4D97-AF65-F5344CB8AC3E}">
+        <p14:creationId xmlns:p14="http://schemas.microsoft.com/office/powerpoint/2010/main" val="2816687159"/>
+      </p:ext>
+    </p:extLst>
+  </p:cSld>
+  <p:clrMapOvr>
+    <a:masterClrMapping/>
+  </p:clrMapOvr>
+</p:notes>
+</file>
+
+<file path=ppt/notesSlides/notesSlide9.xml><?xml version="1.0" encoding="utf-8"?>
+<p:notes xmlns:a="http://schemas.openxmlformats.org/drawingml/2006/main" xmlns:r="http://schemas.openxmlformats.org/officeDocument/2006/relationships" xmlns:p="http://schemas.openxmlformats.org/presentationml/2006/main">
+  <p:cSld>
+    <p:spTree>
+      <p:nvGrpSpPr>
+        <p:cNvPr id="1" name=""/>
+        <p:cNvGrpSpPr/>
+        <p:nvPr/>
+      </p:nvGrpSpPr>
+      <p:grpSpPr>
+        <a:xfrm>
+          <a:off x="0" y="0"/>
+          <a:ext cx="0" cy="0"/>
+          <a:chOff x="0" y="0"/>
+          <a:chExt cx="0" cy="0"/>
+        </a:xfrm>
+      </p:grpSpPr>
+      <p:sp>
+        <p:nvSpPr>
+          <p:cNvPr id="2" name="Espace réservé de l’image des diapositives 1"/>
+          <p:cNvSpPr>
+            <a:spLocks noGrp="1" noRot="1" noChangeAspect="1"/>
+          </p:cNvSpPr>
+          <p:nvPr>
+            <p:ph type="sldImg"/>
+          </p:nvPr>
+        </p:nvSpPr>
+        <p:spPr>
+          <a:xfrm>
+            <a:off x="-457200" y="3048000"/>
+            <a:ext cx="14630400" cy="8229600"/>
+          </a:xfrm>
+          <a:prstGeom prst="rect">
+            <a:avLst/>
+          </a:prstGeom>
+          <a:noFill/>
+          <a:ln w="12700">
+            <a:solidFill>
+              <a:prstClr val="black"/>
+            </a:solidFill>
+          </a:ln>
+        </p:spPr>
+      </p:sp>
+      <p:sp>
+        <p:nvSpPr>
+          <p:cNvPr id="3" name="Espace réservé des commentaires 2"/>
+          <p:cNvSpPr>
+            <a:spLocks noGrp="1"/>
+          </p:cNvSpPr>
+          <p:nvPr>
+            <p:ph type="body" idx="1"/>
+          </p:nvPr>
+        </p:nvSpPr>
+        <p:spPr>
+          <a:xfrm>
+            <a:off x="1371600" y="11734800"/>
+            <a:ext cx="10972800" cy="9601200"/>
+          </a:xfrm>
+          <a:prstGeom prst="rect">
+            <a:avLst/>
+          </a:prstGeom>
+        </p:spPr>
+        <p:txBody>
+          <a:bodyPr rtlCol="0"/>
+          <a:lstStyle>
+            <a:defPPr>
+              <a:defRPr lang="fr-FR"/>
+            </a:defPPr>
+          </a:lstStyle>
+          <a:p>
+            <a:pPr rtl="0"/>
+            <a:endParaRPr lang="fr-FR" dirty="0"/>
+          </a:p>
+        </p:txBody>
+      </p:sp>
+    </p:spTree>
+    <p:extLst>
+      <p:ext uri="{BB962C8B-B14F-4D97-AF65-F5344CB8AC3E}">
+        <p14:creationId xmlns:p14="http://schemas.microsoft.com/office/powerpoint/2010/main" val="87686890"/>
       </p:ext>
     </p:extLst>
   </p:cSld>
@@ -17508,6 +18487,4823 @@
 </p:sld>
 </file>
 
+<file path=ppt/slides/slide10.xml><?xml version="1.0" encoding="utf-8"?>
+<p:sld xmlns:a="http://schemas.openxmlformats.org/drawingml/2006/main" xmlns:r="http://schemas.openxmlformats.org/officeDocument/2006/relationships" xmlns:p="http://schemas.openxmlformats.org/presentationml/2006/main">
+  <p:cSld>
+    <p:spTree>
+      <p:nvGrpSpPr>
+        <p:cNvPr id="1" name=""/>
+        <p:cNvGrpSpPr/>
+        <p:nvPr/>
+      </p:nvGrpSpPr>
+      <p:grpSpPr>
+        <a:xfrm>
+          <a:off x="0" y="0"/>
+          <a:ext cx="0" cy="0"/>
+          <a:chOff x="0" y="0"/>
+          <a:chExt cx="0" cy="0"/>
+        </a:xfrm>
+      </p:grpSpPr>
+      <p:sp>
+        <p:nvSpPr>
+          <p:cNvPr id="5" name="Titre 4">
+            <a:extLst>
+              <a:ext uri="{FF2B5EF4-FFF2-40B4-BE49-F238E27FC236}">
+                <a16:creationId xmlns:a16="http://schemas.microsoft.com/office/drawing/2014/main" id="{2136FCF6-982C-CC37-9625-3EBFC7E7DD13}"/>
+              </a:ext>
+            </a:extLst>
+          </p:cNvPr>
+          <p:cNvSpPr>
+            <a:spLocks noGrp="1"/>
+          </p:cNvSpPr>
+          <p:nvPr>
+            <p:ph type="title"/>
+          </p:nvPr>
+        </p:nvSpPr>
+        <p:spPr>
+          <a:xfrm>
+            <a:off x="1750141" y="607429"/>
+            <a:ext cx="9599325" cy="980844"/>
+          </a:xfrm>
+        </p:spPr>
+        <p:txBody>
+          <a:bodyPr rtlCol="0"/>
+          <a:lstStyle>
+            <a:defPPr>
+              <a:defRPr lang="fr-FR"/>
+            </a:defPPr>
+          </a:lstStyle>
+          <a:p>
+            <a:pPr rtl="0"/>
+            <a:r>
+              <a:rPr lang="fr-FR" dirty="0"/>
+              <a:t>Mise à jour d’un signal</a:t>
+            </a:r>
+          </a:p>
+        </p:txBody>
+      </p:sp>
+      <p:sp>
+        <p:nvSpPr>
+          <p:cNvPr id="2" name="Espace réservé du numéro de diapositive 1">
+            <a:extLst>
+              <a:ext uri="{FF2B5EF4-FFF2-40B4-BE49-F238E27FC236}">
+                <a16:creationId xmlns:a16="http://schemas.microsoft.com/office/drawing/2014/main" id="{A913EEC9-16E3-6C86-97D0-A7EC7EA09CDA}"/>
+              </a:ext>
+            </a:extLst>
+          </p:cNvPr>
+          <p:cNvSpPr>
+            <a:spLocks noGrp="1"/>
+          </p:cNvSpPr>
+          <p:nvPr>
+            <p:ph type="sldNum" sz="quarter" idx="10"/>
+          </p:nvPr>
+        </p:nvSpPr>
+        <p:spPr>
+          <a:xfrm>
+            <a:off x="10358437" y="457199"/>
+            <a:ext cx="1067589" cy="471489"/>
+          </a:xfrm>
+        </p:spPr>
+        <p:txBody>
+          <a:bodyPr rtlCol="0"/>
+          <a:lstStyle>
+            <a:defPPr>
+              <a:defRPr lang="fr-FR"/>
+            </a:defPPr>
+          </a:lstStyle>
+          <a:p>
+            <a:pPr rtl="0"/>
+            <a:fld id="{48F63A3B-78C7-47BE-AE5E-E10140E04643}" type="slidenum">
+              <a:rPr lang="fr-FR" smtClean="0"/>
+              <a:pPr rtl="0"/>
+              <a:t>10</a:t>
+            </a:fld>
+            <a:endParaRPr lang="fr-FR" dirty="0"/>
+          </a:p>
+        </p:txBody>
+      </p:sp>
+      <p:sp>
+        <p:nvSpPr>
+          <p:cNvPr id="8" name="Espace réservé du texte 7">
+            <a:extLst>
+              <a:ext uri="{FF2B5EF4-FFF2-40B4-BE49-F238E27FC236}">
+                <a16:creationId xmlns:a16="http://schemas.microsoft.com/office/drawing/2014/main" id="{9836654E-34BC-0D87-64C4-E6BD9E762813}"/>
+              </a:ext>
+            </a:extLst>
+          </p:cNvPr>
+          <p:cNvSpPr>
+            <a:spLocks noGrp="1"/>
+          </p:cNvSpPr>
+          <p:nvPr>
+            <p:ph type="body" sz="quarter" idx="13"/>
+          </p:nvPr>
+        </p:nvSpPr>
+        <p:spPr>
+          <a:xfrm>
+            <a:off x="1750141" y="1882850"/>
+            <a:ext cx="9798902" cy="611239"/>
+          </a:xfrm>
+        </p:spPr>
+        <p:txBody>
+          <a:bodyPr/>
+          <a:lstStyle/>
+          <a:p>
+            <a:r>
+              <a:rPr lang="fr-FR" sz="2000" dirty="0"/>
+              <a:t>Un signal ne peut être mis à jour que par l’intermédiaire de ses fonctions set() et update()</a:t>
+            </a:r>
+          </a:p>
+        </p:txBody>
+      </p:sp>
+      <p:sp>
+        <p:nvSpPr>
+          <p:cNvPr id="16" name="Espace réservé du texte 7">
+            <a:extLst>
+              <a:ext uri="{FF2B5EF4-FFF2-40B4-BE49-F238E27FC236}">
+                <a16:creationId xmlns:a16="http://schemas.microsoft.com/office/drawing/2014/main" id="{8A227A2C-B883-A063-D992-75D8B9A79154}"/>
+              </a:ext>
+            </a:extLst>
+          </p:cNvPr>
+          <p:cNvSpPr txBox="1">
+            <a:spLocks/>
+          </p:cNvSpPr>
+          <p:nvPr/>
+        </p:nvSpPr>
+        <p:spPr>
+          <a:xfrm>
+            <a:off x="559535" y="3953580"/>
+            <a:ext cx="9798902" cy="876422"/>
+          </a:xfrm>
+          <a:prstGeom prst="rect">
+            <a:avLst/>
+          </a:prstGeom>
+        </p:spPr>
+        <p:txBody>
+          <a:bodyPr vert="horz" lIns="91440" tIns="0" rIns="91440" bIns="0" rtlCol="0" anchor="t" anchorCtr="0">
+            <a:noAutofit/>
+          </a:bodyPr>
+          <a:lstStyle>
+            <a:defPPr>
+              <a:defRPr lang="fr-FR"/>
+            </a:defPPr>
+            <a:lvl1pPr marL="0" indent="0" algn="l" defTabSz="914400" rtl="0" eaLnBrk="1" latinLnBrk="0" hangingPunct="1">
+              <a:lnSpc>
+                <a:spcPct val="100000"/>
+              </a:lnSpc>
+              <a:spcBef>
+                <a:spcPts val="0"/>
+              </a:spcBef>
+              <a:spcAft>
+                <a:spcPts val="1200"/>
+              </a:spcAft>
+              <a:buFont typeface="Arial" panose="020B0604020202020204" pitchFamily="34" charset="0"/>
+              <a:buNone/>
+              <a:defRPr lang="fr-FR" sz="1800" kern="1200">
+                <a:solidFill>
+                  <a:schemeClr val="accent6"/>
+                </a:solidFill>
+                <a:latin typeface="+mn-lt"/>
+                <a:ea typeface="+mn-ea"/>
+                <a:cs typeface="+mn-cs"/>
+              </a:defRPr>
+            </a:lvl1pPr>
+            <a:lvl2pPr marL="685800" indent="-347472" algn="l" defTabSz="914400" rtl="0" eaLnBrk="1" latinLnBrk="0" hangingPunct="1">
+              <a:lnSpc>
+                <a:spcPct val="100000"/>
+              </a:lnSpc>
+              <a:spcBef>
+                <a:spcPts val="360"/>
+              </a:spcBef>
+              <a:buFont typeface="Arial" panose="020B0604020202020204" pitchFamily="34" charset="0"/>
+              <a:buChar char="•"/>
+              <a:defRPr lang="fr-FR" sz="2400" kern="1200">
+                <a:solidFill>
+                  <a:schemeClr val="accent6"/>
+                </a:solidFill>
+                <a:latin typeface="+mn-lt"/>
+                <a:ea typeface="+mn-ea"/>
+                <a:cs typeface="+mn-cs"/>
+              </a:defRPr>
+            </a:lvl2pPr>
+            <a:lvl3pPr marL="1143000" indent="-347472" algn="l" defTabSz="914400" rtl="0" eaLnBrk="1" latinLnBrk="0" hangingPunct="1">
+              <a:lnSpc>
+                <a:spcPct val="100000"/>
+              </a:lnSpc>
+              <a:spcBef>
+                <a:spcPts val="360"/>
+              </a:spcBef>
+              <a:buFont typeface="Arial" panose="020B0604020202020204" pitchFamily="34" charset="0"/>
+              <a:buChar char="•"/>
+              <a:defRPr lang="fr-FR" sz="2000" kern="1200">
+                <a:solidFill>
+                  <a:schemeClr val="accent6"/>
+                </a:solidFill>
+                <a:latin typeface="+mn-lt"/>
+                <a:ea typeface="+mn-ea"/>
+                <a:cs typeface="+mn-cs"/>
+              </a:defRPr>
+            </a:lvl3pPr>
+            <a:lvl4pPr marL="1600200" indent="-347472" algn="l" defTabSz="914400" rtl="0" eaLnBrk="1" latinLnBrk="0" hangingPunct="1">
+              <a:lnSpc>
+                <a:spcPct val="100000"/>
+              </a:lnSpc>
+              <a:spcBef>
+                <a:spcPts val="360"/>
+              </a:spcBef>
+              <a:buFont typeface="Arial" panose="020B0604020202020204" pitchFamily="34" charset="0"/>
+              <a:buChar char="•"/>
+              <a:defRPr lang="fr-FR" sz="1800" kern="1200">
+                <a:solidFill>
+                  <a:schemeClr val="accent6"/>
+                </a:solidFill>
+                <a:latin typeface="+mn-lt"/>
+                <a:ea typeface="+mn-ea"/>
+                <a:cs typeface="+mn-cs"/>
+              </a:defRPr>
+            </a:lvl4pPr>
+            <a:lvl5pPr marL="2057400" indent="-347472" algn="l" defTabSz="914400" rtl="0" eaLnBrk="1" latinLnBrk="0" hangingPunct="1">
+              <a:lnSpc>
+                <a:spcPct val="100000"/>
+              </a:lnSpc>
+              <a:spcBef>
+                <a:spcPts val="360"/>
+              </a:spcBef>
+              <a:buFont typeface="Arial" panose="020B0604020202020204" pitchFamily="34" charset="0"/>
+              <a:buChar char="•"/>
+              <a:defRPr lang="fr-FR" sz="1800" kern="1200">
+                <a:solidFill>
+                  <a:schemeClr val="accent6"/>
+                </a:solidFill>
+                <a:latin typeface="+mn-lt"/>
+                <a:ea typeface="+mn-ea"/>
+                <a:cs typeface="+mn-cs"/>
+              </a:defRPr>
+            </a:lvl5pPr>
+            <a:lvl6pPr marL="2514600" indent="-228600" algn="l" defTabSz="914400" rtl="0" eaLnBrk="1" latinLnBrk="0" hangingPunct="1">
+              <a:lnSpc>
+                <a:spcPct val="90000"/>
+              </a:lnSpc>
+              <a:spcBef>
+                <a:spcPts val="500"/>
+              </a:spcBef>
+              <a:buFont typeface="Arial" panose="020B0604020202020204" pitchFamily="34" charset="0"/>
+              <a:buChar char="•"/>
+              <a:defRPr lang="fr-FR" sz="1800" kern="1200">
+                <a:solidFill>
+                  <a:schemeClr val="tx1"/>
+                </a:solidFill>
+                <a:latin typeface="+mn-lt"/>
+                <a:ea typeface="+mn-ea"/>
+                <a:cs typeface="+mn-cs"/>
+              </a:defRPr>
+            </a:lvl6pPr>
+            <a:lvl7pPr marL="2971800" indent="-228600" algn="l" defTabSz="914400" rtl="0" eaLnBrk="1" latinLnBrk="0" hangingPunct="1">
+              <a:lnSpc>
+                <a:spcPct val="90000"/>
+              </a:lnSpc>
+              <a:spcBef>
+                <a:spcPts val="500"/>
+              </a:spcBef>
+              <a:buFont typeface="Arial" panose="020B0604020202020204" pitchFamily="34" charset="0"/>
+              <a:buChar char="•"/>
+              <a:defRPr lang="fr-FR" sz="1800" kern="1200">
+                <a:solidFill>
+                  <a:schemeClr val="tx1"/>
+                </a:solidFill>
+                <a:latin typeface="+mn-lt"/>
+                <a:ea typeface="+mn-ea"/>
+                <a:cs typeface="+mn-cs"/>
+              </a:defRPr>
+            </a:lvl7pPr>
+            <a:lvl8pPr marL="3429000" indent="-228600" algn="l" defTabSz="914400" rtl="0" eaLnBrk="1" latinLnBrk="0" hangingPunct="1">
+              <a:lnSpc>
+                <a:spcPct val="90000"/>
+              </a:lnSpc>
+              <a:spcBef>
+                <a:spcPts val="500"/>
+              </a:spcBef>
+              <a:buFont typeface="Arial" panose="020B0604020202020204" pitchFamily="34" charset="0"/>
+              <a:buChar char="•"/>
+              <a:defRPr lang="fr-FR" sz="1800" kern="1200">
+                <a:solidFill>
+                  <a:schemeClr val="tx1"/>
+                </a:solidFill>
+                <a:latin typeface="+mn-lt"/>
+                <a:ea typeface="+mn-ea"/>
+                <a:cs typeface="+mn-cs"/>
+              </a:defRPr>
+            </a:lvl8pPr>
+            <a:lvl9pPr marL="3886200" indent="-228600" algn="l" defTabSz="914400" rtl="0" eaLnBrk="1" latinLnBrk="0" hangingPunct="1">
+              <a:lnSpc>
+                <a:spcPct val="90000"/>
+              </a:lnSpc>
+              <a:spcBef>
+                <a:spcPts val="500"/>
+              </a:spcBef>
+              <a:buFont typeface="Arial" panose="020B0604020202020204" pitchFamily="34" charset="0"/>
+              <a:buChar char="•"/>
+              <a:defRPr lang="fr-FR" sz="1800" kern="1200">
+                <a:solidFill>
+                  <a:schemeClr val="tx1"/>
+                </a:solidFill>
+                <a:latin typeface="+mn-lt"/>
+                <a:ea typeface="+mn-ea"/>
+                <a:cs typeface="+mn-cs"/>
+              </a:defRPr>
+            </a:lvl9pPr>
+          </a:lstStyle>
+          <a:p>
+            <a:r>
+              <a:rPr lang="fr-FR" sz="2000" b="1" dirty="0"/>
+              <a:t>Mais alors dans un formulaire, on fait comment ?</a:t>
+            </a:r>
+          </a:p>
+          <a:p>
+            <a:r>
+              <a:rPr lang="fr-FR" sz="2000" dirty="0">
+                <a:sym typeface="Wingdings" panose="05000000000000000000" pitchFamily="2" charset="2"/>
+              </a:rPr>
+              <a:t> On appelle une fonction de mise à jour sur l’évènement (change</a:t>
+            </a:r>
+            <a:r>
+              <a:rPr lang="fr-FR" sz="2000" b="1" dirty="0">
+                <a:sym typeface="Wingdings" panose="05000000000000000000" pitchFamily="2" charset="2"/>
+              </a:rPr>
+              <a:t>)</a:t>
+            </a:r>
+            <a:endParaRPr lang="fr-FR" sz="2000" b="1" dirty="0"/>
+          </a:p>
+        </p:txBody>
+      </p:sp>
+      <p:sp>
+        <p:nvSpPr>
+          <p:cNvPr id="21" name="Espace réservé du texte 7">
+            <a:extLst>
+              <a:ext uri="{FF2B5EF4-FFF2-40B4-BE49-F238E27FC236}">
+                <a16:creationId xmlns:a16="http://schemas.microsoft.com/office/drawing/2014/main" id="{E7E7D99D-5597-DE4D-5542-695C384EBEEC}"/>
+              </a:ext>
+            </a:extLst>
+          </p:cNvPr>
+          <p:cNvSpPr txBox="1">
+            <a:spLocks/>
+          </p:cNvSpPr>
+          <p:nvPr/>
+        </p:nvSpPr>
+        <p:spPr>
+          <a:xfrm>
+            <a:off x="5770800" y="2895096"/>
+            <a:ext cx="650400" cy="480068"/>
+          </a:xfrm>
+          <a:prstGeom prst="rect">
+            <a:avLst/>
+          </a:prstGeom>
+        </p:spPr>
+        <p:txBody>
+          <a:bodyPr vert="horz" lIns="91440" tIns="0" rIns="91440" bIns="0" rtlCol="0" anchor="t" anchorCtr="0">
+            <a:noAutofit/>
+          </a:bodyPr>
+          <a:lstStyle>
+            <a:defPPr>
+              <a:defRPr lang="fr-FR"/>
+            </a:defPPr>
+            <a:lvl1pPr marL="0" indent="0" algn="l" defTabSz="914400" rtl="0" eaLnBrk="1" latinLnBrk="0" hangingPunct="1">
+              <a:lnSpc>
+                <a:spcPct val="100000"/>
+              </a:lnSpc>
+              <a:spcBef>
+                <a:spcPts val="0"/>
+              </a:spcBef>
+              <a:spcAft>
+                <a:spcPts val="1200"/>
+              </a:spcAft>
+              <a:buFont typeface="Arial" panose="020B0604020202020204" pitchFamily="34" charset="0"/>
+              <a:buNone/>
+              <a:defRPr lang="fr-FR" sz="1800" kern="1200">
+                <a:solidFill>
+                  <a:schemeClr val="accent6"/>
+                </a:solidFill>
+                <a:latin typeface="+mn-lt"/>
+                <a:ea typeface="+mn-ea"/>
+                <a:cs typeface="+mn-cs"/>
+              </a:defRPr>
+            </a:lvl1pPr>
+            <a:lvl2pPr marL="685800" indent="-347472" algn="l" defTabSz="914400" rtl="0" eaLnBrk="1" latinLnBrk="0" hangingPunct="1">
+              <a:lnSpc>
+                <a:spcPct val="100000"/>
+              </a:lnSpc>
+              <a:spcBef>
+                <a:spcPts val="360"/>
+              </a:spcBef>
+              <a:buFont typeface="Arial" panose="020B0604020202020204" pitchFamily="34" charset="0"/>
+              <a:buChar char="•"/>
+              <a:defRPr lang="fr-FR" sz="2400" kern="1200">
+                <a:solidFill>
+                  <a:schemeClr val="accent6"/>
+                </a:solidFill>
+                <a:latin typeface="+mn-lt"/>
+                <a:ea typeface="+mn-ea"/>
+                <a:cs typeface="+mn-cs"/>
+              </a:defRPr>
+            </a:lvl2pPr>
+            <a:lvl3pPr marL="1143000" indent="-347472" algn="l" defTabSz="914400" rtl="0" eaLnBrk="1" latinLnBrk="0" hangingPunct="1">
+              <a:lnSpc>
+                <a:spcPct val="100000"/>
+              </a:lnSpc>
+              <a:spcBef>
+                <a:spcPts val="360"/>
+              </a:spcBef>
+              <a:buFont typeface="Arial" panose="020B0604020202020204" pitchFamily="34" charset="0"/>
+              <a:buChar char="•"/>
+              <a:defRPr lang="fr-FR" sz="2000" kern="1200">
+                <a:solidFill>
+                  <a:schemeClr val="accent6"/>
+                </a:solidFill>
+                <a:latin typeface="+mn-lt"/>
+                <a:ea typeface="+mn-ea"/>
+                <a:cs typeface="+mn-cs"/>
+              </a:defRPr>
+            </a:lvl3pPr>
+            <a:lvl4pPr marL="1600200" indent="-347472" algn="l" defTabSz="914400" rtl="0" eaLnBrk="1" latinLnBrk="0" hangingPunct="1">
+              <a:lnSpc>
+                <a:spcPct val="100000"/>
+              </a:lnSpc>
+              <a:spcBef>
+                <a:spcPts val="360"/>
+              </a:spcBef>
+              <a:buFont typeface="Arial" panose="020B0604020202020204" pitchFamily="34" charset="0"/>
+              <a:buChar char="•"/>
+              <a:defRPr lang="fr-FR" sz="1800" kern="1200">
+                <a:solidFill>
+                  <a:schemeClr val="accent6"/>
+                </a:solidFill>
+                <a:latin typeface="+mn-lt"/>
+                <a:ea typeface="+mn-ea"/>
+                <a:cs typeface="+mn-cs"/>
+              </a:defRPr>
+            </a:lvl4pPr>
+            <a:lvl5pPr marL="2057400" indent="-347472" algn="l" defTabSz="914400" rtl="0" eaLnBrk="1" latinLnBrk="0" hangingPunct="1">
+              <a:lnSpc>
+                <a:spcPct val="100000"/>
+              </a:lnSpc>
+              <a:spcBef>
+                <a:spcPts val="360"/>
+              </a:spcBef>
+              <a:buFont typeface="Arial" panose="020B0604020202020204" pitchFamily="34" charset="0"/>
+              <a:buChar char="•"/>
+              <a:defRPr lang="fr-FR" sz="1800" kern="1200">
+                <a:solidFill>
+                  <a:schemeClr val="accent6"/>
+                </a:solidFill>
+                <a:latin typeface="+mn-lt"/>
+                <a:ea typeface="+mn-ea"/>
+                <a:cs typeface="+mn-cs"/>
+              </a:defRPr>
+            </a:lvl5pPr>
+            <a:lvl6pPr marL="2514600" indent="-228600" algn="l" defTabSz="914400" rtl="0" eaLnBrk="1" latinLnBrk="0" hangingPunct="1">
+              <a:lnSpc>
+                <a:spcPct val="90000"/>
+              </a:lnSpc>
+              <a:spcBef>
+                <a:spcPts val="500"/>
+              </a:spcBef>
+              <a:buFont typeface="Arial" panose="020B0604020202020204" pitchFamily="34" charset="0"/>
+              <a:buChar char="•"/>
+              <a:defRPr lang="fr-FR" sz="1800" kern="1200">
+                <a:solidFill>
+                  <a:schemeClr val="tx1"/>
+                </a:solidFill>
+                <a:latin typeface="+mn-lt"/>
+                <a:ea typeface="+mn-ea"/>
+                <a:cs typeface="+mn-cs"/>
+              </a:defRPr>
+            </a:lvl6pPr>
+            <a:lvl7pPr marL="2971800" indent="-228600" algn="l" defTabSz="914400" rtl="0" eaLnBrk="1" latinLnBrk="0" hangingPunct="1">
+              <a:lnSpc>
+                <a:spcPct val="90000"/>
+              </a:lnSpc>
+              <a:spcBef>
+                <a:spcPts val="500"/>
+              </a:spcBef>
+              <a:buFont typeface="Arial" panose="020B0604020202020204" pitchFamily="34" charset="0"/>
+              <a:buChar char="•"/>
+              <a:defRPr lang="fr-FR" sz="1800" kern="1200">
+                <a:solidFill>
+                  <a:schemeClr val="tx1"/>
+                </a:solidFill>
+                <a:latin typeface="+mn-lt"/>
+                <a:ea typeface="+mn-ea"/>
+                <a:cs typeface="+mn-cs"/>
+              </a:defRPr>
+            </a:lvl7pPr>
+            <a:lvl8pPr marL="3429000" indent="-228600" algn="l" defTabSz="914400" rtl="0" eaLnBrk="1" latinLnBrk="0" hangingPunct="1">
+              <a:lnSpc>
+                <a:spcPct val="90000"/>
+              </a:lnSpc>
+              <a:spcBef>
+                <a:spcPts val="500"/>
+              </a:spcBef>
+              <a:buFont typeface="Arial" panose="020B0604020202020204" pitchFamily="34" charset="0"/>
+              <a:buChar char="•"/>
+              <a:defRPr lang="fr-FR" sz="1800" kern="1200">
+                <a:solidFill>
+                  <a:schemeClr val="tx1"/>
+                </a:solidFill>
+                <a:latin typeface="+mn-lt"/>
+                <a:ea typeface="+mn-ea"/>
+                <a:cs typeface="+mn-cs"/>
+              </a:defRPr>
+            </a:lvl8pPr>
+            <a:lvl9pPr marL="3886200" indent="-228600" algn="l" defTabSz="914400" rtl="0" eaLnBrk="1" latinLnBrk="0" hangingPunct="1">
+              <a:lnSpc>
+                <a:spcPct val="90000"/>
+              </a:lnSpc>
+              <a:spcBef>
+                <a:spcPts val="500"/>
+              </a:spcBef>
+              <a:buFont typeface="Arial" panose="020B0604020202020204" pitchFamily="34" charset="0"/>
+              <a:buChar char="•"/>
+              <a:defRPr lang="fr-FR" sz="1800" kern="1200">
+                <a:solidFill>
+                  <a:schemeClr val="tx1"/>
+                </a:solidFill>
+                <a:latin typeface="+mn-lt"/>
+                <a:ea typeface="+mn-ea"/>
+                <a:cs typeface="+mn-cs"/>
+              </a:defRPr>
+            </a:lvl9pPr>
+          </a:lstStyle>
+          <a:p>
+            <a:pPr algn="ctr"/>
+            <a:r>
+              <a:rPr lang="fr-FR" sz="2000" b="1" dirty="0">
+                <a:solidFill>
+                  <a:srgbClr val="C00000"/>
+                </a:solidFill>
+              </a:rPr>
+              <a:t>ou</a:t>
+            </a:r>
+          </a:p>
+        </p:txBody>
+      </p:sp>
+      <p:pic>
+        <p:nvPicPr>
+          <p:cNvPr id="4" name="Image 3">
+            <a:extLst>
+              <a:ext uri="{FF2B5EF4-FFF2-40B4-BE49-F238E27FC236}">
+                <a16:creationId xmlns:a16="http://schemas.microsoft.com/office/drawing/2014/main" id="{A9920489-28EA-C49B-9ADD-D0B6F8BCA594}"/>
+              </a:ext>
+            </a:extLst>
+          </p:cNvPr>
+          <p:cNvPicPr>
+            <a:picLocks noChangeAspect="1"/>
+          </p:cNvPicPr>
+          <p:nvPr/>
+        </p:nvPicPr>
+        <p:blipFill>
+          <a:blip r:embed="rId3"/>
+          <a:stretch>
+            <a:fillRect/>
+          </a:stretch>
+        </p:blipFill>
+        <p:spPr>
+          <a:xfrm>
+            <a:off x="360086" y="2696919"/>
+            <a:ext cx="5182323" cy="876422"/>
+          </a:xfrm>
+          <a:prstGeom prst="rect">
+            <a:avLst/>
+          </a:prstGeom>
+        </p:spPr>
+      </p:pic>
+      <p:pic>
+        <p:nvPicPr>
+          <p:cNvPr id="7" name="Image 6">
+            <a:extLst>
+              <a:ext uri="{FF2B5EF4-FFF2-40B4-BE49-F238E27FC236}">
+                <a16:creationId xmlns:a16="http://schemas.microsoft.com/office/drawing/2014/main" id="{085CBDA8-8FA3-A936-B0FE-A0AD33B61DB5}"/>
+              </a:ext>
+            </a:extLst>
+          </p:cNvPr>
+          <p:cNvPicPr>
+            <a:picLocks noChangeAspect="1"/>
+          </p:cNvPicPr>
+          <p:nvPr/>
+        </p:nvPicPr>
+        <p:blipFill>
+          <a:blip r:embed="rId4"/>
+          <a:stretch>
+            <a:fillRect/>
+          </a:stretch>
+        </p:blipFill>
+        <p:spPr>
+          <a:xfrm>
+            <a:off x="6549803" y="2673103"/>
+            <a:ext cx="5220429" cy="924054"/>
+          </a:xfrm>
+          <a:prstGeom prst="rect">
+            <a:avLst/>
+          </a:prstGeom>
+        </p:spPr>
+      </p:pic>
+      <p:pic>
+        <p:nvPicPr>
+          <p:cNvPr id="12" name="Image 11">
+            <a:extLst>
+              <a:ext uri="{FF2B5EF4-FFF2-40B4-BE49-F238E27FC236}">
+                <a16:creationId xmlns:a16="http://schemas.microsoft.com/office/drawing/2014/main" id="{01F164CA-AEBC-E584-8B16-4156171E019F}"/>
+              </a:ext>
+            </a:extLst>
+          </p:cNvPr>
+          <p:cNvPicPr>
+            <a:picLocks noChangeAspect="1"/>
+          </p:cNvPicPr>
+          <p:nvPr/>
+        </p:nvPicPr>
+        <p:blipFill>
+          <a:blip r:embed="rId5"/>
+          <a:stretch>
+            <a:fillRect/>
+          </a:stretch>
+        </p:blipFill>
+        <p:spPr>
+          <a:xfrm>
+            <a:off x="1336289" y="5059346"/>
+            <a:ext cx="9571759" cy="1036653"/>
+          </a:xfrm>
+          <a:prstGeom prst="rect">
+            <a:avLst/>
+          </a:prstGeom>
+        </p:spPr>
+      </p:pic>
+    </p:spTree>
+    <p:extLst>
+      <p:ext uri="{BB962C8B-B14F-4D97-AF65-F5344CB8AC3E}">
+        <p14:creationId xmlns:p14="http://schemas.microsoft.com/office/powerpoint/2010/main" val="697372914"/>
+      </p:ext>
+    </p:extLst>
+  </p:cSld>
+  <p:clrMapOvr>
+    <a:masterClrMapping/>
+  </p:clrMapOvr>
+  <p:timing>
+    <p:tnLst>
+      <p:par>
+        <p:cTn id="1" dur="indefinite" restart="never" nodeType="tmRoot">
+          <p:childTnLst>
+            <p:seq concurrent="1" nextAc="seek">
+              <p:cTn id="2" dur="indefinite" nodeType="mainSeq">
+                <p:childTnLst>
+                  <p:par>
+                    <p:cTn id="3" fill="hold">
+                      <p:stCondLst>
+                        <p:cond delay="indefinite"/>
+                      </p:stCondLst>
+                      <p:childTnLst>
+                        <p:par>
+                          <p:cTn id="4" fill="hold">
+                            <p:stCondLst>
+                              <p:cond delay="0"/>
+                            </p:stCondLst>
+                            <p:childTnLst>
+                              <p:par>
+                                <p:cTn id="5" presetID="10" presetClass="entr" presetSubtype="0" fill="hold" grpId="0" nodeType="clickEffect">
+                                  <p:stCondLst>
+                                    <p:cond delay="0"/>
+                                  </p:stCondLst>
+                                  <p:childTnLst>
+                                    <p:set>
+                                      <p:cBhvr>
+                                        <p:cTn id="6" dur="1" fill="hold">
+                                          <p:stCondLst>
+                                            <p:cond delay="0"/>
+                                          </p:stCondLst>
+                                        </p:cTn>
+                                        <p:tgtEl>
+                                          <p:spTgt spid="16"/>
+                                        </p:tgtEl>
+                                        <p:attrNameLst>
+                                          <p:attrName>style.visibility</p:attrName>
+                                        </p:attrNameLst>
+                                      </p:cBhvr>
+                                      <p:to>
+                                        <p:strVal val="visible"/>
+                                      </p:to>
+                                    </p:set>
+                                    <p:animEffect transition="in" filter="fade">
+                                      <p:cBhvr>
+                                        <p:cTn id="7" dur="500"/>
+                                        <p:tgtEl>
+                                          <p:spTgt spid="16"/>
+                                        </p:tgtEl>
+                                      </p:cBhvr>
+                                    </p:animEffect>
+                                  </p:childTnLst>
+                                </p:cTn>
+                              </p:par>
+                            </p:childTnLst>
+                          </p:cTn>
+                        </p:par>
+                      </p:childTnLst>
+                    </p:cTn>
+                  </p:par>
+                  <p:par>
+                    <p:cTn id="8" fill="hold">
+                      <p:stCondLst>
+                        <p:cond delay="indefinite"/>
+                      </p:stCondLst>
+                      <p:childTnLst>
+                        <p:par>
+                          <p:cTn id="9" fill="hold">
+                            <p:stCondLst>
+                              <p:cond delay="0"/>
+                            </p:stCondLst>
+                            <p:childTnLst>
+                              <p:par>
+                                <p:cTn id="10" presetID="10" presetClass="entr" presetSubtype="0" fill="hold" nodeType="clickEffect">
+                                  <p:stCondLst>
+                                    <p:cond delay="0"/>
+                                  </p:stCondLst>
+                                  <p:childTnLst>
+                                    <p:set>
+                                      <p:cBhvr>
+                                        <p:cTn id="11" dur="1" fill="hold">
+                                          <p:stCondLst>
+                                            <p:cond delay="0"/>
+                                          </p:stCondLst>
+                                        </p:cTn>
+                                        <p:tgtEl>
+                                          <p:spTgt spid="12"/>
+                                        </p:tgtEl>
+                                        <p:attrNameLst>
+                                          <p:attrName>style.visibility</p:attrName>
+                                        </p:attrNameLst>
+                                      </p:cBhvr>
+                                      <p:to>
+                                        <p:strVal val="visible"/>
+                                      </p:to>
+                                    </p:set>
+                                    <p:animEffect transition="in" filter="fade">
+                                      <p:cBhvr>
+                                        <p:cTn id="12" dur="500"/>
+                                        <p:tgtEl>
+                                          <p:spTgt spid="12"/>
+                                        </p:tgtEl>
+                                      </p:cBhvr>
+                                    </p:animEffect>
+                                  </p:childTnLst>
+                                </p:cTn>
+                              </p:par>
+                            </p:childTnLst>
+                          </p:cTn>
+                        </p:par>
+                      </p:childTnLst>
+                    </p:cTn>
+                  </p:par>
+                </p:childTnLst>
+              </p:cTn>
+              <p:prevCondLst>
+                <p:cond evt="onPrev" delay="0">
+                  <p:tgtEl>
+                    <p:sldTgt/>
+                  </p:tgtEl>
+                </p:cond>
+              </p:prevCondLst>
+              <p:nextCondLst>
+                <p:cond evt="onNext" delay="0">
+                  <p:tgtEl>
+                    <p:sldTgt/>
+                  </p:tgtEl>
+                </p:cond>
+              </p:nextCondLst>
+            </p:seq>
+          </p:childTnLst>
+        </p:cTn>
+      </p:par>
+    </p:tnLst>
+    <p:bldLst>
+      <p:bldP spid="16" grpId="0"/>
+    </p:bldLst>
+  </p:timing>
+</p:sld>
+</file>
+
+<file path=ppt/slides/slide11.xml><?xml version="1.0" encoding="utf-8"?>
+<p:sld xmlns:a="http://schemas.openxmlformats.org/drawingml/2006/main" xmlns:r="http://schemas.openxmlformats.org/officeDocument/2006/relationships" xmlns:p="http://schemas.openxmlformats.org/presentationml/2006/main">
+  <p:cSld>
+    <p:spTree>
+      <p:nvGrpSpPr>
+        <p:cNvPr id="1" name=""/>
+        <p:cNvGrpSpPr/>
+        <p:nvPr/>
+      </p:nvGrpSpPr>
+      <p:grpSpPr>
+        <a:xfrm>
+          <a:off x="0" y="0"/>
+          <a:ext cx="0" cy="0"/>
+          <a:chOff x="0" y="0"/>
+          <a:chExt cx="0" cy="0"/>
+        </a:xfrm>
+      </p:grpSpPr>
+      <p:sp>
+        <p:nvSpPr>
+          <p:cNvPr id="5" name="Titre 4">
+            <a:extLst>
+              <a:ext uri="{FF2B5EF4-FFF2-40B4-BE49-F238E27FC236}">
+                <a16:creationId xmlns:a16="http://schemas.microsoft.com/office/drawing/2014/main" id="{2136FCF6-982C-CC37-9625-3EBFC7E7DD13}"/>
+              </a:ext>
+            </a:extLst>
+          </p:cNvPr>
+          <p:cNvSpPr>
+            <a:spLocks noGrp="1"/>
+          </p:cNvSpPr>
+          <p:nvPr>
+            <p:ph type="title"/>
+          </p:nvPr>
+        </p:nvSpPr>
+        <p:spPr>
+          <a:xfrm>
+            <a:off x="1750141" y="607429"/>
+            <a:ext cx="9599325" cy="980844"/>
+          </a:xfrm>
+        </p:spPr>
+        <p:txBody>
+          <a:bodyPr rtlCol="0"/>
+          <a:lstStyle>
+            <a:defPPr>
+              <a:defRPr lang="fr-FR"/>
+            </a:defPPr>
+          </a:lstStyle>
+          <a:p>
+            <a:pPr rtl="0"/>
+            <a:r>
+              <a:rPr lang="fr-FR" dirty="0" err="1"/>
+              <a:t>Computed</a:t>
+            </a:r>
+            <a:r>
+              <a:rPr lang="fr-FR" dirty="0"/>
+              <a:t> signal</a:t>
+            </a:r>
+          </a:p>
+        </p:txBody>
+      </p:sp>
+      <p:sp>
+        <p:nvSpPr>
+          <p:cNvPr id="2" name="Espace réservé du numéro de diapositive 1">
+            <a:extLst>
+              <a:ext uri="{FF2B5EF4-FFF2-40B4-BE49-F238E27FC236}">
+                <a16:creationId xmlns:a16="http://schemas.microsoft.com/office/drawing/2014/main" id="{A913EEC9-16E3-6C86-97D0-A7EC7EA09CDA}"/>
+              </a:ext>
+            </a:extLst>
+          </p:cNvPr>
+          <p:cNvSpPr>
+            <a:spLocks noGrp="1"/>
+          </p:cNvSpPr>
+          <p:nvPr>
+            <p:ph type="sldNum" sz="quarter" idx="10"/>
+          </p:nvPr>
+        </p:nvSpPr>
+        <p:spPr>
+          <a:xfrm>
+            <a:off x="10358437" y="457199"/>
+            <a:ext cx="1067589" cy="471489"/>
+          </a:xfrm>
+        </p:spPr>
+        <p:txBody>
+          <a:bodyPr rtlCol="0"/>
+          <a:lstStyle>
+            <a:defPPr>
+              <a:defRPr lang="fr-FR"/>
+            </a:defPPr>
+          </a:lstStyle>
+          <a:p>
+            <a:pPr rtl="0"/>
+            <a:fld id="{48F63A3B-78C7-47BE-AE5E-E10140E04643}" type="slidenum">
+              <a:rPr lang="fr-FR" smtClean="0"/>
+              <a:pPr rtl="0"/>
+              <a:t>11</a:t>
+            </a:fld>
+            <a:endParaRPr lang="fr-FR" dirty="0"/>
+          </a:p>
+        </p:txBody>
+      </p:sp>
+      <p:sp>
+        <p:nvSpPr>
+          <p:cNvPr id="8" name="Espace réservé du texte 7">
+            <a:extLst>
+              <a:ext uri="{FF2B5EF4-FFF2-40B4-BE49-F238E27FC236}">
+                <a16:creationId xmlns:a16="http://schemas.microsoft.com/office/drawing/2014/main" id="{9836654E-34BC-0D87-64C4-E6BD9E762813}"/>
+              </a:ext>
+            </a:extLst>
+          </p:cNvPr>
+          <p:cNvSpPr>
+            <a:spLocks noGrp="1"/>
+          </p:cNvSpPr>
+          <p:nvPr>
+            <p:ph type="body" sz="quarter" idx="13"/>
+          </p:nvPr>
+        </p:nvSpPr>
+        <p:spPr>
+          <a:xfrm>
+            <a:off x="1750141" y="1882850"/>
+            <a:ext cx="7983794" cy="611239"/>
+          </a:xfrm>
+        </p:spPr>
+        <p:txBody>
+          <a:bodyPr/>
+          <a:lstStyle/>
+          <a:p>
+            <a:pPr algn="ctr"/>
+            <a:r>
+              <a:rPr lang="fr-FR" sz="2000" dirty="0"/>
+              <a:t>Il est possible de créer des signaux qui dépendent d’autres signaux</a:t>
+            </a:r>
+          </a:p>
+        </p:txBody>
+      </p:sp>
+      <p:sp>
+        <p:nvSpPr>
+          <p:cNvPr id="16" name="Espace réservé du texte 7">
+            <a:extLst>
+              <a:ext uri="{FF2B5EF4-FFF2-40B4-BE49-F238E27FC236}">
+                <a16:creationId xmlns:a16="http://schemas.microsoft.com/office/drawing/2014/main" id="{8A227A2C-B883-A063-D992-75D8B9A79154}"/>
+              </a:ext>
+            </a:extLst>
+          </p:cNvPr>
+          <p:cNvSpPr txBox="1">
+            <a:spLocks/>
+          </p:cNvSpPr>
+          <p:nvPr/>
+        </p:nvSpPr>
+        <p:spPr>
+          <a:xfrm>
+            <a:off x="193447" y="2533080"/>
+            <a:ext cx="2254790" cy="876422"/>
+          </a:xfrm>
+          <a:prstGeom prst="rect">
+            <a:avLst/>
+          </a:prstGeom>
+        </p:spPr>
+        <p:txBody>
+          <a:bodyPr vert="horz" lIns="91440" tIns="0" rIns="91440" bIns="0" rtlCol="0" anchor="t" anchorCtr="0">
+            <a:noAutofit/>
+          </a:bodyPr>
+          <a:lstStyle>
+            <a:defPPr>
+              <a:defRPr lang="fr-FR"/>
+            </a:defPPr>
+            <a:lvl1pPr marL="0" indent="0" algn="l" defTabSz="914400" rtl="0" eaLnBrk="1" latinLnBrk="0" hangingPunct="1">
+              <a:lnSpc>
+                <a:spcPct val="100000"/>
+              </a:lnSpc>
+              <a:spcBef>
+                <a:spcPts val="0"/>
+              </a:spcBef>
+              <a:spcAft>
+                <a:spcPts val="1200"/>
+              </a:spcAft>
+              <a:buFont typeface="Arial" panose="020B0604020202020204" pitchFamily="34" charset="0"/>
+              <a:buNone/>
+              <a:defRPr lang="fr-FR" sz="1800" kern="1200">
+                <a:solidFill>
+                  <a:schemeClr val="accent6"/>
+                </a:solidFill>
+                <a:latin typeface="+mn-lt"/>
+                <a:ea typeface="+mn-ea"/>
+                <a:cs typeface="+mn-cs"/>
+              </a:defRPr>
+            </a:lvl1pPr>
+            <a:lvl2pPr marL="685800" indent="-347472" algn="l" defTabSz="914400" rtl="0" eaLnBrk="1" latinLnBrk="0" hangingPunct="1">
+              <a:lnSpc>
+                <a:spcPct val="100000"/>
+              </a:lnSpc>
+              <a:spcBef>
+                <a:spcPts val="360"/>
+              </a:spcBef>
+              <a:buFont typeface="Arial" panose="020B0604020202020204" pitchFamily="34" charset="0"/>
+              <a:buChar char="•"/>
+              <a:defRPr lang="fr-FR" sz="2400" kern="1200">
+                <a:solidFill>
+                  <a:schemeClr val="accent6"/>
+                </a:solidFill>
+                <a:latin typeface="+mn-lt"/>
+                <a:ea typeface="+mn-ea"/>
+                <a:cs typeface="+mn-cs"/>
+              </a:defRPr>
+            </a:lvl2pPr>
+            <a:lvl3pPr marL="1143000" indent="-347472" algn="l" defTabSz="914400" rtl="0" eaLnBrk="1" latinLnBrk="0" hangingPunct="1">
+              <a:lnSpc>
+                <a:spcPct val="100000"/>
+              </a:lnSpc>
+              <a:spcBef>
+                <a:spcPts val="360"/>
+              </a:spcBef>
+              <a:buFont typeface="Arial" panose="020B0604020202020204" pitchFamily="34" charset="0"/>
+              <a:buChar char="•"/>
+              <a:defRPr lang="fr-FR" sz="2000" kern="1200">
+                <a:solidFill>
+                  <a:schemeClr val="accent6"/>
+                </a:solidFill>
+                <a:latin typeface="+mn-lt"/>
+                <a:ea typeface="+mn-ea"/>
+                <a:cs typeface="+mn-cs"/>
+              </a:defRPr>
+            </a:lvl3pPr>
+            <a:lvl4pPr marL="1600200" indent="-347472" algn="l" defTabSz="914400" rtl="0" eaLnBrk="1" latinLnBrk="0" hangingPunct="1">
+              <a:lnSpc>
+                <a:spcPct val="100000"/>
+              </a:lnSpc>
+              <a:spcBef>
+                <a:spcPts val="360"/>
+              </a:spcBef>
+              <a:buFont typeface="Arial" panose="020B0604020202020204" pitchFamily="34" charset="0"/>
+              <a:buChar char="•"/>
+              <a:defRPr lang="fr-FR" sz="1800" kern="1200">
+                <a:solidFill>
+                  <a:schemeClr val="accent6"/>
+                </a:solidFill>
+                <a:latin typeface="+mn-lt"/>
+                <a:ea typeface="+mn-ea"/>
+                <a:cs typeface="+mn-cs"/>
+              </a:defRPr>
+            </a:lvl4pPr>
+            <a:lvl5pPr marL="2057400" indent="-347472" algn="l" defTabSz="914400" rtl="0" eaLnBrk="1" latinLnBrk="0" hangingPunct="1">
+              <a:lnSpc>
+                <a:spcPct val="100000"/>
+              </a:lnSpc>
+              <a:spcBef>
+                <a:spcPts val="360"/>
+              </a:spcBef>
+              <a:buFont typeface="Arial" panose="020B0604020202020204" pitchFamily="34" charset="0"/>
+              <a:buChar char="•"/>
+              <a:defRPr lang="fr-FR" sz="1800" kern="1200">
+                <a:solidFill>
+                  <a:schemeClr val="accent6"/>
+                </a:solidFill>
+                <a:latin typeface="+mn-lt"/>
+                <a:ea typeface="+mn-ea"/>
+                <a:cs typeface="+mn-cs"/>
+              </a:defRPr>
+            </a:lvl5pPr>
+            <a:lvl6pPr marL="2514600" indent="-228600" algn="l" defTabSz="914400" rtl="0" eaLnBrk="1" latinLnBrk="0" hangingPunct="1">
+              <a:lnSpc>
+                <a:spcPct val="90000"/>
+              </a:lnSpc>
+              <a:spcBef>
+                <a:spcPts val="500"/>
+              </a:spcBef>
+              <a:buFont typeface="Arial" panose="020B0604020202020204" pitchFamily="34" charset="0"/>
+              <a:buChar char="•"/>
+              <a:defRPr lang="fr-FR" sz="1800" kern="1200">
+                <a:solidFill>
+                  <a:schemeClr val="tx1"/>
+                </a:solidFill>
+                <a:latin typeface="+mn-lt"/>
+                <a:ea typeface="+mn-ea"/>
+                <a:cs typeface="+mn-cs"/>
+              </a:defRPr>
+            </a:lvl6pPr>
+            <a:lvl7pPr marL="2971800" indent="-228600" algn="l" defTabSz="914400" rtl="0" eaLnBrk="1" latinLnBrk="0" hangingPunct="1">
+              <a:lnSpc>
+                <a:spcPct val="90000"/>
+              </a:lnSpc>
+              <a:spcBef>
+                <a:spcPts val="500"/>
+              </a:spcBef>
+              <a:buFont typeface="Arial" panose="020B0604020202020204" pitchFamily="34" charset="0"/>
+              <a:buChar char="•"/>
+              <a:defRPr lang="fr-FR" sz="1800" kern="1200">
+                <a:solidFill>
+                  <a:schemeClr val="tx1"/>
+                </a:solidFill>
+                <a:latin typeface="+mn-lt"/>
+                <a:ea typeface="+mn-ea"/>
+                <a:cs typeface="+mn-cs"/>
+              </a:defRPr>
+            </a:lvl7pPr>
+            <a:lvl8pPr marL="3429000" indent="-228600" algn="l" defTabSz="914400" rtl="0" eaLnBrk="1" latinLnBrk="0" hangingPunct="1">
+              <a:lnSpc>
+                <a:spcPct val="90000"/>
+              </a:lnSpc>
+              <a:spcBef>
+                <a:spcPts val="500"/>
+              </a:spcBef>
+              <a:buFont typeface="Arial" panose="020B0604020202020204" pitchFamily="34" charset="0"/>
+              <a:buChar char="•"/>
+              <a:defRPr lang="fr-FR" sz="1800" kern="1200">
+                <a:solidFill>
+                  <a:schemeClr val="tx1"/>
+                </a:solidFill>
+                <a:latin typeface="+mn-lt"/>
+                <a:ea typeface="+mn-ea"/>
+                <a:cs typeface="+mn-cs"/>
+              </a:defRPr>
+            </a:lvl8pPr>
+            <a:lvl9pPr marL="3886200" indent="-228600" algn="l" defTabSz="914400" rtl="0" eaLnBrk="1" latinLnBrk="0" hangingPunct="1">
+              <a:lnSpc>
+                <a:spcPct val="90000"/>
+              </a:lnSpc>
+              <a:spcBef>
+                <a:spcPts val="500"/>
+              </a:spcBef>
+              <a:buFont typeface="Arial" panose="020B0604020202020204" pitchFamily="34" charset="0"/>
+              <a:buChar char="•"/>
+              <a:defRPr lang="fr-FR" sz="1800" kern="1200">
+                <a:solidFill>
+                  <a:schemeClr val="tx1"/>
+                </a:solidFill>
+                <a:latin typeface="+mn-lt"/>
+                <a:ea typeface="+mn-ea"/>
+                <a:cs typeface="+mn-cs"/>
+              </a:defRPr>
+            </a:lvl9pPr>
+          </a:lstStyle>
+          <a:p>
+            <a:pPr algn="ctr"/>
+            <a:r>
+              <a:rPr lang="fr-FR" sz="2000" b="1" dirty="0">
+                <a:solidFill>
+                  <a:srgbClr val="C00000"/>
+                </a:solidFill>
+              </a:rPr>
+              <a:t>Signal « parent » : </a:t>
+            </a:r>
+          </a:p>
+        </p:txBody>
+      </p:sp>
+      <p:pic>
+        <p:nvPicPr>
+          <p:cNvPr id="6" name="Image 5">
+            <a:extLst>
+              <a:ext uri="{FF2B5EF4-FFF2-40B4-BE49-F238E27FC236}">
+                <a16:creationId xmlns:a16="http://schemas.microsoft.com/office/drawing/2014/main" id="{D811EF60-022C-03B4-DA67-59C79595C407}"/>
+              </a:ext>
+            </a:extLst>
+          </p:cNvPr>
+          <p:cNvPicPr>
+            <a:picLocks noChangeAspect="1"/>
+          </p:cNvPicPr>
+          <p:nvPr/>
+        </p:nvPicPr>
+        <p:blipFill>
+          <a:blip r:embed="rId3"/>
+          <a:stretch>
+            <a:fillRect/>
+          </a:stretch>
+        </p:blipFill>
+        <p:spPr>
+          <a:xfrm>
+            <a:off x="2613821" y="2463509"/>
+            <a:ext cx="8199836" cy="611239"/>
+          </a:xfrm>
+          <a:prstGeom prst="rect">
+            <a:avLst/>
+          </a:prstGeom>
+        </p:spPr>
+      </p:pic>
+      <p:pic>
+        <p:nvPicPr>
+          <p:cNvPr id="10" name="Image 9">
+            <a:extLst>
+              <a:ext uri="{FF2B5EF4-FFF2-40B4-BE49-F238E27FC236}">
+                <a16:creationId xmlns:a16="http://schemas.microsoft.com/office/drawing/2014/main" id="{610947E6-E8EA-8C0C-A375-8171506F19A6}"/>
+              </a:ext>
+            </a:extLst>
+          </p:cNvPr>
+          <p:cNvPicPr>
+            <a:picLocks noChangeAspect="1"/>
+          </p:cNvPicPr>
+          <p:nvPr/>
+        </p:nvPicPr>
+        <p:blipFill>
+          <a:blip r:embed="rId4"/>
+          <a:stretch>
+            <a:fillRect/>
+          </a:stretch>
+        </p:blipFill>
+        <p:spPr>
+          <a:xfrm>
+            <a:off x="2613821" y="3783252"/>
+            <a:ext cx="9267539" cy="2617549"/>
+          </a:xfrm>
+          <a:prstGeom prst="rect">
+            <a:avLst/>
+          </a:prstGeom>
+        </p:spPr>
+      </p:pic>
+      <p:sp>
+        <p:nvSpPr>
+          <p:cNvPr id="11" name="Espace réservé du texte 7">
+            <a:extLst>
+              <a:ext uri="{FF2B5EF4-FFF2-40B4-BE49-F238E27FC236}">
+                <a16:creationId xmlns:a16="http://schemas.microsoft.com/office/drawing/2014/main" id="{01AFF5E7-6CFA-6F7C-A123-248E1D860D89}"/>
+              </a:ext>
+            </a:extLst>
+          </p:cNvPr>
+          <p:cNvSpPr txBox="1">
+            <a:spLocks/>
+          </p:cNvSpPr>
+          <p:nvPr/>
+        </p:nvSpPr>
+        <p:spPr>
+          <a:xfrm>
+            <a:off x="193447" y="4771193"/>
+            <a:ext cx="2254790" cy="876422"/>
+          </a:xfrm>
+          <a:prstGeom prst="rect">
+            <a:avLst/>
+          </a:prstGeom>
+        </p:spPr>
+        <p:txBody>
+          <a:bodyPr vert="horz" lIns="91440" tIns="0" rIns="91440" bIns="0" rtlCol="0" anchor="t" anchorCtr="0">
+            <a:noAutofit/>
+          </a:bodyPr>
+          <a:lstStyle>
+            <a:defPPr>
+              <a:defRPr lang="fr-FR"/>
+            </a:defPPr>
+            <a:lvl1pPr marL="0" indent="0" algn="l" defTabSz="914400" rtl="0" eaLnBrk="1" latinLnBrk="0" hangingPunct="1">
+              <a:lnSpc>
+                <a:spcPct val="100000"/>
+              </a:lnSpc>
+              <a:spcBef>
+                <a:spcPts val="0"/>
+              </a:spcBef>
+              <a:spcAft>
+                <a:spcPts val="1200"/>
+              </a:spcAft>
+              <a:buFont typeface="Arial" panose="020B0604020202020204" pitchFamily="34" charset="0"/>
+              <a:buNone/>
+              <a:defRPr lang="fr-FR" sz="1800" kern="1200">
+                <a:solidFill>
+                  <a:schemeClr val="accent6"/>
+                </a:solidFill>
+                <a:latin typeface="+mn-lt"/>
+                <a:ea typeface="+mn-ea"/>
+                <a:cs typeface="+mn-cs"/>
+              </a:defRPr>
+            </a:lvl1pPr>
+            <a:lvl2pPr marL="685800" indent="-347472" algn="l" defTabSz="914400" rtl="0" eaLnBrk="1" latinLnBrk="0" hangingPunct="1">
+              <a:lnSpc>
+                <a:spcPct val="100000"/>
+              </a:lnSpc>
+              <a:spcBef>
+                <a:spcPts val="360"/>
+              </a:spcBef>
+              <a:buFont typeface="Arial" panose="020B0604020202020204" pitchFamily="34" charset="0"/>
+              <a:buChar char="•"/>
+              <a:defRPr lang="fr-FR" sz="2400" kern="1200">
+                <a:solidFill>
+                  <a:schemeClr val="accent6"/>
+                </a:solidFill>
+                <a:latin typeface="+mn-lt"/>
+                <a:ea typeface="+mn-ea"/>
+                <a:cs typeface="+mn-cs"/>
+              </a:defRPr>
+            </a:lvl2pPr>
+            <a:lvl3pPr marL="1143000" indent="-347472" algn="l" defTabSz="914400" rtl="0" eaLnBrk="1" latinLnBrk="0" hangingPunct="1">
+              <a:lnSpc>
+                <a:spcPct val="100000"/>
+              </a:lnSpc>
+              <a:spcBef>
+                <a:spcPts val="360"/>
+              </a:spcBef>
+              <a:buFont typeface="Arial" panose="020B0604020202020204" pitchFamily="34" charset="0"/>
+              <a:buChar char="•"/>
+              <a:defRPr lang="fr-FR" sz="2000" kern="1200">
+                <a:solidFill>
+                  <a:schemeClr val="accent6"/>
+                </a:solidFill>
+                <a:latin typeface="+mn-lt"/>
+                <a:ea typeface="+mn-ea"/>
+                <a:cs typeface="+mn-cs"/>
+              </a:defRPr>
+            </a:lvl3pPr>
+            <a:lvl4pPr marL="1600200" indent="-347472" algn="l" defTabSz="914400" rtl="0" eaLnBrk="1" latinLnBrk="0" hangingPunct="1">
+              <a:lnSpc>
+                <a:spcPct val="100000"/>
+              </a:lnSpc>
+              <a:spcBef>
+                <a:spcPts val="360"/>
+              </a:spcBef>
+              <a:buFont typeface="Arial" panose="020B0604020202020204" pitchFamily="34" charset="0"/>
+              <a:buChar char="•"/>
+              <a:defRPr lang="fr-FR" sz="1800" kern="1200">
+                <a:solidFill>
+                  <a:schemeClr val="accent6"/>
+                </a:solidFill>
+                <a:latin typeface="+mn-lt"/>
+                <a:ea typeface="+mn-ea"/>
+                <a:cs typeface="+mn-cs"/>
+              </a:defRPr>
+            </a:lvl4pPr>
+            <a:lvl5pPr marL="2057400" indent="-347472" algn="l" defTabSz="914400" rtl="0" eaLnBrk="1" latinLnBrk="0" hangingPunct="1">
+              <a:lnSpc>
+                <a:spcPct val="100000"/>
+              </a:lnSpc>
+              <a:spcBef>
+                <a:spcPts val="360"/>
+              </a:spcBef>
+              <a:buFont typeface="Arial" panose="020B0604020202020204" pitchFamily="34" charset="0"/>
+              <a:buChar char="•"/>
+              <a:defRPr lang="fr-FR" sz="1800" kern="1200">
+                <a:solidFill>
+                  <a:schemeClr val="accent6"/>
+                </a:solidFill>
+                <a:latin typeface="+mn-lt"/>
+                <a:ea typeface="+mn-ea"/>
+                <a:cs typeface="+mn-cs"/>
+              </a:defRPr>
+            </a:lvl5pPr>
+            <a:lvl6pPr marL="2514600" indent="-228600" algn="l" defTabSz="914400" rtl="0" eaLnBrk="1" latinLnBrk="0" hangingPunct="1">
+              <a:lnSpc>
+                <a:spcPct val="90000"/>
+              </a:lnSpc>
+              <a:spcBef>
+                <a:spcPts val="500"/>
+              </a:spcBef>
+              <a:buFont typeface="Arial" panose="020B0604020202020204" pitchFamily="34" charset="0"/>
+              <a:buChar char="•"/>
+              <a:defRPr lang="fr-FR" sz="1800" kern="1200">
+                <a:solidFill>
+                  <a:schemeClr val="tx1"/>
+                </a:solidFill>
+                <a:latin typeface="+mn-lt"/>
+                <a:ea typeface="+mn-ea"/>
+                <a:cs typeface="+mn-cs"/>
+              </a:defRPr>
+            </a:lvl6pPr>
+            <a:lvl7pPr marL="2971800" indent="-228600" algn="l" defTabSz="914400" rtl="0" eaLnBrk="1" latinLnBrk="0" hangingPunct="1">
+              <a:lnSpc>
+                <a:spcPct val="90000"/>
+              </a:lnSpc>
+              <a:spcBef>
+                <a:spcPts val="500"/>
+              </a:spcBef>
+              <a:buFont typeface="Arial" panose="020B0604020202020204" pitchFamily="34" charset="0"/>
+              <a:buChar char="•"/>
+              <a:defRPr lang="fr-FR" sz="1800" kern="1200">
+                <a:solidFill>
+                  <a:schemeClr val="tx1"/>
+                </a:solidFill>
+                <a:latin typeface="+mn-lt"/>
+                <a:ea typeface="+mn-ea"/>
+                <a:cs typeface="+mn-cs"/>
+              </a:defRPr>
+            </a:lvl7pPr>
+            <a:lvl8pPr marL="3429000" indent="-228600" algn="l" defTabSz="914400" rtl="0" eaLnBrk="1" latinLnBrk="0" hangingPunct="1">
+              <a:lnSpc>
+                <a:spcPct val="90000"/>
+              </a:lnSpc>
+              <a:spcBef>
+                <a:spcPts val="500"/>
+              </a:spcBef>
+              <a:buFont typeface="Arial" panose="020B0604020202020204" pitchFamily="34" charset="0"/>
+              <a:buChar char="•"/>
+              <a:defRPr lang="fr-FR" sz="1800" kern="1200">
+                <a:solidFill>
+                  <a:schemeClr val="tx1"/>
+                </a:solidFill>
+                <a:latin typeface="+mn-lt"/>
+                <a:ea typeface="+mn-ea"/>
+                <a:cs typeface="+mn-cs"/>
+              </a:defRPr>
+            </a:lvl8pPr>
+            <a:lvl9pPr marL="3886200" indent="-228600" algn="l" defTabSz="914400" rtl="0" eaLnBrk="1" latinLnBrk="0" hangingPunct="1">
+              <a:lnSpc>
+                <a:spcPct val="90000"/>
+              </a:lnSpc>
+              <a:spcBef>
+                <a:spcPts val="500"/>
+              </a:spcBef>
+              <a:buFont typeface="Arial" panose="020B0604020202020204" pitchFamily="34" charset="0"/>
+              <a:buChar char="•"/>
+              <a:defRPr lang="fr-FR" sz="1800" kern="1200">
+                <a:solidFill>
+                  <a:schemeClr val="tx1"/>
+                </a:solidFill>
+                <a:latin typeface="+mn-lt"/>
+                <a:ea typeface="+mn-ea"/>
+                <a:cs typeface="+mn-cs"/>
+              </a:defRPr>
+            </a:lvl9pPr>
+          </a:lstStyle>
+          <a:p>
+            <a:pPr algn="ctr"/>
+            <a:r>
+              <a:rPr lang="fr-FR" sz="2000" b="1" dirty="0">
+                <a:solidFill>
+                  <a:srgbClr val="C00000"/>
+                </a:solidFill>
+              </a:rPr>
+              <a:t>Signal « enfant » </a:t>
+            </a:r>
+          </a:p>
+          <a:p>
+            <a:pPr algn="ctr"/>
+            <a:r>
+              <a:rPr lang="fr-FR" sz="2000" b="1" dirty="0">
+                <a:solidFill>
+                  <a:srgbClr val="C00000"/>
+                </a:solidFill>
+              </a:rPr>
+              <a:t>(</a:t>
+            </a:r>
+            <a:r>
+              <a:rPr lang="fr-FR" sz="2000" b="1" dirty="0" err="1">
+                <a:solidFill>
+                  <a:srgbClr val="C00000"/>
+                </a:solidFill>
+              </a:rPr>
+              <a:t>computed</a:t>
+            </a:r>
+            <a:r>
+              <a:rPr lang="fr-FR" sz="2000" b="1" dirty="0">
+                <a:solidFill>
+                  <a:srgbClr val="C00000"/>
+                </a:solidFill>
+              </a:rPr>
+              <a:t>) </a:t>
+            </a:r>
+          </a:p>
+        </p:txBody>
+      </p:sp>
+    </p:spTree>
+    <p:extLst>
+      <p:ext uri="{BB962C8B-B14F-4D97-AF65-F5344CB8AC3E}">
+        <p14:creationId xmlns:p14="http://schemas.microsoft.com/office/powerpoint/2010/main" val="4027094683"/>
+      </p:ext>
+    </p:extLst>
+  </p:cSld>
+  <p:clrMapOvr>
+    <a:masterClrMapping/>
+  </p:clrMapOvr>
+</p:sld>
+</file>
+
+<file path=ppt/slides/slide12.xml><?xml version="1.0" encoding="utf-8"?>
+<p:sld xmlns:a="http://schemas.openxmlformats.org/drawingml/2006/main" xmlns:r="http://schemas.openxmlformats.org/officeDocument/2006/relationships" xmlns:p="http://schemas.openxmlformats.org/presentationml/2006/main">
+  <p:cSld>
+    <p:spTree>
+      <p:nvGrpSpPr>
+        <p:cNvPr id="1" name=""/>
+        <p:cNvGrpSpPr/>
+        <p:nvPr/>
+      </p:nvGrpSpPr>
+      <p:grpSpPr>
+        <a:xfrm>
+          <a:off x="0" y="0"/>
+          <a:ext cx="0" cy="0"/>
+          <a:chOff x="0" y="0"/>
+          <a:chExt cx="0" cy="0"/>
+        </a:xfrm>
+      </p:grpSpPr>
+      <p:sp>
+        <p:nvSpPr>
+          <p:cNvPr id="5" name="Titre 4">
+            <a:extLst>
+              <a:ext uri="{FF2B5EF4-FFF2-40B4-BE49-F238E27FC236}">
+                <a16:creationId xmlns:a16="http://schemas.microsoft.com/office/drawing/2014/main" id="{2136FCF6-982C-CC37-9625-3EBFC7E7DD13}"/>
+              </a:ext>
+            </a:extLst>
+          </p:cNvPr>
+          <p:cNvSpPr>
+            <a:spLocks noGrp="1"/>
+          </p:cNvSpPr>
+          <p:nvPr>
+            <p:ph type="title"/>
+          </p:nvPr>
+        </p:nvSpPr>
+        <p:spPr>
+          <a:xfrm>
+            <a:off x="1750141" y="607429"/>
+            <a:ext cx="9599325" cy="980844"/>
+          </a:xfrm>
+        </p:spPr>
+        <p:txBody>
+          <a:bodyPr rtlCol="0"/>
+          <a:lstStyle>
+            <a:defPPr>
+              <a:defRPr lang="fr-FR"/>
+            </a:defPPr>
+          </a:lstStyle>
+          <a:p>
+            <a:pPr rtl="0"/>
+            <a:r>
+              <a:rPr lang="fr-FR" dirty="0" err="1"/>
+              <a:t>Computed</a:t>
+            </a:r>
+            <a:r>
+              <a:rPr lang="fr-FR" dirty="0"/>
+              <a:t> signal (</a:t>
+            </a:r>
+            <a:r>
+              <a:rPr lang="fr-FR" dirty="0" err="1"/>
+              <a:t>untracked</a:t>
+            </a:r>
+            <a:r>
+              <a:rPr lang="fr-FR" dirty="0"/>
+              <a:t>)</a:t>
+            </a:r>
+          </a:p>
+        </p:txBody>
+      </p:sp>
+      <p:sp>
+        <p:nvSpPr>
+          <p:cNvPr id="2" name="Espace réservé du numéro de diapositive 1">
+            <a:extLst>
+              <a:ext uri="{FF2B5EF4-FFF2-40B4-BE49-F238E27FC236}">
+                <a16:creationId xmlns:a16="http://schemas.microsoft.com/office/drawing/2014/main" id="{A913EEC9-16E3-6C86-97D0-A7EC7EA09CDA}"/>
+              </a:ext>
+            </a:extLst>
+          </p:cNvPr>
+          <p:cNvSpPr>
+            <a:spLocks noGrp="1"/>
+          </p:cNvSpPr>
+          <p:nvPr>
+            <p:ph type="sldNum" sz="quarter" idx="10"/>
+          </p:nvPr>
+        </p:nvSpPr>
+        <p:spPr>
+          <a:xfrm>
+            <a:off x="10358437" y="457199"/>
+            <a:ext cx="1067589" cy="471489"/>
+          </a:xfrm>
+        </p:spPr>
+        <p:txBody>
+          <a:bodyPr rtlCol="0"/>
+          <a:lstStyle>
+            <a:defPPr>
+              <a:defRPr lang="fr-FR"/>
+            </a:defPPr>
+          </a:lstStyle>
+          <a:p>
+            <a:pPr rtl="0"/>
+            <a:fld id="{48F63A3B-78C7-47BE-AE5E-E10140E04643}" type="slidenum">
+              <a:rPr lang="fr-FR" smtClean="0"/>
+              <a:pPr rtl="0"/>
+              <a:t>12</a:t>
+            </a:fld>
+            <a:endParaRPr lang="fr-FR" dirty="0"/>
+          </a:p>
+        </p:txBody>
+      </p:sp>
+      <p:sp>
+        <p:nvSpPr>
+          <p:cNvPr id="8" name="Espace réservé du texte 7">
+            <a:extLst>
+              <a:ext uri="{FF2B5EF4-FFF2-40B4-BE49-F238E27FC236}">
+                <a16:creationId xmlns:a16="http://schemas.microsoft.com/office/drawing/2014/main" id="{9836654E-34BC-0D87-64C4-E6BD9E762813}"/>
+              </a:ext>
+            </a:extLst>
+          </p:cNvPr>
+          <p:cNvSpPr>
+            <a:spLocks noGrp="1"/>
+          </p:cNvSpPr>
+          <p:nvPr>
+            <p:ph type="body" sz="quarter" idx="13"/>
+          </p:nvPr>
+        </p:nvSpPr>
+        <p:spPr>
+          <a:xfrm>
+            <a:off x="1356852" y="1882850"/>
+            <a:ext cx="10717161" cy="1174982"/>
+          </a:xfrm>
+        </p:spPr>
+        <p:txBody>
+          <a:bodyPr/>
+          <a:lstStyle/>
+          <a:p>
+            <a:pPr marL="342900" indent="-342900">
+              <a:buFont typeface="Wingdings" panose="05000000000000000000" pitchFamily="2" charset="2"/>
+              <a:buChar char="Ø"/>
+            </a:pPr>
+            <a:r>
+              <a:rPr lang="fr-FR" sz="2000" dirty="0"/>
+              <a:t>Un </a:t>
+            </a:r>
+            <a:r>
+              <a:rPr lang="fr-FR" sz="2000" dirty="0" err="1"/>
+              <a:t>computed</a:t>
+            </a:r>
+            <a:r>
+              <a:rPr lang="fr-FR" sz="2000" dirty="0"/>
+              <a:t> signal peut dépendre de plusieurs signaux</a:t>
+            </a:r>
+          </a:p>
+          <a:p>
+            <a:pPr marL="342900" indent="-342900">
+              <a:buFont typeface="Wingdings" panose="05000000000000000000" pitchFamily="2" charset="2"/>
+              <a:buChar char="Ø"/>
+            </a:pPr>
+            <a:r>
+              <a:rPr lang="fr-FR" sz="2000" dirty="0"/>
+              <a:t>La propriété « </a:t>
+            </a:r>
+            <a:r>
+              <a:rPr lang="fr-FR" sz="2000" dirty="0" err="1"/>
+              <a:t>untracked</a:t>
+            </a:r>
+            <a:r>
+              <a:rPr lang="fr-FR" sz="2000" dirty="0"/>
+              <a:t> » permet de sélectionner les signaux qui mettront à jour le </a:t>
+            </a:r>
+            <a:r>
+              <a:rPr lang="fr-FR" sz="2000" dirty="0" err="1"/>
+              <a:t>computed</a:t>
+            </a:r>
+            <a:r>
+              <a:rPr lang="fr-FR" sz="2000" dirty="0"/>
+              <a:t> signal</a:t>
+            </a:r>
+          </a:p>
+        </p:txBody>
+      </p:sp>
+      <p:pic>
+        <p:nvPicPr>
+          <p:cNvPr id="4" name="Image 3">
+            <a:extLst>
+              <a:ext uri="{FF2B5EF4-FFF2-40B4-BE49-F238E27FC236}">
+                <a16:creationId xmlns:a16="http://schemas.microsoft.com/office/drawing/2014/main" id="{8C60E7DA-CDA8-5B49-9E88-8927A55954CB}"/>
+              </a:ext>
+            </a:extLst>
+          </p:cNvPr>
+          <p:cNvPicPr>
+            <a:picLocks noChangeAspect="1"/>
+          </p:cNvPicPr>
+          <p:nvPr/>
+        </p:nvPicPr>
+        <p:blipFill>
+          <a:blip r:embed="rId3"/>
+          <a:stretch>
+            <a:fillRect/>
+          </a:stretch>
+        </p:blipFill>
+        <p:spPr>
+          <a:xfrm>
+            <a:off x="97296" y="3353838"/>
+            <a:ext cx="12069195" cy="611239"/>
+          </a:xfrm>
+          <a:prstGeom prst="rect">
+            <a:avLst/>
+          </a:prstGeom>
+        </p:spPr>
+      </p:pic>
+      <p:cxnSp>
+        <p:nvCxnSpPr>
+          <p:cNvPr id="9" name="Connecteur droit avec flèche 8">
+            <a:extLst>
+              <a:ext uri="{FF2B5EF4-FFF2-40B4-BE49-F238E27FC236}">
+                <a16:creationId xmlns:a16="http://schemas.microsoft.com/office/drawing/2014/main" id="{2BE7A5E1-D648-1D04-E7B1-951E61C925FF}"/>
+              </a:ext>
+            </a:extLst>
+          </p:cNvPr>
+          <p:cNvCxnSpPr/>
+          <p:nvPr/>
+        </p:nvCxnSpPr>
+        <p:spPr>
+          <a:xfrm flipV="1">
+            <a:off x="10068232" y="3915917"/>
+            <a:ext cx="658761" cy="941220"/>
+          </a:xfrm>
+          <a:prstGeom prst="straightConnector1">
+            <a:avLst/>
+          </a:prstGeom>
+          <a:ln w="38100">
+            <a:solidFill>
+              <a:srgbClr val="C00000"/>
+            </a:solidFill>
+            <a:tailEnd type="triangle"/>
+          </a:ln>
+        </p:spPr>
+        <p:style>
+          <a:lnRef idx="1">
+            <a:schemeClr val="accent1"/>
+          </a:lnRef>
+          <a:fillRef idx="0">
+            <a:schemeClr val="accent1"/>
+          </a:fillRef>
+          <a:effectRef idx="0">
+            <a:schemeClr val="accent1"/>
+          </a:effectRef>
+          <a:fontRef idx="minor">
+            <a:schemeClr val="tx1"/>
+          </a:fontRef>
+        </p:style>
+      </p:cxnSp>
+      <p:sp>
+        <p:nvSpPr>
+          <p:cNvPr id="12" name="Espace réservé du texte 7">
+            <a:extLst>
+              <a:ext uri="{FF2B5EF4-FFF2-40B4-BE49-F238E27FC236}">
+                <a16:creationId xmlns:a16="http://schemas.microsoft.com/office/drawing/2014/main" id="{B841A281-A5A6-2A92-41F6-6ADCD2732F58}"/>
+              </a:ext>
+            </a:extLst>
+          </p:cNvPr>
+          <p:cNvSpPr txBox="1">
+            <a:spLocks/>
+          </p:cNvSpPr>
+          <p:nvPr/>
+        </p:nvSpPr>
+        <p:spPr>
+          <a:xfrm>
+            <a:off x="7629096" y="4943560"/>
+            <a:ext cx="2645614" cy="480068"/>
+          </a:xfrm>
+          <a:prstGeom prst="rect">
+            <a:avLst/>
+          </a:prstGeom>
+        </p:spPr>
+        <p:txBody>
+          <a:bodyPr vert="horz" lIns="91440" tIns="0" rIns="91440" bIns="0" rtlCol="0" anchor="t" anchorCtr="0">
+            <a:noAutofit/>
+          </a:bodyPr>
+          <a:lstStyle>
+            <a:defPPr>
+              <a:defRPr lang="fr-FR"/>
+            </a:defPPr>
+            <a:lvl1pPr marL="0" indent="0" algn="l" defTabSz="914400" rtl="0" eaLnBrk="1" latinLnBrk="0" hangingPunct="1">
+              <a:lnSpc>
+                <a:spcPct val="100000"/>
+              </a:lnSpc>
+              <a:spcBef>
+                <a:spcPts val="0"/>
+              </a:spcBef>
+              <a:spcAft>
+                <a:spcPts val="1200"/>
+              </a:spcAft>
+              <a:buFont typeface="Arial" panose="020B0604020202020204" pitchFamily="34" charset="0"/>
+              <a:buNone/>
+              <a:defRPr lang="fr-FR" sz="1800" kern="1200">
+                <a:solidFill>
+                  <a:schemeClr val="accent6"/>
+                </a:solidFill>
+                <a:latin typeface="+mn-lt"/>
+                <a:ea typeface="+mn-ea"/>
+                <a:cs typeface="+mn-cs"/>
+              </a:defRPr>
+            </a:lvl1pPr>
+            <a:lvl2pPr marL="685800" indent="-347472" algn="l" defTabSz="914400" rtl="0" eaLnBrk="1" latinLnBrk="0" hangingPunct="1">
+              <a:lnSpc>
+                <a:spcPct val="100000"/>
+              </a:lnSpc>
+              <a:spcBef>
+                <a:spcPts val="360"/>
+              </a:spcBef>
+              <a:buFont typeface="Arial" panose="020B0604020202020204" pitchFamily="34" charset="0"/>
+              <a:buChar char="•"/>
+              <a:defRPr lang="fr-FR" sz="2400" kern="1200">
+                <a:solidFill>
+                  <a:schemeClr val="accent6"/>
+                </a:solidFill>
+                <a:latin typeface="+mn-lt"/>
+                <a:ea typeface="+mn-ea"/>
+                <a:cs typeface="+mn-cs"/>
+              </a:defRPr>
+            </a:lvl2pPr>
+            <a:lvl3pPr marL="1143000" indent="-347472" algn="l" defTabSz="914400" rtl="0" eaLnBrk="1" latinLnBrk="0" hangingPunct="1">
+              <a:lnSpc>
+                <a:spcPct val="100000"/>
+              </a:lnSpc>
+              <a:spcBef>
+                <a:spcPts val="360"/>
+              </a:spcBef>
+              <a:buFont typeface="Arial" panose="020B0604020202020204" pitchFamily="34" charset="0"/>
+              <a:buChar char="•"/>
+              <a:defRPr lang="fr-FR" sz="2000" kern="1200">
+                <a:solidFill>
+                  <a:schemeClr val="accent6"/>
+                </a:solidFill>
+                <a:latin typeface="+mn-lt"/>
+                <a:ea typeface="+mn-ea"/>
+                <a:cs typeface="+mn-cs"/>
+              </a:defRPr>
+            </a:lvl3pPr>
+            <a:lvl4pPr marL="1600200" indent="-347472" algn="l" defTabSz="914400" rtl="0" eaLnBrk="1" latinLnBrk="0" hangingPunct="1">
+              <a:lnSpc>
+                <a:spcPct val="100000"/>
+              </a:lnSpc>
+              <a:spcBef>
+                <a:spcPts val="360"/>
+              </a:spcBef>
+              <a:buFont typeface="Arial" panose="020B0604020202020204" pitchFamily="34" charset="0"/>
+              <a:buChar char="•"/>
+              <a:defRPr lang="fr-FR" sz="1800" kern="1200">
+                <a:solidFill>
+                  <a:schemeClr val="accent6"/>
+                </a:solidFill>
+                <a:latin typeface="+mn-lt"/>
+                <a:ea typeface="+mn-ea"/>
+                <a:cs typeface="+mn-cs"/>
+              </a:defRPr>
+            </a:lvl4pPr>
+            <a:lvl5pPr marL="2057400" indent="-347472" algn="l" defTabSz="914400" rtl="0" eaLnBrk="1" latinLnBrk="0" hangingPunct="1">
+              <a:lnSpc>
+                <a:spcPct val="100000"/>
+              </a:lnSpc>
+              <a:spcBef>
+                <a:spcPts val="360"/>
+              </a:spcBef>
+              <a:buFont typeface="Arial" panose="020B0604020202020204" pitchFamily="34" charset="0"/>
+              <a:buChar char="•"/>
+              <a:defRPr lang="fr-FR" sz="1800" kern="1200">
+                <a:solidFill>
+                  <a:schemeClr val="accent6"/>
+                </a:solidFill>
+                <a:latin typeface="+mn-lt"/>
+                <a:ea typeface="+mn-ea"/>
+                <a:cs typeface="+mn-cs"/>
+              </a:defRPr>
+            </a:lvl5pPr>
+            <a:lvl6pPr marL="2514600" indent="-228600" algn="l" defTabSz="914400" rtl="0" eaLnBrk="1" latinLnBrk="0" hangingPunct="1">
+              <a:lnSpc>
+                <a:spcPct val="90000"/>
+              </a:lnSpc>
+              <a:spcBef>
+                <a:spcPts val="500"/>
+              </a:spcBef>
+              <a:buFont typeface="Arial" panose="020B0604020202020204" pitchFamily="34" charset="0"/>
+              <a:buChar char="•"/>
+              <a:defRPr lang="fr-FR" sz="1800" kern="1200">
+                <a:solidFill>
+                  <a:schemeClr val="tx1"/>
+                </a:solidFill>
+                <a:latin typeface="+mn-lt"/>
+                <a:ea typeface="+mn-ea"/>
+                <a:cs typeface="+mn-cs"/>
+              </a:defRPr>
+            </a:lvl6pPr>
+            <a:lvl7pPr marL="2971800" indent="-228600" algn="l" defTabSz="914400" rtl="0" eaLnBrk="1" latinLnBrk="0" hangingPunct="1">
+              <a:lnSpc>
+                <a:spcPct val="90000"/>
+              </a:lnSpc>
+              <a:spcBef>
+                <a:spcPts val="500"/>
+              </a:spcBef>
+              <a:buFont typeface="Arial" panose="020B0604020202020204" pitchFamily="34" charset="0"/>
+              <a:buChar char="•"/>
+              <a:defRPr lang="fr-FR" sz="1800" kern="1200">
+                <a:solidFill>
+                  <a:schemeClr val="tx1"/>
+                </a:solidFill>
+                <a:latin typeface="+mn-lt"/>
+                <a:ea typeface="+mn-ea"/>
+                <a:cs typeface="+mn-cs"/>
+              </a:defRPr>
+            </a:lvl7pPr>
+            <a:lvl8pPr marL="3429000" indent="-228600" algn="l" defTabSz="914400" rtl="0" eaLnBrk="1" latinLnBrk="0" hangingPunct="1">
+              <a:lnSpc>
+                <a:spcPct val="90000"/>
+              </a:lnSpc>
+              <a:spcBef>
+                <a:spcPts val="500"/>
+              </a:spcBef>
+              <a:buFont typeface="Arial" panose="020B0604020202020204" pitchFamily="34" charset="0"/>
+              <a:buChar char="•"/>
+              <a:defRPr lang="fr-FR" sz="1800" kern="1200">
+                <a:solidFill>
+                  <a:schemeClr val="tx1"/>
+                </a:solidFill>
+                <a:latin typeface="+mn-lt"/>
+                <a:ea typeface="+mn-ea"/>
+                <a:cs typeface="+mn-cs"/>
+              </a:defRPr>
+            </a:lvl8pPr>
+            <a:lvl9pPr marL="3886200" indent="-228600" algn="l" defTabSz="914400" rtl="0" eaLnBrk="1" latinLnBrk="0" hangingPunct="1">
+              <a:lnSpc>
+                <a:spcPct val="90000"/>
+              </a:lnSpc>
+              <a:spcBef>
+                <a:spcPts val="500"/>
+              </a:spcBef>
+              <a:buFont typeface="Arial" panose="020B0604020202020204" pitchFamily="34" charset="0"/>
+              <a:buChar char="•"/>
+              <a:defRPr lang="fr-FR" sz="1800" kern="1200">
+                <a:solidFill>
+                  <a:schemeClr val="tx1"/>
+                </a:solidFill>
+                <a:latin typeface="+mn-lt"/>
+                <a:ea typeface="+mn-ea"/>
+                <a:cs typeface="+mn-cs"/>
+              </a:defRPr>
+            </a:lvl9pPr>
+          </a:lstStyle>
+          <a:p>
+            <a:pPr algn="ctr"/>
+            <a:r>
+              <a:rPr lang="fr-FR" sz="2000" b="1" dirty="0">
+                <a:solidFill>
+                  <a:srgbClr val="C00000"/>
+                </a:solidFill>
+              </a:rPr>
+              <a:t>Pas de parenthèses ()</a:t>
+            </a:r>
+          </a:p>
+        </p:txBody>
+      </p:sp>
+    </p:spTree>
+    <p:extLst>
+      <p:ext uri="{BB962C8B-B14F-4D97-AF65-F5344CB8AC3E}">
+        <p14:creationId xmlns:p14="http://schemas.microsoft.com/office/powerpoint/2010/main" val="3728232211"/>
+      </p:ext>
+    </p:extLst>
+  </p:cSld>
+  <p:clrMapOvr>
+    <a:masterClrMapping/>
+  </p:clrMapOvr>
+</p:sld>
+</file>
+
+<file path=ppt/slides/slide13.xml><?xml version="1.0" encoding="utf-8"?>
+<p:sld xmlns:a="http://schemas.openxmlformats.org/drawingml/2006/main" xmlns:r="http://schemas.openxmlformats.org/officeDocument/2006/relationships" xmlns:p="http://schemas.openxmlformats.org/presentationml/2006/main">
+  <p:cSld>
+    <p:spTree>
+      <p:nvGrpSpPr>
+        <p:cNvPr id="1" name=""/>
+        <p:cNvGrpSpPr/>
+        <p:nvPr/>
+      </p:nvGrpSpPr>
+      <p:grpSpPr>
+        <a:xfrm>
+          <a:off x="0" y="0"/>
+          <a:ext cx="0" cy="0"/>
+          <a:chOff x="0" y="0"/>
+          <a:chExt cx="0" cy="0"/>
+        </a:xfrm>
+      </p:grpSpPr>
+      <p:sp>
+        <p:nvSpPr>
+          <p:cNvPr id="5" name="Titre 4">
+            <a:extLst>
+              <a:ext uri="{FF2B5EF4-FFF2-40B4-BE49-F238E27FC236}">
+                <a16:creationId xmlns:a16="http://schemas.microsoft.com/office/drawing/2014/main" id="{2136FCF6-982C-CC37-9625-3EBFC7E7DD13}"/>
+              </a:ext>
+            </a:extLst>
+          </p:cNvPr>
+          <p:cNvSpPr>
+            <a:spLocks noGrp="1"/>
+          </p:cNvSpPr>
+          <p:nvPr>
+            <p:ph type="title"/>
+          </p:nvPr>
+        </p:nvSpPr>
+        <p:spPr>
+          <a:xfrm>
+            <a:off x="1750141" y="607429"/>
+            <a:ext cx="9599325" cy="980844"/>
+          </a:xfrm>
+        </p:spPr>
+        <p:txBody>
+          <a:bodyPr rtlCol="0"/>
+          <a:lstStyle>
+            <a:defPPr>
+              <a:defRPr lang="fr-FR"/>
+            </a:defPPr>
+          </a:lstStyle>
+          <a:p>
+            <a:pPr rtl="0"/>
+            <a:r>
+              <a:rPr lang="fr-FR" dirty="0"/>
+              <a:t>Les </a:t>
+            </a:r>
+            <a:r>
+              <a:rPr lang="fr-FR" dirty="0" err="1"/>
+              <a:t>effect</a:t>
+            </a:r>
+            <a:r>
+              <a:rPr lang="fr-FR" dirty="0"/>
+              <a:t>(s)</a:t>
+            </a:r>
+          </a:p>
+        </p:txBody>
+      </p:sp>
+      <p:sp>
+        <p:nvSpPr>
+          <p:cNvPr id="2" name="Espace réservé du numéro de diapositive 1">
+            <a:extLst>
+              <a:ext uri="{FF2B5EF4-FFF2-40B4-BE49-F238E27FC236}">
+                <a16:creationId xmlns:a16="http://schemas.microsoft.com/office/drawing/2014/main" id="{A913EEC9-16E3-6C86-97D0-A7EC7EA09CDA}"/>
+              </a:ext>
+            </a:extLst>
+          </p:cNvPr>
+          <p:cNvSpPr>
+            <a:spLocks noGrp="1"/>
+          </p:cNvSpPr>
+          <p:nvPr>
+            <p:ph type="sldNum" sz="quarter" idx="10"/>
+          </p:nvPr>
+        </p:nvSpPr>
+        <p:spPr>
+          <a:xfrm>
+            <a:off x="10358437" y="457199"/>
+            <a:ext cx="1067589" cy="471489"/>
+          </a:xfrm>
+        </p:spPr>
+        <p:txBody>
+          <a:bodyPr rtlCol="0"/>
+          <a:lstStyle>
+            <a:defPPr>
+              <a:defRPr lang="fr-FR"/>
+            </a:defPPr>
+          </a:lstStyle>
+          <a:p>
+            <a:pPr rtl="0"/>
+            <a:fld id="{48F63A3B-78C7-47BE-AE5E-E10140E04643}" type="slidenum">
+              <a:rPr lang="fr-FR" smtClean="0"/>
+              <a:pPr rtl="0"/>
+              <a:t>13</a:t>
+            </a:fld>
+            <a:endParaRPr lang="fr-FR" dirty="0"/>
+          </a:p>
+        </p:txBody>
+      </p:sp>
+      <p:sp>
+        <p:nvSpPr>
+          <p:cNvPr id="8" name="Espace réservé du texte 7">
+            <a:extLst>
+              <a:ext uri="{FF2B5EF4-FFF2-40B4-BE49-F238E27FC236}">
+                <a16:creationId xmlns:a16="http://schemas.microsoft.com/office/drawing/2014/main" id="{9836654E-34BC-0D87-64C4-E6BD9E762813}"/>
+              </a:ext>
+            </a:extLst>
+          </p:cNvPr>
+          <p:cNvSpPr>
+            <a:spLocks noGrp="1"/>
+          </p:cNvSpPr>
+          <p:nvPr>
+            <p:ph type="body" sz="quarter" idx="13"/>
+          </p:nvPr>
+        </p:nvSpPr>
+        <p:spPr>
+          <a:xfrm>
+            <a:off x="1356852" y="1882850"/>
+            <a:ext cx="10717161" cy="1174982"/>
+          </a:xfrm>
+        </p:spPr>
+        <p:txBody>
+          <a:bodyPr/>
+          <a:lstStyle/>
+          <a:p>
+            <a:pPr marL="342900" indent="-342900">
+              <a:buFont typeface="Wingdings" panose="05000000000000000000" pitchFamily="2" charset="2"/>
+              <a:buChar char="Ø"/>
+            </a:pPr>
+            <a:r>
+              <a:rPr lang="fr-FR" sz="2000" dirty="0"/>
+              <a:t>Les </a:t>
+            </a:r>
+            <a:r>
+              <a:rPr lang="fr-FR" sz="2000" dirty="0" err="1"/>
+              <a:t>effects</a:t>
+            </a:r>
+            <a:r>
+              <a:rPr lang="fr-FR" sz="2000" dirty="0"/>
+              <a:t> permettent de réagir aux changements des valeurs des signaux et prend en paramètre une fonction de callback</a:t>
+            </a:r>
+          </a:p>
+          <a:p>
+            <a:pPr marL="342900" indent="-342900">
+              <a:buFont typeface="Wingdings" panose="05000000000000000000" pitchFamily="2" charset="2"/>
+              <a:buChar char="Ø"/>
+            </a:pPr>
+            <a:r>
+              <a:rPr lang="fr-FR" sz="2000" dirty="0"/>
+              <a:t>On les déclare en général dans le constructeur du composant</a:t>
+            </a:r>
+          </a:p>
+          <a:p>
+            <a:pPr marL="342900" indent="-342900">
+              <a:buFont typeface="Wingdings" panose="05000000000000000000" pitchFamily="2" charset="2"/>
+              <a:buChar char="Ø"/>
+            </a:pPr>
+            <a:r>
+              <a:rPr lang="fr-FR" sz="2000" dirty="0"/>
+              <a:t>Un </a:t>
+            </a:r>
+            <a:r>
+              <a:rPr lang="fr-FR" sz="2000" dirty="0" err="1"/>
+              <a:t>effect</a:t>
+            </a:r>
+            <a:r>
+              <a:rPr lang="fr-FR" sz="2000" dirty="0"/>
+              <a:t> se déclenche à chaque fois qu’un signal appelé en son sein est modifié</a:t>
+            </a:r>
+          </a:p>
+          <a:p>
+            <a:pPr marL="342900" indent="-342900">
+              <a:buFont typeface="Wingdings" panose="05000000000000000000" pitchFamily="2" charset="2"/>
+              <a:buChar char="Ø"/>
+            </a:pPr>
+            <a:endParaRPr lang="fr-FR" sz="2000" dirty="0"/>
+          </a:p>
+        </p:txBody>
+      </p:sp>
+      <p:pic>
+        <p:nvPicPr>
+          <p:cNvPr id="6" name="Image 5">
+            <a:extLst>
+              <a:ext uri="{FF2B5EF4-FFF2-40B4-BE49-F238E27FC236}">
+                <a16:creationId xmlns:a16="http://schemas.microsoft.com/office/drawing/2014/main" id="{96E94573-D13F-C90D-E78E-29A506DB6E23}"/>
+              </a:ext>
+            </a:extLst>
+          </p:cNvPr>
+          <p:cNvPicPr>
+            <a:picLocks noChangeAspect="1"/>
+          </p:cNvPicPr>
+          <p:nvPr/>
+        </p:nvPicPr>
+        <p:blipFill>
+          <a:blip r:embed="rId3"/>
+          <a:stretch>
+            <a:fillRect/>
+          </a:stretch>
+        </p:blipFill>
+        <p:spPr>
+          <a:xfrm>
+            <a:off x="2517507" y="3680360"/>
+            <a:ext cx="6763694" cy="1876687"/>
+          </a:xfrm>
+          <a:prstGeom prst="rect">
+            <a:avLst/>
+          </a:prstGeom>
+        </p:spPr>
+      </p:pic>
+      <p:sp>
+        <p:nvSpPr>
+          <p:cNvPr id="7" name="Espace réservé du texte 7">
+            <a:extLst>
+              <a:ext uri="{FF2B5EF4-FFF2-40B4-BE49-F238E27FC236}">
+                <a16:creationId xmlns:a16="http://schemas.microsoft.com/office/drawing/2014/main" id="{1D518D28-4AF3-AEA8-D081-A242EC391523}"/>
+              </a:ext>
+            </a:extLst>
+          </p:cNvPr>
+          <p:cNvSpPr txBox="1">
+            <a:spLocks/>
+          </p:cNvSpPr>
+          <p:nvPr/>
+        </p:nvSpPr>
+        <p:spPr>
+          <a:xfrm>
+            <a:off x="835738" y="5624156"/>
+            <a:ext cx="10579509" cy="1174982"/>
+          </a:xfrm>
+          <a:prstGeom prst="rect">
+            <a:avLst/>
+          </a:prstGeom>
+        </p:spPr>
+        <p:txBody>
+          <a:bodyPr vert="horz" lIns="91440" tIns="0" rIns="91440" bIns="0" rtlCol="0" anchor="t" anchorCtr="0">
+            <a:noAutofit/>
+          </a:bodyPr>
+          <a:lstStyle>
+            <a:defPPr>
+              <a:defRPr lang="fr-FR"/>
+            </a:defPPr>
+            <a:lvl1pPr marL="0" indent="0" algn="l" defTabSz="914400" rtl="0" eaLnBrk="1" latinLnBrk="0" hangingPunct="1">
+              <a:lnSpc>
+                <a:spcPct val="100000"/>
+              </a:lnSpc>
+              <a:spcBef>
+                <a:spcPts val="0"/>
+              </a:spcBef>
+              <a:spcAft>
+                <a:spcPts val="1200"/>
+              </a:spcAft>
+              <a:buFont typeface="Arial" panose="020B0604020202020204" pitchFamily="34" charset="0"/>
+              <a:buNone/>
+              <a:defRPr lang="fr-FR" sz="1800" kern="1200">
+                <a:solidFill>
+                  <a:schemeClr val="accent6"/>
+                </a:solidFill>
+                <a:latin typeface="+mn-lt"/>
+                <a:ea typeface="+mn-ea"/>
+                <a:cs typeface="+mn-cs"/>
+              </a:defRPr>
+            </a:lvl1pPr>
+            <a:lvl2pPr marL="685800" indent="-347472" algn="l" defTabSz="914400" rtl="0" eaLnBrk="1" latinLnBrk="0" hangingPunct="1">
+              <a:lnSpc>
+                <a:spcPct val="100000"/>
+              </a:lnSpc>
+              <a:spcBef>
+                <a:spcPts val="360"/>
+              </a:spcBef>
+              <a:buFont typeface="Arial" panose="020B0604020202020204" pitchFamily="34" charset="0"/>
+              <a:buChar char="•"/>
+              <a:defRPr lang="fr-FR" sz="2400" kern="1200">
+                <a:solidFill>
+                  <a:schemeClr val="accent6"/>
+                </a:solidFill>
+                <a:latin typeface="+mn-lt"/>
+                <a:ea typeface="+mn-ea"/>
+                <a:cs typeface="+mn-cs"/>
+              </a:defRPr>
+            </a:lvl2pPr>
+            <a:lvl3pPr marL="1143000" indent="-347472" algn="l" defTabSz="914400" rtl="0" eaLnBrk="1" latinLnBrk="0" hangingPunct="1">
+              <a:lnSpc>
+                <a:spcPct val="100000"/>
+              </a:lnSpc>
+              <a:spcBef>
+                <a:spcPts val="360"/>
+              </a:spcBef>
+              <a:buFont typeface="Arial" panose="020B0604020202020204" pitchFamily="34" charset="0"/>
+              <a:buChar char="•"/>
+              <a:defRPr lang="fr-FR" sz="2000" kern="1200">
+                <a:solidFill>
+                  <a:schemeClr val="accent6"/>
+                </a:solidFill>
+                <a:latin typeface="+mn-lt"/>
+                <a:ea typeface="+mn-ea"/>
+                <a:cs typeface="+mn-cs"/>
+              </a:defRPr>
+            </a:lvl3pPr>
+            <a:lvl4pPr marL="1600200" indent="-347472" algn="l" defTabSz="914400" rtl="0" eaLnBrk="1" latinLnBrk="0" hangingPunct="1">
+              <a:lnSpc>
+                <a:spcPct val="100000"/>
+              </a:lnSpc>
+              <a:spcBef>
+                <a:spcPts val="360"/>
+              </a:spcBef>
+              <a:buFont typeface="Arial" panose="020B0604020202020204" pitchFamily="34" charset="0"/>
+              <a:buChar char="•"/>
+              <a:defRPr lang="fr-FR" sz="1800" kern="1200">
+                <a:solidFill>
+                  <a:schemeClr val="accent6"/>
+                </a:solidFill>
+                <a:latin typeface="+mn-lt"/>
+                <a:ea typeface="+mn-ea"/>
+                <a:cs typeface="+mn-cs"/>
+              </a:defRPr>
+            </a:lvl4pPr>
+            <a:lvl5pPr marL="2057400" indent="-347472" algn="l" defTabSz="914400" rtl="0" eaLnBrk="1" latinLnBrk="0" hangingPunct="1">
+              <a:lnSpc>
+                <a:spcPct val="100000"/>
+              </a:lnSpc>
+              <a:spcBef>
+                <a:spcPts val="360"/>
+              </a:spcBef>
+              <a:buFont typeface="Arial" panose="020B0604020202020204" pitchFamily="34" charset="0"/>
+              <a:buChar char="•"/>
+              <a:defRPr lang="fr-FR" sz="1800" kern="1200">
+                <a:solidFill>
+                  <a:schemeClr val="accent6"/>
+                </a:solidFill>
+                <a:latin typeface="+mn-lt"/>
+                <a:ea typeface="+mn-ea"/>
+                <a:cs typeface="+mn-cs"/>
+              </a:defRPr>
+            </a:lvl5pPr>
+            <a:lvl6pPr marL="2514600" indent="-228600" algn="l" defTabSz="914400" rtl="0" eaLnBrk="1" latinLnBrk="0" hangingPunct="1">
+              <a:lnSpc>
+                <a:spcPct val="90000"/>
+              </a:lnSpc>
+              <a:spcBef>
+                <a:spcPts val="500"/>
+              </a:spcBef>
+              <a:buFont typeface="Arial" panose="020B0604020202020204" pitchFamily="34" charset="0"/>
+              <a:buChar char="•"/>
+              <a:defRPr lang="fr-FR" sz="1800" kern="1200">
+                <a:solidFill>
+                  <a:schemeClr val="tx1"/>
+                </a:solidFill>
+                <a:latin typeface="+mn-lt"/>
+                <a:ea typeface="+mn-ea"/>
+                <a:cs typeface="+mn-cs"/>
+              </a:defRPr>
+            </a:lvl6pPr>
+            <a:lvl7pPr marL="2971800" indent="-228600" algn="l" defTabSz="914400" rtl="0" eaLnBrk="1" latinLnBrk="0" hangingPunct="1">
+              <a:lnSpc>
+                <a:spcPct val="90000"/>
+              </a:lnSpc>
+              <a:spcBef>
+                <a:spcPts val="500"/>
+              </a:spcBef>
+              <a:buFont typeface="Arial" panose="020B0604020202020204" pitchFamily="34" charset="0"/>
+              <a:buChar char="•"/>
+              <a:defRPr lang="fr-FR" sz="1800" kern="1200">
+                <a:solidFill>
+                  <a:schemeClr val="tx1"/>
+                </a:solidFill>
+                <a:latin typeface="+mn-lt"/>
+                <a:ea typeface="+mn-ea"/>
+                <a:cs typeface="+mn-cs"/>
+              </a:defRPr>
+            </a:lvl7pPr>
+            <a:lvl8pPr marL="3429000" indent="-228600" algn="l" defTabSz="914400" rtl="0" eaLnBrk="1" latinLnBrk="0" hangingPunct="1">
+              <a:lnSpc>
+                <a:spcPct val="90000"/>
+              </a:lnSpc>
+              <a:spcBef>
+                <a:spcPts val="500"/>
+              </a:spcBef>
+              <a:buFont typeface="Arial" panose="020B0604020202020204" pitchFamily="34" charset="0"/>
+              <a:buChar char="•"/>
+              <a:defRPr lang="fr-FR" sz="1800" kern="1200">
+                <a:solidFill>
+                  <a:schemeClr val="tx1"/>
+                </a:solidFill>
+                <a:latin typeface="+mn-lt"/>
+                <a:ea typeface="+mn-ea"/>
+                <a:cs typeface="+mn-cs"/>
+              </a:defRPr>
+            </a:lvl8pPr>
+            <a:lvl9pPr marL="3886200" indent="-228600" algn="l" defTabSz="914400" rtl="0" eaLnBrk="1" latinLnBrk="0" hangingPunct="1">
+              <a:lnSpc>
+                <a:spcPct val="90000"/>
+              </a:lnSpc>
+              <a:spcBef>
+                <a:spcPts val="500"/>
+              </a:spcBef>
+              <a:buFont typeface="Arial" panose="020B0604020202020204" pitchFamily="34" charset="0"/>
+              <a:buChar char="•"/>
+              <a:defRPr lang="fr-FR" sz="1800" kern="1200">
+                <a:solidFill>
+                  <a:schemeClr val="tx1"/>
+                </a:solidFill>
+                <a:latin typeface="+mn-lt"/>
+                <a:ea typeface="+mn-ea"/>
+                <a:cs typeface="+mn-cs"/>
+              </a:defRPr>
+            </a:lvl9pPr>
+          </a:lstStyle>
+          <a:p>
+            <a:pPr algn="just"/>
+            <a:r>
+              <a:rPr lang="fr-FR" sz="2000" dirty="0">
+                <a:solidFill>
+                  <a:srgbClr val="202C8F"/>
+                </a:solidFill>
+              </a:rPr>
+              <a:t>Un signal est par défaut non modifiable dans un </a:t>
+            </a:r>
+            <a:r>
+              <a:rPr lang="fr-FR" sz="2000" dirty="0" err="1">
+                <a:solidFill>
+                  <a:srgbClr val="202C8F"/>
+                </a:solidFill>
+              </a:rPr>
+              <a:t>effect</a:t>
+            </a:r>
+            <a:r>
+              <a:rPr lang="fr-FR" sz="2000" dirty="0">
+                <a:solidFill>
+                  <a:srgbClr val="202C8F"/>
+                </a:solidFill>
+              </a:rPr>
+              <a:t> (pour éviter la génération de boucles infinies.</a:t>
+            </a:r>
+          </a:p>
+          <a:p>
+            <a:pPr algn="just"/>
+            <a:r>
+              <a:rPr lang="fr-FR" sz="2000" dirty="0">
+                <a:solidFill>
+                  <a:srgbClr val="202C8F"/>
+                </a:solidFill>
+              </a:rPr>
+              <a:t>On peut contourner cette restriction en ajoutant {</a:t>
+            </a:r>
+            <a:r>
+              <a:rPr lang="fr-FR" sz="2000" dirty="0" err="1">
+                <a:solidFill>
+                  <a:srgbClr val="202C8F"/>
+                </a:solidFill>
+              </a:rPr>
+              <a:t>allowSignalWrites</a:t>
+            </a:r>
+            <a:r>
+              <a:rPr lang="fr-FR" sz="2000" dirty="0">
+                <a:solidFill>
+                  <a:srgbClr val="202C8F"/>
+                </a:solidFill>
+              </a:rPr>
+              <a:t>: </a:t>
+            </a:r>
+            <a:r>
+              <a:rPr lang="fr-FR" sz="2000" dirty="0" err="1">
+                <a:solidFill>
+                  <a:srgbClr val="202C8F"/>
+                </a:solidFill>
+              </a:rPr>
+              <a:t>true</a:t>
+            </a:r>
+            <a:r>
+              <a:rPr lang="fr-FR" sz="2000" dirty="0">
+                <a:solidFill>
+                  <a:srgbClr val="202C8F"/>
+                </a:solidFill>
+              </a:rPr>
+              <a:t>} en 2</a:t>
+            </a:r>
+            <a:r>
+              <a:rPr lang="fr-FR" sz="2000" baseline="30000" dirty="0">
+                <a:solidFill>
+                  <a:srgbClr val="202C8F"/>
+                </a:solidFill>
+              </a:rPr>
+              <a:t>ème</a:t>
+            </a:r>
+            <a:r>
+              <a:rPr lang="fr-FR" sz="2000" dirty="0">
+                <a:solidFill>
+                  <a:srgbClr val="202C8F"/>
+                </a:solidFill>
+              </a:rPr>
+              <a:t> paramètre</a:t>
+            </a:r>
+          </a:p>
+        </p:txBody>
+      </p:sp>
+    </p:spTree>
+    <p:extLst>
+      <p:ext uri="{BB962C8B-B14F-4D97-AF65-F5344CB8AC3E}">
+        <p14:creationId xmlns:p14="http://schemas.microsoft.com/office/powerpoint/2010/main" val="2429983740"/>
+      </p:ext>
+    </p:extLst>
+  </p:cSld>
+  <p:clrMapOvr>
+    <a:masterClrMapping/>
+  </p:clrMapOvr>
+  <p:timing>
+    <p:tnLst>
+      <p:par>
+        <p:cTn id="1" dur="indefinite" restart="never" nodeType="tmRoot">
+          <p:childTnLst>
+            <p:seq concurrent="1" nextAc="seek">
+              <p:cTn id="2" dur="indefinite" nodeType="mainSeq">
+                <p:childTnLst>
+                  <p:par>
+                    <p:cTn id="3" fill="hold">
+                      <p:stCondLst>
+                        <p:cond delay="indefinite"/>
+                      </p:stCondLst>
+                      <p:childTnLst>
+                        <p:par>
+                          <p:cTn id="4" fill="hold">
+                            <p:stCondLst>
+                              <p:cond delay="0"/>
+                            </p:stCondLst>
+                            <p:childTnLst>
+                              <p:par>
+                                <p:cTn id="5" presetID="10" presetClass="entr" presetSubtype="0" fill="hold" grpId="0" nodeType="clickEffect">
+                                  <p:stCondLst>
+                                    <p:cond delay="0"/>
+                                  </p:stCondLst>
+                                  <p:childTnLst>
+                                    <p:set>
+                                      <p:cBhvr>
+                                        <p:cTn id="6" dur="1" fill="hold">
+                                          <p:stCondLst>
+                                            <p:cond delay="0"/>
+                                          </p:stCondLst>
+                                        </p:cTn>
+                                        <p:tgtEl>
+                                          <p:spTgt spid="7"/>
+                                        </p:tgtEl>
+                                        <p:attrNameLst>
+                                          <p:attrName>style.visibility</p:attrName>
+                                        </p:attrNameLst>
+                                      </p:cBhvr>
+                                      <p:to>
+                                        <p:strVal val="visible"/>
+                                      </p:to>
+                                    </p:set>
+                                    <p:animEffect transition="in" filter="fade">
+                                      <p:cBhvr>
+                                        <p:cTn id="7" dur="500"/>
+                                        <p:tgtEl>
+                                          <p:spTgt spid="7"/>
+                                        </p:tgtEl>
+                                      </p:cBhvr>
+                                    </p:animEffect>
+                                  </p:childTnLst>
+                                </p:cTn>
+                              </p:par>
+                            </p:childTnLst>
+                          </p:cTn>
+                        </p:par>
+                      </p:childTnLst>
+                    </p:cTn>
+                  </p:par>
+                </p:childTnLst>
+              </p:cTn>
+              <p:prevCondLst>
+                <p:cond evt="onPrev" delay="0">
+                  <p:tgtEl>
+                    <p:sldTgt/>
+                  </p:tgtEl>
+                </p:cond>
+              </p:prevCondLst>
+              <p:nextCondLst>
+                <p:cond evt="onNext" delay="0">
+                  <p:tgtEl>
+                    <p:sldTgt/>
+                  </p:tgtEl>
+                </p:cond>
+              </p:nextCondLst>
+            </p:seq>
+          </p:childTnLst>
+        </p:cTn>
+      </p:par>
+    </p:tnLst>
+    <p:bldLst>
+      <p:bldP spid="7" grpId="0"/>
+    </p:bldLst>
+  </p:timing>
+</p:sld>
+</file>
+
+<file path=ppt/slides/slide14.xml><?xml version="1.0" encoding="utf-8"?>
+<p:sld xmlns:a="http://schemas.openxmlformats.org/drawingml/2006/main" xmlns:r="http://schemas.openxmlformats.org/officeDocument/2006/relationships" xmlns:p="http://schemas.openxmlformats.org/presentationml/2006/main">
+  <p:cSld>
+    <p:spTree>
+      <p:nvGrpSpPr>
+        <p:cNvPr id="1" name=""/>
+        <p:cNvGrpSpPr/>
+        <p:nvPr/>
+      </p:nvGrpSpPr>
+      <p:grpSpPr>
+        <a:xfrm>
+          <a:off x="0" y="0"/>
+          <a:ext cx="0" cy="0"/>
+          <a:chOff x="0" y="0"/>
+          <a:chExt cx="0" cy="0"/>
+        </a:xfrm>
+      </p:grpSpPr>
+      <p:sp>
+        <p:nvSpPr>
+          <p:cNvPr id="5" name="Titre 4">
+            <a:extLst>
+              <a:ext uri="{FF2B5EF4-FFF2-40B4-BE49-F238E27FC236}">
+                <a16:creationId xmlns:a16="http://schemas.microsoft.com/office/drawing/2014/main" id="{2136FCF6-982C-CC37-9625-3EBFC7E7DD13}"/>
+              </a:ext>
+            </a:extLst>
+          </p:cNvPr>
+          <p:cNvSpPr>
+            <a:spLocks noGrp="1"/>
+          </p:cNvSpPr>
+          <p:nvPr>
+            <p:ph type="title"/>
+          </p:nvPr>
+        </p:nvSpPr>
+        <p:spPr>
+          <a:xfrm>
+            <a:off x="1750141" y="607429"/>
+            <a:ext cx="9599325" cy="980844"/>
+          </a:xfrm>
+        </p:spPr>
+        <p:txBody>
+          <a:bodyPr rtlCol="0"/>
+          <a:lstStyle>
+            <a:defPPr>
+              <a:defRPr lang="fr-FR"/>
+            </a:defPPr>
+          </a:lstStyle>
+          <a:p>
+            <a:pPr rtl="0"/>
+            <a:r>
+              <a:rPr lang="fr-FR" dirty="0" err="1"/>
+              <a:t>Rxjs</a:t>
+            </a:r>
+            <a:r>
+              <a:rPr lang="fr-FR" dirty="0"/>
+              <a:t> / signal - </a:t>
+            </a:r>
+            <a:r>
+              <a:rPr lang="fr-FR" dirty="0" err="1"/>
+              <a:t>interop</a:t>
+            </a:r>
+            <a:endParaRPr lang="fr-FR" dirty="0"/>
+          </a:p>
+        </p:txBody>
+      </p:sp>
+      <p:sp>
+        <p:nvSpPr>
+          <p:cNvPr id="2" name="Espace réservé du numéro de diapositive 1">
+            <a:extLst>
+              <a:ext uri="{FF2B5EF4-FFF2-40B4-BE49-F238E27FC236}">
+                <a16:creationId xmlns:a16="http://schemas.microsoft.com/office/drawing/2014/main" id="{A913EEC9-16E3-6C86-97D0-A7EC7EA09CDA}"/>
+              </a:ext>
+            </a:extLst>
+          </p:cNvPr>
+          <p:cNvSpPr>
+            <a:spLocks noGrp="1"/>
+          </p:cNvSpPr>
+          <p:nvPr>
+            <p:ph type="sldNum" sz="quarter" idx="10"/>
+          </p:nvPr>
+        </p:nvSpPr>
+        <p:spPr>
+          <a:xfrm>
+            <a:off x="10358437" y="457199"/>
+            <a:ext cx="1067589" cy="471489"/>
+          </a:xfrm>
+        </p:spPr>
+        <p:txBody>
+          <a:bodyPr rtlCol="0"/>
+          <a:lstStyle>
+            <a:defPPr>
+              <a:defRPr lang="fr-FR"/>
+            </a:defPPr>
+          </a:lstStyle>
+          <a:p>
+            <a:pPr rtl="0"/>
+            <a:fld id="{48F63A3B-78C7-47BE-AE5E-E10140E04643}" type="slidenum">
+              <a:rPr lang="fr-FR" smtClean="0"/>
+              <a:pPr rtl="0"/>
+              <a:t>14</a:t>
+            </a:fld>
+            <a:endParaRPr lang="fr-FR" dirty="0"/>
+          </a:p>
+        </p:txBody>
+      </p:sp>
+      <p:sp>
+        <p:nvSpPr>
+          <p:cNvPr id="8" name="Espace réservé du texte 7">
+            <a:extLst>
+              <a:ext uri="{FF2B5EF4-FFF2-40B4-BE49-F238E27FC236}">
+                <a16:creationId xmlns:a16="http://schemas.microsoft.com/office/drawing/2014/main" id="{9836654E-34BC-0D87-64C4-E6BD9E762813}"/>
+              </a:ext>
+            </a:extLst>
+          </p:cNvPr>
+          <p:cNvSpPr>
+            <a:spLocks noGrp="1"/>
+          </p:cNvSpPr>
+          <p:nvPr>
+            <p:ph type="body" sz="quarter" idx="13"/>
+          </p:nvPr>
+        </p:nvSpPr>
+        <p:spPr>
+          <a:xfrm>
+            <a:off x="1356852" y="1882850"/>
+            <a:ext cx="10717161" cy="1174982"/>
+          </a:xfrm>
+        </p:spPr>
+        <p:txBody>
+          <a:bodyPr/>
+          <a:lstStyle/>
+          <a:p>
+            <a:pPr marL="342900" indent="-342900">
+              <a:buFont typeface="Wingdings" panose="05000000000000000000" pitchFamily="2" charset="2"/>
+              <a:buChar char="Ø"/>
+            </a:pPr>
+            <a:r>
+              <a:rPr lang="fr-FR" sz="2000" dirty="0"/>
+              <a:t>Un observable peut être converti en signal et vice versa à l’aide des opérateurs </a:t>
+            </a:r>
+            <a:r>
+              <a:rPr lang="fr-FR" sz="2000" dirty="0" err="1"/>
+              <a:t>toSignal</a:t>
+            </a:r>
+            <a:r>
+              <a:rPr lang="fr-FR" sz="2000" dirty="0"/>
+              <a:t>() et </a:t>
+            </a:r>
+            <a:r>
+              <a:rPr lang="fr-FR" sz="2000" dirty="0" err="1"/>
+              <a:t>toObservable</a:t>
+            </a:r>
+            <a:r>
+              <a:rPr lang="fr-FR" sz="2000" dirty="0"/>
+              <a:t>()</a:t>
+            </a:r>
+          </a:p>
+        </p:txBody>
+      </p:sp>
+      <p:pic>
+        <p:nvPicPr>
+          <p:cNvPr id="6" name="Image 5">
+            <a:extLst>
+              <a:ext uri="{FF2B5EF4-FFF2-40B4-BE49-F238E27FC236}">
+                <a16:creationId xmlns:a16="http://schemas.microsoft.com/office/drawing/2014/main" id="{1439A9C5-0F61-26BB-A1D4-64B87AD436D3}"/>
+              </a:ext>
+            </a:extLst>
+          </p:cNvPr>
+          <p:cNvPicPr>
+            <a:picLocks noChangeAspect="1"/>
+          </p:cNvPicPr>
+          <p:nvPr/>
+        </p:nvPicPr>
+        <p:blipFill>
+          <a:blip r:embed="rId3"/>
+          <a:stretch>
+            <a:fillRect/>
+          </a:stretch>
+        </p:blipFill>
+        <p:spPr>
+          <a:xfrm>
+            <a:off x="295501" y="2833963"/>
+            <a:ext cx="6419913" cy="518446"/>
+          </a:xfrm>
+          <a:prstGeom prst="rect">
+            <a:avLst/>
+          </a:prstGeom>
+        </p:spPr>
+      </p:pic>
+      <p:pic>
+        <p:nvPicPr>
+          <p:cNvPr id="10" name="Image 9">
+            <a:extLst>
+              <a:ext uri="{FF2B5EF4-FFF2-40B4-BE49-F238E27FC236}">
+                <a16:creationId xmlns:a16="http://schemas.microsoft.com/office/drawing/2014/main" id="{ECBEF0CE-2B02-3298-6DD5-8CC25BBD8B2D}"/>
+              </a:ext>
+            </a:extLst>
+          </p:cNvPr>
+          <p:cNvPicPr>
+            <a:picLocks noChangeAspect="1"/>
+          </p:cNvPicPr>
+          <p:nvPr/>
+        </p:nvPicPr>
+        <p:blipFill>
+          <a:blip r:embed="rId4"/>
+          <a:stretch>
+            <a:fillRect/>
+          </a:stretch>
+        </p:blipFill>
+        <p:spPr>
+          <a:xfrm>
+            <a:off x="8025125" y="2895144"/>
+            <a:ext cx="3970545" cy="533855"/>
+          </a:xfrm>
+          <a:prstGeom prst="rect">
+            <a:avLst/>
+          </a:prstGeom>
+        </p:spPr>
+      </p:pic>
+      <p:sp>
+        <p:nvSpPr>
+          <p:cNvPr id="11" name="Espace réservé du texte 7">
+            <a:extLst>
+              <a:ext uri="{FF2B5EF4-FFF2-40B4-BE49-F238E27FC236}">
+                <a16:creationId xmlns:a16="http://schemas.microsoft.com/office/drawing/2014/main" id="{6222A69B-7535-A1CE-8F09-027A72035321}"/>
+              </a:ext>
+            </a:extLst>
+          </p:cNvPr>
+          <p:cNvSpPr txBox="1">
+            <a:spLocks/>
+          </p:cNvSpPr>
+          <p:nvPr/>
+        </p:nvSpPr>
+        <p:spPr>
+          <a:xfrm>
+            <a:off x="7046244" y="2965087"/>
+            <a:ext cx="730521" cy="480068"/>
+          </a:xfrm>
+          <a:prstGeom prst="rect">
+            <a:avLst/>
+          </a:prstGeom>
+        </p:spPr>
+        <p:txBody>
+          <a:bodyPr vert="horz" lIns="91440" tIns="0" rIns="91440" bIns="0" rtlCol="0" anchor="t" anchorCtr="0">
+            <a:noAutofit/>
+          </a:bodyPr>
+          <a:lstStyle>
+            <a:defPPr>
+              <a:defRPr lang="fr-FR"/>
+            </a:defPPr>
+            <a:lvl1pPr marL="0" indent="0" algn="l" defTabSz="914400" rtl="0" eaLnBrk="1" latinLnBrk="0" hangingPunct="1">
+              <a:lnSpc>
+                <a:spcPct val="100000"/>
+              </a:lnSpc>
+              <a:spcBef>
+                <a:spcPts val="0"/>
+              </a:spcBef>
+              <a:spcAft>
+                <a:spcPts val="1200"/>
+              </a:spcAft>
+              <a:buFont typeface="Arial" panose="020B0604020202020204" pitchFamily="34" charset="0"/>
+              <a:buNone/>
+              <a:defRPr lang="fr-FR" sz="1800" kern="1200">
+                <a:solidFill>
+                  <a:schemeClr val="accent6"/>
+                </a:solidFill>
+                <a:latin typeface="+mn-lt"/>
+                <a:ea typeface="+mn-ea"/>
+                <a:cs typeface="+mn-cs"/>
+              </a:defRPr>
+            </a:lvl1pPr>
+            <a:lvl2pPr marL="685800" indent="-347472" algn="l" defTabSz="914400" rtl="0" eaLnBrk="1" latinLnBrk="0" hangingPunct="1">
+              <a:lnSpc>
+                <a:spcPct val="100000"/>
+              </a:lnSpc>
+              <a:spcBef>
+                <a:spcPts val="360"/>
+              </a:spcBef>
+              <a:buFont typeface="Arial" panose="020B0604020202020204" pitchFamily="34" charset="0"/>
+              <a:buChar char="•"/>
+              <a:defRPr lang="fr-FR" sz="2400" kern="1200">
+                <a:solidFill>
+                  <a:schemeClr val="accent6"/>
+                </a:solidFill>
+                <a:latin typeface="+mn-lt"/>
+                <a:ea typeface="+mn-ea"/>
+                <a:cs typeface="+mn-cs"/>
+              </a:defRPr>
+            </a:lvl2pPr>
+            <a:lvl3pPr marL="1143000" indent="-347472" algn="l" defTabSz="914400" rtl="0" eaLnBrk="1" latinLnBrk="0" hangingPunct="1">
+              <a:lnSpc>
+                <a:spcPct val="100000"/>
+              </a:lnSpc>
+              <a:spcBef>
+                <a:spcPts val="360"/>
+              </a:spcBef>
+              <a:buFont typeface="Arial" panose="020B0604020202020204" pitchFamily="34" charset="0"/>
+              <a:buChar char="•"/>
+              <a:defRPr lang="fr-FR" sz="2000" kern="1200">
+                <a:solidFill>
+                  <a:schemeClr val="accent6"/>
+                </a:solidFill>
+                <a:latin typeface="+mn-lt"/>
+                <a:ea typeface="+mn-ea"/>
+                <a:cs typeface="+mn-cs"/>
+              </a:defRPr>
+            </a:lvl3pPr>
+            <a:lvl4pPr marL="1600200" indent="-347472" algn="l" defTabSz="914400" rtl="0" eaLnBrk="1" latinLnBrk="0" hangingPunct="1">
+              <a:lnSpc>
+                <a:spcPct val="100000"/>
+              </a:lnSpc>
+              <a:spcBef>
+                <a:spcPts val="360"/>
+              </a:spcBef>
+              <a:buFont typeface="Arial" panose="020B0604020202020204" pitchFamily="34" charset="0"/>
+              <a:buChar char="•"/>
+              <a:defRPr lang="fr-FR" sz="1800" kern="1200">
+                <a:solidFill>
+                  <a:schemeClr val="accent6"/>
+                </a:solidFill>
+                <a:latin typeface="+mn-lt"/>
+                <a:ea typeface="+mn-ea"/>
+                <a:cs typeface="+mn-cs"/>
+              </a:defRPr>
+            </a:lvl4pPr>
+            <a:lvl5pPr marL="2057400" indent="-347472" algn="l" defTabSz="914400" rtl="0" eaLnBrk="1" latinLnBrk="0" hangingPunct="1">
+              <a:lnSpc>
+                <a:spcPct val="100000"/>
+              </a:lnSpc>
+              <a:spcBef>
+                <a:spcPts val="360"/>
+              </a:spcBef>
+              <a:buFont typeface="Arial" panose="020B0604020202020204" pitchFamily="34" charset="0"/>
+              <a:buChar char="•"/>
+              <a:defRPr lang="fr-FR" sz="1800" kern="1200">
+                <a:solidFill>
+                  <a:schemeClr val="accent6"/>
+                </a:solidFill>
+                <a:latin typeface="+mn-lt"/>
+                <a:ea typeface="+mn-ea"/>
+                <a:cs typeface="+mn-cs"/>
+              </a:defRPr>
+            </a:lvl5pPr>
+            <a:lvl6pPr marL="2514600" indent="-228600" algn="l" defTabSz="914400" rtl="0" eaLnBrk="1" latinLnBrk="0" hangingPunct="1">
+              <a:lnSpc>
+                <a:spcPct val="90000"/>
+              </a:lnSpc>
+              <a:spcBef>
+                <a:spcPts val="500"/>
+              </a:spcBef>
+              <a:buFont typeface="Arial" panose="020B0604020202020204" pitchFamily="34" charset="0"/>
+              <a:buChar char="•"/>
+              <a:defRPr lang="fr-FR" sz="1800" kern="1200">
+                <a:solidFill>
+                  <a:schemeClr val="tx1"/>
+                </a:solidFill>
+                <a:latin typeface="+mn-lt"/>
+                <a:ea typeface="+mn-ea"/>
+                <a:cs typeface="+mn-cs"/>
+              </a:defRPr>
+            </a:lvl6pPr>
+            <a:lvl7pPr marL="2971800" indent="-228600" algn="l" defTabSz="914400" rtl="0" eaLnBrk="1" latinLnBrk="0" hangingPunct="1">
+              <a:lnSpc>
+                <a:spcPct val="90000"/>
+              </a:lnSpc>
+              <a:spcBef>
+                <a:spcPts val="500"/>
+              </a:spcBef>
+              <a:buFont typeface="Arial" panose="020B0604020202020204" pitchFamily="34" charset="0"/>
+              <a:buChar char="•"/>
+              <a:defRPr lang="fr-FR" sz="1800" kern="1200">
+                <a:solidFill>
+                  <a:schemeClr val="tx1"/>
+                </a:solidFill>
+                <a:latin typeface="+mn-lt"/>
+                <a:ea typeface="+mn-ea"/>
+                <a:cs typeface="+mn-cs"/>
+              </a:defRPr>
+            </a:lvl7pPr>
+            <a:lvl8pPr marL="3429000" indent="-228600" algn="l" defTabSz="914400" rtl="0" eaLnBrk="1" latinLnBrk="0" hangingPunct="1">
+              <a:lnSpc>
+                <a:spcPct val="90000"/>
+              </a:lnSpc>
+              <a:spcBef>
+                <a:spcPts val="500"/>
+              </a:spcBef>
+              <a:buFont typeface="Arial" panose="020B0604020202020204" pitchFamily="34" charset="0"/>
+              <a:buChar char="•"/>
+              <a:defRPr lang="fr-FR" sz="1800" kern="1200">
+                <a:solidFill>
+                  <a:schemeClr val="tx1"/>
+                </a:solidFill>
+                <a:latin typeface="+mn-lt"/>
+                <a:ea typeface="+mn-ea"/>
+                <a:cs typeface="+mn-cs"/>
+              </a:defRPr>
+            </a:lvl8pPr>
+            <a:lvl9pPr marL="3886200" indent="-228600" algn="l" defTabSz="914400" rtl="0" eaLnBrk="1" latinLnBrk="0" hangingPunct="1">
+              <a:lnSpc>
+                <a:spcPct val="90000"/>
+              </a:lnSpc>
+              <a:spcBef>
+                <a:spcPts val="500"/>
+              </a:spcBef>
+              <a:buFont typeface="Arial" panose="020B0604020202020204" pitchFamily="34" charset="0"/>
+              <a:buChar char="•"/>
+              <a:defRPr lang="fr-FR" sz="1800" kern="1200">
+                <a:solidFill>
+                  <a:schemeClr val="tx1"/>
+                </a:solidFill>
+                <a:latin typeface="+mn-lt"/>
+                <a:ea typeface="+mn-ea"/>
+                <a:cs typeface="+mn-cs"/>
+              </a:defRPr>
+            </a:lvl9pPr>
+          </a:lstStyle>
+          <a:p>
+            <a:r>
+              <a:rPr lang="fr-FR" sz="2000" b="1" dirty="0">
+                <a:solidFill>
+                  <a:srgbClr val="C00000"/>
+                </a:solidFill>
+              </a:rPr>
+              <a:t>ou</a:t>
+            </a:r>
+          </a:p>
+        </p:txBody>
+      </p:sp>
+      <p:sp>
+        <p:nvSpPr>
+          <p:cNvPr id="13" name="Espace réservé du texte 7">
+            <a:extLst>
+              <a:ext uri="{FF2B5EF4-FFF2-40B4-BE49-F238E27FC236}">
+                <a16:creationId xmlns:a16="http://schemas.microsoft.com/office/drawing/2014/main" id="{898BB286-99A3-6D14-16EC-6C1A3890F5EC}"/>
+              </a:ext>
+            </a:extLst>
+          </p:cNvPr>
+          <p:cNvSpPr txBox="1">
+            <a:spLocks/>
+          </p:cNvSpPr>
+          <p:nvPr/>
+        </p:nvSpPr>
+        <p:spPr>
+          <a:xfrm>
+            <a:off x="1858297" y="3777212"/>
+            <a:ext cx="8711381" cy="750180"/>
+          </a:xfrm>
+          <a:prstGeom prst="rect">
+            <a:avLst/>
+          </a:prstGeom>
+        </p:spPr>
+        <p:txBody>
+          <a:bodyPr vert="horz" lIns="91440" tIns="0" rIns="91440" bIns="0" rtlCol="0" anchor="t" anchorCtr="0">
+            <a:noAutofit/>
+          </a:bodyPr>
+          <a:lstStyle>
+            <a:defPPr>
+              <a:defRPr lang="fr-FR"/>
+            </a:defPPr>
+            <a:lvl1pPr marL="0" indent="0" algn="l" defTabSz="914400" rtl="0" eaLnBrk="1" latinLnBrk="0" hangingPunct="1">
+              <a:lnSpc>
+                <a:spcPct val="100000"/>
+              </a:lnSpc>
+              <a:spcBef>
+                <a:spcPts val="0"/>
+              </a:spcBef>
+              <a:spcAft>
+                <a:spcPts val="1200"/>
+              </a:spcAft>
+              <a:buFont typeface="Arial" panose="020B0604020202020204" pitchFamily="34" charset="0"/>
+              <a:buNone/>
+              <a:defRPr lang="fr-FR" sz="1800" kern="1200">
+                <a:solidFill>
+                  <a:schemeClr val="accent6"/>
+                </a:solidFill>
+                <a:latin typeface="+mn-lt"/>
+                <a:ea typeface="+mn-ea"/>
+                <a:cs typeface="+mn-cs"/>
+              </a:defRPr>
+            </a:lvl1pPr>
+            <a:lvl2pPr marL="685800" indent="-347472" algn="l" defTabSz="914400" rtl="0" eaLnBrk="1" latinLnBrk="0" hangingPunct="1">
+              <a:lnSpc>
+                <a:spcPct val="100000"/>
+              </a:lnSpc>
+              <a:spcBef>
+                <a:spcPts val="360"/>
+              </a:spcBef>
+              <a:buFont typeface="Arial" panose="020B0604020202020204" pitchFamily="34" charset="0"/>
+              <a:buChar char="•"/>
+              <a:defRPr lang="fr-FR" sz="2400" kern="1200">
+                <a:solidFill>
+                  <a:schemeClr val="accent6"/>
+                </a:solidFill>
+                <a:latin typeface="+mn-lt"/>
+                <a:ea typeface="+mn-ea"/>
+                <a:cs typeface="+mn-cs"/>
+              </a:defRPr>
+            </a:lvl2pPr>
+            <a:lvl3pPr marL="1143000" indent="-347472" algn="l" defTabSz="914400" rtl="0" eaLnBrk="1" latinLnBrk="0" hangingPunct="1">
+              <a:lnSpc>
+                <a:spcPct val="100000"/>
+              </a:lnSpc>
+              <a:spcBef>
+                <a:spcPts val="360"/>
+              </a:spcBef>
+              <a:buFont typeface="Arial" panose="020B0604020202020204" pitchFamily="34" charset="0"/>
+              <a:buChar char="•"/>
+              <a:defRPr lang="fr-FR" sz="2000" kern="1200">
+                <a:solidFill>
+                  <a:schemeClr val="accent6"/>
+                </a:solidFill>
+                <a:latin typeface="+mn-lt"/>
+                <a:ea typeface="+mn-ea"/>
+                <a:cs typeface="+mn-cs"/>
+              </a:defRPr>
+            </a:lvl3pPr>
+            <a:lvl4pPr marL="1600200" indent="-347472" algn="l" defTabSz="914400" rtl="0" eaLnBrk="1" latinLnBrk="0" hangingPunct="1">
+              <a:lnSpc>
+                <a:spcPct val="100000"/>
+              </a:lnSpc>
+              <a:spcBef>
+                <a:spcPts val="360"/>
+              </a:spcBef>
+              <a:buFont typeface="Arial" panose="020B0604020202020204" pitchFamily="34" charset="0"/>
+              <a:buChar char="•"/>
+              <a:defRPr lang="fr-FR" sz="1800" kern="1200">
+                <a:solidFill>
+                  <a:schemeClr val="accent6"/>
+                </a:solidFill>
+                <a:latin typeface="+mn-lt"/>
+                <a:ea typeface="+mn-ea"/>
+                <a:cs typeface="+mn-cs"/>
+              </a:defRPr>
+            </a:lvl4pPr>
+            <a:lvl5pPr marL="2057400" indent="-347472" algn="l" defTabSz="914400" rtl="0" eaLnBrk="1" latinLnBrk="0" hangingPunct="1">
+              <a:lnSpc>
+                <a:spcPct val="100000"/>
+              </a:lnSpc>
+              <a:spcBef>
+                <a:spcPts val="360"/>
+              </a:spcBef>
+              <a:buFont typeface="Arial" panose="020B0604020202020204" pitchFamily="34" charset="0"/>
+              <a:buChar char="•"/>
+              <a:defRPr lang="fr-FR" sz="1800" kern="1200">
+                <a:solidFill>
+                  <a:schemeClr val="accent6"/>
+                </a:solidFill>
+                <a:latin typeface="+mn-lt"/>
+                <a:ea typeface="+mn-ea"/>
+                <a:cs typeface="+mn-cs"/>
+              </a:defRPr>
+            </a:lvl5pPr>
+            <a:lvl6pPr marL="2514600" indent="-228600" algn="l" defTabSz="914400" rtl="0" eaLnBrk="1" latinLnBrk="0" hangingPunct="1">
+              <a:lnSpc>
+                <a:spcPct val="90000"/>
+              </a:lnSpc>
+              <a:spcBef>
+                <a:spcPts val="500"/>
+              </a:spcBef>
+              <a:buFont typeface="Arial" panose="020B0604020202020204" pitchFamily="34" charset="0"/>
+              <a:buChar char="•"/>
+              <a:defRPr lang="fr-FR" sz="1800" kern="1200">
+                <a:solidFill>
+                  <a:schemeClr val="tx1"/>
+                </a:solidFill>
+                <a:latin typeface="+mn-lt"/>
+                <a:ea typeface="+mn-ea"/>
+                <a:cs typeface="+mn-cs"/>
+              </a:defRPr>
+            </a:lvl6pPr>
+            <a:lvl7pPr marL="2971800" indent="-228600" algn="l" defTabSz="914400" rtl="0" eaLnBrk="1" latinLnBrk="0" hangingPunct="1">
+              <a:lnSpc>
+                <a:spcPct val="90000"/>
+              </a:lnSpc>
+              <a:spcBef>
+                <a:spcPts val="500"/>
+              </a:spcBef>
+              <a:buFont typeface="Arial" panose="020B0604020202020204" pitchFamily="34" charset="0"/>
+              <a:buChar char="•"/>
+              <a:defRPr lang="fr-FR" sz="1800" kern="1200">
+                <a:solidFill>
+                  <a:schemeClr val="tx1"/>
+                </a:solidFill>
+                <a:latin typeface="+mn-lt"/>
+                <a:ea typeface="+mn-ea"/>
+                <a:cs typeface="+mn-cs"/>
+              </a:defRPr>
+            </a:lvl7pPr>
+            <a:lvl8pPr marL="3429000" indent="-228600" algn="l" defTabSz="914400" rtl="0" eaLnBrk="1" latinLnBrk="0" hangingPunct="1">
+              <a:lnSpc>
+                <a:spcPct val="90000"/>
+              </a:lnSpc>
+              <a:spcBef>
+                <a:spcPts val="500"/>
+              </a:spcBef>
+              <a:buFont typeface="Arial" panose="020B0604020202020204" pitchFamily="34" charset="0"/>
+              <a:buChar char="•"/>
+              <a:defRPr lang="fr-FR" sz="1800" kern="1200">
+                <a:solidFill>
+                  <a:schemeClr val="tx1"/>
+                </a:solidFill>
+                <a:latin typeface="+mn-lt"/>
+                <a:ea typeface="+mn-ea"/>
+                <a:cs typeface="+mn-cs"/>
+              </a:defRPr>
+            </a:lvl8pPr>
+            <a:lvl9pPr marL="3886200" indent="-228600" algn="l" defTabSz="914400" rtl="0" eaLnBrk="1" latinLnBrk="0" hangingPunct="1">
+              <a:lnSpc>
+                <a:spcPct val="90000"/>
+              </a:lnSpc>
+              <a:spcBef>
+                <a:spcPts val="500"/>
+              </a:spcBef>
+              <a:buFont typeface="Arial" panose="020B0604020202020204" pitchFamily="34" charset="0"/>
+              <a:buChar char="•"/>
+              <a:defRPr lang="fr-FR" sz="1800" kern="1200">
+                <a:solidFill>
+                  <a:schemeClr val="tx1"/>
+                </a:solidFill>
+                <a:latin typeface="+mn-lt"/>
+                <a:ea typeface="+mn-ea"/>
+                <a:cs typeface="+mn-cs"/>
+              </a:defRPr>
+            </a:lvl9pPr>
+          </a:lstStyle>
+          <a:p>
+            <a:r>
+              <a:rPr lang="fr-FR" sz="2000" dirty="0">
+                <a:sym typeface="Wingdings" panose="05000000000000000000" pitchFamily="2" charset="2"/>
+              </a:rPr>
+              <a:t> Cela permet d’utiliser à la fois les fonctionnalités des signaux (ex : </a:t>
+            </a:r>
+            <a:r>
+              <a:rPr lang="fr-FR" sz="2000" dirty="0" err="1">
+                <a:sym typeface="Wingdings" panose="05000000000000000000" pitchFamily="2" charset="2"/>
+              </a:rPr>
+              <a:t>computed</a:t>
+            </a:r>
+            <a:r>
+              <a:rPr lang="fr-FR" sz="2000" dirty="0">
+                <a:sym typeface="Wingdings" panose="05000000000000000000" pitchFamily="2" charset="2"/>
+              </a:rPr>
+              <a:t>) et des observables (ex : </a:t>
+            </a:r>
+            <a:r>
+              <a:rPr lang="fr-FR" sz="2000" dirty="0" err="1">
+                <a:sym typeface="Wingdings" panose="05000000000000000000" pitchFamily="2" charset="2"/>
+              </a:rPr>
+              <a:t>switchMap</a:t>
+            </a:r>
+            <a:r>
+              <a:rPr lang="fr-FR" sz="2000" dirty="0">
+                <a:sym typeface="Wingdings" panose="05000000000000000000" pitchFamily="2" charset="2"/>
+              </a:rPr>
+              <a:t>, </a:t>
+            </a:r>
+            <a:r>
+              <a:rPr lang="fr-FR" sz="2000" dirty="0" err="1">
+                <a:sym typeface="Wingdings" panose="05000000000000000000" pitchFamily="2" charset="2"/>
+              </a:rPr>
+              <a:t>debounceTime</a:t>
+            </a:r>
+            <a:r>
+              <a:rPr lang="fr-FR" sz="2000" dirty="0">
+                <a:sym typeface="Wingdings" panose="05000000000000000000" pitchFamily="2" charset="2"/>
+              </a:rPr>
+              <a:t>)</a:t>
+            </a:r>
+            <a:endParaRPr lang="fr-FR" sz="2000" dirty="0"/>
+          </a:p>
+        </p:txBody>
+      </p:sp>
+      <p:sp>
+        <p:nvSpPr>
+          <p:cNvPr id="14" name="Espace réservé du texte 7">
+            <a:extLst>
+              <a:ext uri="{FF2B5EF4-FFF2-40B4-BE49-F238E27FC236}">
+                <a16:creationId xmlns:a16="http://schemas.microsoft.com/office/drawing/2014/main" id="{C0A5F761-2891-F9E2-C232-EFC1D82027D8}"/>
+              </a:ext>
+            </a:extLst>
+          </p:cNvPr>
+          <p:cNvSpPr txBox="1">
+            <a:spLocks/>
+          </p:cNvSpPr>
+          <p:nvPr/>
+        </p:nvSpPr>
+        <p:spPr>
+          <a:xfrm>
+            <a:off x="1101213" y="4582679"/>
+            <a:ext cx="9468465" cy="750180"/>
+          </a:xfrm>
+          <a:prstGeom prst="rect">
+            <a:avLst/>
+          </a:prstGeom>
+        </p:spPr>
+        <p:txBody>
+          <a:bodyPr vert="horz" lIns="91440" tIns="0" rIns="91440" bIns="0" rtlCol="0" anchor="t" anchorCtr="0">
+            <a:noAutofit/>
+          </a:bodyPr>
+          <a:lstStyle>
+            <a:defPPr>
+              <a:defRPr lang="fr-FR"/>
+            </a:defPPr>
+            <a:lvl1pPr marL="0" indent="0" algn="l" defTabSz="914400" rtl="0" eaLnBrk="1" latinLnBrk="0" hangingPunct="1">
+              <a:lnSpc>
+                <a:spcPct val="100000"/>
+              </a:lnSpc>
+              <a:spcBef>
+                <a:spcPts val="0"/>
+              </a:spcBef>
+              <a:spcAft>
+                <a:spcPts val="1200"/>
+              </a:spcAft>
+              <a:buFont typeface="Arial" panose="020B0604020202020204" pitchFamily="34" charset="0"/>
+              <a:buNone/>
+              <a:defRPr lang="fr-FR" sz="1800" kern="1200">
+                <a:solidFill>
+                  <a:schemeClr val="accent6"/>
+                </a:solidFill>
+                <a:latin typeface="+mn-lt"/>
+                <a:ea typeface="+mn-ea"/>
+                <a:cs typeface="+mn-cs"/>
+              </a:defRPr>
+            </a:lvl1pPr>
+            <a:lvl2pPr marL="685800" indent="-347472" algn="l" defTabSz="914400" rtl="0" eaLnBrk="1" latinLnBrk="0" hangingPunct="1">
+              <a:lnSpc>
+                <a:spcPct val="100000"/>
+              </a:lnSpc>
+              <a:spcBef>
+                <a:spcPts val="360"/>
+              </a:spcBef>
+              <a:buFont typeface="Arial" panose="020B0604020202020204" pitchFamily="34" charset="0"/>
+              <a:buChar char="•"/>
+              <a:defRPr lang="fr-FR" sz="2400" kern="1200">
+                <a:solidFill>
+                  <a:schemeClr val="accent6"/>
+                </a:solidFill>
+                <a:latin typeface="+mn-lt"/>
+                <a:ea typeface="+mn-ea"/>
+                <a:cs typeface="+mn-cs"/>
+              </a:defRPr>
+            </a:lvl2pPr>
+            <a:lvl3pPr marL="1143000" indent="-347472" algn="l" defTabSz="914400" rtl="0" eaLnBrk="1" latinLnBrk="0" hangingPunct="1">
+              <a:lnSpc>
+                <a:spcPct val="100000"/>
+              </a:lnSpc>
+              <a:spcBef>
+                <a:spcPts val="360"/>
+              </a:spcBef>
+              <a:buFont typeface="Arial" panose="020B0604020202020204" pitchFamily="34" charset="0"/>
+              <a:buChar char="•"/>
+              <a:defRPr lang="fr-FR" sz="2000" kern="1200">
+                <a:solidFill>
+                  <a:schemeClr val="accent6"/>
+                </a:solidFill>
+                <a:latin typeface="+mn-lt"/>
+                <a:ea typeface="+mn-ea"/>
+                <a:cs typeface="+mn-cs"/>
+              </a:defRPr>
+            </a:lvl3pPr>
+            <a:lvl4pPr marL="1600200" indent="-347472" algn="l" defTabSz="914400" rtl="0" eaLnBrk="1" latinLnBrk="0" hangingPunct="1">
+              <a:lnSpc>
+                <a:spcPct val="100000"/>
+              </a:lnSpc>
+              <a:spcBef>
+                <a:spcPts val="360"/>
+              </a:spcBef>
+              <a:buFont typeface="Arial" panose="020B0604020202020204" pitchFamily="34" charset="0"/>
+              <a:buChar char="•"/>
+              <a:defRPr lang="fr-FR" sz="1800" kern="1200">
+                <a:solidFill>
+                  <a:schemeClr val="accent6"/>
+                </a:solidFill>
+                <a:latin typeface="+mn-lt"/>
+                <a:ea typeface="+mn-ea"/>
+                <a:cs typeface="+mn-cs"/>
+              </a:defRPr>
+            </a:lvl4pPr>
+            <a:lvl5pPr marL="2057400" indent="-347472" algn="l" defTabSz="914400" rtl="0" eaLnBrk="1" latinLnBrk="0" hangingPunct="1">
+              <a:lnSpc>
+                <a:spcPct val="100000"/>
+              </a:lnSpc>
+              <a:spcBef>
+                <a:spcPts val="360"/>
+              </a:spcBef>
+              <a:buFont typeface="Arial" panose="020B0604020202020204" pitchFamily="34" charset="0"/>
+              <a:buChar char="•"/>
+              <a:defRPr lang="fr-FR" sz="1800" kern="1200">
+                <a:solidFill>
+                  <a:schemeClr val="accent6"/>
+                </a:solidFill>
+                <a:latin typeface="+mn-lt"/>
+                <a:ea typeface="+mn-ea"/>
+                <a:cs typeface="+mn-cs"/>
+              </a:defRPr>
+            </a:lvl5pPr>
+            <a:lvl6pPr marL="2514600" indent="-228600" algn="l" defTabSz="914400" rtl="0" eaLnBrk="1" latinLnBrk="0" hangingPunct="1">
+              <a:lnSpc>
+                <a:spcPct val="90000"/>
+              </a:lnSpc>
+              <a:spcBef>
+                <a:spcPts val="500"/>
+              </a:spcBef>
+              <a:buFont typeface="Arial" panose="020B0604020202020204" pitchFamily="34" charset="0"/>
+              <a:buChar char="•"/>
+              <a:defRPr lang="fr-FR" sz="1800" kern="1200">
+                <a:solidFill>
+                  <a:schemeClr val="tx1"/>
+                </a:solidFill>
+                <a:latin typeface="+mn-lt"/>
+                <a:ea typeface="+mn-ea"/>
+                <a:cs typeface="+mn-cs"/>
+              </a:defRPr>
+            </a:lvl6pPr>
+            <a:lvl7pPr marL="2971800" indent="-228600" algn="l" defTabSz="914400" rtl="0" eaLnBrk="1" latinLnBrk="0" hangingPunct="1">
+              <a:lnSpc>
+                <a:spcPct val="90000"/>
+              </a:lnSpc>
+              <a:spcBef>
+                <a:spcPts val="500"/>
+              </a:spcBef>
+              <a:buFont typeface="Arial" panose="020B0604020202020204" pitchFamily="34" charset="0"/>
+              <a:buChar char="•"/>
+              <a:defRPr lang="fr-FR" sz="1800" kern="1200">
+                <a:solidFill>
+                  <a:schemeClr val="tx1"/>
+                </a:solidFill>
+                <a:latin typeface="+mn-lt"/>
+                <a:ea typeface="+mn-ea"/>
+                <a:cs typeface="+mn-cs"/>
+              </a:defRPr>
+            </a:lvl7pPr>
+            <a:lvl8pPr marL="3429000" indent="-228600" algn="l" defTabSz="914400" rtl="0" eaLnBrk="1" latinLnBrk="0" hangingPunct="1">
+              <a:lnSpc>
+                <a:spcPct val="90000"/>
+              </a:lnSpc>
+              <a:spcBef>
+                <a:spcPts val="500"/>
+              </a:spcBef>
+              <a:buFont typeface="Arial" panose="020B0604020202020204" pitchFamily="34" charset="0"/>
+              <a:buChar char="•"/>
+              <a:defRPr lang="fr-FR" sz="1800" kern="1200">
+                <a:solidFill>
+                  <a:schemeClr val="tx1"/>
+                </a:solidFill>
+                <a:latin typeface="+mn-lt"/>
+                <a:ea typeface="+mn-ea"/>
+                <a:cs typeface="+mn-cs"/>
+              </a:defRPr>
+            </a:lvl8pPr>
+            <a:lvl9pPr marL="3886200" indent="-228600" algn="l" defTabSz="914400" rtl="0" eaLnBrk="1" latinLnBrk="0" hangingPunct="1">
+              <a:lnSpc>
+                <a:spcPct val="90000"/>
+              </a:lnSpc>
+              <a:spcBef>
+                <a:spcPts val="500"/>
+              </a:spcBef>
+              <a:buFont typeface="Arial" panose="020B0604020202020204" pitchFamily="34" charset="0"/>
+              <a:buChar char="•"/>
+              <a:defRPr lang="fr-FR" sz="1800" kern="1200">
+                <a:solidFill>
+                  <a:schemeClr val="tx1"/>
+                </a:solidFill>
+                <a:latin typeface="+mn-lt"/>
+                <a:ea typeface="+mn-ea"/>
+                <a:cs typeface="+mn-cs"/>
+              </a:defRPr>
+            </a:lvl9pPr>
+          </a:lstStyle>
+          <a:p>
+            <a:r>
+              <a:rPr lang="fr-FR" sz="2000" b="1" dirty="0">
+                <a:solidFill>
+                  <a:srgbClr val="C00000"/>
+                </a:solidFill>
+                <a:sym typeface="Wingdings" panose="05000000000000000000" pitchFamily="2" charset="2"/>
+              </a:rPr>
+              <a:t>Limitation : </a:t>
+            </a:r>
+            <a:r>
+              <a:rPr lang="fr-FR" sz="2000" dirty="0">
+                <a:sym typeface="Wingdings" panose="05000000000000000000" pitchFamily="2" charset="2"/>
+              </a:rPr>
+              <a:t>un signal créé via </a:t>
+            </a:r>
+            <a:r>
+              <a:rPr lang="fr-FR" sz="2000" dirty="0" err="1">
+                <a:sym typeface="Wingdings" panose="05000000000000000000" pitchFamily="2" charset="2"/>
+              </a:rPr>
+              <a:t>toSignal</a:t>
+            </a:r>
+            <a:r>
+              <a:rPr lang="fr-FR" sz="2000" dirty="0">
+                <a:sym typeface="Wingdings" panose="05000000000000000000" pitchFamily="2" charset="2"/>
+              </a:rPr>
+              <a:t> est en </a:t>
+            </a:r>
+            <a:r>
+              <a:rPr lang="fr-FR" sz="2000" dirty="0" err="1">
+                <a:sym typeface="Wingdings" panose="05000000000000000000" pitchFamily="2" charset="2"/>
+              </a:rPr>
+              <a:t>readOnly</a:t>
+            </a:r>
+            <a:r>
+              <a:rPr lang="fr-FR" sz="2000" dirty="0">
+                <a:sym typeface="Wingdings" panose="05000000000000000000" pitchFamily="2" charset="2"/>
+              </a:rPr>
+              <a:t> (pas de méthode set et update)</a:t>
+            </a:r>
+            <a:endParaRPr lang="fr-FR" sz="2000" dirty="0"/>
+          </a:p>
+        </p:txBody>
+      </p:sp>
+      <p:pic>
+        <p:nvPicPr>
+          <p:cNvPr id="16" name="Image 15">
+            <a:extLst>
+              <a:ext uri="{FF2B5EF4-FFF2-40B4-BE49-F238E27FC236}">
+                <a16:creationId xmlns:a16="http://schemas.microsoft.com/office/drawing/2014/main" id="{DFB30313-C76A-5A7E-51FE-A0EF57552E6C}"/>
+              </a:ext>
+            </a:extLst>
+          </p:cNvPr>
+          <p:cNvPicPr>
+            <a:picLocks noChangeAspect="1"/>
+          </p:cNvPicPr>
+          <p:nvPr/>
+        </p:nvPicPr>
+        <p:blipFill>
+          <a:blip r:embed="rId5"/>
+          <a:stretch>
+            <a:fillRect/>
+          </a:stretch>
+        </p:blipFill>
+        <p:spPr>
+          <a:xfrm>
+            <a:off x="907141" y="5581262"/>
+            <a:ext cx="10183646" cy="1162212"/>
+          </a:xfrm>
+          <a:prstGeom prst="rect">
+            <a:avLst/>
+          </a:prstGeom>
+        </p:spPr>
+      </p:pic>
+      <p:sp>
+        <p:nvSpPr>
+          <p:cNvPr id="17" name="Espace réservé du texte 7">
+            <a:extLst>
+              <a:ext uri="{FF2B5EF4-FFF2-40B4-BE49-F238E27FC236}">
+                <a16:creationId xmlns:a16="http://schemas.microsoft.com/office/drawing/2014/main" id="{D47D8F8F-A9DF-2205-A355-67D9340F7FAE}"/>
+              </a:ext>
+            </a:extLst>
+          </p:cNvPr>
+          <p:cNvSpPr txBox="1">
+            <a:spLocks/>
+          </p:cNvSpPr>
+          <p:nvPr/>
+        </p:nvSpPr>
+        <p:spPr>
+          <a:xfrm>
+            <a:off x="270386" y="5120470"/>
+            <a:ext cx="11616813" cy="750180"/>
+          </a:xfrm>
+          <a:prstGeom prst="rect">
+            <a:avLst/>
+          </a:prstGeom>
+        </p:spPr>
+        <p:txBody>
+          <a:bodyPr vert="horz" lIns="91440" tIns="0" rIns="91440" bIns="0" rtlCol="0" anchor="t" anchorCtr="0">
+            <a:noAutofit/>
+          </a:bodyPr>
+          <a:lstStyle>
+            <a:defPPr>
+              <a:defRPr lang="fr-FR"/>
+            </a:defPPr>
+            <a:lvl1pPr marL="0" indent="0" algn="l" defTabSz="914400" rtl="0" eaLnBrk="1" latinLnBrk="0" hangingPunct="1">
+              <a:lnSpc>
+                <a:spcPct val="100000"/>
+              </a:lnSpc>
+              <a:spcBef>
+                <a:spcPts val="0"/>
+              </a:spcBef>
+              <a:spcAft>
+                <a:spcPts val="1200"/>
+              </a:spcAft>
+              <a:buFont typeface="Arial" panose="020B0604020202020204" pitchFamily="34" charset="0"/>
+              <a:buNone/>
+              <a:defRPr lang="fr-FR" sz="1800" kern="1200">
+                <a:solidFill>
+                  <a:schemeClr val="accent6"/>
+                </a:solidFill>
+                <a:latin typeface="+mn-lt"/>
+                <a:ea typeface="+mn-ea"/>
+                <a:cs typeface="+mn-cs"/>
+              </a:defRPr>
+            </a:lvl1pPr>
+            <a:lvl2pPr marL="685800" indent="-347472" algn="l" defTabSz="914400" rtl="0" eaLnBrk="1" latinLnBrk="0" hangingPunct="1">
+              <a:lnSpc>
+                <a:spcPct val="100000"/>
+              </a:lnSpc>
+              <a:spcBef>
+                <a:spcPts val="360"/>
+              </a:spcBef>
+              <a:buFont typeface="Arial" panose="020B0604020202020204" pitchFamily="34" charset="0"/>
+              <a:buChar char="•"/>
+              <a:defRPr lang="fr-FR" sz="2400" kern="1200">
+                <a:solidFill>
+                  <a:schemeClr val="accent6"/>
+                </a:solidFill>
+                <a:latin typeface="+mn-lt"/>
+                <a:ea typeface="+mn-ea"/>
+                <a:cs typeface="+mn-cs"/>
+              </a:defRPr>
+            </a:lvl2pPr>
+            <a:lvl3pPr marL="1143000" indent="-347472" algn="l" defTabSz="914400" rtl="0" eaLnBrk="1" latinLnBrk="0" hangingPunct="1">
+              <a:lnSpc>
+                <a:spcPct val="100000"/>
+              </a:lnSpc>
+              <a:spcBef>
+                <a:spcPts val="360"/>
+              </a:spcBef>
+              <a:buFont typeface="Arial" panose="020B0604020202020204" pitchFamily="34" charset="0"/>
+              <a:buChar char="•"/>
+              <a:defRPr lang="fr-FR" sz="2000" kern="1200">
+                <a:solidFill>
+                  <a:schemeClr val="accent6"/>
+                </a:solidFill>
+                <a:latin typeface="+mn-lt"/>
+                <a:ea typeface="+mn-ea"/>
+                <a:cs typeface="+mn-cs"/>
+              </a:defRPr>
+            </a:lvl3pPr>
+            <a:lvl4pPr marL="1600200" indent="-347472" algn="l" defTabSz="914400" rtl="0" eaLnBrk="1" latinLnBrk="0" hangingPunct="1">
+              <a:lnSpc>
+                <a:spcPct val="100000"/>
+              </a:lnSpc>
+              <a:spcBef>
+                <a:spcPts val="360"/>
+              </a:spcBef>
+              <a:buFont typeface="Arial" panose="020B0604020202020204" pitchFamily="34" charset="0"/>
+              <a:buChar char="•"/>
+              <a:defRPr lang="fr-FR" sz="1800" kern="1200">
+                <a:solidFill>
+                  <a:schemeClr val="accent6"/>
+                </a:solidFill>
+                <a:latin typeface="+mn-lt"/>
+                <a:ea typeface="+mn-ea"/>
+                <a:cs typeface="+mn-cs"/>
+              </a:defRPr>
+            </a:lvl4pPr>
+            <a:lvl5pPr marL="2057400" indent="-347472" algn="l" defTabSz="914400" rtl="0" eaLnBrk="1" latinLnBrk="0" hangingPunct="1">
+              <a:lnSpc>
+                <a:spcPct val="100000"/>
+              </a:lnSpc>
+              <a:spcBef>
+                <a:spcPts val="360"/>
+              </a:spcBef>
+              <a:buFont typeface="Arial" panose="020B0604020202020204" pitchFamily="34" charset="0"/>
+              <a:buChar char="•"/>
+              <a:defRPr lang="fr-FR" sz="1800" kern="1200">
+                <a:solidFill>
+                  <a:schemeClr val="accent6"/>
+                </a:solidFill>
+                <a:latin typeface="+mn-lt"/>
+                <a:ea typeface="+mn-ea"/>
+                <a:cs typeface="+mn-cs"/>
+              </a:defRPr>
+            </a:lvl5pPr>
+            <a:lvl6pPr marL="2514600" indent="-228600" algn="l" defTabSz="914400" rtl="0" eaLnBrk="1" latinLnBrk="0" hangingPunct="1">
+              <a:lnSpc>
+                <a:spcPct val="90000"/>
+              </a:lnSpc>
+              <a:spcBef>
+                <a:spcPts val="500"/>
+              </a:spcBef>
+              <a:buFont typeface="Arial" panose="020B0604020202020204" pitchFamily="34" charset="0"/>
+              <a:buChar char="•"/>
+              <a:defRPr lang="fr-FR" sz="1800" kern="1200">
+                <a:solidFill>
+                  <a:schemeClr val="tx1"/>
+                </a:solidFill>
+                <a:latin typeface="+mn-lt"/>
+                <a:ea typeface="+mn-ea"/>
+                <a:cs typeface="+mn-cs"/>
+              </a:defRPr>
+            </a:lvl6pPr>
+            <a:lvl7pPr marL="2971800" indent="-228600" algn="l" defTabSz="914400" rtl="0" eaLnBrk="1" latinLnBrk="0" hangingPunct="1">
+              <a:lnSpc>
+                <a:spcPct val="90000"/>
+              </a:lnSpc>
+              <a:spcBef>
+                <a:spcPts val="500"/>
+              </a:spcBef>
+              <a:buFont typeface="Arial" panose="020B0604020202020204" pitchFamily="34" charset="0"/>
+              <a:buChar char="•"/>
+              <a:defRPr lang="fr-FR" sz="1800" kern="1200">
+                <a:solidFill>
+                  <a:schemeClr val="tx1"/>
+                </a:solidFill>
+                <a:latin typeface="+mn-lt"/>
+                <a:ea typeface="+mn-ea"/>
+                <a:cs typeface="+mn-cs"/>
+              </a:defRPr>
+            </a:lvl7pPr>
+            <a:lvl8pPr marL="3429000" indent="-228600" algn="l" defTabSz="914400" rtl="0" eaLnBrk="1" latinLnBrk="0" hangingPunct="1">
+              <a:lnSpc>
+                <a:spcPct val="90000"/>
+              </a:lnSpc>
+              <a:spcBef>
+                <a:spcPts val="500"/>
+              </a:spcBef>
+              <a:buFont typeface="Arial" panose="020B0604020202020204" pitchFamily="34" charset="0"/>
+              <a:buChar char="•"/>
+              <a:defRPr lang="fr-FR" sz="1800" kern="1200">
+                <a:solidFill>
+                  <a:schemeClr val="tx1"/>
+                </a:solidFill>
+                <a:latin typeface="+mn-lt"/>
+                <a:ea typeface="+mn-ea"/>
+                <a:cs typeface="+mn-cs"/>
+              </a:defRPr>
+            </a:lvl8pPr>
+            <a:lvl9pPr marL="3886200" indent="-228600" algn="l" defTabSz="914400" rtl="0" eaLnBrk="1" latinLnBrk="0" hangingPunct="1">
+              <a:lnSpc>
+                <a:spcPct val="90000"/>
+              </a:lnSpc>
+              <a:spcBef>
+                <a:spcPts val="500"/>
+              </a:spcBef>
+              <a:buFont typeface="Arial" panose="020B0604020202020204" pitchFamily="34" charset="0"/>
+              <a:buChar char="•"/>
+              <a:defRPr lang="fr-FR" sz="1800" kern="1200">
+                <a:solidFill>
+                  <a:schemeClr val="tx1"/>
+                </a:solidFill>
+                <a:latin typeface="+mn-lt"/>
+                <a:ea typeface="+mn-ea"/>
+                <a:cs typeface="+mn-cs"/>
+              </a:defRPr>
+            </a:lvl9pPr>
+          </a:lstStyle>
+          <a:p>
+            <a:r>
+              <a:rPr lang="fr-FR" sz="2000" dirty="0">
+                <a:sym typeface="Wingdings" panose="05000000000000000000" pitchFamily="2" charset="2"/>
+              </a:rPr>
+              <a:t> Donc pour pouvoir modifier des données en provenance d’une API, la meilleure méthode reste celle-ci :</a:t>
+            </a:r>
+            <a:endParaRPr lang="fr-FR" sz="2000" dirty="0"/>
+          </a:p>
+        </p:txBody>
+      </p:sp>
+    </p:spTree>
+    <p:extLst>
+      <p:ext uri="{BB962C8B-B14F-4D97-AF65-F5344CB8AC3E}">
+        <p14:creationId xmlns:p14="http://schemas.microsoft.com/office/powerpoint/2010/main" val="1054983583"/>
+      </p:ext>
+    </p:extLst>
+  </p:cSld>
+  <p:clrMapOvr>
+    <a:masterClrMapping/>
+  </p:clrMapOvr>
+  <p:timing>
+    <p:tnLst>
+      <p:par>
+        <p:cTn id="1" dur="indefinite" restart="never" nodeType="tmRoot">
+          <p:childTnLst>
+            <p:seq concurrent="1" nextAc="seek">
+              <p:cTn id="2" dur="indefinite" nodeType="mainSeq">
+                <p:childTnLst>
+                  <p:par>
+                    <p:cTn id="3" fill="hold">
+                      <p:stCondLst>
+                        <p:cond delay="indefinite"/>
+                      </p:stCondLst>
+                      <p:childTnLst>
+                        <p:par>
+                          <p:cTn id="4" fill="hold">
+                            <p:stCondLst>
+                              <p:cond delay="0"/>
+                            </p:stCondLst>
+                            <p:childTnLst>
+                              <p:par>
+                                <p:cTn id="5" presetID="10" presetClass="entr" presetSubtype="0" fill="hold" grpId="0" nodeType="clickEffect">
+                                  <p:stCondLst>
+                                    <p:cond delay="0"/>
+                                  </p:stCondLst>
+                                  <p:childTnLst>
+                                    <p:set>
+                                      <p:cBhvr>
+                                        <p:cTn id="6" dur="1" fill="hold">
+                                          <p:stCondLst>
+                                            <p:cond delay="0"/>
+                                          </p:stCondLst>
+                                        </p:cTn>
+                                        <p:tgtEl>
+                                          <p:spTgt spid="14"/>
+                                        </p:tgtEl>
+                                        <p:attrNameLst>
+                                          <p:attrName>style.visibility</p:attrName>
+                                        </p:attrNameLst>
+                                      </p:cBhvr>
+                                      <p:to>
+                                        <p:strVal val="visible"/>
+                                      </p:to>
+                                    </p:set>
+                                    <p:animEffect transition="in" filter="fade">
+                                      <p:cBhvr>
+                                        <p:cTn id="7" dur="500"/>
+                                        <p:tgtEl>
+                                          <p:spTgt spid="14"/>
+                                        </p:tgtEl>
+                                      </p:cBhvr>
+                                    </p:animEffect>
+                                  </p:childTnLst>
+                                </p:cTn>
+                              </p:par>
+                            </p:childTnLst>
+                          </p:cTn>
+                        </p:par>
+                      </p:childTnLst>
+                    </p:cTn>
+                  </p:par>
+                  <p:par>
+                    <p:cTn id="8" fill="hold">
+                      <p:stCondLst>
+                        <p:cond delay="indefinite"/>
+                      </p:stCondLst>
+                      <p:childTnLst>
+                        <p:par>
+                          <p:cTn id="9" fill="hold">
+                            <p:stCondLst>
+                              <p:cond delay="0"/>
+                            </p:stCondLst>
+                            <p:childTnLst>
+                              <p:par>
+                                <p:cTn id="10" presetID="10" presetClass="entr" presetSubtype="0" fill="hold" grpId="0" nodeType="clickEffect">
+                                  <p:stCondLst>
+                                    <p:cond delay="0"/>
+                                  </p:stCondLst>
+                                  <p:childTnLst>
+                                    <p:set>
+                                      <p:cBhvr>
+                                        <p:cTn id="11" dur="1" fill="hold">
+                                          <p:stCondLst>
+                                            <p:cond delay="0"/>
+                                          </p:stCondLst>
+                                        </p:cTn>
+                                        <p:tgtEl>
+                                          <p:spTgt spid="17"/>
+                                        </p:tgtEl>
+                                        <p:attrNameLst>
+                                          <p:attrName>style.visibility</p:attrName>
+                                        </p:attrNameLst>
+                                      </p:cBhvr>
+                                      <p:to>
+                                        <p:strVal val="visible"/>
+                                      </p:to>
+                                    </p:set>
+                                    <p:animEffect transition="in" filter="fade">
+                                      <p:cBhvr>
+                                        <p:cTn id="12" dur="500"/>
+                                        <p:tgtEl>
+                                          <p:spTgt spid="17"/>
+                                        </p:tgtEl>
+                                      </p:cBhvr>
+                                    </p:animEffect>
+                                  </p:childTnLst>
+                                </p:cTn>
+                              </p:par>
+                              <p:par>
+                                <p:cTn id="13" presetID="10" presetClass="entr" presetSubtype="0" fill="hold" nodeType="withEffect">
+                                  <p:stCondLst>
+                                    <p:cond delay="0"/>
+                                  </p:stCondLst>
+                                  <p:childTnLst>
+                                    <p:set>
+                                      <p:cBhvr>
+                                        <p:cTn id="14" dur="1" fill="hold">
+                                          <p:stCondLst>
+                                            <p:cond delay="0"/>
+                                          </p:stCondLst>
+                                        </p:cTn>
+                                        <p:tgtEl>
+                                          <p:spTgt spid="16"/>
+                                        </p:tgtEl>
+                                        <p:attrNameLst>
+                                          <p:attrName>style.visibility</p:attrName>
+                                        </p:attrNameLst>
+                                      </p:cBhvr>
+                                      <p:to>
+                                        <p:strVal val="visible"/>
+                                      </p:to>
+                                    </p:set>
+                                    <p:animEffect transition="in" filter="fade">
+                                      <p:cBhvr>
+                                        <p:cTn id="15" dur="500"/>
+                                        <p:tgtEl>
+                                          <p:spTgt spid="16"/>
+                                        </p:tgtEl>
+                                      </p:cBhvr>
+                                    </p:animEffect>
+                                  </p:childTnLst>
+                                </p:cTn>
+                              </p:par>
+                            </p:childTnLst>
+                          </p:cTn>
+                        </p:par>
+                      </p:childTnLst>
+                    </p:cTn>
+                  </p:par>
+                </p:childTnLst>
+              </p:cTn>
+              <p:prevCondLst>
+                <p:cond evt="onPrev" delay="0">
+                  <p:tgtEl>
+                    <p:sldTgt/>
+                  </p:tgtEl>
+                </p:cond>
+              </p:prevCondLst>
+              <p:nextCondLst>
+                <p:cond evt="onNext" delay="0">
+                  <p:tgtEl>
+                    <p:sldTgt/>
+                  </p:tgtEl>
+                </p:cond>
+              </p:nextCondLst>
+            </p:seq>
+          </p:childTnLst>
+        </p:cTn>
+      </p:par>
+    </p:tnLst>
+    <p:bldLst>
+      <p:bldP spid="14" grpId="0"/>
+      <p:bldP spid="17" grpId="0"/>
+    </p:bldLst>
+  </p:timing>
+</p:sld>
+</file>
+
+<file path=ppt/slides/slide15.xml><?xml version="1.0" encoding="utf-8"?>
+<p:sld xmlns:a="http://schemas.openxmlformats.org/drawingml/2006/main" xmlns:r="http://schemas.openxmlformats.org/officeDocument/2006/relationships" xmlns:p="http://schemas.openxmlformats.org/presentationml/2006/main">
+  <p:cSld>
+    <p:spTree>
+      <p:nvGrpSpPr>
+        <p:cNvPr id="1" name=""/>
+        <p:cNvGrpSpPr/>
+        <p:nvPr/>
+      </p:nvGrpSpPr>
+      <p:grpSpPr>
+        <a:xfrm>
+          <a:off x="0" y="0"/>
+          <a:ext cx="0" cy="0"/>
+          <a:chOff x="0" y="0"/>
+          <a:chExt cx="0" cy="0"/>
+        </a:xfrm>
+      </p:grpSpPr>
+      <p:sp>
+        <p:nvSpPr>
+          <p:cNvPr id="5" name="Titre 4">
+            <a:extLst>
+              <a:ext uri="{FF2B5EF4-FFF2-40B4-BE49-F238E27FC236}">
+                <a16:creationId xmlns:a16="http://schemas.microsoft.com/office/drawing/2014/main" id="{2136FCF6-982C-CC37-9625-3EBFC7E7DD13}"/>
+              </a:ext>
+            </a:extLst>
+          </p:cNvPr>
+          <p:cNvSpPr>
+            <a:spLocks noGrp="1"/>
+          </p:cNvSpPr>
+          <p:nvPr>
+            <p:ph type="title"/>
+          </p:nvPr>
+        </p:nvSpPr>
+        <p:spPr>
+          <a:xfrm>
+            <a:off x="1550564" y="1089213"/>
+            <a:ext cx="10297307" cy="980844"/>
+          </a:xfrm>
+        </p:spPr>
+        <p:txBody>
+          <a:bodyPr rtlCol="0"/>
+          <a:lstStyle>
+            <a:defPPr>
+              <a:defRPr lang="fr-FR"/>
+            </a:defPPr>
+          </a:lstStyle>
+          <a:p>
+            <a:pPr rtl="0"/>
+            <a:r>
+              <a:rPr lang="fr-FR" dirty="0"/>
+              <a:t>Conclusion </a:t>
+            </a:r>
+          </a:p>
+        </p:txBody>
+      </p:sp>
+      <p:sp>
+        <p:nvSpPr>
+          <p:cNvPr id="4" name="Espace réservé du texte 3">
+            <a:extLst>
+              <a:ext uri="{FF2B5EF4-FFF2-40B4-BE49-F238E27FC236}">
+                <a16:creationId xmlns:a16="http://schemas.microsoft.com/office/drawing/2014/main" id="{97DCC342-9FD1-7055-EAAC-008DC851B13F}"/>
+              </a:ext>
+            </a:extLst>
+          </p:cNvPr>
+          <p:cNvSpPr>
+            <a:spLocks noGrp="1"/>
+          </p:cNvSpPr>
+          <p:nvPr>
+            <p:ph type="body" sz="quarter" idx="13"/>
+          </p:nvPr>
+        </p:nvSpPr>
+        <p:spPr>
+          <a:xfrm>
+            <a:off x="639097" y="2585883"/>
+            <a:ext cx="10933471" cy="3913239"/>
+          </a:xfrm>
+        </p:spPr>
+        <p:txBody>
+          <a:bodyPr rtlCol="0"/>
+          <a:lstStyle>
+            <a:defPPr>
+              <a:defRPr lang="fr-FR"/>
+            </a:defPPr>
+          </a:lstStyle>
+          <a:p>
+            <a:pPr marL="342900" indent="-342900" rtl="0">
+              <a:buFont typeface="Wingdings" panose="05000000000000000000" pitchFamily="2" charset="2"/>
+              <a:buChar char="Ø"/>
+            </a:pPr>
+            <a:r>
+              <a:rPr lang="fr-FR" sz="2000" dirty="0"/>
+              <a:t>Les signaux permettent de faciliter la mise à jour du DOM…</a:t>
+            </a:r>
+          </a:p>
+          <a:p>
+            <a:pPr marL="342900" indent="-342900" rtl="0">
+              <a:buFont typeface="Wingdings" panose="05000000000000000000" pitchFamily="2" charset="2"/>
+              <a:buChar char="Ø"/>
+            </a:pPr>
+            <a:r>
+              <a:rPr lang="fr-FR" sz="2000" dirty="0"/>
+              <a:t>… et améliorent la réactivité des applications WEB</a:t>
+            </a:r>
+          </a:p>
+          <a:p>
+            <a:pPr marL="342900" indent="-342900" rtl="0">
+              <a:buFont typeface="Wingdings" panose="05000000000000000000" pitchFamily="2" charset="2"/>
+              <a:buChar char="Ø"/>
+            </a:pPr>
+            <a:r>
+              <a:rPr lang="fr-FR" sz="2000" dirty="0"/>
+              <a:t>Plus facile à implémenter que les Observables, ils sont idéals pour gérer les états de l’application</a:t>
+            </a:r>
+          </a:p>
+          <a:p>
+            <a:pPr marL="342900" indent="-342900" rtl="0">
+              <a:buFont typeface="Wingdings" panose="05000000000000000000" pitchFamily="2" charset="2"/>
+              <a:buChar char="Ø"/>
+            </a:pPr>
+            <a:r>
+              <a:rPr lang="fr-FR" sz="2000" dirty="0"/>
+              <a:t>Volonté d’</a:t>
+            </a:r>
+            <a:r>
+              <a:rPr lang="fr-FR" sz="2000" dirty="0" err="1"/>
+              <a:t>Angular</a:t>
+            </a:r>
+            <a:r>
+              <a:rPr lang="fr-FR" sz="2000" dirty="0"/>
+              <a:t>, les signaux sont voués à remplacer l’utilisation de Zone.js</a:t>
+            </a:r>
+          </a:p>
+          <a:p>
+            <a:pPr marL="342900" indent="-342900" rtl="0">
+              <a:buFont typeface="Wingdings" panose="05000000000000000000" pitchFamily="2" charset="2"/>
+              <a:buChar char="Ø"/>
+            </a:pPr>
+            <a:r>
+              <a:rPr lang="fr-FR" sz="2000" b="1" dirty="0" err="1">
+                <a:solidFill>
+                  <a:srgbClr val="C00000"/>
+                </a:solidFill>
+              </a:rPr>
+              <a:t>Angular</a:t>
+            </a:r>
+            <a:r>
+              <a:rPr lang="fr-FR" sz="2000" b="1" dirty="0">
+                <a:solidFill>
+                  <a:srgbClr val="C00000"/>
+                </a:solidFill>
+              </a:rPr>
+              <a:t> 18 </a:t>
+            </a:r>
+            <a:r>
+              <a:rPr lang="fr-FR" sz="2000" dirty="0"/>
+              <a:t>permet déjà de se passer de Zone.js en ajoutant la propriété </a:t>
+            </a:r>
+            <a:r>
+              <a:rPr lang="fr-FR" sz="2000" b="1" dirty="0">
+                <a:solidFill>
+                  <a:srgbClr val="C00000"/>
+                </a:solidFill>
+              </a:rPr>
+              <a:t>Signal: </a:t>
+            </a:r>
+            <a:r>
+              <a:rPr lang="fr-FR" sz="2000" b="1" dirty="0" err="1">
+                <a:solidFill>
+                  <a:srgbClr val="C00000"/>
+                </a:solidFill>
+              </a:rPr>
+              <a:t>true</a:t>
+            </a:r>
+            <a:r>
+              <a:rPr lang="fr-FR" sz="2000" b="1" dirty="0">
+                <a:solidFill>
+                  <a:srgbClr val="C00000"/>
+                </a:solidFill>
+              </a:rPr>
+              <a:t> </a:t>
+            </a:r>
+            <a:r>
+              <a:rPr lang="fr-FR" sz="2000" dirty="0"/>
+              <a:t>aux composants</a:t>
+            </a:r>
+          </a:p>
+          <a:p>
+            <a:pPr marL="342900" indent="-342900" rtl="0">
+              <a:buFont typeface="Wingdings" panose="05000000000000000000" pitchFamily="2" charset="2"/>
+              <a:buChar char="Ø"/>
+            </a:pPr>
+            <a:endParaRPr lang="fr-FR" sz="2000" dirty="0"/>
+          </a:p>
+          <a:p>
+            <a:pPr algn="ctr" rtl="0"/>
+            <a:r>
+              <a:rPr lang="fr-FR" sz="2000" b="1" dirty="0">
+                <a:solidFill>
+                  <a:srgbClr val="C00000"/>
+                </a:solidFill>
+                <a:sym typeface="Wingdings" panose="05000000000000000000" pitchFamily="2" charset="2"/>
+              </a:rPr>
+              <a:t> Il est donc important de commencer dès à présent à apprendre à les utiliser.</a:t>
+            </a:r>
+            <a:endParaRPr lang="fr-FR" sz="2000" b="1" dirty="0">
+              <a:solidFill>
+                <a:srgbClr val="C00000"/>
+              </a:solidFill>
+            </a:endParaRPr>
+          </a:p>
+        </p:txBody>
+      </p:sp>
+      <p:sp>
+        <p:nvSpPr>
+          <p:cNvPr id="2" name="Espace réservé du numéro de diapositive 1">
+            <a:extLst>
+              <a:ext uri="{FF2B5EF4-FFF2-40B4-BE49-F238E27FC236}">
+                <a16:creationId xmlns:a16="http://schemas.microsoft.com/office/drawing/2014/main" id="{A913EEC9-16E3-6C86-97D0-A7EC7EA09CDA}"/>
+              </a:ext>
+            </a:extLst>
+          </p:cNvPr>
+          <p:cNvSpPr>
+            <a:spLocks noGrp="1"/>
+          </p:cNvSpPr>
+          <p:nvPr>
+            <p:ph type="sldNum" sz="quarter" idx="10"/>
+          </p:nvPr>
+        </p:nvSpPr>
+        <p:spPr>
+          <a:xfrm>
+            <a:off x="10358437" y="457199"/>
+            <a:ext cx="1067589" cy="471489"/>
+          </a:xfrm>
+        </p:spPr>
+        <p:txBody>
+          <a:bodyPr rtlCol="0"/>
+          <a:lstStyle>
+            <a:defPPr>
+              <a:defRPr lang="fr-FR"/>
+            </a:defPPr>
+          </a:lstStyle>
+          <a:p>
+            <a:pPr rtl="0"/>
+            <a:fld id="{48F63A3B-78C7-47BE-AE5E-E10140E04643}" type="slidenum">
+              <a:rPr lang="fr-FR" smtClean="0"/>
+              <a:pPr rtl="0"/>
+              <a:t>15</a:t>
+            </a:fld>
+            <a:endParaRPr lang="fr-FR" dirty="0"/>
+          </a:p>
+        </p:txBody>
+      </p:sp>
+    </p:spTree>
+    <p:extLst>
+      <p:ext uri="{BB962C8B-B14F-4D97-AF65-F5344CB8AC3E}">
+        <p14:creationId xmlns:p14="http://schemas.microsoft.com/office/powerpoint/2010/main" val="4059181554"/>
+      </p:ext>
+    </p:extLst>
+  </p:cSld>
+  <p:clrMapOvr>
+    <a:masterClrMapping/>
+  </p:clrMapOvr>
+  <p:timing>
+    <p:tnLst>
+      <p:par>
+        <p:cTn id="1" dur="indefinite" restart="never" nodeType="tmRoot">
+          <p:childTnLst>
+            <p:seq concurrent="1" nextAc="seek">
+              <p:cTn id="2" dur="indefinite" nodeType="mainSeq">
+                <p:childTnLst>
+                  <p:par>
+                    <p:cTn id="3" fill="hold">
+                      <p:stCondLst>
+                        <p:cond delay="indefinite"/>
+                      </p:stCondLst>
+                      <p:childTnLst>
+                        <p:par>
+                          <p:cTn id="4" fill="hold">
+                            <p:stCondLst>
+                              <p:cond delay="0"/>
+                            </p:stCondLst>
+                            <p:childTnLst>
+                              <p:par>
+                                <p:cTn id="5" presetID="10" presetClass="entr" presetSubtype="0" fill="hold" grpId="0" nodeType="clickEffect">
+                                  <p:stCondLst>
+                                    <p:cond delay="0"/>
+                                  </p:stCondLst>
+                                  <p:childTnLst>
+                                    <p:set>
+                                      <p:cBhvr>
+                                        <p:cTn id="6" dur="1" fill="hold">
+                                          <p:stCondLst>
+                                            <p:cond delay="0"/>
+                                          </p:stCondLst>
+                                        </p:cTn>
+                                        <p:tgtEl>
+                                          <p:spTgt spid="4">
+                                            <p:txEl>
+                                              <p:pRg st="0" end="0"/>
+                                            </p:txEl>
+                                          </p:spTgt>
+                                        </p:tgtEl>
+                                        <p:attrNameLst>
+                                          <p:attrName>style.visibility</p:attrName>
+                                        </p:attrNameLst>
+                                      </p:cBhvr>
+                                      <p:to>
+                                        <p:strVal val="visible"/>
+                                      </p:to>
+                                    </p:set>
+                                    <p:animEffect transition="in" filter="fade">
+                                      <p:cBhvr>
+                                        <p:cTn id="7" dur="500"/>
+                                        <p:tgtEl>
+                                          <p:spTgt spid="4">
+                                            <p:txEl>
+                                              <p:pRg st="0" end="0"/>
+                                            </p:txEl>
+                                          </p:spTgt>
+                                        </p:tgtEl>
+                                      </p:cBhvr>
+                                    </p:animEffect>
+                                  </p:childTnLst>
+                                </p:cTn>
+                              </p:par>
+                            </p:childTnLst>
+                          </p:cTn>
+                        </p:par>
+                      </p:childTnLst>
+                    </p:cTn>
+                  </p:par>
+                  <p:par>
+                    <p:cTn id="8" fill="hold">
+                      <p:stCondLst>
+                        <p:cond delay="indefinite"/>
+                      </p:stCondLst>
+                      <p:childTnLst>
+                        <p:par>
+                          <p:cTn id="9" fill="hold">
+                            <p:stCondLst>
+                              <p:cond delay="0"/>
+                            </p:stCondLst>
+                            <p:childTnLst>
+                              <p:par>
+                                <p:cTn id="10" presetID="10" presetClass="entr" presetSubtype="0" fill="hold" grpId="0" nodeType="clickEffect">
+                                  <p:stCondLst>
+                                    <p:cond delay="0"/>
+                                  </p:stCondLst>
+                                  <p:childTnLst>
+                                    <p:set>
+                                      <p:cBhvr>
+                                        <p:cTn id="11" dur="1" fill="hold">
+                                          <p:stCondLst>
+                                            <p:cond delay="0"/>
+                                          </p:stCondLst>
+                                        </p:cTn>
+                                        <p:tgtEl>
+                                          <p:spTgt spid="4">
+                                            <p:txEl>
+                                              <p:pRg st="1" end="1"/>
+                                            </p:txEl>
+                                          </p:spTgt>
+                                        </p:tgtEl>
+                                        <p:attrNameLst>
+                                          <p:attrName>style.visibility</p:attrName>
+                                        </p:attrNameLst>
+                                      </p:cBhvr>
+                                      <p:to>
+                                        <p:strVal val="visible"/>
+                                      </p:to>
+                                    </p:set>
+                                    <p:animEffect transition="in" filter="fade">
+                                      <p:cBhvr>
+                                        <p:cTn id="12" dur="500"/>
+                                        <p:tgtEl>
+                                          <p:spTgt spid="4">
+                                            <p:txEl>
+                                              <p:pRg st="1" end="1"/>
+                                            </p:txEl>
+                                          </p:spTgt>
+                                        </p:tgtEl>
+                                      </p:cBhvr>
+                                    </p:animEffect>
+                                  </p:childTnLst>
+                                </p:cTn>
+                              </p:par>
+                            </p:childTnLst>
+                          </p:cTn>
+                        </p:par>
+                      </p:childTnLst>
+                    </p:cTn>
+                  </p:par>
+                  <p:par>
+                    <p:cTn id="13" fill="hold">
+                      <p:stCondLst>
+                        <p:cond delay="indefinite"/>
+                      </p:stCondLst>
+                      <p:childTnLst>
+                        <p:par>
+                          <p:cTn id="14" fill="hold">
+                            <p:stCondLst>
+                              <p:cond delay="0"/>
+                            </p:stCondLst>
+                            <p:childTnLst>
+                              <p:par>
+                                <p:cTn id="15" presetID="10" presetClass="entr" presetSubtype="0" fill="hold" grpId="0" nodeType="clickEffect">
+                                  <p:stCondLst>
+                                    <p:cond delay="0"/>
+                                  </p:stCondLst>
+                                  <p:childTnLst>
+                                    <p:set>
+                                      <p:cBhvr>
+                                        <p:cTn id="16" dur="1" fill="hold">
+                                          <p:stCondLst>
+                                            <p:cond delay="0"/>
+                                          </p:stCondLst>
+                                        </p:cTn>
+                                        <p:tgtEl>
+                                          <p:spTgt spid="4">
+                                            <p:txEl>
+                                              <p:pRg st="2" end="2"/>
+                                            </p:txEl>
+                                          </p:spTgt>
+                                        </p:tgtEl>
+                                        <p:attrNameLst>
+                                          <p:attrName>style.visibility</p:attrName>
+                                        </p:attrNameLst>
+                                      </p:cBhvr>
+                                      <p:to>
+                                        <p:strVal val="visible"/>
+                                      </p:to>
+                                    </p:set>
+                                    <p:animEffect transition="in" filter="fade">
+                                      <p:cBhvr>
+                                        <p:cTn id="17" dur="500"/>
+                                        <p:tgtEl>
+                                          <p:spTgt spid="4">
+                                            <p:txEl>
+                                              <p:pRg st="2" end="2"/>
+                                            </p:txEl>
+                                          </p:spTgt>
+                                        </p:tgtEl>
+                                      </p:cBhvr>
+                                    </p:animEffect>
+                                  </p:childTnLst>
+                                </p:cTn>
+                              </p:par>
+                            </p:childTnLst>
+                          </p:cTn>
+                        </p:par>
+                      </p:childTnLst>
+                    </p:cTn>
+                  </p:par>
+                  <p:par>
+                    <p:cTn id="18" fill="hold">
+                      <p:stCondLst>
+                        <p:cond delay="indefinite"/>
+                      </p:stCondLst>
+                      <p:childTnLst>
+                        <p:par>
+                          <p:cTn id="19" fill="hold">
+                            <p:stCondLst>
+                              <p:cond delay="0"/>
+                            </p:stCondLst>
+                            <p:childTnLst>
+                              <p:par>
+                                <p:cTn id="20" presetID="10" presetClass="entr" presetSubtype="0" fill="hold" grpId="0" nodeType="clickEffect">
+                                  <p:stCondLst>
+                                    <p:cond delay="0"/>
+                                  </p:stCondLst>
+                                  <p:childTnLst>
+                                    <p:set>
+                                      <p:cBhvr>
+                                        <p:cTn id="21" dur="1" fill="hold">
+                                          <p:stCondLst>
+                                            <p:cond delay="0"/>
+                                          </p:stCondLst>
+                                        </p:cTn>
+                                        <p:tgtEl>
+                                          <p:spTgt spid="4">
+                                            <p:txEl>
+                                              <p:pRg st="3" end="3"/>
+                                            </p:txEl>
+                                          </p:spTgt>
+                                        </p:tgtEl>
+                                        <p:attrNameLst>
+                                          <p:attrName>style.visibility</p:attrName>
+                                        </p:attrNameLst>
+                                      </p:cBhvr>
+                                      <p:to>
+                                        <p:strVal val="visible"/>
+                                      </p:to>
+                                    </p:set>
+                                    <p:animEffect transition="in" filter="fade">
+                                      <p:cBhvr>
+                                        <p:cTn id="22" dur="500"/>
+                                        <p:tgtEl>
+                                          <p:spTgt spid="4">
+                                            <p:txEl>
+                                              <p:pRg st="3" end="3"/>
+                                            </p:txEl>
+                                          </p:spTgt>
+                                        </p:tgtEl>
+                                      </p:cBhvr>
+                                    </p:animEffect>
+                                  </p:childTnLst>
+                                </p:cTn>
+                              </p:par>
+                            </p:childTnLst>
+                          </p:cTn>
+                        </p:par>
+                      </p:childTnLst>
+                    </p:cTn>
+                  </p:par>
+                  <p:par>
+                    <p:cTn id="23" fill="hold">
+                      <p:stCondLst>
+                        <p:cond delay="indefinite"/>
+                      </p:stCondLst>
+                      <p:childTnLst>
+                        <p:par>
+                          <p:cTn id="24" fill="hold">
+                            <p:stCondLst>
+                              <p:cond delay="0"/>
+                            </p:stCondLst>
+                            <p:childTnLst>
+                              <p:par>
+                                <p:cTn id="25" presetID="10" presetClass="entr" presetSubtype="0" fill="hold" grpId="0" nodeType="clickEffect">
+                                  <p:stCondLst>
+                                    <p:cond delay="0"/>
+                                  </p:stCondLst>
+                                  <p:childTnLst>
+                                    <p:set>
+                                      <p:cBhvr>
+                                        <p:cTn id="26" dur="1" fill="hold">
+                                          <p:stCondLst>
+                                            <p:cond delay="0"/>
+                                          </p:stCondLst>
+                                        </p:cTn>
+                                        <p:tgtEl>
+                                          <p:spTgt spid="4">
+                                            <p:txEl>
+                                              <p:pRg st="4" end="4"/>
+                                            </p:txEl>
+                                          </p:spTgt>
+                                        </p:tgtEl>
+                                        <p:attrNameLst>
+                                          <p:attrName>style.visibility</p:attrName>
+                                        </p:attrNameLst>
+                                      </p:cBhvr>
+                                      <p:to>
+                                        <p:strVal val="visible"/>
+                                      </p:to>
+                                    </p:set>
+                                    <p:animEffect transition="in" filter="fade">
+                                      <p:cBhvr>
+                                        <p:cTn id="27" dur="500"/>
+                                        <p:tgtEl>
+                                          <p:spTgt spid="4">
+                                            <p:txEl>
+                                              <p:pRg st="4" end="4"/>
+                                            </p:txEl>
+                                          </p:spTgt>
+                                        </p:tgtEl>
+                                      </p:cBhvr>
+                                    </p:animEffect>
+                                  </p:childTnLst>
+                                </p:cTn>
+                              </p:par>
+                            </p:childTnLst>
+                          </p:cTn>
+                        </p:par>
+                      </p:childTnLst>
+                    </p:cTn>
+                  </p:par>
+                  <p:par>
+                    <p:cTn id="28" fill="hold">
+                      <p:stCondLst>
+                        <p:cond delay="indefinite"/>
+                      </p:stCondLst>
+                      <p:childTnLst>
+                        <p:par>
+                          <p:cTn id="29" fill="hold">
+                            <p:stCondLst>
+                              <p:cond delay="0"/>
+                            </p:stCondLst>
+                            <p:childTnLst>
+                              <p:par>
+                                <p:cTn id="30" presetID="10" presetClass="entr" presetSubtype="0" fill="hold" grpId="0" nodeType="clickEffect">
+                                  <p:stCondLst>
+                                    <p:cond delay="0"/>
+                                  </p:stCondLst>
+                                  <p:childTnLst>
+                                    <p:set>
+                                      <p:cBhvr>
+                                        <p:cTn id="31" dur="1" fill="hold">
+                                          <p:stCondLst>
+                                            <p:cond delay="0"/>
+                                          </p:stCondLst>
+                                        </p:cTn>
+                                        <p:tgtEl>
+                                          <p:spTgt spid="4">
+                                            <p:txEl>
+                                              <p:pRg st="6" end="6"/>
+                                            </p:txEl>
+                                          </p:spTgt>
+                                        </p:tgtEl>
+                                        <p:attrNameLst>
+                                          <p:attrName>style.visibility</p:attrName>
+                                        </p:attrNameLst>
+                                      </p:cBhvr>
+                                      <p:to>
+                                        <p:strVal val="visible"/>
+                                      </p:to>
+                                    </p:set>
+                                    <p:animEffect transition="in" filter="fade">
+                                      <p:cBhvr>
+                                        <p:cTn id="32" dur="500"/>
+                                        <p:tgtEl>
+                                          <p:spTgt spid="4">
+                                            <p:txEl>
+                                              <p:pRg st="6" end="6"/>
+                                            </p:txEl>
+                                          </p:spTgt>
+                                        </p:tgtEl>
+                                      </p:cBhvr>
+                                    </p:animEffect>
+                                  </p:childTnLst>
+                                </p:cTn>
+                              </p:par>
+                            </p:childTnLst>
+                          </p:cTn>
+                        </p:par>
+                      </p:childTnLst>
+                    </p:cTn>
+                  </p:par>
+                </p:childTnLst>
+              </p:cTn>
+              <p:prevCondLst>
+                <p:cond evt="onPrev" delay="0">
+                  <p:tgtEl>
+                    <p:sldTgt/>
+                  </p:tgtEl>
+                </p:cond>
+              </p:prevCondLst>
+              <p:nextCondLst>
+                <p:cond evt="onNext" delay="0">
+                  <p:tgtEl>
+                    <p:sldTgt/>
+                  </p:tgtEl>
+                </p:cond>
+              </p:nextCondLst>
+            </p:seq>
+          </p:childTnLst>
+        </p:cTn>
+      </p:par>
+    </p:tnLst>
+    <p:bldLst>
+      <p:bldP spid="4" grpId="0" build="p"/>
+    </p:bldLst>
+  </p:timing>
+</p:sld>
+</file>
+
+<file path=ppt/slides/slide16.xml><?xml version="1.0" encoding="utf-8"?>
+<p:sld xmlns:a="http://schemas.openxmlformats.org/drawingml/2006/main" xmlns:r="http://schemas.openxmlformats.org/officeDocument/2006/relationships" xmlns:p="http://schemas.openxmlformats.org/presentationml/2006/main">
+  <p:cSld>
+    <p:spTree>
+      <p:nvGrpSpPr>
+        <p:cNvPr id="1" name=""/>
+        <p:cNvGrpSpPr/>
+        <p:nvPr/>
+      </p:nvGrpSpPr>
+      <p:grpSpPr>
+        <a:xfrm>
+          <a:off x="0" y="0"/>
+          <a:ext cx="0" cy="0"/>
+          <a:chOff x="0" y="0"/>
+          <a:chExt cx="0" cy="0"/>
+        </a:xfrm>
+      </p:grpSpPr>
+      <p:sp>
+        <p:nvSpPr>
+          <p:cNvPr id="5" name="Titre 4">
+            <a:extLst>
+              <a:ext uri="{FF2B5EF4-FFF2-40B4-BE49-F238E27FC236}">
+                <a16:creationId xmlns:a16="http://schemas.microsoft.com/office/drawing/2014/main" id="{2136FCF6-982C-CC37-9625-3EBFC7E7DD13}"/>
+              </a:ext>
+            </a:extLst>
+          </p:cNvPr>
+          <p:cNvSpPr>
+            <a:spLocks noGrp="1"/>
+          </p:cNvSpPr>
+          <p:nvPr>
+            <p:ph type="title"/>
+          </p:nvPr>
+        </p:nvSpPr>
+        <p:spPr>
+          <a:xfrm>
+            <a:off x="1550564" y="1089213"/>
+            <a:ext cx="10297307" cy="980844"/>
+          </a:xfrm>
+        </p:spPr>
+        <p:txBody>
+          <a:bodyPr rtlCol="0"/>
+          <a:lstStyle>
+            <a:defPPr>
+              <a:defRPr lang="fr-FR"/>
+            </a:defPPr>
+          </a:lstStyle>
+          <a:p>
+            <a:pPr rtl="0"/>
+            <a:r>
+              <a:rPr lang="fr-FR" dirty="0"/>
+              <a:t>Références </a:t>
+            </a:r>
+          </a:p>
+        </p:txBody>
+      </p:sp>
+      <p:sp>
+        <p:nvSpPr>
+          <p:cNvPr id="4" name="Espace réservé du texte 3">
+            <a:extLst>
+              <a:ext uri="{FF2B5EF4-FFF2-40B4-BE49-F238E27FC236}">
+                <a16:creationId xmlns:a16="http://schemas.microsoft.com/office/drawing/2014/main" id="{97DCC342-9FD1-7055-EAAC-008DC851B13F}"/>
+              </a:ext>
+            </a:extLst>
+          </p:cNvPr>
+          <p:cNvSpPr>
+            <a:spLocks noGrp="1"/>
+          </p:cNvSpPr>
+          <p:nvPr>
+            <p:ph type="body" sz="quarter" idx="13"/>
+          </p:nvPr>
+        </p:nvSpPr>
+        <p:spPr>
+          <a:xfrm>
+            <a:off x="639097" y="2517053"/>
+            <a:ext cx="10933471" cy="3913239"/>
+          </a:xfrm>
+        </p:spPr>
+        <p:txBody>
+          <a:bodyPr rtlCol="0"/>
+          <a:lstStyle>
+            <a:defPPr>
+              <a:defRPr lang="fr-FR"/>
+            </a:defPPr>
+          </a:lstStyle>
+          <a:p>
+            <a:pPr marL="342900" indent="-342900" rtl="0">
+              <a:lnSpc>
+                <a:spcPct val="150000"/>
+              </a:lnSpc>
+              <a:buFont typeface="Wingdings" panose="05000000000000000000" pitchFamily="2" charset="2"/>
+              <a:buChar char="Ø"/>
+            </a:pPr>
+            <a:r>
+              <a:rPr lang="fr-FR" sz="2000" dirty="0">
+                <a:hlinkClick r:id="rId3"/>
+              </a:rPr>
+              <a:t>Vidéo - pourquoi les </a:t>
+            </a:r>
+            <a:r>
+              <a:rPr lang="fr-FR" sz="2000" dirty="0" err="1">
+                <a:hlinkClick r:id="rId3"/>
+              </a:rPr>
+              <a:t>signals</a:t>
+            </a:r>
+            <a:r>
+              <a:rPr lang="fr-FR" sz="2000" dirty="0">
+                <a:hlinkClick r:id="rId3"/>
+              </a:rPr>
+              <a:t> ?</a:t>
+            </a:r>
+            <a:endParaRPr lang="fr-FR" sz="2000" dirty="0"/>
+          </a:p>
+          <a:p>
+            <a:pPr marL="342900" indent="-342900" rtl="0">
+              <a:lnSpc>
+                <a:spcPct val="150000"/>
+              </a:lnSpc>
+              <a:buFont typeface="Wingdings" panose="05000000000000000000" pitchFamily="2" charset="2"/>
+              <a:buChar char="Ø"/>
+            </a:pPr>
+            <a:r>
+              <a:rPr lang="fr-FR" sz="2000" dirty="0">
+                <a:hlinkClick r:id="rId4"/>
+              </a:rPr>
+              <a:t>Tout comprendre sur les </a:t>
+            </a:r>
+            <a:r>
+              <a:rPr lang="fr-FR" sz="2000" dirty="0" err="1">
+                <a:hlinkClick r:id="rId4"/>
+              </a:rPr>
+              <a:t>Signals</a:t>
+            </a:r>
+            <a:r>
+              <a:rPr lang="fr-FR" sz="2000" dirty="0">
+                <a:hlinkClick r:id="rId4"/>
+              </a:rPr>
+              <a:t> dans </a:t>
+            </a:r>
+            <a:r>
+              <a:rPr lang="fr-FR" sz="2000" dirty="0" err="1">
+                <a:hlinkClick r:id="rId4"/>
+              </a:rPr>
+              <a:t>Angular</a:t>
+            </a:r>
+            <a:endParaRPr lang="fr-FR" sz="2000" dirty="0"/>
+          </a:p>
+          <a:p>
+            <a:pPr marL="342900" indent="-342900" rtl="0">
+              <a:lnSpc>
+                <a:spcPct val="150000"/>
+              </a:lnSpc>
+              <a:buFont typeface="Wingdings" panose="05000000000000000000" pitchFamily="2" charset="2"/>
+              <a:buChar char="Ø"/>
+            </a:pPr>
+            <a:r>
+              <a:rPr lang="en-US" sz="2000" dirty="0">
+                <a:hlinkClick r:id="rId5"/>
+              </a:rPr>
+              <a:t>Signals in Angular: The Future of Change Detection</a:t>
+            </a:r>
+            <a:endParaRPr lang="en-US" sz="2000" dirty="0"/>
+          </a:p>
+          <a:p>
+            <a:pPr marL="342900" indent="-342900" rtl="0">
+              <a:lnSpc>
+                <a:spcPct val="150000"/>
+              </a:lnSpc>
+              <a:buFont typeface="Wingdings" panose="05000000000000000000" pitchFamily="2" charset="2"/>
+              <a:buChar char="Ø"/>
+            </a:pPr>
+            <a:r>
+              <a:rPr lang="en-US" sz="2000" dirty="0">
+                <a:hlinkClick r:id="rId6"/>
+              </a:rPr>
+              <a:t>Angular Signals and </a:t>
+            </a:r>
+            <a:r>
+              <a:rPr lang="en-US" sz="2000" dirty="0" err="1">
+                <a:hlinkClick r:id="rId6"/>
+              </a:rPr>
+              <a:t>HttpClient</a:t>
+            </a:r>
+            <a:endParaRPr lang="en-US" sz="2000" dirty="0"/>
+          </a:p>
+          <a:p>
+            <a:pPr marL="342900" indent="-342900" rtl="0">
+              <a:lnSpc>
+                <a:spcPct val="150000"/>
+              </a:lnSpc>
+              <a:buFont typeface="Wingdings" panose="05000000000000000000" pitchFamily="2" charset="2"/>
+              <a:buChar char="Ø"/>
+            </a:pPr>
+            <a:r>
+              <a:rPr lang="en-US" sz="2000" dirty="0">
+                <a:hlinkClick r:id="rId7"/>
+              </a:rPr>
+              <a:t>Keeping state with a Service using Signals</a:t>
+            </a:r>
+            <a:endParaRPr lang="fr-FR" sz="2000" dirty="0"/>
+          </a:p>
+          <a:p>
+            <a:pPr marL="342900" indent="-342900" rtl="0">
+              <a:lnSpc>
+                <a:spcPct val="150000"/>
+              </a:lnSpc>
+              <a:buFont typeface="Wingdings" panose="05000000000000000000" pitchFamily="2" charset="2"/>
+              <a:buChar char="Ø"/>
+            </a:pPr>
+            <a:r>
+              <a:rPr lang="fr-FR" sz="2000" dirty="0">
+                <a:hlinkClick r:id="rId8"/>
+              </a:rPr>
+              <a:t>Vidéo - pour aller plus loin : </a:t>
+            </a:r>
+            <a:r>
+              <a:rPr lang="fr-FR" sz="2000" dirty="0" err="1">
+                <a:hlinkClick r:id="rId8"/>
+              </a:rPr>
+              <a:t>ngrx</a:t>
+            </a:r>
+            <a:r>
+              <a:rPr lang="fr-FR" sz="2000" dirty="0">
+                <a:hlinkClick r:id="rId8"/>
+              </a:rPr>
+              <a:t> signal store</a:t>
+            </a:r>
+            <a:endParaRPr lang="fr-FR" sz="2000" dirty="0"/>
+          </a:p>
+          <a:p>
+            <a:pPr marL="342900" indent="-342900" rtl="0">
+              <a:lnSpc>
+                <a:spcPct val="150000"/>
+              </a:lnSpc>
+              <a:buFont typeface="Wingdings" panose="05000000000000000000" pitchFamily="2" charset="2"/>
+              <a:buChar char="Ø"/>
+            </a:pPr>
+            <a:endParaRPr lang="fr-FR" sz="2000" dirty="0"/>
+          </a:p>
+        </p:txBody>
+      </p:sp>
+      <p:sp>
+        <p:nvSpPr>
+          <p:cNvPr id="2" name="Espace réservé du numéro de diapositive 1">
+            <a:extLst>
+              <a:ext uri="{FF2B5EF4-FFF2-40B4-BE49-F238E27FC236}">
+                <a16:creationId xmlns:a16="http://schemas.microsoft.com/office/drawing/2014/main" id="{A913EEC9-16E3-6C86-97D0-A7EC7EA09CDA}"/>
+              </a:ext>
+            </a:extLst>
+          </p:cNvPr>
+          <p:cNvSpPr>
+            <a:spLocks noGrp="1"/>
+          </p:cNvSpPr>
+          <p:nvPr>
+            <p:ph type="sldNum" sz="quarter" idx="10"/>
+          </p:nvPr>
+        </p:nvSpPr>
+        <p:spPr>
+          <a:xfrm>
+            <a:off x="10358437" y="457199"/>
+            <a:ext cx="1067589" cy="471489"/>
+          </a:xfrm>
+        </p:spPr>
+        <p:txBody>
+          <a:bodyPr rtlCol="0"/>
+          <a:lstStyle>
+            <a:defPPr>
+              <a:defRPr lang="fr-FR"/>
+            </a:defPPr>
+          </a:lstStyle>
+          <a:p>
+            <a:pPr rtl="0"/>
+            <a:fld id="{48F63A3B-78C7-47BE-AE5E-E10140E04643}" type="slidenum">
+              <a:rPr lang="fr-FR" smtClean="0"/>
+              <a:pPr rtl="0"/>
+              <a:t>16</a:t>
+            </a:fld>
+            <a:endParaRPr lang="fr-FR" dirty="0"/>
+          </a:p>
+        </p:txBody>
+      </p:sp>
+    </p:spTree>
+    <p:extLst>
+      <p:ext uri="{BB962C8B-B14F-4D97-AF65-F5344CB8AC3E}">
+        <p14:creationId xmlns:p14="http://schemas.microsoft.com/office/powerpoint/2010/main" val="2300775953"/>
+      </p:ext>
+    </p:extLst>
+  </p:cSld>
+  <p:clrMapOvr>
+    <a:masterClrMapping/>
+  </p:clrMapOvr>
+</p:sld>
+</file>
+
 <file path=ppt/slides/slide2.xml><?xml version="1.0" encoding="utf-8"?>
 <p:sld xmlns:a="http://schemas.openxmlformats.org/drawingml/2006/main" xmlns:r="http://schemas.openxmlformats.org/officeDocument/2006/relationships" xmlns:p="http://schemas.openxmlformats.org/presentationml/2006/main">
   <p:cSld>
@@ -18328,6 +24124,640 @@
         </p:nvSpPr>
         <p:spPr>
           <a:xfrm>
+            <a:off x="1560398" y="607429"/>
+            <a:ext cx="10631601" cy="980844"/>
+          </a:xfrm>
+        </p:spPr>
+        <p:txBody>
+          <a:bodyPr rtlCol="0"/>
+          <a:lstStyle>
+            <a:defPPr>
+              <a:defRPr lang="fr-FR"/>
+            </a:defPPr>
+          </a:lstStyle>
+          <a:p>
+            <a:pPr rtl="0"/>
+            <a:r>
+              <a:rPr lang="fr-FR" dirty="0"/>
+              <a:t>Réactivité « value </a:t>
+            </a:r>
+            <a:r>
+              <a:rPr lang="fr-FR" dirty="0" err="1"/>
+              <a:t>based</a:t>
+            </a:r>
+            <a:r>
+              <a:rPr lang="fr-FR" dirty="0"/>
+              <a:t> (</a:t>
+            </a:r>
+            <a:r>
+              <a:rPr lang="fr-FR" dirty="0" err="1"/>
+              <a:t>onpush</a:t>
+            </a:r>
+            <a:r>
+              <a:rPr lang="fr-FR" dirty="0"/>
+              <a:t>)»</a:t>
+            </a:r>
+          </a:p>
+        </p:txBody>
+      </p:sp>
+      <p:sp>
+        <p:nvSpPr>
+          <p:cNvPr id="4" name="Espace réservé du texte 3">
+            <a:extLst>
+              <a:ext uri="{FF2B5EF4-FFF2-40B4-BE49-F238E27FC236}">
+                <a16:creationId xmlns:a16="http://schemas.microsoft.com/office/drawing/2014/main" id="{97DCC342-9FD1-7055-EAAC-008DC851B13F}"/>
+              </a:ext>
+            </a:extLst>
+          </p:cNvPr>
+          <p:cNvSpPr>
+            <a:spLocks noGrp="1"/>
+          </p:cNvSpPr>
+          <p:nvPr>
+            <p:ph type="body" sz="quarter" idx="13"/>
+          </p:nvPr>
+        </p:nvSpPr>
+        <p:spPr>
+          <a:xfrm>
+            <a:off x="943897" y="1850173"/>
+            <a:ext cx="5683045" cy="1679609"/>
+          </a:xfrm>
+        </p:spPr>
+        <p:txBody>
+          <a:bodyPr rtlCol="0"/>
+          <a:lstStyle>
+            <a:defPPr>
+              <a:defRPr lang="fr-FR"/>
+            </a:defPPr>
+          </a:lstStyle>
+          <a:p>
+            <a:pPr marL="285750" indent="-285750" rtl="0">
+              <a:buFont typeface="Wingdings" panose="05000000000000000000" pitchFamily="2" charset="2"/>
+              <a:buChar char="Ø"/>
+            </a:pPr>
+            <a:r>
+              <a:rPr lang="fr-FR" sz="2000" dirty="0"/>
+              <a:t>Composants mis à jour en fonction des évènements d’entrée (@Input)</a:t>
+            </a:r>
+          </a:p>
+          <a:p>
+            <a:pPr marL="285750" indent="-285750" rtl="0">
+              <a:buFont typeface="Wingdings" panose="05000000000000000000" pitchFamily="2" charset="2"/>
+              <a:buChar char="Ø"/>
+            </a:pPr>
+            <a:r>
+              <a:rPr lang="fr-FR" sz="2000" dirty="0"/>
+              <a:t>Possibilité de choisir quels vont être les évènements qui vont déclencher des mises à jour</a:t>
+            </a:r>
+          </a:p>
+        </p:txBody>
+      </p:sp>
+      <p:sp>
+        <p:nvSpPr>
+          <p:cNvPr id="2" name="Espace réservé du numéro de diapositive 1">
+            <a:extLst>
+              <a:ext uri="{FF2B5EF4-FFF2-40B4-BE49-F238E27FC236}">
+                <a16:creationId xmlns:a16="http://schemas.microsoft.com/office/drawing/2014/main" id="{A913EEC9-16E3-6C86-97D0-A7EC7EA09CDA}"/>
+              </a:ext>
+            </a:extLst>
+          </p:cNvPr>
+          <p:cNvSpPr>
+            <a:spLocks noGrp="1"/>
+          </p:cNvSpPr>
+          <p:nvPr>
+            <p:ph type="sldNum" sz="quarter" idx="10"/>
+          </p:nvPr>
+        </p:nvSpPr>
+        <p:spPr>
+          <a:xfrm>
+            <a:off x="10358437" y="457199"/>
+            <a:ext cx="1067589" cy="471489"/>
+          </a:xfrm>
+        </p:spPr>
+        <p:txBody>
+          <a:bodyPr rtlCol="0"/>
+          <a:lstStyle>
+            <a:defPPr>
+              <a:defRPr lang="fr-FR"/>
+            </a:defPPr>
+          </a:lstStyle>
+          <a:p>
+            <a:pPr rtl="0"/>
+            <a:fld id="{48F63A3B-78C7-47BE-AE5E-E10140E04643}" type="slidenum">
+              <a:rPr lang="fr-FR" smtClean="0"/>
+              <a:pPr rtl="0"/>
+              <a:t>4</a:t>
+            </a:fld>
+            <a:endParaRPr lang="fr-FR" dirty="0"/>
+          </a:p>
+        </p:txBody>
+      </p:sp>
+      <p:sp>
+        <p:nvSpPr>
+          <p:cNvPr id="12" name="Flèche : droite 11">
+            <a:extLst>
+              <a:ext uri="{FF2B5EF4-FFF2-40B4-BE49-F238E27FC236}">
+                <a16:creationId xmlns:a16="http://schemas.microsoft.com/office/drawing/2014/main" id="{585F1667-2EFC-72B2-9ED9-E41E793E5068}"/>
+              </a:ext>
+            </a:extLst>
+          </p:cNvPr>
+          <p:cNvSpPr/>
+          <p:nvPr/>
+        </p:nvSpPr>
+        <p:spPr>
+          <a:xfrm>
+            <a:off x="4519605" y="4835390"/>
+            <a:ext cx="2212258" cy="462117"/>
+          </a:xfrm>
+          <a:prstGeom prst="rightArrow">
+            <a:avLst/>
+          </a:prstGeom>
+        </p:spPr>
+        <p:style>
+          <a:lnRef idx="2">
+            <a:schemeClr val="accent1">
+              <a:shade val="15000"/>
+            </a:schemeClr>
+          </a:lnRef>
+          <a:fillRef idx="1">
+            <a:schemeClr val="accent1"/>
+          </a:fillRef>
+          <a:effectRef idx="0">
+            <a:schemeClr val="accent1"/>
+          </a:effectRef>
+          <a:fontRef idx="minor">
+            <a:schemeClr val="lt1"/>
+          </a:fontRef>
+        </p:style>
+        <p:txBody>
+          <a:bodyPr rtlCol="0" anchor="ctr"/>
+          <a:lstStyle/>
+          <a:p>
+            <a:pPr algn="ctr"/>
+            <a:endParaRPr lang="fr-FR"/>
+          </a:p>
+        </p:txBody>
+      </p:sp>
+      <p:sp>
+        <p:nvSpPr>
+          <p:cNvPr id="13" name="Espace réservé du texte 3">
+            <a:extLst>
+              <a:ext uri="{FF2B5EF4-FFF2-40B4-BE49-F238E27FC236}">
+                <a16:creationId xmlns:a16="http://schemas.microsoft.com/office/drawing/2014/main" id="{2BFAA253-EABA-5B49-593A-C0C6FDAF7C87}"/>
+              </a:ext>
+            </a:extLst>
+          </p:cNvPr>
+          <p:cNvSpPr txBox="1">
+            <a:spLocks/>
+          </p:cNvSpPr>
+          <p:nvPr/>
+        </p:nvSpPr>
+        <p:spPr>
+          <a:xfrm>
+            <a:off x="6626942" y="1850172"/>
+            <a:ext cx="5314336" cy="1345307"/>
+          </a:xfrm>
+          <a:prstGeom prst="rect">
+            <a:avLst/>
+          </a:prstGeom>
+          <a:solidFill>
+            <a:schemeClr val="accent2">
+              <a:lumMod val="40000"/>
+              <a:lumOff val="60000"/>
+            </a:schemeClr>
+          </a:solidFill>
+        </p:spPr>
+        <p:style>
+          <a:lnRef idx="2">
+            <a:schemeClr val="accent2">
+              <a:shade val="15000"/>
+            </a:schemeClr>
+          </a:lnRef>
+          <a:fillRef idx="1">
+            <a:schemeClr val="accent2"/>
+          </a:fillRef>
+          <a:effectRef idx="0">
+            <a:schemeClr val="accent2"/>
+          </a:effectRef>
+          <a:fontRef idx="minor">
+            <a:schemeClr val="lt1"/>
+          </a:fontRef>
+        </p:style>
+        <p:txBody>
+          <a:bodyPr vert="horz" lIns="91440" tIns="0" rIns="91440" bIns="0" rtlCol="0" anchor="t" anchorCtr="0">
+            <a:noAutofit/>
+          </a:bodyPr>
+          <a:lstStyle>
+            <a:defPPr>
+              <a:defRPr lang="fr-FR"/>
+            </a:defPPr>
+            <a:lvl1pPr marL="0" indent="0" algn="l" defTabSz="914400" rtl="0" eaLnBrk="1" latinLnBrk="0" hangingPunct="1">
+              <a:lnSpc>
+                <a:spcPct val="100000"/>
+              </a:lnSpc>
+              <a:spcBef>
+                <a:spcPts val="0"/>
+              </a:spcBef>
+              <a:spcAft>
+                <a:spcPts val="1200"/>
+              </a:spcAft>
+              <a:buFont typeface="Arial" panose="020B0604020202020204" pitchFamily="34" charset="0"/>
+              <a:buNone/>
+              <a:defRPr lang="fr-FR" sz="1800" kern="1200">
+                <a:solidFill>
+                  <a:schemeClr val="accent6"/>
+                </a:solidFill>
+                <a:latin typeface="+mn-lt"/>
+                <a:ea typeface="+mn-ea"/>
+                <a:cs typeface="+mn-cs"/>
+              </a:defRPr>
+            </a:lvl1pPr>
+            <a:lvl2pPr marL="685800" indent="-347472" algn="l" defTabSz="914400" rtl="0" eaLnBrk="1" latinLnBrk="0" hangingPunct="1">
+              <a:lnSpc>
+                <a:spcPct val="100000"/>
+              </a:lnSpc>
+              <a:spcBef>
+                <a:spcPts val="360"/>
+              </a:spcBef>
+              <a:buFont typeface="Arial" panose="020B0604020202020204" pitchFamily="34" charset="0"/>
+              <a:buChar char="•"/>
+              <a:defRPr lang="fr-FR" sz="2400" kern="1200">
+                <a:solidFill>
+                  <a:schemeClr val="accent6"/>
+                </a:solidFill>
+                <a:latin typeface="+mn-lt"/>
+                <a:ea typeface="+mn-ea"/>
+                <a:cs typeface="+mn-cs"/>
+              </a:defRPr>
+            </a:lvl2pPr>
+            <a:lvl3pPr marL="1143000" indent="-347472" algn="l" defTabSz="914400" rtl="0" eaLnBrk="1" latinLnBrk="0" hangingPunct="1">
+              <a:lnSpc>
+                <a:spcPct val="100000"/>
+              </a:lnSpc>
+              <a:spcBef>
+                <a:spcPts val="360"/>
+              </a:spcBef>
+              <a:buFont typeface="Arial" panose="020B0604020202020204" pitchFamily="34" charset="0"/>
+              <a:buChar char="•"/>
+              <a:defRPr lang="fr-FR" sz="2000" kern="1200">
+                <a:solidFill>
+                  <a:schemeClr val="accent6"/>
+                </a:solidFill>
+                <a:latin typeface="+mn-lt"/>
+                <a:ea typeface="+mn-ea"/>
+                <a:cs typeface="+mn-cs"/>
+              </a:defRPr>
+            </a:lvl3pPr>
+            <a:lvl4pPr marL="1600200" indent="-347472" algn="l" defTabSz="914400" rtl="0" eaLnBrk="1" latinLnBrk="0" hangingPunct="1">
+              <a:lnSpc>
+                <a:spcPct val="100000"/>
+              </a:lnSpc>
+              <a:spcBef>
+                <a:spcPts val="360"/>
+              </a:spcBef>
+              <a:buFont typeface="Arial" panose="020B0604020202020204" pitchFamily="34" charset="0"/>
+              <a:buChar char="•"/>
+              <a:defRPr lang="fr-FR" sz="1800" kern="1200">
+                <a:solidFill>
+                  <a:schemeClr val="accent6"/>
+                </a:solidFill>
+                <a:latin typeface="+mn-lt"/>
+                <a:ea typeface="+mn-ea"/>
+                <a:cs typeface="+mn-cs"/>
+              </a:defRPr>
+            </a:lvl4pPr>
+            <a:lvl5pPr marL="2057400" indent="-347472" algn="l" defTabSz="914400" rtl="0" eaLnBrk="1" latinLnBrk="0" hangingPunct="1">
+              <a:lnSpc>
+                <a:spcPct val="100000"/>
+              </a:lnSpc>
+              <a:spcBef>
+                <a:spcPts val="360"/>
+              </a:spcBef>
+              <a:buFont typeface="Arial" panose="020B0604020202020204" pitchFamily="34" charset="0"/>
+              <a:buChar char="•"/>
+              <a:defRPr lang="fr-FR" sz="1800" kern="1200">
+                <a:solidFill>
+                  <a:schemeClr val="accent6"/>
+                </a:solidFill>
+                <a:latin typeface="+mn-lt"/>
+                <a:ea typeface="+mn-ea"/>
+                <a:cs typeface="+mn-cs"/>
+              </a:defRPr>
+            </a:lvl5pPr>
+            <a:lvl6pPr marL="2514600" indent="-228600" algn="l" defTabSz="914400" rtl="0" eaLnBrk="1" latinLnBrk="0" hangingPunct="1">
+              <a:lnSpc>
+                <a:spcPct val="90000"/>
+              </a:lnSpc>
+              <a:spcBef>
+                <a:spcPts val="500"/>
+              </a:spcBef>
+              <a:buFont typeface="Arial" panose="020B0604020202020204" pitchFamily="34" charset="0"/>
+              <a:buChar char="•"/>
+              <a:defRPr lang="fr-FR" sz="1800" kern="1200">
+                <a:solidFill>
+                  <a:schemeClr val="tx1"/>
+                </a:solidFill>
+                <a:latin typeface="+mn-lt"/>
+                <a:ea typeface="+mn-ea"/>
+                <a:cs typeface="+mn-cs"/>
+              </a:defRPr>
+            </a:lvl6pPr>
+            <a:lvl7pPr marL="2971800" indent="-228600" algn="l" defTabSz="914400" rtl="0" eaLnBrk="1" latinLnBrk="0" hangingPunct="1">
+              <a:lnSpc>
+                <a:spcPct val="90000"/>
+              </a:lnSpc>
+              <a:spcBef>
+                <a:spcPts val="500"/>
+              </a:spcBef>
+              <a:buFont typeface="Arial" panose="020B0604020202020204" pitchFamily="34" charset="0"/>
+              <a:buChar char="•"/>
+              <a:defRPr lang="fr-FR" sz="1800" kern="1200">
+                <a:solidFill>
+                  <a:schemeClr val="tx1"/>
+                </a:solidFill>
+                <a:latin typeface="+mn-lt"/>
+                <a:ea typeface="+mn-ea"/>
+                <a:cs typeface="+mn-cs"/>
+              </a:defRPr>
+            </a:lvl7pPr>
+            <a:lvl8pPr marL="3429000" indent="-228600" algn="l" defTabSz="914400" rtl="0" eaLnBrk="1" latinLnBrk="0" hangingPunct="1">
+              <a:lnSpc>
+                <a:spcPct val="90000"/>
+              </a:lnSpc>
+              <a:spcBef>
+                <a:spcPts val="500"/>
+              </a:spcBef>
+              <a:buFont typeface="Arial" panose="020B0604020202020204" pitchFamily="34" charset="0"/>
+              <a:buChar char="•"/>
+              <a:defRPr lang="fr-FR" sz="1800" kern="1200">
+                <a:solidFill>
+                  <a:schemeClr val="tx1"/>
+                </a:solidFill>
+                <a:latin typeface="+mn-lt"/>
+                <a:ea typeface="+mn-ea"/>
+                <a:cs typeface="+mn-cs"/>
+              </a:defRPr>
+            </a:lvl8pPr>
+            <a:lvl9pPr marL="3886200" indent="-228600" algn="l" defTabSz="914400" rtl="0" eaLnBrk="1" latinLnBrk="0" hangingPunct="1">
+              <a:lnSpc>
+                <a:spcPct val="90000"/>
+              </a:lnSpc>
+              <a:spcBef>
+                <a:spcPts val="500"/>
+              </a:spcBef>
+              <a:buFont typeface="Arial" panose="020B0604020202020204" pitchFamily="34" charset="0"/>
+              <a:buChar char="•"/>
+              <a:defRPr lang="fr-FR" sz="1800" kern="1200">
+                <a:solidFill>
+                  <a:schemeClr val="tx1"/>
+                </a:solidFill>
+                <a:latin typeface="+mn-lt"/>
+                <a:ea typeface="+mn-ea"/>
+                <a:cs typeface="+mn-cs"/>
+              </a:defRPr>
+            </a:lvl9pPr>
+          </a:lstStyle>
+          <a:p>
+            <a:pPr algn="ctr"/>
+            <a:r>
+              <a:rPr lang="fr-FR" sz="2000" b="1" dirty="0">
+                <a:solidFill>
+                  <a:srgbClr val="00B050"/>
+                </a:solidFill>
+              </a:rPr>
+              <a:t>Amélioration des performances </a:t>
+            </a:r>
+            <a:r>
+              <a:rPr lang="fr-FR" sz="2000" dirty="0"/>
+              <a:t>(mais)</a:t>
+            </a:r>
+            <a:r>
+              <a:rPr lang="fr-FR" sz="2000" b="1" dirty="0">
+                <a:solidFill>
+                  <a:srgbClr val="00B050"/>
+                </a:solidFill>
+              </a:rPr>
+              <a:t> </a:t>
+            </a:r>
+            <a:endParaRPr lang="fr-FR" sz="2000" dirty="0"/>
+          </a:p>
+          <a:p>
+            <a:pPr algn="ctr"/>
+            <a:r>
+              <a:rPr lang="fr-FR" sz="2000" b="1" dirty="0">
+                <a:solidFill>
+                  <a:srgbClr val="C00000"/>
+                </a:solidFill>
+              </a:rPr>
+              <a:t>Nécessite une bonne maitrise</a:t>
+            </a:r>
+          </a:p>
+          <a:p>
+            <a:pPr algn="ctr"/>
+            <a:r>
+              <a:rPr lang="fr-FR" sz="2000" b="1" dirty="0">
+                <a:solidFill>
+                  <a:srgbClr val="C00000"/>
+                </a:solidFill>
+              </a:rPr>
+              <a:t>PERTE DE REACTIVITE si mal implémenté</a:t>
+            </a:r>
+          </a:p>
+        </p:txBody>
+      </p:sp>
+      <p:pic>
+        <p:nvPicPr>
+          <p:cNvPr id="6" name="Image 5">
+            <a:extLst>
+              <a:ext uri="{FF2B5EF4-FFF2-40B4-BE49-F238E27FC236}">
+                <a16:creationId xmlns:a16="http://schemas.microsoft.com/office/drawing/2014/main" id="{D1B48EDC-C19F-D81F-33E6-E7F49414E0F4}"/>
+              </a:ext>
+            </a:extLst>
+          </p:cNvPr>
+          <p:cNvPicPr>
+            <a:picLocks noChangeAspect="1"/>
+          </p:cNvPicPr>
+          <p:nvPr/>
+        </p:nvPicPr>
+        <p:blipFill>
+          <a:blip r:embed="rId3"/>
+          <a:stretch>
+            <a:fillRect/>
+          </a:stretch>
+        </p:blipFill>
+        <p:spPr>
+          <a:xfrm>
+            <a:off x="7107264" y="3529782"/>
+            <a:ext cx="4293794" cy="3073336"/>
+          </a:xfrm>
+          <a:prstGeom prst="rect">
+            <a:avLst/>
+          </a:prstGeom>
+        </p:spPr>
+      </p:pic>
+      <p:pic>
+        <p:nvPicPr>
+          <p:cNvPr id="7" name="Image 6">
+            <a:extLst>
+              <a:ext uri="{FF2B5EF4-FFF2-40B4-BE49-F238E27FC236}">
+                <a16:creationId xmlns:a16="http://schemas.microsoft.com/office/drawing/2014/main" id="{4F3CA30E-9E1F-88F3-2998-7B3781935EF5}"/>
+              </a:ext>
+            </a:extLst>
+          </p:cNvPr>
+          <p:cNvPicPr>
+            <a:picLocks noChangeAspect="1"/>
+          </p:cNvPicPr>
+          <p:nvPr/>
+        </p:nvPicPr>
+        <p:blipFill>
+          <a:blip r:embed="rId4"/>
+          <a:stretch>
+            <a:fillRect/>
+          </a:stretch>
+        </p:blipFill>
+        <p:spPr>
+          <a:xfrm>
+            <a:off x="122525" y="3490454"/>
+            <a:ext cx="3916758" cy="3334943"/>
+          </a:xfrm>
+          <a:prstGeom prst="rect">
+            <a:avLst/>
+          </a:prstGeom>
+        </p:spPr>
+      </p:pic>
+    </p:spTree>
+    <p:extLst>
+      <p:ext uri="{BB962C8B-B14F-4D97-AF65-F5344CB8AC3E}">
+        <p14:creationId xmlns:p14="http://schemas.microsoft.com/office/powerpoint/2010/main" val="482049883"/>
+      </p:ext>
+    </p:extLst>
+  </p:cSld>
+  <p:clrMapOvr>
+    <a:masterClrMapping/>
+  </p:clrMapOvr>
+  <p:timing>
+    <p:tnLst>
+      <p:par>
+        <p:cTn id="1" dur="indefinite" restart="never" nodeType="tmRoot">
+          <p:childTnLst>
+            <p:seq concurrent="1" nextAc="seek">
+              <p:cTn id="2" dur="indefinite" nodeType="mainSeq">
+                <p:childTnLst>
+                  <p:par>
+                    <p:cTn id="3" fill="hold">
+                      <p:stCondLst>
+                        <p:cond delay="indefinite"/>
+                      </p:stCondLst>
+                      <p:childTnLst>
+                        <p:par>
+                          <p:cTn id="4" fill="hold">
+                            <p:stCondLst>
+                              <p:cond delay="0"/>
+                            </p:stCondLst>
+                            <p:childTnLst>
+                              <p:par>
+                                <p:cTn id="5" presetID="10" presetClass="entr" presetSubtype="0" fill="hold" grpId="0" nodeType="clickEffect">
+                                  <p:stCondLst>
+                                    <p:cond delay="0"/>
+                                  </p:stCondLst>
+                                  <p:childTnLst>
+                                    <p:set>
+                                      <p:cBhvr>
+                                        <p:cTn id="6" dur="1" fill="hold">
+                                          <p:stCondLst>
+                                            <p:cond delay="0"/>
+                                          </p:stCondLst>
+                                        </p:cTn>
+                                        <p:tgtEl>
+                                          <p:spTgt spid="13"/>
+                                        </p:tgtEl>
+                                        <p:attrNameLst>
+                                          <p:attrName>style.visibility</p:attrName>
+                                        </p:attrNameLst>
+                                      </p:cBhvr>
+                                      <p:to>
+                                        <p:strVal val="visible"/>
+                                      </p:to>
+                                    </p:set>
+                                    <p:animEffect transition="in" filter="fade">
+                                      <p:cBhvr>
+                                        <p:cTn id="7" dur="500"/>
+                                        <p:tgtEl>
+                                          <p:spTgt spid="13"/>
+                                        </p:tgtEl>
+                                      </p:cBhvr>
+                                    </p:animEffect>
+                                  </p:childTnLst>
+                                </p:cTn>
+                              </p:par>
+                            </p:childTnLst>
+                          </p:cTn>
+                        </p:par>
+                      </p:childTnLst>
+                    </p:cTn>
+                  </p:par>
+                </p:childTnLst>
+              </p:cTn>
+              <p:prevCondLst>
+                <p:cond evt="onPrev" delay="0">
+                  <p:tgtEl>
+                    <p:sldTgt/>
+                  </p:tgtEl>
+                </p:cond>
+              </p:prevCondLst>
+              <p:nextCondLst>
+                <p:cond evt="onNext" delay="0">
+                  <p:tgtEl>
+                    <p:sldTgt/>
+                  </p:tgtEl>
+                </p:cond>
+              </p:nextCondLst>
+            </p:seq>
+          </p:childTnLst>
+        </p:cTn>
+      </p:par>
+    </p:tnLst>
+    <p:bldLst>
+      <p:bldP spid="13" grpId="0" animBg="1"/>
+    </p:bldLst>
+  </p:timing>
+</p:sld>
+</file>
+
+<file path=ppt/slides/slide5.xml><?xml version="1.0" encoding="utf-8"?>
+<p:sld xmlns:a="http://schemas.openxmlformats.org/drawingml/2006/main" xmlns:r="http://schemas.openxmlformats.org/officeDocument/2006/relationships" xmlns:p="http://schemas.openxmlformats.org/presentationml/2006/main">
+  <p:cSld>
+    <p:spTree>
+      <p:nvGrpSpPr>
+        <p:cNvPr id="1" name=""/>
+        <p:cNvGrpSpPr/>
+        <p:nvPr/>
+      </p:nvGrpSpPr>
+      <p:grpSpPr>
+        <a:xfrm>
+          <a:off x="0" y="0"/>
+          <a:ext cx="0" cy="0"/>
+          <a:chOff x="0" y="0"/>
+          <a:chExt cx="0" cy="0"/>
+        </a:xfrm>
+      </p:grpSpPr>
+      <p:sp>
+        <p:nvSpPr>
+          <p:cNvPr id="5" name="Titre 4">
+            <a:extLst>
+              <a:ext uri="{FF2B5EF4-FFF2-40B4-BE49-F238E27FC236}">
+                <a16:creationId xmlns:a16="http://schemas.microsoft.com/office/drawing/2014/main" id="{2136FCF6-982C-CC37-9625-3EBFC7E7DD13}"/>
+              </a:ext>
+            </a:extLst>
+          </p:cNvPr>
+          <p:cNvSpPr>
+            <a:spLocks noGrp="1"/>
+          </p:cNvSpPr>
+          <p:nvPr>
+            <p:ph type="title"/>
+          </p:nvPr>
+        </p:nvSpPr>
+        <p:spPr>
+          <a:xfrm>
             <a:off x="1560399" y="607429"/>
             <a:ext cx="10277642" cy="980844"/>
           </a:xfrm>
@@ -18374,7 +24804,7 @@
         </p:nvSpPr>
         <p:spPr>
           <a:xfrm>
-            <a:off x="1560398" y="1850173"/>
+            <a:off x="990128" y="1850173"/>
             <a:ext cx="10022004" cy="1345307"/>
           </a:xfrm>
         </p:spPr>
@@ -18460,42 +24890,12 @@
             <a:fld id="{48F63A3B-78C7-47BE-AE5E-E10140E04643}" type="slidenum">
               <a:rPr lang="fr-FR" smtClean="0"/>
               <a:pPr rtl="0"/>
-              <a:t>4</a:t>
+              <a:t>5</a:t>
             </a:fld>
             <a:endParaRPr lang="fr-FR" dirty="0"/>
           </a:p>
         </p:txBody>
       </p:sp>
-      <p:pic>
-        <p:nvPicPr>
-          <p:cNvPr id="9" name="Image 8">
-            <a:extLst>
-              <a:ext uri="{FF2B5EF4-FFF2-40B4-BE49-F238E27FC236}">
-                <a16:creationId xmlns:a16="http://schemas.microsoft.com/office/drawing/2014/main" id="{AF4DE770-0768-79B4-099A-5C0531D26F10}"/>
-              </a:ext>
-            </a:extLst>
-          </p:cNvPr>
-          <p:cNvPicPr>
-            <a:picLocks noChangeAspect="1"/>
-          </p:cNvPicPr>
-          <p:nvPr/>
-        </p:nvPicPr>
-        <p:blipFill>
-          <a:blip r:embed="rId3"/>
-          <a:stretch>
-            <a:fillRect/>
-          </a:stretch>
-        </p:blipFill>
-        <p:spPr>
-          <a:xfrm>
-            <a:off x="7110500" y="3529782"/>
-            <a:ext cx="4994170" cy="3073335"/>
-          </a:xfrm>
-          <a:prstGeom prst="rect">
-            <a:avLst/>
-          </a:prstGeom>
-        </p:spPr>
-      </p:pic>
       <p:sp>
         <p:nvSpPr>
           <p:cNvPr id="12" name="Flèche : droite 11">
@@ -18557,7 +24957,7 @@
           <p:nvPr/>
         </p:nvPicPr>
         <p:blipFill>
-          <a:blip r:embed="rId4"/>
+          <a:blip r:embed="rId3"/>
           <a:stretch>
             <a:fillRect/>
           </a:stretch>
@@ -18566,6 +24966,314 @@
           <a:xfrm>
             <a:off x="122525" y="3529782"/>
             <a:ext cx="4287594" cy="3073334"/>
+          </a:xfrm>
+          <a:prstGeom prst="rect">
+            <a:avLst/>
+          </a:prstGeom>
+        </p:spPr>
+      </p:pic>
+      <p:sp>
+        <p:nvSpPr>
+          <p:cNvPr id="3" name="Espace réservé du texte 3">
+            <a:extLst>
+              <a:ext uri="{FF2B5EF4-FFF2-40B4-BE49-F238E27FC236}">
+                <a16:creationId xmlns:a16="http://schemas.microsoft.com/office/drawing/2014/main" id="{726EA00C-07AC-817A-1EEE-FD7D28BE2811}"/>
+              </a:ext>
+            </a:extLst>
+          </p:cNvPr>
+          <p:cNvSpPr txBox="1">
+            <a:spLocks/>
+          </p:cNvSpPr>
+          <p:nvPr/>
+        </p:nvSpPr>
+        <p:spPr>
+          <a:xfrm>
+            <a:off x="6874734" y="1781348"/>
+            <a:ext cx="5229936" cy="1679610"/>
+          </a:xfrm>
+          <a:prstGeom prst="rect">
+            <a:avLst/>
+          </a:prstGeom>
+          <a:solidFill>
+            <a:schemeClr val="accent2">
+              <a:lumMod val="40000"/>
+              <a:lumOff val="60000"/>
+            </a:schemeClr>
+          </a:solidFill>
+        </p:spPr>
+        <p:style>
+          <a:lnRef idx="2">
+            <a:schemeClr val="accent2">
+              <a:shade val="15000"/>
+            </a:schemeClr>
+          </a:lnRef>
+          <a:fillRef idx="1">
+            <a:schemeClr val="accent2"/>
+          </a:fillRef>
+          <a:effectRef idx="0">
+            <a:schemeClr val="accent2"/>
+          </a:effectRef>
+          <a:fontRef idx="minor">
+            <a:schemeClr val="lt1"/>
+          </a:fontRef>
+        </p:style>
+        <p:txBody>
+          <a:bodyPr vert="horz" lIns="91440" tIns="0" rIns="91440" bIns="0" rtlCol="0" anchor="t" anchorCtr="0">
+            <a:noAutofit/>
+          </a:bodyPr>
+          <a:lstStyle>
+            <a:defPPr>
+              <a:defRPr lang="fr-FR"/>
+            </a:defPPr>
+            <a:lvl1pPr marL="0" indent="0" algn="l" defTabSz="914400" rtl="0" eaLnBrk="1" latinLnBrk="0" hangingPunct="1">
+              <a:lnSpc>
+                <a:spcPct val="100000"/>
+              </a:lnSpc>
+              <a:spcBef>
+                <a:spcPts val="0"/>
+              </a:spcBef>
+              <a:spcAft>
+                <a:spcPts val="1200"/>
+              </a:spcAft>
+              <a:buFont typeface="Arial" panose="020B0604020202020204" pitchFamily="34" charset="0"/>
+              <a:buNone/>
+              <a:defRPr lang="fr-FR" sz="1800" kern="1200">
+                <a:solidFill>
+                  <a:schemeClr val="accent6"/>
+                </a:solidFill>
+                <a:latin typeface="+mn-lt"/>
+                <a:ea typeface="+mn-ea"/>
+                <a:cs typeface="+mn-cs"/>
+              </a:defRPr>
+            </a:lvl1pPr>
+            <a:lvl2pPr marL="685800" indent="-347472" algn="l" defTabSz="914400" rtl="0" eaLnBrk="1" latinLnBrk="0" hangingPunct="1">
+              <a:lnSpc>
+                <a:spcPct val="100000"/>
+              </a:lnSpc>
+              <a:spcBef>
+                <a:spcPts val="360"/>
+              </a:spcBef>
+              <a:buFont typeface="Arial" panose="020B0604020202020204" pitchFamily="34" charset="0"/>
+              <a:buChar char="•"/>
+              <a:defRPr lang="fr-FR" sz="2400" kern="1200">
+                <a:solidFill>
+                  <a:schemeClr val="accent6"/>
+                </a:solidFill>
+                <a:latin typeface="+mn-lt"/>
+                <a:ea typeface="+mn-ea"/>
+                <a:cs typeface="+mn-cs"/>
+              </a:defRPr>
+            </a:lvl2pPr>
+            <a:lvl3pPr marL="1143000" indent="-347472" algn="l" defTabSz="914400" rtl="0" eaLnBrk="1" latinLnBrk="0" hangingPunct="1">
+              <a:lnSpc>
+                <a:spcPct val="100000"/>
+              </a:lnSpc>
+              <a:spcBef>
+                <a:spcPts val="360"/>
+              </a:spcBef>
+              <a:buFont typeface="Arial" panose="020B0604020202020204" pitchFamily="34" charset="0"/>
+              <a:buChar char="•"/>
+              <a:defRPr lang="fr-FR" sz="2000" kern="1200">
+                <a:solidFill>
+                  <a:schemeClr val="accent6"/>
+                </a:solidFill>
+                <a:latin typeface="+mn-lt"/>
+                <a:ea typeface="+mn-ea"/>
+                <a:cs typeface="+mn-cs"/>
+              </a:defRPr>
+            </a:lvl3pPr>
+            <a:lvl4pPr marL="1600200" indent="-347472" algn="l" defTabSz="914400" rtl="0" eaLnBrk="1" latinLnBrk="0" hangingPunct="1">
+              <a:lnSpc>
+                <a:spcPct val="100000"/>
+              </a:lnSpc>
+              <a:spcBef>
+                <a:spcPts val="360"/>
+              </a:spcBef>
+              <a:buFont typeface="Arial" panose="020B0604020202020204" pitchFamily="34" charset="0"/>
+              <a:buChar char="•"/>
+              <a:defRPr lang="fr-FR" sz="1800" kern="1200">
+                <a:solidFill>
+                  <a:schemeClr val="accent6"/>
+                </a:solidFill>
+                <a:latin typeface="+mn-lt"/>
+                <a:ea typeface="+mn-ea"/>
+                <a:cs typeface="+mn-cs"/>
+              </a:defRPr>
+            </a:lvl4pPr>
+            <a:lvl5pPr marL="2057400" indent="-347472" algn="l" defTabSz="914400" rtl="0" eaLnBrk="1" latinLnBrk="0" hangingPunct="1">
+              <a:lnSpc>
+                <a:spcPct val="100000"/>
+              </a:lnSpc>
+              <a:spcBef>
+                <a:spcPts val="360"/>
+              </a:spcBef>
+              <a:buFont typeface="Arial" panose="020B0604020202020204" pitchFamily="34" charset="0"/>
+              <a:buChar char="•"/>
+              <a:defRPr lang="fr-FR" sz="1800" kern="1200">
+                <a:solidFill>
+                  <a:schemeClr val="accent6"/>
+                </a:solidFill>
+                <a:latin typeface="+mn-lt"/>
+                <a:ea typeface="+mn-ea"/>
+                <a:cs typeface="+mn-cs"/>
+              </a:defRPr>
+            </a:lvl5pPr>
+            <a:lvl6pPr marL="2514600" indent="-228600" algn="l" defTabSz="914400" rtl="0" eaLnBrk="1" latinLnBrk="0" hangingPunct="1">
+              <a:lnSpc>
+                <a:spcPct val="90000"/>
+              </a:lnSpc>
+              <a:spcBef>
+                <a:spcPts val="500"/>
+              </a:spcBef>
+              <a:buFont typeface="Arial" panose="020B0604020202020204" pitchFamily="34" charset="0"/>
+              <a:buChar char="•"/>
+              <a:defRPr lang="fr-FR" sz="1800" kern="1200">
+                <a:solidFill>
+                  <a:schemeClr val="tx1"/>
+                </a:solidFill>
+                <a:latin typeface="+mn-lt"/>
+                <a:ea typeface="+mn-ea"/>
+                <a:cs typeface="+mn-cs"/>
+              </a:defRPr>
+            </a:lvl6pPr>
+            <a:lvl7pPr marL="2971800" indent="-228600" algn="l" defTabSz="914400" rtl="0" eaLnBrk="1" latinLnBrk="0" hangingPunct="1">
+              <a:lnSpc>
+                <a:spcPct val="90000"/>
+              </a:lnSpc>
+              <a:spcBef>
+                <a:spcPts val="500"/>
+              </a:spcBef>
+              <a:buFont typeface="Arial" panose="020B0604020202020204" pitchFamily="34" charset="0"/>
+              <a:buChar char="•"/>
+              <a:defRPr lang="fr-FR" sz="1800" kern="1200">
+                <a:solidFill>
+                  <a:schemeClr val="tx1"/>
+                </a:solidFill>
+                <a:latin typeface="+mn-lt"/>
+                <a:ea typeface="+mn-ea"/>
+                <a:cs typeface="+mn-cs"/>
+              </a:defRPr>
+            </a:lvl7pPr>
+            <a:lvl8pPr marL="3429000" indent="-228600" algn="l" defTabSz="914400" rtl="0" eaLnBrk="1" latinLnBrk="0" hangingPunct="1">
+              <a:lnSpc>
+                <a:spcPct val="90000"/>
+              </a:lnSpc>
+              <a:spcBef>
+                <a:spcPts val="500"/>
+              </a:spcBef>
+              <a:buFont typeface="Arial" panose="020B0604020202020204" pitchFamily="34" charset="0"/>
+              <a:buChar char="•"/>
+              <a:defRPr lang="fr-FR" sz="1800" kern="1200">
+                <a:solidFill>
+                  <a:schemeClr val="tx1"/>
+                </a:solidFill>
+                <a:latin typeface="+mn-lt"/>
+                <a:ea typeface="+mn-ea"/>
+                <a:cs typeface="+mn-cs"/>
+              </a:defRPr>
+            </a:lvl8pPr>
+            <a:lvl9pPr marL="3886200" indent="-228600" algn="l" defTabSz="914400" rtl="0" eaLnBrk="1" latinLnBrk="0" hangingPunct="1">
+              <a:lnSpc>
+                <a:spcPct val="90000"/>
+              </a:lnSpc>
+              <a:spcBef>
+                <a:spcPts val="500"/>
+              </a:spcBef>
+              <a:buFont typeface="Arial" panose="020B0604020202020204" pitchFamily="34" charset="0"/>
+              <a:buChar char="•"/>
+              <a:defRPr lang="fr-FR" sz="1800" kern="1200">
+                <a:solidFill>
+                  <a:schemeClr val="tx1"/>
+                </a:solidFill>
+                <a:latin typeface="+mn-lt"/>
+                <a:ea typeface="+mn-ea"/>
+                <a:cs typeface="+mn-cs"/>
+              </a:defRPr>
+            </a:lvl9pPr>
+          </a:lstStyle>
+          <a:p>
+            <a:pPr algn="ctr"/>
+            <a:r>
+              <a:rPr lang="fr-FR" sz="2000" b="1" dirty="0">
+                <a:solidFill>
+                  <a:srgbClr val="00B050"/>
+                </a:solidFill>
+              </a:rPr>
+              <a:t>Meilleures performances </a:t>
+            </a:r>
+            <a:r>
+              <a:rPr lang="fr-FR" sz="2000" dirty="0"/>
+              <a:t>(mais)</a:t>
+            </a:r>
+            <a:r>
+              <a:rPr lang="fr-FR" sz="2000" b="1" dirty="0">
+                <a:solidFill>
+                  <a:srgbClr val="00B050"/>
+                </a:solidFill>
+              </a:rPr>
+              <a:t> </a:t>
+            </a:r>
+            <a:endParaRPr lang="fr-FR" sz="2000" dirty="0"/>
+          </a:p>
+          <a:p>
+            <a:pPr algn="ctr"/>
+            <a:r>
+              <a:rPr lang="fr-FR" sz="2000" b="1" dirty="0">
+                <a:solidFill>
+                  <a:srgbClr val="C00000"/>
+                </a:solidFill>
+              </a:rPr>
+              <a:t>CODE COMPLEXE</a:t>
+            </a:r>
+          </a:p>
+          <a:p>
+            <a:pPr algn="ctr"/>
+            <a:r>
+              <a:rPr lang="fr-FR" sz="2000" b="1" dirty="0">
+                <a:solidFill>
+                  <a:srgbClr val="C00000"/>
+                </a:solidFill>
+              </a:rPr>
+              <a:t>ASYNCHRONE</a:t>
+            </a:r>
+          </a:p>
+          <a:p>
+            <a:pPr algn="ctr"/>
+            <a:r>
+              <a:rPr lang="fr-FR" sz="2000" b="1" dirty="0">
+                <a:solidFill>
+                  <a:srgbClr val="C00000"/>
+                </a:solidFill>
+              </a:rPr>
+              <a:t>Pertes performances si oubli de désabonner</a:t>
+            </a:r>
+          </a:p>
+        </p:txBody>
+      </p:sp>
+      <p:pic>
+        <p:nvPicPr>
+          <p:cNvPr id="8" name="Image 7">
+            <a:extLst>
+              <a:ext uri="{FF2B5EF4-FFF2-40B4-BE49-F238E27FC236}">
+                <a16:creationId xmlns:a16="http://schemas.microsoft.com/office/drawing/2014/main" id="{620141BE-0600-B7D7-9373-945199A05C67}"/>
+              </a:ext>
+            </a:extLst>
+          </p:cNvPr>
+          <p:cNvPicPr>
+            <a:picLocks noChangeAspect="1"/>
+          </p:cNvPicPr>
+          <p:nvPr/>
+        </p:nvPicPr>
+        <p:blipFill>
+          <a:blip r:embed="rId4"/>
+          <a:stretch>
+            <a:fillRect/>
+          </a:stretch>
+        </p:blipFill>
+        <p:spPr>
+          <a:xfrm>
+            <a:off x="7110499" y="3529781"/>
+            <a:ext cx="4536241" cy="3073333"/>
           </a:xfrm>
           <a:prstGeom prst="rect">
             <a:avLst/>
@@ -18582,10 +25290,96 @@
   <p:clrMapOvr>
     <a:masterClrMapping/>
   </p:clrMapOvr>
+  <p:timing>
+    <p:tnLst>
+      <p:par>
+        <p:cTn id="1" dur="indefinite" restart="never" nodeType="tmRoot">
+          <p:childTnLst>
+            <p:seq concurrent="1" nextAc="seek">
+              <p:cTn id="2" dur="indefinite" nodeType="mainSeq">
+                <p:childTnLst>
+                  <p:par>
+                    <p:cTn id="3" fill="hold">
+                      <p:stCondLst>
+                        <p:cond delay="indefinite"/>
+                      </p:stCondLst>
+                      <p:childTnLst>
+                        <p:par>
+                          <p:cTn id="4" fill="hold">
+                            <p:stCondLst>
+                              <p:cond delay="0"/>
+                            </p:stCondLst>
+                            <p:childTnLst>
+                              <p:par>
+                                <p:cTn id="5" presetID="10" presetClass="entr" presetSubtype="0" fill="hold" grpId="0" nodeType="clickEffect">
+                                  <p:stCondLst>
+                                    <p:cond delay="0"/>
+                                  </p:stCondLst>
+                                  <p:childTnLst>
+                                    <p:set>
+                                      <p:cBhvr>
+                                        <p:cTn id="6" dur="1" fill="hold">
+                                          <p:stCondLst>
+                                            <p:cond delay="0"/>
+                                          </p:stCondLst>
+                                        </p:cTn>
+                                        <p:tgtEl>
+                                          <p:spTgt spid="3"/>
+                                        </p:tgtEl>
+                                        <p:attrNameLst>
+                                          <p:attrName>style.visibility</p:attrName>
+                                        </p:attrNameLst>
+                                      </p:cBhvr>
+                                      <p:to>
+                                        <p:strVal val="visible"/>
+                                      </p:to>
+                                    </p:set>
+                                    <p:animEffect transition="in" filter="fade">
+                                      <p:cBhvr>
+                                        <p:cTn id="7" dur="500"/>
+                                        <p:tgtEl>
+                                          <p:spTgt spid="3"/>
+                                        </p:tgtEl>
+                                      </p:cBhvr>
+                                    </p:animEffect>
+                                  </p:childTnLst>
+                                </p:cTn>
+                              </p:par>
+                            </p:childTnLst>
+                          </p:cTn>
+                        </p:par>
+                      </p:childTnLst>
+                    </p:cTn>
+                  </p:par>
+                </p:childTnLst>
+              </p:cTn>
+              <p:prevCondLst>
+                <p:cond evt="onPrev" delay="0">
+                  <p:tgtEl>
+                    <p:sldTgt/>
+                  </p:tgtEl>
+                </p:cond>
+              </p:prevCondLst>
+              <p:nextCondLst>
+                <p:cond evt="onNext" delay="0">
+                  <p:tgtEl>
+                    <p:sldTgt/>
+                  </p:tgtEl>
+                </p:cond>
+              </p:nextCondLst>
+            </p:seq>
+          </p:childTnLst>
+        </p:cTn>
+      </p:par>
+    </p:tnLst>
+    <p:bldLst>
+      <p:bldP spid="3" grpId="0" animBg="1"/>
+    </p:bldLst>
+  </p:timing>
 </p:sld>
 </file>
 
-<file path=ppt/slides/slide5.xml><?xml version="1.0" encoding="utf-8"?>
+<file path=ppt/slides/slide6.xml><?xml version="1.0" encoding="utf-8"?>
 <p:sld xmlns:a="http://schemas.openxmlformats.org/drawingml/2006/main" xmlns:r="http://schemas.openxmlformats.org/officeDocument/2006/relationships" xmlns:p="http://schemas.openxmlformats.org/presentationml/2006/main">
   <p:cSld>
     <p:spTree>
@@ -18604,10 +25398,10 @@
       </p:grpSpPr>
       <p:sp>
         <p:nvSpPr>
-          <p:cNvPr id="2" name="Titre 1">
+          <p:cNvPr id="5" name="Titre 4">
             <a:extLst>
               <a:ext uri="{FF2B5EF4-FFF2-40B4-BE49-F238E27FC236}">
-                <a16:creationId xmlns:a16="http://schemas.microsoft.com/office/drawing/2014/main" id="{509D22C5-0C9E-B582-A8FE-B45E70A01E7F}"/>
+                <a16:creationId xmlns:a16="http://schemas.microsoft.com/office/drawing/2014/main" id="{2136FCF6-982C-CC37-9625-3EBFC7E7DD13}"/>
               </a:ext>
             </a:extLst>
           </p:cNvPr>
@@ -18615,13 +25409,13 @@
             <a:spLocks noGrp="1"/>
           </p:cNvSpPr>
           <p:nvPr>
-            <p:ph type="ctrTitle"/>
+            <p:ph type="title"/>
           </p:nvPr>
         </p:nvSpPr>
         <p:spPr>
           <a:xfrm>
-            <a:off x="914401" y="849782"/>
-            <a:ext cx="3213716" cy="2727709"/>
+            <a:off x="1560399" y="607429"/>
+            <a:ext cx="10277642" cy="980844"/>
           </a:xfrm>
         </p:spPr>
         <p:txBody>
@@ -18634,18 +25428,26 @@
           <a:p>
             <a:pPr rtl="0"/>
             <a:r>
-              <a:rPr lang="fr-FR"/>
-              <a:t>Merci</a:t>
+              <a:rPr lang="fr-FR" dirty="0"/>
+              <a:t>Réactivité « Signal </a:t>
+            </a:r>
+            <a:r>
+              <a:rPr lang="fr-FR" dirty="0" err="1"/>
+              <a:t>based</a:t>
+            </a:r>
+            <a:r>
+              <a:rPr lang="fr-FR" dirty="0"/>
+              <a:t> »</a:t>
             </a:r>
           </a:p>
         </p:txBody>
       </p:sp>
       <p:sp>
         <p:nvSpPr>
-          <p:cNvPr id="3" name="Sous-titre 2">
+          <p:cNvPr id="4" name="Espace réservé du texte 3">
             <a:extLst>
               <a:ext uri="{FF2B5EF4-FFF2-40B4-BE49-F238E27FC236}">
-                <a16:creationId xmlns:a16="http://schemas.microsoft.com/office/drawing/2014/main" id="{D8B5CEF2-E667-BBB5-2EA6-C06F93B6DE12}"/>
+                <a16:creationId xmlns:a16="http://schemas.microsoft.com/office/drawing/2014/main" id="{97DCC342-9FD1-7055-EAAC-008DC851B13F}"/>
               </a:ext>
             </a:extLst>
           </p:cNvPr>
@@ -18653,13 +25455,580 @@
             <a:spLocks noGrp="1"/>
           </p:cNvSpPr>
           <p:nvPr>
-            <p:ph type="subTitle" idx="1"/>
+            <p:ph type="body" sz="quarter" idx="13"/>
           </p:nvPr>
         </p:nvSpPr>
         <p:spPr>
           <a:xfrm>
-            <a:off x="914401" y="3813606"/>
-            <a:ext cx="5715000" cy="2234642"/>
+            <a:off x="1560398" y="1850173"/>
+            <a:ext cx="5066544" cy="1345307"/>
+          </a:xfrm>
+        </p:spPr>
+        <p:txBody>
+          <a:bodyPr rtlCol="0"/>
+          <a:lstStyle>
+            <a:defPPr>
+              <a:defRPr lang="fr-FR"/>
+            </a:defPPr>
+          </a:lstStyle>
+          <a:p>
+            <a:pPr marL="285750" indent="-285750" rtl="0">
+              <a:buFont typeface="Wingdings" panose="05000000000000000000" pitchFamily="2" charset="2"/>
+              <a:buChar char="Ø"/>
+            </a:pPr>
+            <a:r>
+              <a:rPr lang="fr-FR" sz="2000" dirty="0"/>
+              <a:t>Seuls les composants abonnés au signal sont contrôlés et mis à jour</a:t>
+            </a:r>
+          </a:p>
+          <a:p>
+            <a:pPr marL="285750" indent="-285750" rtl="0">
+              <a:buFont typeface="Wingdings" panose="05000000000000000000" pitchFamily="2" charset="2"/>
+              <a:buChar char="Ø"/>
+            </a:pPr>
+            <a:r>
+              <a:rPr lang="fr-FR" sz="2000" dirty="0"/>
+              <a:t>Pas besoin de se désabonner</a:t>
+            </a:r>
+          </a:p>
+        </p:txBody>
+      </p:sp>
+      <p:sp>
+        <p:nvSpPr>
+          <p:cNvPr id="2" name="Espace réservé du numéro de diapositive 1">
+            <a:extLst>
+              <a:ext uri="{FF2B5EF4-FFF2-40B4-BE49-F238E27FC236}">
+                <a16:creationId xmlns:a16="http://schemas.microsoft.com/office/drawing/2014/main" id="{A913EEC9-16E3-6C86-97D0-A7EC7EA09CDA}"/>
+              </a:ext>
+            </a:extLst>
+          </p:cNvPr>
+          <p:cNvSpPr>
+            <a:spLocks noGrp="1"/>
+          </p:cNvSpPr>
+          <p:nvPr>
+            <p:ph type="sldNum" sz="quarter" idx="10"/>
+          </p:nvPr>
+        </p:nvSpPr>
+        <p:spPr>
+          <a:xfrm>
+            <a:off x="10358437" y="457199"/>
+            <a:ext cx="1067589" cy="471489"/>
+          </a:xfrm>
+        </p:spPr>
+        <p:txBody>
+          <a:bodyPr rtlCol="0"/>
+          <a:lstStyle>
+            <a:defPPr>
+              <a:defRPr lang="fr-FR"/>
+            </a:defPPr>
+          </a:lstStyle>
+          <a:p>
+            <a:pPr rtl="0"/>
+            <a:fld id="{48F63A3B-78C7-47BE-AE5E-E10140E04643}" type="slidenum">
+              <a:rPr lang="fr-FR" smtClean="0"/>
+              <a:pPr rtl="0"/>
+              <a:t>6</a:t>
+            </a:fld>
+            <a:endParaRPr lang="fr-FR" dirty="0"/>
+          </a:p>
+        </p:txBody>
+      </p:sp>
+      <p:sp>
+        <p:nvSpPr>
+          <p:cNvPr id="12" name="Flèche : droite 11">
+            <a:extLst>
+              <a:ext uri="{FF2B5EF4-FFF2-40B4-BE49-F238E27FC236}">
+                <a16:creationId xmlns:a16="http://schemas.microsoft.com/office/drawing/2014/main" id="{585F1667-2EFC-72B2-9ED9-E41E793E5068}"/>
+              </a:ext>
+            </a:extLst>
+          </p:cNvPr>
+          <p:cNvSpPr/>
+          <p:nvPr/>
+        </p:nvSpPr>
+        <p:spPr>
+          <a:xfrm>
+            <a:off x="4519605" y="4835390"/>
+            <a:ext cx="2212258" cy="462117"/>
+          </a:xfrm>
+          <a:prstGeom prst="rightArrow">
+            <a:avLst/>
+          </a:prstGeom>
+        </p:spPr>
+        <p:style>
+          <a:lnRef idx="2">
+            <a:schemeClr val="accent1">
+              <a:shade val="15000"/>
+            </a:schemeClr>
+          </a:lnRef>
+          <a:fillRef idx="1">
+            <a:schemeClr val="accent1"/>
+          </a:fillRef>
+          <a:effectRef idx="0">
+            <a:schemeClr val="accent1"/>
+          </a:effectRef>
+          <a:fontRef idx="minor">
+            <a:schemeClr val="lt1"/>
+          </a:fontRef>
+        </p:style>
+        <p:txBody>
+          <a:bodyPr rtlCol="0" anchor="ctr"/>
+          <a:lstStyle/>
+          <a:p>
+            <a:pPr algn="ctr"/>
+            <a:endParaRPr lang="fr-FR"/>
+          </a:p>
+        </p:txBody>
+      </p:sp>
+      <p:sp>
+        <p:nvSpPr>
+          <p:cNvPr id="13" name="Espace réservé du texte 3">
+            <a:extLst>
+              <a:ext uri="{FF2B5EF4-FFF2-40B4-BE49-F238E27FC236}">
+                <a16:creationId xmlns:a16="http://schemas.microsoft.com/office/drawing/2014/main" id="{2BFAA253-EABA-5B49-593A-C0C6FDAF7C87}"/>
+              </a:ext>
+            </a:extLst>
+          </p:cNvPr>
+          <p:cNvSpPr txBox="1">
+            <a:spLocks/>
+          </p:cNvSpPr>
+          <p:nvPr/>
+        </p:nvSpPr>
+        <p:spPr>
+          <a:xfrm>
+            <a:off x="6874734" y="1850172"/>
+            <a:ext cx="5066544" cy="1345307"/>
+          </a:xfrm>
+          <a:prstGeom prst="rect">
+            <a:avLst/>
+          </a:prstGeom>
+          <a:solidFill>
+            <a:schemeClr val="accent2">
+              <a:lumMod val="40000"/>
+              <a:lumOff val="60000"/>
+            </a:schemeClr>
+          </a:solidFill>
+        </p:spPr>
+        <p:style>
+          <a:lnRef idx="2">
+            <a:schemeClr val="accent2">
+              <a:shade val="15000"/>
+            </a:schemeClr>
+          </a:lnRef>
+          <a:fillRef idx="1">
+            <a:schemeClr val="accent2"/>
+          </a:fillRef>
+          <a:effectRef idx="0">
+            <a:schemeClr val="accent2"/>
+          </a:effectRef>
+          <a:fontRef idx="minor">
+            <a:schemeClr val="lt1"/>
+          </a:fontRef>
+        </p:style>
+        <p:txBody>
+          <a:bodyPr vert="horz" lIns="91440" tIns="0" rIns="91440" bIns="0" rtlCol="0" anchor="t" anchorCtr="0">
+            <a:noAutofit/>
+          </a:bodyPr>
+          <a:lstStyle>
+            <a:defPPr>
+              <a:defRPr lang="fr-FR"/>
+            </a:defPPr>
+            <a:lvl1pPr marL="0" indent="0" algn="l" defTabSz="914400" rtl="0" eaLnBrk="1" latinLnBrk="0" hangingPunct="1">
+              <a:lnSpc>
+                <a:spcPct val="100000"/>
+              </a:lnSpc>
+              <a:spcBef>
+                <a:spcPts val="0"/>
+              </a:spcBef>
+              <a:spcAft>
+                <a:spcPts val="1200"/>
+              </a:spcAft>
+              <a:buFont typeface="Arial" panose="020B0604020202020204" pitchFamily="34" charset="0"/>
+              <a:buNone/>
+              <a:defRPr lang="fr-FR" sz="1800" kern="1200">
+                <a:solidFill>
+                  <a:schemeClr val="accent6"/>
+                </a:solidFill>
+                <a:latin typeface="+mn-lt"/>
+                <a:ea typeface="+mn-ea"/>
+                <a:cs typeface="+mn-cs"/>
+              </a:defRPr>
+            </a:lvl1pPr>
+            <a:lvl2pPr marL="685800" indent="-347472" algn="l" defTabSz="914400" rtl="0" eaLnBrk="1" latinLnBrk="0" hangingPunct="1">
+              <a:lnSpc>
+                <a:spcPct val="100000"/>
+              </a:lnSpc>
+              <a:spcBef>
+                <a:spcPts val="360"/>
+              </a:spcBef>
+              <a:buFont typeface="Arial" panose="020B0604020202020204" pitchFamily="34" charset="0"/>
+              <a:buChar char="•"/>
+              <a:defRPr lang="fr-FR" sz="2400" kern="1200">
+                <a:solidFill>
+                  <a:schemeClr val="accent6"/>
+                </a:solidFill>
+                <a:latin typeface="+mn-lt"/>
+                <a:ea typeface="+mn-ea"/>
+                <a:cs typeface="+mn-cs"/>
+              </a:defRPr>
+            </a:lvl2pPr>
+            <a:lvl3pPr marL="1143000" indent="-347472" algn="l" defTabSz="914400" rtl="0" eaLnBrk="1" latinLnBrk="0" hangingPunct="1">
+              <a:lnSpc>
+                <a:spcPct val="100000"/>
+              </a:lnSpc>
+              <a:spcBef>
+                <a:spcPts val="360"/>
+              </a:spcBef>
+              <a:buFont typeface="Arial" panose="020B0604020202020204" pitchFamily="34" charset="0"/>
+              <a:buChar char="•"/>
+              <a:defRPr lang="fr-FR" sz="2000" kern="1200">
+                <a:solidFill>
+                  <a:schemeClr val="accent6"/>
+                </a:solidFill>
+                <a:latin typeface="+mn-lt"/>
+                <a:ea typeface="+mn-ea"/>
+                <a:cs typeface="+mn-cs"/>
+              </a:defRPr>
+            </a:lvl3pPr>
+            <a:lvl4pPr marL="1600200" indent="-347472" algn="l" defTabSz="914400" rtl="0" eaLnBrk="1" latinLnBrk="0" hangingPunct="1">
+              <a:lnSpc>
+                <a:spcPct val="100000"/>
+              </a:lnSpc>
+              <a:spcBef>
+                <a:spcPts val="360"/>
+              </a:spcBef>
+              <a:buFont typeface="Arial" panose="020B0604020202020204" pitchFamily="34" charset="0"/>
+              <a:buChar char="•"/>
+              <a:defRPr lang="fr-FR" sz="1800" kern="1200">
+                <a:solidFill>
+                  <a:schemeClr val="accent6"/>
+                </a:solidFill>
+                <a:latin typeface="+mn-lt"/>
+                <a:ea typeface="+mn-ea"/>
+                <a:cs typeface="+mn-cs"/>
+              </a:defRPr>
+            </a:lvl4pPr>
+            <a:lvl5pPr marL="2057400" indent="-347472" algn="l" defTabSz="914400" rtl="0" eaLnBrk="1" latinLnBrk="0" hangingPunct="1">
+              <a:lnSpc>
+                <a:spcPct val="100000"/>
+              </a:lnSpc>
+              <a:spcBef>
+                <a:spcPts val="360"/>
+              </a:spcBef>
+              <a:buFont typeface="Arial" panose="020B0604020202020204" pitchFamily="34" charset="0"/>
+              <a:buChar char="•"/>
+              <a:defRPr lang="fr-FR" sz="1800" kern="1200">
+                <a:solidFill>
+                  <a:schemeClr val="accent6"/>
+                </a:solidFill>
+                <a:latin typeface="+mn-lt"/>
+                <a:ea typeface="+mn-ea"/>
+                <a:cs typeface="+mn-cs"/>
+              </a:defRPr>
+            </a:lvl5pPr>
+            <a:lvl6pPr marL="2514600" indent="-228600" algn="l" defTabSz="914400" rtl="0" eaLnBrk="1" latinLnBrk="0" hangingPunct="1">
+              <a:lnSpc>
+                <a:spcPct val="90000"/>
+              </a:lnSpc>
+              <a:spcBef>
+                <a:spcPts val="500"/>
+              </a:spcBef>
+              <a:buFont typeface="Arial" panose="020B0604020202020204" pitchFamily="34" charset="0"/>
+              <a:buChar char="•"/>
+              <a:defRPr lang="fr-FR" sz="1800" kern="1200">
+                <a:solidFill>
+                  <a:schemeClr val="tx1"/>
+                </a:solidFill>
+                <a:latin typeface="+mn-lt"/>
+                <a:ea typeface="+mn-ea"/>
+                <a:cs typeface="+mn-cs"/>
+              </a:defRPr>
+            </a:lvl6pPr>
+            <a:lvl7pPr marL="2971800" indent="-228600" algn="l" defTabSz="914400" rtl="0" eaLnBrk="1" latinLnBrk="0" hangingPunct="1">
+              <a:lnSpc>
+                <a:spcPct val="90000"/>
+              </a:lnSpc>
+              <a:spcBef>
+                <a:spcPts val="500"/>
+              </a:spcBef>
+              <a:buFont typeface="Arial" panose="020B0604020202020204" pitchFamily="34" charset="0"/>
+              <a:buChar char="•"/>
+              <a:defRPr lang="fr-FR" sz="1800" kern="1200">
+                <a:solidFill>
+                  <a:schemeClr val="tx1"/>
+                </a:solidFill>
+                <a:latin typeface="+mn-lt"/>
+                <a:ea typeface="+mn-ea"/>
+                <a:cs typeface="+mn-cs"/>
+              </a:defRPr>
+            </a:lvl7pPr>
+            <a:lvl8pPr marL="3429000" indent="-228600" algn="l" defTabSz="914400" rtl="0" eaLnBrk="1" latinLnBrk="0" hangingPunct="1">
+              <a:lnSpc>
+                <a:spcPct val="90000"/>
+              </a:lnSpc>
+              <a:spcBef>
+                <a:spcPts val="500"/>
+              </a:spcBef>
+              <a:buFont typeface="Arial" panose="020B0604020202020204" pitchFamily="34" charset="0"/>
+              <a:buChar char="•"/>
+              <a:defRPr lang="fr-FR" sz="1800" kern="1200">
+                <a:solidFill>
+                  <a:schemeClr val="tx1"/>
+                </a:solidFill>
+                <a:latin typeface="+mn-lt"/>
+                <a:ea typeface="+mn-ea"/>
+                <a:cs typeface="+mn-cs"/>
+              </a:defRPr>
+            </a:lvl8pPr>
+            <a:lvl9pPr marL="3886200" indent="-228600" algn="l" defTabSz="914400" rtl="0" eaLnBrk="1" latinLnBrk="0" hangingPunct="1">
+              <a:lnSpc>
+                <a:spcPct val="90000"/>
+              </a:lnSpc>
+              <a:spcBef>
+                <a:spcPts val="500"/>
+              </a:spcBef>
+              <a:buFont typeface="Arial" panose="020B0604020202020204" pitchFamily="34" charset="0"/>
+              <a:buChar char="•"/>
+              <a:defRPr lang="fr-FR" sz="1800" kern="1200">
+                <a:solidFill>
+                  <a:schemeClr val="tx1"/>
+                </a:solidFill>
+                <a:latin typeface="+mn-lt"/>
+                <a:ea typeface="+mn-ea"/>
+                <a:cs typeface="+mn-cs"/>
+              </a:defRPr>
+            </a:lvl9pPr>
+          </a:lstStyle>
+          <a:p>
+            <a:pPr algn="ctr"/>
+            <a:r>
+              <a:rPr lang="fr-FR" sz="2000" b="1" dirty="0">
+                <a:solidFill>
+                  <a:srgbClr val="00B050"/>
+                </a:solidFill>
+              </a:rPr>
+              <a:t>Meilleures performances </a:t>
+            </a:r>
+          </a:p>
+          <a:p>
+            <a:pPr algn="ctr"/>
+            <a:r>
+              <a:rPr lang="fr-FR" sz="2000" b="1" dirty="0">
+                <a:solidFill>
+                  <a:srgbClr val="00B050"/>
+                </a:solidFill>
+              </a:rPr>
+              <a:t>Implémentation facile </a:t>
+            </a:r>
+          </a:p>
+          <a:p>
+            <a:pPr algn="ctr"/>
+            <a:r>
+              <a:rPr lang="fr-FR" sz="2000" b="1" dirty="0">
+                <a:solidFill>
+                  <a:srgbClr val="00B050"/>
+                </a:solidFill>
+              </a:rPr>
+              <a:t>Synchrone</a:t>
+            </a:r>
+          </a:p>
+        </p:txBody>
+      </p:sp>
+      <p:pic>
+        <p:nvPicPr>
+          <p:cNvPr id="6" name="Image 5">
+            <a:extLst>
+              <a:ext uri="{FF2B5EF4-FFF2-40B4-BE49-F238E27FC236}">
+                <a16:creationId xmlns:a16="http://schemas.microsoft.com/office/drawing/2014/main" id="{B07DD6C3-657D-C2C0-4702-9B0A9ED7447E}"/>
+              </a:ext>
+            </a:extLst>
+          </p:cNvPr>
+          <p:cNvPicPr>
+            <a:picLocks noChangeAspect="1"/>
+          </p:cNvPicPr>
+          <p:nvPr/>
+        </p:nvPicPr>
+        <p:blipFill>
+          <a:blip r:embed="rId3"/>
+          <a:stretch>
+            <a:fillRect/>
+          </a:stretch>
+        </p:blipFill>
+        <p:spPr>
+          <a:xfrm>
+            <a:off x="122524" y="3561705"/>
+            <a:ext cx="3839995" cy="3041412"/>
+          </a:xfrm>
+          <a:prstGeom prst="rect">
+            <a:avLst/>
+          </a:prstGeom>
+        </p:spPr>
+      </p:pic>
+      <p:pic>
+        <p:nvPicPr>
+          <p:cNvPr id="7" name="Image 6">
+            <a:extLst>
+              <a:ext uri="{FF2B5EF4-FFF2-40B4-BE49-F238E27FC236}">
+                <a16:creationId xmlns:a16="http://schemas.microsoft.com/office/drawing/2014/main" id="{0C54C619-02C0-C99B-C1EA-18C11C385F51}"/>
+              </a:ext>
+            </a:extLst>
+          </p:cNvPr>
+          <p:cNvPicPr>
+            <a:picLocks noChangeAspect="1"/>
+          </p:cNvPicPr>
+          <p:nvPr/>
+        </p:nvPicPr>
+        <p:blipFill>
+          <a:blip r:embed="rId4"/>
+          <a:stretch>
+            <a:fillRect/>
+          </a:stretch>
+        </p:blipFill>
+        <p:spPr>
+          <a:xfrm>
+            <a:off x="7238315" y="3529781"/>
+            <a:ext cx="4536241" cy="3073333"/>
+          </a:xfrm>
+          <a:prstGeom prst="rect">
+            <a:avLst/>
+          </a:prstGeom>
+        </p:spPr>
+      </p:pic>
+    </p:spTree>
+    <p:extLst>
+      <p:ext uri="{BB962C8B-B14F-4D97-AF65-F5344CB8AC3E}">
+        <p14:creationId xmlns:p14="http://schemas.microsoft.com/office/powerpoint/2010/main" val="1716160734"/>
+      </p:ext>
+    </p:extLst>
+  </p:cSld>
+  <p:clrMapOvr>
+    <a:masterClrMapping/>
+  </p:clrMapOvr>
+  <p:timing>
+    <p:tnLst>
+      <p:par>
+        <p:cTn id="1" dur="indefinite" restart="never" nodeType="tmRoot">
+          <p:childTnLst>
+            <p:seq concurrent="1" nextAc="seek">
+              <p:cTn id="2" dur="indefinite" nodeType="mainSeq">
+                <p:childTnLst>
+                  <p:par>
+                    <p:cTn id="3" fill="hold">
+                      <p:stCondLst>
+                        <p:cond delay="indefinite"/>
+                      </p:stCondLst>
+                      <p:childTnLst>
+                        <p:par>
+                          <p:cTn id="4" fill="hold">
+                            <p:stCondLst>
+                              <p:cond delay="0"/>
+                            </p:stCondLst>
+                            <p:childTnLst>
+                              <p:par>
+                                <p:cTn id="5" presetID="10" presetClass="entr" presetSubtype="0" fill="hold" grpId="0" nodeType="clickEffect">
+                                  <p:stCondLst>
+                                    <p:cond delay="0"/>
+                                  </p:stCondLst>
+                                  <p:childTnLst>
+                                    <p:set>
+                                      <p:cBhvr>
+                                        <p:cTn id="6" dur="1" fill="hold">
+                                          <p:stCondLst>
+                                            <p:cond delay="0"/>
+                                          </p:stCondLst>
+                                        </p:cTn>
+                                        <p:tgtEl>
+                                          <p:spTgt spid="13"/>
+                                        </p:tgtEl>
+                                        <p:attrNameLst>
+                                          <p:attrName>style.visibility</p:attrName>
+                                        </p:attrNameLst>
+                                      </p:cBhvr>
+                                      <p:to>
+                                        <p:strVal val="visible"/>
+                                      </p:to>
+                                    </p:set>
+                                    <p:animEffect transition="in" filter="fade">
+                                      <p:cBhvr>
+                                        <p:cTn id="7" dur="500"/>
+                                        <p:tgtEl>
+                                          <p:spTgt spid="13"/>
+                                        </p:tgtEl>
+                                      </p:cBhvr>
+                                    </p:animEffect>
+                                  </p:childTnLst>
+                                </p:cTn>
+                              </p:par>
+                            </p:childTnLst>
+                          </p:cTn>
+                        </p:par>
+                      </p:childTnLst>
+                    </p:cTn>
+                  </p:par>
+                </p:childTnLst>
+              </p:cTn>
+              <p:prevCondLst>
+                <p:cond evt="onPrev" delay="0">
+                  <p:tgtEl>
+                    <p:sldTgt/>
+                  </p:tgtEl>
+                </p:cond>
+              </p:prevCondLst>
+              <p:nextCondLst>
+                <p:cond evt="onNext" delay="0">
+                  <p:tgtEl>
+                    <p:sldTgt/>
+                  </p:tgtEl>
+                </p:cond>
+              </p:nextCondLst>
+            </p:seq>
+          </p:childTnLst>
+        </p:cTn>
+      </p:par>
+    </p:tnLst>
+    <p:bldLst>
+      <p:bldP spid="13" grpId="0" animBg="1"/>
+    </p:bldLst>
+  </p:timing>
+</p:sld>
+</file>
+
+<file path=ppt/slides/slide7.xml><?xml version="1.0" encoding="utf-8"?>
+<p:sld xmlns:a="http://schemas.openxmlformats.org/drawingml/2006/main" xmlns:r="http://schemas.openxmlformats.org/officeDocument/2006/relationships" xmlns:p="http://schemas.openxmlformats.org/presentationml/2006/main">
+  <p:cSld>
+    <p:spTree>
+      <p:nvGrpSpPr>
+        <p:cNvPr id="1" name=""/>
+        <p:cNvGrpSpPr/>
+        <p:nvPr/>
+      </p:nvGrpSpPr>
+      <p:grpSpPr>
+        <a:xfrm>
+          <a:off x="0" y="0"/>
+          <a:ext cx="0" cy="0"/>
+          <a:chOff x="0" y="0"/>
+          <a:chExt cx="0" cy="0"/>
+        </a:xfrm>
+      </p:grpSpPr>
+      <p:sp>
+        <p:nvSpPr>
+          <p:cNvPr id="5" name="Titre 4">
+            <a:extLst>
+              <a:ext uri="{FF2B5EF4-FFF2-40B4-BE49-F238E27FC236}">
+                <a16:creationId xmlns:a16="http://schemas.microsoft.com/office/drawing/2014/main" id="{2136FCF6-982C-CC37-9625-3EBFC7E7DD13}"/>
+              </a:ext>
+            </a:extLst>
+          </p:cNvPr>
+          <p:cNvSpPr>
+            <a:spLocks noGrp="1"/>
+          </p:cNvSpPr>
+          <p:nvPr>
+            <p:ph type="title"/>
+          </p:nvPr>
+        </p:nvSpPr>
+        <p:spPr>
+          <a:xfrm>
+            <a:off x="1550564" y="1089213"/>
+            <a:ext cx="10297307" cy="980844"/>
           </a:xfrm>
         </p:spPr>
         <p:txBody>
@@ -18672,29 +26041,1185 @@
           <a:p>
             <a:pPr rtl="0"/>
             <a:r>
-              <a:rPr lang="fr-FR"/>
-              <a:t>Brita Tamm​</a:t>
+              <a:rPr lang="fr-FR" dirty="0"/>
+              <a:t>Et ça se code comment ? </a:t>
             </a:r>
           </a:p>
+        </p:txBody>
+      </p:sp>
+      <p:sp>
+        <p:nvSpPr>
+          <p:cNvPr id="4" name="Espace réservé du texte 3">
+            <a:extLst>
+              <a:ext uri="{FF2B5EF4-FFF2-40B4-BE49-F238E27FC236}">
+                <a16:creationId xmlns:a16="http://schemas.microsoft.com/office/drawing/2014/main" id="{97DCC342-9FD1-7055-EAAC-008DC851B13F}"/>
+              </a:ext>
+            </a:extLst>
+          </p:cNvPr>
+          <p:cNvSpPr>
+            <a:spLocks noGrp="1"/>
+          </p:cNvSpPr>
+          <p:nvPr>
+            <p:ph type="body" sz="quarter" idx="13"/>
+          </p:nvPr>
+        </p:nvSpPr>
+        <p:spPr>
+          <a:xfrm>
+            <a:off x="639097" y="3580658"/>
+            <a:ext cx="10933471" cy="1097042"/>
+          </a:xfrm>
+        </p:spPr>
+        <p:txBody>
+          <a:bodyPr rtlCol="0"/>
+          <a:lstStyle>
+            <a:defPPr>
+              <a:defRPr lang="fr-FR"/>
+            </a:defPPr>
+          </a:lstStyle>
+          <a:p>
+            <a:pPr algn="ctr" rtl="0"/>
+            <a:r>
+              <a:rPr lang="fr-FR" sz="4000" dirty="0">
+                <a:solidFill>
+                  <a:srgbClr val="C00000"/>
+                </a:solidFill>
+              </a:rPr>
+              <a:t>… avec un clavier et des doigts…</a:t>
+            </a:r>
+          </a:p>
+        </p:txBody>
+      </p:sp>
+      <p:sp>
+        <p:nvSpPr>
+          <p:cNvPr id="2" name="Espace réservé du numéro de diapositive 1">
+            <a:extLst>
+              <a:ext uri="{FF2B5EF4-FFF2-40B4-BE49-F238E27FC236}">
+                <a16:creationId xmlns:a16="http://schemas.microsoft.com/office/drawing/2014/main" id="{A913EEC9-16E3-6C86-97D0-A7EC7EA09CDA}"/>
+              </a:ext>
+            </a:extLst>
+          </p:cNvPr>
+          <p:cNvSpPr>
+            <a:spLocks noGrp="1"/>
+          </p:cNvSpPr>
+          <p:nvPr>
+            <p:ph type="sldNum" sz="quarter" idx="10"/>
+          </p:nvPr>
+        </p:nvSpPr>
+        <p:spPr>
+          <a:xfrm>
+            <a:off x="10358437" y="457199"/>
+            <a:ext cx="1067589" cy="471489"/>
+          </a:xfrm>
+        </p:spPr>
+        <p:txBody>
+          <a:bodyPr rtlCol="0"/>
+          <a:lstStyle>
+            <a:defPPr>
+              <a:defRPr lang="fr-FR"/>
+            </a:defPPr>
+          </a:lstStyle>
+          <a:p>
+            <a:pPr rtl="0"/>
+            <a:fld id="{48F63A3B-78C7-47BE-AE5E-E10140E04643}" type="slidenum">
+              <a:rPr lang="fr-FR" smtClean="0"/>
+              <a:pPr rtl="0"/>
+              <a:t>7</a:t>
+            </a:fld>
+            <a:endParaRPr lang="fr-FR" dirty="0"/>
+          </a:p>
+        </p:txBody>
+      </p:sp>
+    </p:spTree>
+    <p:extLst>
+      <p:ext uri="{BB962C8B-B14F-4D97-AF65-F5344CB8AC3E}">
+        <p14:creationId xmlns:p14="http://schemas.microsoft.com/office/powerpoint/2010/main" val="867819310"/>
+      </p:ext>
+    </p:extLst>
+  </p:cSld>
+  <p:clrMapOvr>
+    <a:masterClrMapping/>
+  </p:clrMapOvr>
+</p:sld>
+</file>
+
+<file path=ppt/slides/slide8.xml><?xml version="1.0" encoding="utf-8"?>
+<p:sld xmlns:a="http://schemas.openxmlformats.org/drawingml/2006/main" xmlns:r="http://schemas.openxmlformats.org/officeDocument/2006/relationships" xmlns:p="http://schemas.openxmlformats.org/presentationml/2006/main">
+  <p:cSld>
+    <p:spTree>
+      <p:nvGrpSpPr>
+        <p:cNvPr id="1" name=""/>
+        <p:cNvGrpSpPr/>
+        <p:nvPr/>
+      </p:nvGrpSpPr>
+      <p:grpSpPr>
+        <a:xfrm>
+          <a:off x="0" y="0"/>
+          <a:ext cx="0" cy="0"/>
+          <a:chOff x="0" y="0"/>
+          <a:chExt cx="0" cy="0"/>
+        </a:xfrm>
+      </p:grpSpPr>
+      <p:sp>
+        <p:nvSpPr>
+          <p:cNvPr id="5" name="Titre 4">
+            <a:extLst>
+              <a:ext uri="{FF2B5EF4-FFF2-40B4-BE49-F238E27FC236}">
+                <a16:creationId xmlns:a16="http://schemas.microsoft.com/office/drawing/2014/main" id="{2136FCF6-982C-CC37-9625-3EBFC7E7DD13}"/>
+              </a:ext>
+            </a:extLst>
+          </p:cNvPr>
+          <p:cNvSpPr>
+            <a:spLocks noGrp="1"/>
+          </p:cNvSpPr>
+          <p:nvPr>
+            <p:ph type="title"/>
+          </p:nvPr>
+        </p:nvSpPr>
+        <p:spPr>
+          <a:xfrm>
+            <a:off x="1229034" y="607429"/>
+            <a:ext cx="11100619" cy="980844"/>
+          </a:xfrm>
+        </p:spPr>
+        <p:txBody>
+          <a:bodyPr rtlCol="0"/>
+          <a:lstStyle>
+            <a:defPPr>
+              <a:defRPr lang="fr-FR"/>
+            </a:defPPr>
+          </a:lstStyle>
           <a:p>
             <a:pPr rtl="0"/>
             <a:r>
-              <a:rPr lang="fr-FR"/>
-              <a:t>502-555-0152</a:t>
+              <a:rPr lang="fr-FR" dirty="0"/>
+              <a:t>Déclaration / Utilisation d’un signal</a:t>
             </a:r>
           </a:p>
+        </p:txBody>
+      </p:sp>
+      <p:sp>
+        <p:nvSpPr>
+          <p:cNvPr id="2" name="Espace réservé du numéro de diapositive 1">
+            <a:extLst>
+              <a:ext uri="{FF2B5EF4-FFF2-40B4-BE49-F238E27FC236}">
+                <a16:creationId xmlns:a16="http://schemas.microsoft.com/office/drawing/2014/main" id="{A913EEC9-16E3-6C86-97D0-A7EC7EA09CDA}"/>
+              </a:ext>
+            </a:extLst>
+          </p:cNvPr>
+          <p:cNvSpPr>
+            <a:spLocks noGrp="1"/>
+          </p:cNvSpPr>
+          <p:nvPr>
+            <p:ph type="sldNum" sz="quarter" idx="10"/>
+          </p:nvPr>
+        </p:nvSpPr>
+        <p:spPr>
+          <a:xfrm>
+            <a:off x="10358437" y="457199"/>
+            <a:ext cx="1067589" cy="471489"/>
+          </a:xfrm>
+        </p:spPr>
+        <p:txBody>
+          <a:bodyPr rtlCol="0"/>
+          <a:lstStyle>
+            <a:defPPr>
+              <a:defRPr lang="fr-FR"/>
+            </a:defPPr>
+          </a:lstStyle>
           <a:p>
             <a:pPr rtl="0"/>
+            <a:fld id="{48F63A3B-78C7-47BE-AE5E-E10140E04643}" type="slidenum">
+              <a:rPr lang="fr-FR" smtClean="0"/>
+              <a:pPr rtl="0"/>
+              <a:t>8</a:t>
+            </a:fld>
+            <a:endParaRPr lang="fr-FR" dirty="0"/>
+          </a:p>
+        </p:txBody>
+      </p:sp>
+      <p:sp>
+        <p:nvSpPr>
+          <p:cNvPr id="8" name="Espace réservé du texte 7">
+            <a:extLst>
+              <a:ext uri="{FF2B5EF4-FFF2-40B4-BE49-F238E27FC236}">
+                <a16:creationId xmlns:a16="http://schemas.microsoft.com/office/drawing/2014/main" id="{9836654E-34BC-0D87-64C4-E6BD9E762813}"/>
+              </a:ext>
+            </a:extLst>
+          </p:cNvPr>
+          <p:cNvSpPr>
+            <a:spLocks noGrp="1"/>
+          </p:cNvSpPr>
+          <p:nvPr>
+            <p:ph type="body" sz="quarter" idx="13"/>
+          </p:nvPr>
+        </p:nvSpPr>
+        <p:spPr>
+          <a:xfrm>
+            <a:off x="1550564" y="1875490"/>
+            <a:ext cx="3808017" cy="480068"/>
+          </a:xfrm>
+        </p:spPr>
+        <p:txBody>
+          <a:bodyPr/>
+          <a:lstStyle/>
+          <a:p>
             <a:r>
-              <a:rPr lang="fr-FR"/>
-              <a:t>brita@firstupconsultants.com </a:t>
+              <a:rPr lang="fr-FR" sz="2000" b="1" dirty="0"/>
+              <a:t>Déclaration :</a:t>
             </a:r>
           </a:p>
+        </p:txBody>
+      </p:sp>
+      <p:pic>
+        <p:nvPicPr>
+          <p:cNvPr id="10" name="Image 9">
+            <a:extLst>
+              <a:ext uri="{FF2B5EF4-FFF2-40B4-BE49-F238E27FC236}">
+                <a16:creationId xmlns:a16="http://schemas.microsoft.com/office/drawing/2014/main" id="{AFD929A3-F873-D3C6-94F2-C49D287964B6}"/>
+              </a:ext>
+            </a:extLst>
+          </p:cNvPr>
+          <p:cNvPicPr>
+            <a:picLocks noChangeAspect="1"/>
+          </p:cNvPicPr>
+          <p:nvPr/>
+        </p:nvPicPr>
+        <p:blipFill>
+          <a:blip r:embed="rId3"/>
+          <a:stretch>
+            <a:fillRect/>
+          </a:stretch>
+        </p:blipFill>
+        <p:spPr>
+          <a:xfrm>
+            <a:off x="5555225" y="2575991"/>
+            <a:ext cx="6216920" cy="696502"/>
+          </a:xfrm>
+          <a:prstGeom prst="rect">
+            <a:avLst/>
+          </a:prstGeom>
+        </p:spPr>
+      </p:pic>
+      <p:sp>
+        <p:nvSpPr>
+          <p:cNvPr id="11" name="Espace réservé du texte 7">
+            <a:extLst>
+              <a:ext uri="{FF2B5EF4-FFF2-40B4-BE49-F238E27FC236}">
+                <a16:creationId xmlns:a16="http://schemas.microsoft.com/office/drawing/2014/main" id="{67990204-D35E-431E-0B62-7A794EAC7E0A}"/>
+              </a:ext>
+            </a:extLst>
+          </p:cNvPr>
+          <p:cNvSpPr txBox="1">
+            <a:spLocks/>
+          </p:cNvSpPr>
+          <p:nvPr/>
+        </p:nvSpPr>
+        <p:spPr>
+          <a:xfrm>
+            <a:off x="4628060" y="2690047"/>
+            <a:ext cx="730521" cy="480068"/>
+          </a:xfrm>
+          <a:prstGeom prst="rect">
+            <a:avLst/>
+          </a:prstGeom>
+        </p:spPr>
+        <p:txBody>
+          <a:bodyPr vert="horz" lIns="91440" tIns="0" rIns="91440" bIns="0" rtlCol="0" anchor="t" anchorCtr="0">
+            <a:noAutofit/>
+          </a:bodyPr>
+          <a:lstStyle>
+            <a:defPPr>
+              <a:defRPr lang="fr-FR"/>
+            </a:defPPr>
+            <a:lvl1pPr marL="0" indent="0" algn="l" defTabSz="914400" rtl="0" eaLnBrk="1" latinLnBrk="0" hangingPunct="1">
+              <a:lnSpc>
+                <a:spcPct val="100000"/>
+              </a:lnSpc>
+              <a:spcBef>
+                <a:spcPts val="0"/>
+              </a:spcBef>
+              <a:spcAft>
+                <a:spcPts val="1200"/>
+              </a:spcAft>
+              <a:buFont typeface="Arial" panose="020B0604020202020204" pitchFamily="34" charset="0"/>
+              <a:buNone/>
+              <a:defRPr lang="fr-FR" sz="1800" kern="1200">
+                <a:solidFill>
+                  <a:schemeClr val="accent6"/>
+                </a:solidFill>
+                <a:latin typeface="+mn-lt"/>
+                <a:ea typeface="+mn-ea"/>
+                <a:cs typeface="+mn-cs"/>
+              </a:defRPr>
+            </a:lvl1pPr>
+            <a:lvl2pPr marL="685800" indent="-347472" algn="l" defTabSz="914400" rtl="0" eaLnBrk="1" latinLnBrk="0" hangingPunct="1">
+              <a:lnSpc>
+                <a:spcPct val="100000"/>
+              </a:lnSpc>
+              <a:spcBef>
+                <a:spcPts val="360"/>
+              </a:spcBef>
+              <a:buFont typeface="Arial" panose="020B0604020202020204" pitchFamily="34" charset="0"/>
+              <a:buChar char="•"/>
+              <a:defRPr lang="fr-FR" sz="2400" kern="1200">
+                <a:solidFill>
+                  <a:schemeClr val="accent6"/>
+                </a:solidFill>
+                <a:latin typeface="+mn-lt"/>
+                <a:ea typeface="+mn-ea"/>
+                <a:cs typeface="+mn-cs"/>
+              </a:defRPr>
+            </a:lvl2pPr>
+            <a:lvl3pPr marL="1143000" indent="-347472" algn="l" defTabSz="914400" rtl="0" eaLnBrk="1" latinLnBrk="0" hangingPunct="1">
+              <a:lnSpc>
+                <a:spcPct val="100000"/>
+              </a:lnSpc>
+              <a:spcBef>
+                <a:spcPts val="360"/>
+              </a:spcBef>
+              <a:buFont typeface="Arial" panose="020B0604020202020204" pitchFamily="34" charset="0"/>
+              <a:buChar char="•"/>
+              <a:defRPr lang="fr-FR" sz="2000" kern="1200">
+                <a:solidFill>
+                  <a:schemeClr val="accent6"/>
+                </a:solidFill>
+                <a:latin typeface="+mn-lt"/>
+                <a:ea typeface="+mn-ea"/>
+                <a:cs typeface="+mn-cs"/>
+              </a:defRPr>
+            </a:lvl3pPr>
+            <a:lvl4pPr marL="1600200" indent="-347472" algn="l" defTabSz="914400" rtl="0" eaLnBrk="1" latinLnBrk="0" hangingPunct="1">
+              <a:lnSpc>
+                <a:spcPct val="100000"/>
+              </a:lnSpc>
+              <a:spcBef>
+                <a:spcPts val="360"/>
+              </a:spcBef>
+              <a:buFont typeface="Arial" panose="020B0604020202020204" pitchFamily="34" charset="0"/>
+              <a:buChar char="•"/>
+              <a:defRPr lang="fr-FR" sz="1800" kern="1200">
+                <a:solidFill>
+                  <a:schemeClr val="accent6"/>
+                </a:solidFill>
+                <a:latin typeface="+mn-lt"/>
+                <a:ea typeface="+mn-ea"/>
+                <a:cs typeface="+mn-cs"/>
+              </a:defRPr>
+            </a:lvl4pPr>
+            <a:lvl5pPr marL="2057400" indent="-347472" algn="l" defTabSz="914400" rtl="0" eaLnBrk="1" latinLnBrk="0" hangingPunct="1">
+              <a:lnSpc>
+                <a:spcPct val="100000"/>
+              </a:lnSpc>
+              <a:spcBef>
+                <a:spcPts val="360"/>
+              </a:spcBef>
+              <a:buFont typeface="Arial" panose="020B0604020202020204" pitchFamily="34" charset="0"/>
+              <a:buChar char="•"/>
+              <a:defRPr lang="fr-FR" sz="1800" kern="1200">
+                <a:solidFill>
+                  <a:schemeClr val="accent6"/>
+                </a:solidFill>
+                <a:latin typeface="+mn-lt"/>
+                <a:ea typeface="+mn-ea"/>
+                <a:cs typeface="+mn-cs"/>
+              </a:defRPr>
+            </a:lvl5pPr>
+            <a:lvl6pPr marL="2514600" indent="-228600" algn="l" defTabSz="914400" rtl="0" eaLnBrk="1" latinLnBrk="0" hangingPunct="1">
+              <a:lnSpc>
+                <a:spcPct val="90000"/>
+              </a:lnSpc>
+              <a:spcBef>
+                <a:spcPts val="500"/>
+              </a:spcBef>
+              <a:buFont typeface="Arial" panose="020B0604020202020204" pitchFamily="34" charset="0"/>
+              <a:buChar char="•"/>
+              <a:defRPr lang="fr-FR" sz="1800" kern="1200">
+                <a:solidFill>
+                  <a:schemeClr val="tx1"/>
+                </a:solidFill>
+                <a:latin typeface="+mn-lt"/>
+                <a:ea typeface="+mn-ea"/>
+                <a:cs typeface="+mn-cs"/>
+              </a:defRPr>
+            </a:lvl6pPr>
+            <a:lvl7pPr marL="2971800" indent="-228600" algn="l" defTabSz="914400" rtl="0" eaLnBrk="1" latinLnBrk="0" hangingPunct="1">
+              <a:lnSpc>
+                <a:spcPct val="90000"/>
+              </a:lnSpc>
+              <a:spcBef>
+                <a:spcPts val="500"/>
+              </a:spcBef>
+              <a:buFont typeface="Arial" panose="020B0604020202020204" pitchFamily="34" charset="0"/>
+              <a:buChar char="•"/>
+              <a:defRPr lang="fr-FR" sz="1800" kern="1200">
+                <a:solidFill>
+                  <a:schemeClr val="tx1"/>
+                </a:solidFill>
+                <a:latin typeface="+mn-lt"/>
+                <a:ea typeface="+mn-ea"/>
+                <a:cs typeface="+mn-cs"/>
+              </a:defRPr>
+            </a:lvl7pPr>
+            <a:lvl8pPr marL="3429000" indent="-228600" algn="l" defTabSz="914400" rtl="0" eaLnBrk="1" latinLnBrk="0" hangingPunct="1">
+              <a:lnSpc>
+                <a:spcPct val="90000"/>
+              </a:lnSpc>
+              <a:spcBef>
+                <a:spcPts val="500"/>
+              </a:spcBef>
+              <a:buFont typeface="Arial" panose="020B0604020202020204" pitchFamily="34" charset="0"/>
+              <a:buChar char="•"/>
+              <a:defRPr lang="fr-FR" sz="1800" kern="1200">
+                <a:solidFill>
+                  <a:schemeClr val="tx1"/>
+                </a:solidFill>
+                <a:latin typeface="+mn-lt"/>
+                <a:ea typeface="+mn-ea"/>
+                <a:cs typeface="+mn-cs"/>
+              </a:defRPr>
+            </a:lvl8pPr>
+            <a:lvl9pPr marL="3886200" indent="-228600" algn="l" defTabSz="914400" rtl="0" eaLnBrk="1" latinLnBrk="0" hangingPunct="1">
+              <a:lnSpc>
+                <a:spcPct val="90000"/>
+              </a:lnSpc>
+              <a:spcBef>
+                <a:spcPts val="500"/>
+              </a:spcBef>
+              <a:buFont typeface="Arial" panose="020B0604020202020204" pitchFamily="34" charset="0"/>
+              <a:buChar char="•"/>
+              <a:defRPr lang="fr-FR" sz="1800" kern="1200">
+                <a:solidFill>
+                  <a:schemeClr val="tx1"/>
+                </a:solidFill>
+                <a:latin typeface="+mn-lt"/>
+                <a:ea typeface="+mn-ea"/>
+                <a:cs typeface="+mn-cs"/>
+              </a:defRPr>
+            </a:lvl9pPr>
+          </a:lstStyle>
           <a:p>
-            <a:pPr rtl="0"/>
             <a:r>
-              <a:rPr lang="fr-FR"/>
-              <a:t>www.firstupconsultants.com</a:t>
+              <a:rPr lang="fr-FR" sz="2000" b="1" dirty="0">
+                <a:solidFill>
+                  <a:srgbClr val="C00000"/>
+                </a:solidFill>
+              </a:rPr>
+              <a:t>ou</a:t>
+            </a:r>
+          </a:p>
+        </p:txBody>
+      </p:sp>
+      <p:pic>
+        <p:nvPicPr>
+          <p:cNvPr id="15" name="Image 14">
+            <a:extLst>
+              <a:ext uri="{FF2B5EF4-FFF2-40B4-BE49-F238E27FC236}">
+                <a16:creationId xmlns:a16="http://schemas.microsoft.com/office/drawing/2014/main" id="{7184B2D0-8157-E2D1-045C-90D3DD558D2E}"/>
+              </a:ext>
+            </a:extLst>
+          </p:cNvPr>
+          <p:cNvPicPr>
+            <a:picLocks noChangeAspect="1"/>
+          </p:cNvPicPr>
+          <p:nvPr/>
+        </p:nvPicPr>
+        <p:blipFill>
+          <a:blip r:embed="rId4"/>
+          <a:stretch>
+            <a:fillRect/>
+          </a:stretch>
+        </p:blipFill>
+        <p:spPr>
+          <a:xfrm>
+            <a:off x="419855" y="2514636"/>
+            <a:ext cx="3835524" cy="670286"/>
+          </a:xfrm>
+          <a:prstGeom prst="rect">
+            <a:avLst/>
+          </a:prstGeom>
+        </p:spPr>
+      </p:pic>
+      <p:sp>
+        <p:nvSpPr>
+          <p:cNvPr id="16" name="Espace réservé du texte 7">
+            <a:extLst>
+              <a:ext uri="{FF2B5EF4-FFF2-40B4-BE49-F238E27FC236}">
+                <a16:creationId xmlns:a16="http://schemas.microsoft.com/office/drawing/2014/main" id="{8A227A2C-B883-A063-D992-75D8B9A79154}"/>
+              </a:ext>
+            </a:extLst>
+          </p:cNvPr>
+          <p:cNvSpPr txBox="1">
+            <a:spLocks/>
+          </p:cNvSpPr>
+          <p:nvPr/>
+        </p:nvSpPr>
+        <p:spPr>
+          <a:xfrm>
+            <a:off x="1550564" y="3940103"/>
+            <a:ext cx="3808017" cy="480068"/>
+          </a:xfrm>
+          <a:prstGeom prst="rect">
+            <a:avLst/>
+          </a:prstGeom>
+        </p:spPr>
+        <p:txBody>
+          <a:bodyPr vert="horz" lIns="91440" tIns="0" rIns="91440" bIns="0" rtlCol="0" anchor="t" anchorCtr="0">
+            <a:noAutofit/>
+          </a:bodyPr>
+          <a:lstStyle>
+            <a:defPPr>
+              <a:defRPr lang="fr-FR"/>
+            </a:defPPr>
+            <a:lvl1pPr marL="0" indent="0" algn="l" defTabSz="914400" rtl="0" eaLnBrk="1" latinLnBrk="0" hangingPunct="1">
+              <a:lnSpc>
+                <a:spcPct val="100000"/>
+              </a:lnSpc>
+              <a:spcBef>
+                <a:spcPts val="0"/>
+              </a:spcBef>
+              <a:spcAft>
+                <a:spcPts val="1200"/>
+              </a:spcAft>
+              <a:buFont typeface="Arial" panose="020B0604020202020204" pitchFamily="34" charset="0"/>
+              <a:buNone/>
+              <a:defRPr lang="fr-FR" sz="1800" kern="1200">
+                <a:solidFill>
+                  <a:schemeClr val="accent6"/>
+                </a:solidFill>
+                <a:latin typeface="+mn-lt"/>
+                <a:ea typeface="+mn-ea"/>
+                <a:cs typeface="+mn-cs"/>
+              </a:defRPr>
+            </a:lvl1pPr>
+            <a:lvl2pPr marL="685800" indent="-347472" algn="l" defTabSz="914400" rtl="0" eaLnBrk="1" latinLnBrk="0" hangingPunct="1">
+              <a:lnSpc>
+                <a:spcPct val="100000"/>
+              </a:lnSpc>
+              <a:spcBef>
+                <a:spcPts val="360"/>
+              </a:spcBef>
+              <a:buFont typeface="Arial" panose="020B0604020202020204" pitchFamily="34" charset="0"/>
+              <a:buChar char="•"/>
+              <a:defRPr lang="fr-FR" sz="2400" kern="1200">
+                <a:solidFill>
+                  <a:schemeClr val="accent6"/>
+                </a:solidFill>
+                <a:latin typeface="+mn-lt"/>
+                <a:ea typeface="+mn-ea"/>
+                <a:cs typeface="+mn-cs"/>
+              </a:defRPr>
+            </a:lvl2pPr>
+            <a:lvl3pPr marL="1143000" indent="-347472" algn="l" defTabSz="914400" rtl="0" eaLnBrk="1" latinLnBrk="0" hangingPunct="1">
+              <a:lnSpc>
+                <a:spcPct val="100000"/>
+              </a:lnSpc>
+              <a:spcBef>
+                <a:spcPts val="360"/>
+              </a:spcBef>
+              <a:buFont typeface="Arial" panose="020B0604020202020204" pitchFamily="34" charset="0"/>
+              <a:buChar char="•"/>
+              <a:defRPr lang="fr-FR" sz="2000" kern="1200">
+                <a:solidFill>
+                  <a:schemeClr val="accent6"/>
+                </a:solidFill>
+                <a:latin typeface="+mn-lt"/>
+                <a:ea typeface="+mn-ea"/>
+                <a:cs typeface="+mn-cs"/>
+              </a:defRPr>
+            </a:lvl3pPr>
+            <a:lvl4pPr marL="1600200" indent="-347472" algn="l" defTabSz="914400" rtl="0" eaLnBrk="1" latinLnBrk="0" hangingPunct="1">
+              <a:lnSpc>
+                <a:spcPct val="100000"/>
+              </a:lnSpc>
+              <a:spcBef>
+                <a:spcPts val="360"/>
+              </a:spcBef>
+              <a:buFont typeface="Arial" panose="020B0604020202020204" pitchFamily="34" charset="0"/>
+              <a:buChar char="•"/>
+              <a:defRPr lang="fr-FR" sz="1800" kern="1200">
+                <a:solidFill>
+                  <a:schemeClr val="accent6"/>
+                </a:solidFill>
+                <a:latin typeface="+mn-lt"/>
+                <a:ea typeface="+mn-ea"/>
+                <a:cs typeface="+mn-cs"/>
+              </a:defRPr>
+            </a:lvl4pPr>
+            <a:lvl5pPr marL="2057400" indent="-347472" algn="l" defTabSz="914400" rtl="0" eaLnBrk="1" latinLnBrk="0" hangingPunct="1">
+              <a:lnSpc>
+                <a:spcPct val="100000"/>
+              </a:lnSpc>
+              <a:spcBef>
+                <a:spcPts val="360"/>
+              </a:spcBef>
+              <a:buFont typeface="Arial" panose="020B0604020202020204" pitchFamily="34" charset="0"/>
+              <a:buChar char="•"/>
+              <a:defRPr lang="fr-FR" sz="1800" kern="1200">
+                <a:solidFill>
+                  <a:schemeClr val="accent6"/>
+                </a:solidFill>
+                <a:latin typeface="+mn-lt"/>
+                <a:ea typeface="+mn-ea"/>
+                <a:cs typeface="+mn-cs"/>
+              </a:defRPr>
+            </a:lvl5pPr>
+            <a:lvl6pPr marL="2514600" indent="-228600" algn="l" defTabSz="914400" rtl="0" eaLnBrk="1" latinLnBrk="0" hangingPunct="1">
+              <a:lnSpc>
+                <a:spcPct val="90000"/>
+              </a:lnSpc>
+              <a:spcBef>
+                <a:spcPts val="500"/>
+              </a:spcBef>
+              <a:buFont typeface="Arial" panose="020B0604020202020204" pitchFamily="34" charset="0"/>
+              <a:buChar char="•"/>
+              <a:defRPr lang="fr-FR" sz="1800" kern="1200">
+                <a:solidFill>
+                  <a:schemeClr val="tx1"/>
+                </a:solidFill>
+                <a:latin typeface="+mn-lt"/>
+                <a:ea typeface="+mn-ea"/>
+                <a:cs typeface="+mn-cs"/>
+              </a:defRPr>
+            </a:lvl6pPr>
+            <a:lvl7pPr marL="2971800" indent="-228600" algn="l" defTabSz="914400" rtl="0" eaLnBrk="1" latinLnBrk="0" hangingPunct="1">
+              <a:lnSpc>
+                <a:spcPct val="90000"/>
+              </a:lnSpc>
+              <a:spcBef>
+                <a:spcPts val="500"/>
+              </a:spcBef>
+              <a:buFont typeface="Arial" panose="020B0604020202020204" pitchFamily="34" charset="0"/>
+              <a:buChar char="•"/>
+              <a:defRPr lang="fr-FR" sz="1800" kern="1200">
+                <a:solidFill>
+                  <a:schemeClr val="tx1"/>
+                </a:solidFill>
+                <a:latin typeface="+mn-lt"/>
+                <a:ea typeface="+mn-ea"/>
+                <a:cs typeface="+mn-cs"/>
+              </a:defRPr>
+            </a:lvl7pPr>
+            <a:lvl8pPr marL="3429000" indent="-228600" algn="l" defTabSz="914400" rtl="0" eaLnBrk="1" latinLnBrk="0" hangingPunct="1">
+              <a:lnSpc>
+                <a:spcPct val="90000"/>
+              </a:lnSpc>
+              <a:spcBef>
+                <a:spcPts val="500"/>
+              </a:spcBef>
+              <a:buFont typeface="Arial" panose="020B0604020202020204" pitchFamily="34" charset="0"/>
+              <a:buChar char="•"/>
+              <a:defRPr lang="fr-FR" sz="1800" kern="1200">
+                <a:solidFill>
+                  <a:schemeClr val="tx1"/>
+                </a:solidFill>
+                <a:latin typeface="+mn-lt"/>
+                <a:ea typeface="+mn-ea"/>
+                <a:cs typeface="+mn-cs"/>
+              </a:defRPr>
+            </a:lvl8pPr>
+            <a:lvl9pPr marL="3886200" indent="-228600" algn="l" defTabSz="914400" rtl="0" eaLnBrk="1" latinLnBrk="0" hangingPunct="1">
+              <a:lnSpc>
+                <a:spcPct val="90000"/>
+              </a:lnSpc>
+              <a:spcBef>
+                <a:spcPts val="500"/>
+              </a:spcBef>
+              <a:buFont typeface="Arial" panose="020B0604020202020204" pitchFamily="34" charset="0"/>
+              <a:buChar char="•"/>
+              <a:defRPr lang="fr-FR" sz="1800" kern="1200">
+                <a:solidFill>
+                  <a:schemeClr val="tx1"/>
+                </a:solidFill>
+                <a:latin typeface="+mn-lt"/>
+                <a:ea typeface="+mn-ea"/>
+                <a:cs typeface="+mn-cs"/>
+              </a:defRPr>
+            </a:lvl9pPr>
+          </a:lstStyle>
+          <a:p>
+            <a:r>
+              <a:rPr lang="fr-FR" sz="2000" b="1" dirty="0"/>
+              <a:t>Utilisation :</a:t>
+            </a:r>
+          </a:p>
+        </p:txBody>
+      </p:sp>
+      <p:pic>
+        <p:nvPicPr>
+          <p:cNvPr id="18" name="Image 17">
+            <a:extLst>
+              <a:ext uri="{FF2B5EF4-FFF2-40B4-BE49-F238E27FC236}">
+                <a16:creationId xmlns:a16="http://schemas.microsoft.com/office/drawing/2014/main" id="{24F66166-699F-F4BD-BBDF-C19E1DE6DB3E}"/>
+              </a:ext>
+            </a:extLst>
+          </p:cNvPr>
+          <p:cNvPicPr>
+            <a:picLocks noChangeAspect="1"/>
+          </p:cNvPicPr>
+          <p:nvPr/>
+        </p:nvPicPr>
+        <p:blipFill>
+          <a:blip r:embed="rId5"/>
+          <a:stretch>
+            <a:fillRect/>
+          </a:stretch>
+        </p:blipFill>
+        <p:spPr>
+          <a:xfrm>
+            <a:off x="518414" y="5221754"/>
+            <a:ext cx="3638405" cy="480068"/>
+          </a:xfrm>
+          <a:prstGeom prst="rect">
+            <a:avLst/>
+          </a:prstGeom>
+        </p:spPr>
+      </p:pic>
+      <p:pic>
+        <p:nvPicPr>
+          <p:cNvPr id="20" name="Image 19">
+            <a:extLst>
+              <a:ext uri="{FF2B5EF4-FFF2-40B4-BE49-F238E27FC236}">
+                <a16:creationId xmlns:a16="http://schemas.microsoft.com/office/drawing/2014/main" id="{21CE8DF7-CC75-C4CC-98BB-3EDF219777CD}"/>
+              </a:ext>
+            </a:extLst>
+          </p:cNvPr>
+          <p:cNvPicPr>
+            <a:picLocks noChangeAspect="1"/>
+          </p:cNvPicPr>
+          <p:nvPr/>
+        </p:nvPicPr>
+        <p:blipFill>
+          <a:blip r:embed="rId6"/>
+          <a:stretch>
+            <a:fillRect/>
+          </a:stretch>
+        </p:blipFill>
+        <p:spPr>
+          <a:xfrm>
+            <a:off x="5977903" y="5221754"/>
+            <a:ext cx="5371563" cy="480067"/>
+          </a:xfrm>
+          <a:prstGeom prst="rect">
+            <a:avLst/>
+          </a:prstGeom>
+        </p:spPr>
+      </p:pic>
+      <p:sp>
+        <p:nvSpPr>
+          <p:cNvPr id="21" name="Espace réservé du texte 7">
+            <a:extLst>
+              <a:ext uri="{FF2B5EF4-FFF2-40B4-BE49-F238E27FC236}">
+                <a16:creationId xmlns:a16="http://schemas.microsoft.com/office/drawing/2014/main" id="{E7E7D99D-5597-DE4D-5542-695C384EBEEC}"/>
+              </a:ext>
+            </a:extLst>
+          </p:cNvPr>
+          <p:cNvSpPr txBox="1">
+            <a:spLocks/>
+          </p:cNvSpPr>
+          <p:nvPr/>
+        </p:nvSpPr>
+        <p:spPr>
+          <a:xfrm>
+            <a:off x="1542194" y="4623489"/>
+            <a:ext cx="1590843" cy="480068"/>
+          </a:xfrm>
+          <a:prstGeom prst="rect">
+            <a:avLst/>
+          </a:prstGeom>
+        </p:spPr>
+        <p:txBody>
+          <a:bodyPr vert="horz" lIns="91440" tIns="0" rIns="91440" bIns="0" rtlCol="0" anchor="t" anchorCtr="0">
+            <a:noAutofit/>
+          </a:bodyPr>
+          <a:lstStyle>
+            <a:defPPr>
+              <a:defRPr lang="fr-FR"/>
+            </a:defPPr>
+            <a:lvl1pPr marL="0" indent="0" algn="l" defTabSz="914400" rtl="0" eaLnBrk="1" latinLnBrk="0" hangingPunct="1">
+              <a:lnSpc>
+                <a:spcPct val="100000"/>
+              </a:lnSpc>
+              <a:spcBef>
+                <a:spcPts val="0"/>
+              </a:spcBef>
+              <a:spcAft>
+                <a:spcPts val="1200"/>
+              </a:spcAft>
+              <a:buFont typeface="Arial" panose="020B0604020202020204" pitchFamily="34" charset="0"/>
+              <a:buNone/>
+              <a:defRPr lang="fr-FR" sz="1800" kern="1200">
+                <a:solidFill>
+                  <a:schemeClr val="accent6"/>
+                </a:solidFill>
+                <a:latin typeface="+mn-lt"/>
+                <a:ea typeface="+mn-ea"/>
+                <a:cs typeface="+mn-cs"/>
+              </a:defRPr>
+            </a:lvl1pPr>
+            <a:lvl2pPr marL="685800" indent="-347472" algn="l" defTabSz="914400" rtl="0" eaLnBrk="1" latinLnBrk="0" hangingPunct="1">
+              <a:lnSpc>
+                <a:spcPct val="100000"/>
+              </a:lnSpc>
+              <a:spcBef>
+                <a:spcPts val="360"/>
+              </a:spcBef>
+              <a:buFont typeface="Arial" panose="020B0604020202020204" pitchFamily="34" charset="0"/>
+              <a:buChar char="•"/>
+              <a:defRPr lang="fr-FR" sz="2400" kern="1200">
+                <a:solidFill>
+                  <a:schemeClr val="accent6"/>
+                </a:solidFill>
+                <a:latin typeface="+mn-lt"/>
+                <a:ea typeface="+mn-ea"/>
+                <a:cs typeface="+mn-cs"/>
+              </a:defRPr>
+            </a:lvl2pPr>
+            <a:lvl3pPr marL="1143000" indent="-347472" algn="l" defTabSz="914400" rtl="0" eaLnBrk="1" latinLnBrk="0" hangingPunct="1">
+              <a:lnSpc>
+                <a:spcPct val="100000"/>
+              </a:lnSpc>
+              <a:spcBef>
+                <a:spcPts val="360"/>
+              </a:spcBef>
+              <a:buFont typeface="Arial" panose="020B0604020202020204" pitchFamily="34" charset="0"/>
+              <a:buChar char="•"/>
+              <a:defRPr lang="fr-FR" sz="2000" kern="1200">
+                <a:solidFill>
+                  <a:schemeClr val="accent6"/>
+                </a:solidFill>
+                <a:latin typeface="+mn-lt"/>
+                <a:ea typeface="+mn-ea"/>
+                <a:cs typeface="+mn-cs"/>
+              </a:defRPr>
+            </a:lvl3pPr>
+            <a:lvl4pPr marL="1600200" indent="-347472" algn="l" defTabSz="914400" rtl="0" eaLnBrk="1" latinLnBrk="0" hangingPunct="1">
+              <a:lnSpc>
+                <a:spcPct val="100000"/>
+              </a:lnSpc>
+              <a:spcBef>
+                <a:spcPts val="360"/>
+              </a:spcBef>
+              <a:buFont typeface="Arial" panose="020B0604020202020204" pitchFamily="34" charset="0"/>
+              <a:buChar char="•"/>
+              <a:defRPr lang="fr-FR" sz="1800" kern="1200">
+                <a:solidFill>
+                  <a:schemeClr val="accent6"/>
+                </a:solidFill>
+                <a:latin typeface="+mn-lt"/>
+                <a:ea typeface="+mn-ea"/>
+                <a:cs typeface="+mn-cs"/>
+              </a:defRPr>
+            </a:lvl4pPr>
+            <a:lvl5pPr marL="2057400" indent="-347472" algn="l" defTabSz="914400" rtl="0" eaLnBrk="1" latinLnBrk="0" hangingPunct="1">
+              <a:lnSpc>
+                <a:spcPct val="100000"/>
+              </a:lnSpc>
+              <a:spcBef>
+                <a:spcPts val="360"/>
+              </a:spcBef>
+              <a:buFont typeface="Arial" panose="020B0604020202020204" pitchFamily="34" charset="0"/>
+              <a:buChar char="•"/>
+              <a:defRPr lang="fr-FR" sz="1800" kern="1200">
+                <a:solidFill>
+                  <a:schemeClr val="accent6"/>
+                </a:solidFill>
+                <a:latin typeface="+mn-lt"/>
+                <a:ea typeface="+mn-ea"/>
+                <a:cs typeface="+mn-cs"/>
+              </a:defRPr>
+            </a:lvl5pPr>
+            <a:lvl6pPr marL="2514600" indent="-228600" algn="l" defTabSz="914400" rtl="0" eaLnBrk="1" latinLnBrk="0" hangingPunct="1">
+              <a:lnSpc>
+                <a:spcPct val="90000"/>
+              </a:lnSpc>
+              <a:spcBef>
+                <a:spcPts val="500"/>
+              </a:spcBef>
+              <a:buFont typeface="Arial" panose="020B0604020202020204" pitchFamily="34" charset="0"/>
+              <a:buChar char="•"/>
+              <a:defRPr lang="fr-FR" sz="1800" kern="1200">
+                <a:solidFill>
+                  <a:schemeClr val="tx1"/>
+                </a:solidFill>
+                <a:latin typeface="+mn-lt"/>
+                <a:ea typeface="+mn-ea"/>
+                <a:cs typeface="+mn-cs"/>
+              </a:defRPr>
+            </a:lvl6pPr>
+            <a:lvl7pPr marL="2971800" indent="-228600" algn="l" defTabSz="914400" rtl="0" eaLnBrk="1" latinLnBrk="0" hangingPunct="1">
+              <a:lnSpc>
+                <a:spcPct val="90000"/>
+              </a:lnSpc>
+              <a:spcBef>
+                <a:spcPts val="500"/>
+              </a:spcBef>
+              <a:buFont typeface="Arial" panose="020B0604020202020204" pitchFamily="34" charset="0"/>
+              <a:buChar char="•"/>
+              <a:defRPr lang="fr-FR" sz="1800" kern="1200">
+                <a:solidFill>
+                  <a:schemeClr val="tx1"/>
+                </a:solidFill>
+                <a:latin typeface="+mn-lt"/>
+                <a:ea typeface="+mn-ea"/>
+                <a:cs typeface="+mn-cs"/>
+              </a:defRPr>
+            </a:lvl7pPr>
+            <a:lvl8pPr marL="3429000" indent="-228600" algn="l" defTabSz="914400" rtl="0" eaLnBrk="1" latinLnBrk="0" hangingPunct="1">
+              <a:lnSpc>
+                <a:spcPct val="90000"/>
+              </a:lnSpc>
+              <a:spcBef>
+                <a:spcPts val="500"/>
+              </a:spcBef>
+              <a:buFont typeface="Arial" panose="020B0604020202020204" pitchFamily="34" charset="0"/>
+              <a:buChar char="•"/>
+              <a:defRPr lang="fr-FR" sz="1800" kern="1200">
+                <a:solidFill>
+                  <a:schemeClr val="tx1"/>
+                </a:solidFill>
+                <a:latin typeface="+mn-lt"/>
+                <a:ea typeface="+mn-ea"/>
+                <a:cs typeface="+mn-cs"/>
+              </a:defRPr>
+            </a:lvl8pPr>
+            <a:lvl9pPr marL="3886200" indent="-228600" algn="l" defTabSz="914400" rtl="0" eaLnBrk="1" latinLnBrk="0" hangingPunct="1">
+              <a:lnSpc>
+                <a:spcPct val="90000"/>
+              </a:lnSpc>
+              <a:spcBef>
+                <a:spcPts val="500"/>
+              </a:spcBef>
+              <a:buFont typeface="Arial" panose="020B0604020202020204" pitchFamily="34" charset="0"/>
+              <a:buChar char="•"/>
+              <a:defRPr lang="fr-FR" sz="1800" kern="1200">
+                <a:solidFill>
+                  <a:schemeClr val="tx1"/>
+                </a:solidFill>
+                <a:latin typeface="+mn-lt"/>
+                <a:ea typeface="+mn-ea"/>
+                <a:cs typeface="+mn-cs"/>
+              </a:defRPr>
+            </a:lvl9pPr>
+          </a:lstStyle>
+          <a:p>
+            <a:pPr algn="ctr"/>
+            <a:r>
+              <a:rPr lang="fr-FR" sz="2000" dirty="0">
+                <a:solidFill>
+                  <a:srgbClr val="C00000"/>
+                </a:solidFill>
+              </a:rPr>
+              <a:t>Composant</a:t>
+            </a:r>
+          </a:p>
+        </p:txBody>
+      </p:sp>
+      <p:sp>
+        <p:nvSpPr>
+          <p:cNvPr id="22" name="Espace réservé du texte 7">
+            <a:extLst>
+              <a:ext uri="{FF2B5EF4-FFF2-40B4-BE49-F238E27FC236}">
+                <a16:creationId xmlns:a16="http://schemas.microsoft.com/office/drawing/2014/main" id="{17BD8B02-6C23-8CBA-B933-A65C1D84FB3F}"/>
+              </a:ext>
+            </a:extLst>
+          </p:cNvPr>
+          <p:cNvSpPr txBox="1">
+            <a:spLocks/>
+          </p:cNvSpPr>
+          <p:nvPr/>
+        </p:nvSpPr>
+        <p:spPr>
+          <a:xfrm>
+            <a:off x="7868262" y="4623489"/>
+            <a:ext cx="1590843" cy="480068"/>
+          </a:xfrm>
+          <a:prstGeom prst="rect">
+            <a:avLst/>
+          </a:prstGeom>
+        </p:spPr>
+        <p:txBody>
+          <a:bodyPr vert="horz" lIns="91440" tIns="0" rIns="91440" bIns="0" rtlCol="0" anchor="t" anchorCtr="0">
+            <a:noAutofit/>
+          </a:bodyPr>
+          <a:lstStyle>
+            <a:defPPr>
+              <a:defRPr lang="fr-FR"/>
+            </a:defPPr>
+            <a:lvl1pPr marL="0" indent="0" algn="l" defTabSz="914400" rtl="0" eaLnBrk="1" latinLnBrk="0" hangingPunct="1">
+              <a:lnSpc>
+                <a:spcPct val="100000"/>
+              </a:lnSpc>
+              <a:spcBef>
+                <a:spcPts val="0"/>
+              </a:spcBef>
+              <a:spcAft>
+                <a:spcPts val="1200"/>
+              </a:spcAft>
+              <a:buFont typeface="Arial" panose="020B0604020202020204" pitchFamily="34" charset="0"/>
+              <a:buNone/>
+              <a:defRPr lang="fr-FR" sz="1800" kern="1200">
+                <a:solidFill>
+                  <a:schemeClr val="accent6"/>
+                </a:solidFill>
+                <a:latin typeface="+mn-lt"/>
+                <a:ea typeface="+mn-ea"/>
+                <a:cs typeface="+mn-cs"/>
+              </a:defRPr>
+            </a:lvl1pPr>
+            <a:lvl2pPr marL="685800" indent="-347472" algn="l" defTabSz="914400" rtl="0" eaLnBrk="1" latinLnBrk="0" hangingPunct="1">
+              <a:lnSpc>
+                <a:spcPct val="100000"/>
+              </a:lnSpc>
+              <a:spcBef>
+                <a:spcPts val="360"/>
+              </a:spcBef>
+              <a:buFont typeface="Arial" panose="020B0604020202020204" pitchFamily="34" charset="0"/>
+              <a:buChar char="•"/>
+              <a:defRPr lang="fr-FR" sz="2400" kern="1200">
+                <a:solidFill>
+                  <a:schemeClr val="accent6"/>
+                </a:solidFill>
+                <a:latin typeface="+mn-lt"/>
+                <a:ea typeface="+mn-ea"/>
+                <a:cs typeface="+mn-cs"/>
+              </a:defRPr>
+            </a:lvl2pPr>
+            <a:lvl3pPr marL="1143000" indent="-347472" algn="l" defTabSz="914400" rtl="0" eaLnBrk="1" latinLnBrk="0" hangingPunct="1">
+              <a:lnSpc>
+                <a:spcPct val="100000"/>
+              </a:lnSpc>
+              <a:spcBef>
+                <a:spcPts val="360"/>
+              </a:spcBef>
+              <a:buFont typeface="Arial" panose="020B0604020202020204" pitchFamily="34" charset="0"/>
+              <a:buChar char="•"/>
+              <a:defRPr lang="fr-FR" sz="2000" kern="1200">
+                <a:solidFill>
+                  <a:schemeClr val="accent6"/>
+                </a:solidFill>
+                <a:latin typeface="+mn-lt"/>
+                <a:ea typeface="+mn-ea"/>
+                <a:cs typeface="+mn-cs"/>
+              </a:defRPr>
+            </a:lvl3pPr>
+            <a:lvl4pPr marL="1600200" indent="-347472" algn="l" defTabSz="914400" rtl="0" eaLnBrk="1" latinLnBrk="0" hangingPunct="1">
+              <a:lnSpc>
+                <a:spcPct val="100000"/>
+              </a:lnSpc>
+              <a:spcBef>
+                <a:spcPts val="360"/>
+              </a:spcBef>
+              <a:buFont typeface="Arial" panose="020B0604020202020204" pitchFamily="34" charset="0"/>
+              <a:buChar char="•"/>
+              <a:defRPr lang="fr-FR" sz="1800" kern="1200">
+                <a:solidFill>
+                  <a:schemeClr val="accent6"/>
+                </a:solidFill>
+                <a:latin typeface="+mn-lt"/>
+                <a:ea typeface="+mn-ea"/>
+                <a:cs typeface="+mn-cs"/>
+              </a:defRPr>
+            </a:lvl4pPr>
+            <a:lvl5pPr marL="2057400" indent="-347472" algn="l" defTabSz="914400" rtl="0" eaLnBrk="1" latinLnBrk="0" hangingPunct="1">
+              <a:lnSpc>
+                <a:spcPct val="100000"/>
+              </a:lnSpc>
+              <a:spcBef>
+                <a:spcPts val="360"/>
+              </a:spcBef>
+              <a:buFont typeface="Arial" panose="020B0604020202020204" pitchFamily="34" charset="0"/>
+              <a:buChar char="•"/>
+              <a:defRPr lang="fr-FR" sz="1800" kern="1200">
+                <a:solidFill>
+                  <a:schemeClr val="accent6"/>
+                </a:solidFill>
+                <a:latin typeface="+mn-lt"/>
+                <a:ea typeface="+mn-ea"/>
+                <a:cs typeface="+mn-cs"/>
+              </a:defRPr>
+            </a:lvl5pPr>
+            <a:lvl6pPr marL="2514600" indent="-228600" algn="l" defTabSz="914400" rtl="0" eaLnBrk="1" latinLnBrk="0" hangingPunct="1">
+              <a:lnSpc>
+                <a:spcPct val="90000"/>
+              </a:lnSpc>
+              <a:spcBef>
+                <a:spcPts val="500"/>
+              </a:spcBef>
+              <a:buFont typeface="Arial" panose="020B0604020202020204" pitchFamily="34" charset="0"/>
+              <a:buChar char="•"/>
+              <a:defRPr lang="fr-FR" sz="1800" kern="1200">
+                <a:solidFill>
+                  <a:schemeClr val="tx1"/>
+                </a:solidFill>
+                <a:latin typeface="+mn-lt"/>
+                <a:ea typeface="+mn-ea"/>
+                <a:cs typeface="+mn-cs"/>
+              </a:defRPr>
+            </a:lvl6pPr>
+            <a:lvl7pPr marL="2971800" indent="-228600" algn="l" defTabSz="914400" rtl="0" eaLnBrk="1" latinLnBrk="0" hangingPunct="1">
+              <a:lnSpc>
+                <a:spcPct val="90000"/>
+              </a:lnSpc>
+              <a:spcBef>
+                <a:spcPts val="500"/>
+              </a:spcBef>
+              <a:buFont typeface="Arial" panose="020B0604020202020204" pitchFamily="34" charset="0"/>
+              <a:buChar char="•"/>
+              <a:defRPr lang="fr-FR" sz="1800" kern="1200">
+                <a:solidFill>
+                  <a:schemeClr val="tx1"/>
+                </a:solidFill>
+                <a:latin typeface="+mn-lt"/>
+                <a:ea typeface="+mn-ea"/>
+                <a:cs typeface="+mn-cs"/>
+              </a:defRPr>
+            </a:lvl7pPr>
+            <a:lvl8pPr marL="3429000" indent="-228600" algn="l" defTabSz="914400" rtl="0" eaLnBrk="1" latinLnBrk="0" hangingPunct="1">
+              <a:lnSpc>
+                <a:spcPct val="90000"/>
+              </a:lnSpc>
+              <a:spcBef>
+                <a:spcPts val="500"/>
+              </a:spcBef>
+              <a:buFont typeface="Arial" panose="020B0604020202020204" pitchFamily="34" charset="0"/>
+              <a:buChar char="•"/>
+              <a:defRPr lang="fr-FR" sz="1800" kern="1200">
+                <a:solidFill>
+                  <a:schemeClr val="tx1"/>
+                </a:solidFill>
+                <a:latin typeface="+mn-lt"/>
+                <a:ea typeface="+mn-ea"/>
+                <a:cs typeface="+mn-cs"/>
+              </a:defRPr>
+            </a:lvl8pPr>
+            <a:lvl9pPr marL="3886200" indent="-228600" algn="l" defTabSz="914400" rtl="0" eaLnBrk="1" latinLnBrk="0" hangingPunct="1">
+              <a:lnSpc>
+                <a:spcPct val="90000"/>
+              </a:lnSpc>
+              <a:spcBef>
+                <a:spcPts val="500"/>
+              </a:spcBef>
+              <a:buFont typeface="Arial" panose="020B0604020202020204" pitchFamily="34" charset="0"/>
+              <a:buChar char="•"/>
+              <a:defRPr lang="fr-FR" sz="1800" kern="1200">
+                <a:solidFill>
+                  <a:schemeClr val="tx1"/>
+                </a:solidFill>
+                <a:latin typeface="+mn-lt"/>
+                <a:ea typeface="+mn-ea"/>
+                <a:cs typeface="+mn-cs"/>
+              </a:defRPr>
+            </a:lvl9pPr>
+          </a:lstStyle>
+          <a:p>
+            <a:pPr algn="ctr"/>
+            <a:r>
+              <a:rPr lang="fr-FR" sz="2000" dirty="0">
+                <a:solidFill>
+                  <a:srgbClr val="C00000"/>
+                </a:solidFill>
+              </a:rPr>
+              <a:t>Template</a:t>
             </a:r>
           </a:p>
         </p:txBody>
@@ -18702,13 +27227,756 @@
     </p:spTree>
     <p:extLst>
       <p:ext uri="{BB962C8B-B14F-4D97-AF65-F5344CB8AC3E}">
-        <p14:creationId xmlns:p14="http://schemas.microsoft.com/office/powerpoint/2010/main" val="1973173046"/>
+        <p14:creationId xmlns:p14="http://schemas.microsoft.com/office/powerpoint/2010/main" val="728248308"/>
       </p:ext>
     </p:extLst>
   </p:cSld>
   <p:clrMapOvr>
     <a:masterClrMapping/>
   </p:clrMapOvr>
+</p:sld>
+</file>
+
+<file path=ppt/slides/slide9.xml><?xml version="1.0" encoding="utf-8"?>
+<p:sld xmlns:a="http://schemas.openxmlformats.org/drawingml/2006/main" xmlns:r="http://schemas.openxmlformats.org/officeDocument/2006/relationships" xmlns:p="http://schemas.openxmlformats.org/presentationml/2006/main">
+  <p:cSld>
+    <p:spTree>
+      <p:nvGrpSpPr>
+        <p:cNvPr id="1" name=""/>
+        <p:cNvGrpSpPr/>
+        <p:nvPr/>
+      </p:nvGrpSpPr>
+      <p:grpSpPr>
+        <a:xfrm>
+          <a:off x="0" y="0"/>
+          <a:ext cx="0" cy="0"/>
+          <a:chOff x="0" y="0"/>
+          <a:chExt cx="0" cy="0"/>
+        </a:xfrm>
+      </p:grpSpPr>
+      <p:sp>
+        <p:nvSpPr>
+          <p:cNvPr id="5" name="Titre 4">
+            <a:extLst>
+              <a:ext uri="{FF2B5EF4-FFF2-40B4-BE49-F238E27FC236}">
+                <a16:creationId xmlns:a16="http://schemas.microsoft.com/office/drawing/2014/main" id="{2136FCF6-982C-CC37-9625-3EBFC7E7DD13}"/>
+              </a:ext>
+            </a:extLst>
+          </p:cNvPr>
+          <p:cNvSpPr>
+            <a:spLocks noGrp="1"/>
+          </p:cNvSpPr>
+          <p:nvPr>
+            <p:ph type="title"/>
+          </p:nvPr>
+        </p:nvSpPr>
+        <p:spPr>
+          <a:xfrm>
+            <a:off x="1750141" y="607429"/>
+            <a:ext cx="9599325" cy="980844"/>
+          </a:xfrm>
+        </p:spPr>
+        <p:txBody>
+          <a:bodyPr rtlCol="0"/>
+          <a:lstStyle>
+            <a:defPPr>
+              <a:defRPr lang="fr-FR"/>
+            </a:defPPr>
+          </a:lstStyle>
+          <a:p>
+            <a:pPr rtl="0"/>
+            <a:r>
+              <a:rPr lang="fr-FR" dirty="0"/>
+              <a:t>signal dans un service</a:t>
+            </a:r>
+          </a:p>
+        </p:txBody>
+      </p:sp>
+      <p:sp>
+        <p:nvSpPr>
+          <p:cNvPr id="2" name="Espace réservé du numéro de diapositive 1">
+            <a:extLst>
+              <a:ext uri="{FF2B5EF4-FFF2-40B4-BE49-F238E27FC236}">
+                <a16:creationId xmlns:a16="http://schemas.microsoft.com/office/drawing/2014/main" id="{A913EEC9-16E3-6C86-97D0-A7EC7EA09CDA}"/>
+              </a:ext>
+            </a:extLst>
+          </p:cNvPr>
+          <p:cNvSpPr>
+            <a:spLocks noGrp="1"/>
+          </p:cNvSpPr>
+          <p:nvPr>
+            <p:ph type="sldNum" sz="quarter" idx="10"/>
+          </p:nvPr>
+        </p:nvSpPr>
+        <p:spPr>
+          <a:xfrm>
+            <a:off x="10358437" y="457199"/>
+            <a:ext cx="1067589" cy="471489"/>
+          </a:xfrm>
+        </p:spPr>
+        <p:txBody>
+          <a:bodyPr rtlCol="0"/>
+          <a:lstStyle>
+            <a:defPPr>
+              <a:defRPr lang="fr-FR"/>
+            </a:defPPr>
+          </a:lstStyle>
+          <a:p>
+            <a:pPr rtl="0"/>
+            <a:fld id="{48F63A3B-78C7-47BE-AE5E-E10140E04643}" type="slidenum">
+              <a:rPr lang="fr-FR" smtClean="0"/>
+              <a:pPr rtl="0"/>
+              <a:t>9</a:t>
+            </a:fld>
+            <a:endParaRPr lang="fr-FR" dirty="0"/>
+          </a:p>
+        </p:txBody>
+      </p:sp>
+      <p:sp>
+        <p:nvSpPr>
+          <p:cNvPr id="8" name="Espace réservé du texte 7">
+            <a:extLst>
+              <a:ext uri="{FF2B5EF4-FFF2-40B4-BE49-F238E27FC236}">
+                <a16:creationId xmlns:a16="http://schemas.microsoft.com/office/drawing/2014/main" id="{9836654E-34BC-0D87-64C4-E6BD9E762813}"/>
+              </a:ext>
+            </a:extLst>
+          </p:cNvPr>
+          <p:cNvSpPr>
+            <a:spLocks noGrp="1"/>
+          </p:cNvSpPr>
+          <p:nvPr>
+            <p:ph type="body" sz="quarter" idx="13"/>
+          </p:nvPr>
+        </p:nvSpPr>
+        <p:spPr>
+          <a:xfrm>
+            <a:off x="1356852" y="1882850"/>
+            <a:ext cx="10717161" cy="1546150"/>
+          </a:xfrm>
+        </p:spPr>
+        <p:txBody>
+          <a:bodyPr/>
+          <a:lstStyle/>
+          <a:p>
+            <a:pPr marL="342900" indent="-342900">
+              <a:buFont typeface="Wingdings" panose="05000000000000000000" pitchFamily="2" charset="2"/>
+              <a:buChar char="Ø"/>
+            </a:pPr>
+            <a:r>
+              <a:rPr lang="fr-FR" sz="2000" dirty="0"/>
+              <a:t>Les signaux sont utiles pour stocker les états de l’application</a:t>
+            </a:r>
+          </a:p>
+          <a:p>
+            <a:pPr marL="342900" indent="-342900">
+              <a:buFont typeface="Wingdings" panose="05000000000000000000" pitchFamily="2" charset="2"/>
+              <a:buChar char="Ø"/>
+            </a:pPr>
+            <a:r>
+              <a:rPr lang="fr-FR" sz="2000" dirty="0"/>
+              <a:t>Il est souvent utile de les stocker dans des services</a:t>
+            </a:r>
+          </a:p>
+          <a:p>
+            <a:pPr marL="342900" indent="-342900">
+              <a:buFont typeface="Wingdings" panose="05000000000000000000" pitchFamily="2" charset="2"/>
+              <a:buChar char="Ø"/>
+            </a:pPr>
+            <a:r>
+              <a:rPr lang="fr-FR" sz="2000" dirty="0"/>
+              <a:t>Il est très simple de les appeler dans un composant :</a:t>
+            </a:r>
+          </a:p>
+        </p:txBody>
+      </p:sp>
+      <p:pic>
+        <p:nvPicPr>
+          <p:cNvPr id="6" name="Image 5">
+            <a:extLst>
+              <a:ext uri="{FF2B5EF4-FFF2-40B4-BE49-F238E27FC236}">
+                <a16:creationId xmlns:a16="http://schemas.microsoft.com/office/drawing/2014/main" id="{B8262B59-5DBF-E797-9F9C-C17219AE71A6}"/>
+              </a:ext>
+            </a:extLst>
+          </p:cNvPr>
+          <p:cNvPicPr>
+            <a:picLocks noChangeAspect="1"/>
+          </p:cNvPicPr>
+          <p:nvPr/>
+        </p:nvPicPr>
+        <p:blipFill>
+          <a:blip r:embed="rId3"/>
+          <a:stretch>
+            <a:fillRect/>
+          </a:stretch>
+        </p:blipFill>
+        <p:spPr>
+          <a:xfrm>
+            <a:off x="68825" y="3315121"/>
+            <a:ext cx="12005188" cy="640421"/>
+          </a:xfrm>
+          <a:prstGeom prst="rect">
+            <a:avLst/>
+          </a:prstGeom>
+        </p:spPr>
+      </p:pic>
+      <p:cxnSp>
+        <p:nvCxnSpPr>
+          <p:cNvPr id="7" name="Connecteur droit avec flèche 6">
+            <a:extLst>
+              <a:ext uri="{FF2B5EF4-FFF2-40B4-BE49-F238E27FC236}">
+                <a16:creationId xmlns:a16="http://schemas.microsoft.com/office/drawing/2014/main" id="{632B8695-8FBA-0146-839A-3158A27124F4}"/>
+              </a:ext>
+            </a:extLst>
+          </p:cNvPr>
+          <p:cNvCxnSpPr/>
+          <p:nvPr/>
+        </p:nvCxnSpPr>
+        <p:spPr>
+          <a:xfrm flipV="1">
+            <a:off x="9488129" y="3915917"/>
+            <a:ext cx="658761" cy="941220"/>
+          </a:xfrm>
+          <a:prstGeom prst="straightConnector1">
+            <a:avLst/>
+          </a:prstGeom>
+          <a:ln w="38100">
+            <a:solidFill>
+              <a:srgbClr val="C00000"/>
+            </a:solidFill>
+            <a:tailEnd type="triangle"/>
+          </a:ln>
+        </p:spPr>
+        <p:style>
+          <a:lnRef idx="1">
+            <a:schemeClr val="accent1"/>
+          </a:lnRef>
+          <a:fillRef idx="0">
+            <a:schemeClr val="accent1"/>
+          </a:fillRef>
+          <a:effectRef idx="0">
+            <a:schemeClr val="accent1"/>
+          </a:effectRef>
+          <a:fontRef idx="minor">
+            <a:schemeClr val="tx1"/>
+          </a:fontRef>
+        </p:style>
+      </p:cxnSp>
+      <p:sp>
+        <p:nvSpPr>
+          <p:cNvPr id="10" name="Espace réservé du texte 7">
+            <a:extLst>
+              <a:ext uri="{FF2B5EF4-FFF2-40B4-BE49-F238E27FC236}">
+                <a16:creationId xmlns:a16="http://schemas.microsoft.com/office/drawing/2014/main" id="{1F5D4398-9313-089B-BF78-89B899E5BFEB}"/>
+              </a:ext>
+            </a:extLst>
+          </p:cNvPr>
+          <p:cNvSpPr txBox="1">
+            <a:spLocks/>
+          </p:cNvSpPr>
+          <p:nvPr/>
+        </p:nvSpPr>
+        <p:spPr>
+          <a:xfrm>
+            <a:off x="1818968" y="4943560"/>
+            <a:ext cx="7875639" cy="480068"/>
+          </a:xfrm>
+          <a:prstGeom prst="rect">
+            <a:avLst/>
+          </a:prstGeom>
+        </p:spPr>
+        <p:txBody>
+          <a:bodyPr vert="horz" lIns="91440" tIns="0" rIns="91440" bIns="0" rtlCol="0" anchor="t" anchorCtr="0">
+            <a:noAutofit/>
+          </a:bodyPr>
+          <a:lstStyle>
+            <a:defPPr>
+              <a:defRPr lang="fr-FR"/>
+            </a:defPPr>
+            <a:lvl1pPr marL="0" indent="0" algn="l" defTabSz="914400" rtl="0" eaLnBrk="1" latinLnBrk="0" hangingPunct="1">
+              <a:lnSpc>
+                <a:spcPct val="100000"/>
+              </a:lnSpc>
+              <a:spcBef>
+                <a:spcPts val="0"/>
+              </a:spcBef>
+              <a:spcAft>
+                <a:spcPts val="1200"/>
+              </a:spcAft>
+              <a:buFont typeface="Arial" panose="020B0604020202020204" pitchFamily="34" charset="0"/>
+              <a:buNone/>
+              <a:defRPr lang="fr-FR" sz="1800" kern="1200">
+                <a:solidFill>
+                  <a:schemeClr val="accent6"/>
+                </a:solidFill>
+                <a:latin typeface="+mn-lt"/>
+                <a:ea typeface="+mn-ea"/>
+                <a:cs typeface="+mn-cs"/>
+              </a:defRPr>
+            </a:lvl1pPr>
+            <a:lvl2pPr marL="685800" indent="-347472" algn="l" defTabSz="914400" rtl="0" eaLnBrk="1" latinLnBrk="0" hangingPunct="1">
+              <a:lnSpc>
+                <a:spcPct val="100000"/>
+              </a:lnSpc>
+              <a:spcBef>
+                <a:spcPts val="360"/>
+              </a:spcBef>
+              <a:buFont typeface="Arial" panose="020B0604020202020204" pitchFamily="34" charset="0"/>
+              <a:buChar char="•"/>
+              <a:defRPr lang="fr-FR" sz="2400" kern="1200">
+                <a:solidFill>
+                  <a:schemeClr val="accent6"/>
+                </a:solidFill>
+                <a:latin typeface="+mn-lt"/>
+                <a:ea typeface="+mn-ea"/>
+                <a:cs typeface="+mn-cs"/>
+              </a:defRPr>
+            </a:lvl2pPr>
+            <a:lvl3pPr marL="1143000" indent="-347472" algn="l" defTabSz="914400" rtl="0" eaLnBrk="1" latinLnBrk="0" hangingPunct="1">
+              <a:lnSpc>
+                <a:spcPct val="100000"/>
+              </a:lnSpc>
+              <a:spcBef>
+                <a:spcPts val="360"/>
+              </a:spcBef>
+              <a:buFont typeface="Arial" panose="020B0604020202020204" pitchFamily="34" charset="0"/>
+              <a:buChar char="•"/>
+              <a:defRPr lang="fr-FR" sz="2000" kern="1200">
+                <a:solidFill>
+                  <a:schemeClr val="accent6"/>
+                </a:solidFill>
+                <a:latin typeface="+mn-lt"/>
+                <a:ea typeface="+mn-ea"/>
+                <a:cs typeface="+mn-cs"/>
+              </a:defRPr>
+            </a:lvl3pPr>
+            <a:lvl4pPr marL="1600200" indent="-347472" algn="l" defTabSz="914400" rtl="0" eaLnBrk="1" latinLnBrk="0" hangingPunct="1">
+              <a:lnSpc>
+                <a:spcPct val="100000"/>
+              </a:lnSpc>
+              <a:spcBef>
+                <a:spcPts val="360"/>
+              </a:spcBef>
+              <a:buFont typeface="Arial" panose="020B0604020202020204" pitchFamily="34" charset="0"/>
+              <a:buChar char="•"/>
+              <a:defRPr lang="fr-FR" sz="1800" kern="1200">
+                <a:solidFill>
+                  <a:schemeClr val="accent6"/>
+                </a:solidFill>
+                <a:latin typeface="+mn-lt"/>
+                <a:ea typeface="+mn-ea"/>
+                <a:cs typeface="+mn-cs"/>
+              </a:defRPr>
+            </a:lvl4pPr>
+            <a:lvl5pPr marL="2057400" indent="-347472" algn="l" defTabSz="914400" rtl="0" eaLnBrk="1" latinLnBrk="0" hangingPunct="1">
+              <a:lnSpc>
+                <a:spcPct val="100000"/>
+              </a:lnSpc>
+              <a:spcBef>
+                <a:spcPts val="360"/>
+              </a:spcBef>
+              <a:buFont typeface="Arial" panose="020B0604020202020204" pitchFamily="34" charset="0"/>
+              <a:buChar char="•"/>
+              <a:defRPr lang="fr-FR" sz="1800" kern="1200">
+                <a:solidFill>
+                  <a:schemeClr val="accent6"/>
+                </a:solidFill>
+                <a:latin typeface="+mn-lt"/>
+                <a:ea typeface="+mn-ea"/>
+                <a:cs typeface="+mn-cs"/>
+              </a:defRPr>
+            </a:lvl5pPr>
+            <a:lvl6pPr marL="2514600" indent="-228600" algn="l" defTabSz="914400" rtl="0" eaLnBrk="1" latinLnBrk="0" hangingPunct="1">
+              <a:lnSpc>
+                <a:spcPct val="90000"/>
+              </a:lnSpc>
+              <a:spcBef>
+                <a:spcPts val="500"/>
+              </a:spcBef>
+              <a:buFont typeface="Arial" panose="020B0604020202020204" pitchFamily="34" charset="0"/>
+              <a:buChar char="•"/>
+              <a:defRPr lang="fr-FR" sz="1800" kern="1200">
+                <a:solidFill>
+                  <a:schemeClr val="tx1"/>
+                </a:solidFill>
+                <a:latin typeface="+mn-lt"/>
+                <a:ea typeface="+mn-ea"/>
+                <a:cs typeface="+mn-cs"/>
+              </a:defRPr>
+            </a:lvl6pPr>
+            <a:lvl7pPr marL="2971800" indent="-228600" algn="l" defTabSz="914400" rtl="0" eaLnBrk="1" latinLnBrk="0" hangingPunct="1">
+              <a:lnSpc>
+                <a:spcPct val="90000"/>
+              </a:lnSpc>
+              <a:spcBef>
+                <a:spcPts val="500"/>
+              </a:spcBef>
+              <a:buFont typeface="Arial" panose="020B0604020202020204" pitchFamily="34" charset="0"/>
+              <a:buChar char="•"/>
+              <a:defRPr lang="fr-FR" sz="1800" kern="1200">
+                <a:solidFill>
+                  <a:schemeClr val="tx1"/>
+                </a:solidFill>
+                <a:latin typeface="+mn-lt"/>
+                <a:ea typeface="+mn-ea"/>
+                <a:cs typeface="+mn-cs"/>
+              </a:defRPr>
+            </a:lvl7pPr>
+            <a:lvl8pPr marL="3429000" indent="-228600" algn="l" defTabSz="914400" rtl="0" eaLnBrk="1" latinLnBrk="0" hangingPunct="1">
+              <a:lnSpc>
+                <a:spcPct val="90000"/>
+              </a:lnSpc>
+              <a:spcBef>
+                <a:spcPts val="500"/>
+              </a:spcBef>
+              <a:buFont typeface="Arial" panose="020B0604020202020204" pitchFamily="34" charset="0"/>
+              <a:buChar char="•"/>
+              <a:defRPr lang="fr-FR" sz="1800" kern="1200">
+                <a:solidFill>
+                  <a:schemeClr val="tx1"/>
+                </a:solidFill>
+                <a:latin typeface="+mn-lt"/>
+                <a:ea typeface="+mn-ea"/>
+                <a:cs typeface="+mn-cs"/>
+              </a:defRPr>
+            </a:lvl8pPr>
+            <a:lvl9pPr marL="3886200" indent="-228600" algn="l" defTabSz="914400" rtl="0" eaLnBrk="1" latinLnBrk="0" hangingPunct="1">
+              <a:lnSpc>
+                <a:spcPct val="90000"/>
+              </a:lnSpc>
+              <a:spcBef>
+                <a:spcPts val="500"/>
+              </a:spcBef>
+              <a:buFont typeface="Arial" panose="020B0604020202020204" pitchFamily="34" charset="0"/>
+              <a:buChar char="•"/>
+              <a:defRPr lang="fr-FR" sz="1800" kern="1200">
+                <a:solidFill>
+                  <a:schemeClr val="tx1"/>
+                </a:solidFill>
+                <a:latin typeface="+mn-lt"/>
+                <a:ea typeface="+mn-ea"/>
+                <a:cs typeface="+mn-cs"/>
+              </a:defRPr>
+            </a:lvl9pPr>
+          </a:lstStyle>
+          <a:p>
+            <a:pPr algn="ctr"/>
+            <a:r>
+              <a:rPr lang="fr-FR" sz="2000" b="1" dirty="0">
+                <a:solidFill>
+                  <a:srgbClr val="C00000"/>
+                </a:solidFill>
+              </a:rPr>
+              <a:t>Pas de parenthèses () pour bien récupérer le signal et non sa valeur</a:t>
+            </a:r>
+          </a:p>
+        </p:txBody>
+      </p:sp>
+      <p:sp>
+        <p:nvSpPr>
+          <p:cNvPr id="11" name="Espace réservé du texte 7">
+            <a:extLst>
+              <a:ext uri="{FF2B5EF4-FFF2-40B4-BE49-F238E27FC236}">
+                <a16:creationId xmlns:a16="http://schemas.microsoft.com/office/drawing/2014/main" id="{AF107785-164C-12E5-482E-01FDEE0CFD46}"/>
+              </a:ext>
+            </a:extLst>
+          </p:cNvPr>
+          <p:cNvSpPr txBox="1">
+            <a:spLocks/>
+          </p:cNvSpPr>
+          <p:nvPr/>
+        </p:nvSpPr>
+        <p:spPr>
+          <a:xfrm>
+            <a:off x="835738" y="5624156"/>
+            <a:ext cx="10579509" cy="941219"/>
+          </a:xfrm>
+          <a:prstGeom prst="rect">
+            <a:avLst/>
+          </a:prstGeom>
+        </p:spPr>
+        <p:txBody>
+          <a:bodyPr vert="horz" lIns="91440" tIns="0" rIns="91440" bIns="0" rtlCol="0" anchor="t" anchorCtr="0">
+            <a:noAutofit/>
+          </a:bodyPr>
+          <a:lstStyle>
+            <a:defPPr>
+              <a:defRPr lang="fr-FR"/>
+            </a:defPPr>
+            <a:lvl1pPr marL="0" indent="0" algn="l" defTabSz="914400" rtl="0" eaLnBrk="1" latinLnBrk="0" hangingPunct="1">
+              <a:lnSpc>
+                <a:spcPct val="100000"/>
+              </a:lnSpc>
+              <a:spcBef>
+                <a:spcPts val="0"/>
+              </a:spcBef>
+              <a:spcAft>
+                <a:spcPts val="1200"/>
+              </a:spcAft>
+              <a:buFont typeface="Arial" panose="020B0604020202020204" pitchFamily="34" charset="0"/>
+              <a:buNone/>
+              <a:defRPr lang="fr-FR" sz="1800" kern="1200">
+                <a:solidFill>
+                  <a:schemeClr val="accent6"/>
+                </a:solidFill>
+                <a:latin typeface="+mn-lt"/>
+                <a:ea typeface="+mn-ea"/>
+                <a:cs typeface="+mn-cs"/>
+              </a:defRPr>
+            </a:lvl1pPr>
+            <a:lvl2pPr marL="685800" indent="-347472" algn="l" defTabSz="914400" rtl="0" eaLnBrk="1" latinLnBrk="0" hangingPunct="1">
+              <a:lnSpc>
+                <a:spcPct val="100000"/>
+              </a:lnSpc>
+              <a:spcBef>
+                <a:spcPts val="360"/>
+              </a:spcBef>
+              <a:buFont typeface="Arial" panose="020B0604020202020204" pitchFamily="34" charset="0"/>
+              <a:buChar char="•"/>
+              <a:defRPr lang="fr-FR" sz="2400" kern="1200">
+                <a:solidFill>
+                  <a:schemeClr val="accent6"/>
+                </a:solidFill>
+                <a:latin typeface="+mn-lt"/>
+                <a:ea typeface="+mn-ea"/>
+                <a:cs typeface="+mn-cs"/>
+              </a:defRPr>
+            </a:lvl2pPr>
+            <a:lvl3pPr marL="1143000" indent="-347472" algn="l" defTabSz="914400" rtl="0" eaLnBrk="1" latinLnBrk="0" hangingPunct="1">
+              <a:lnSpc>
+                <a:spcPct val="100000"/>
+              </a:lnSpc>
+              <a:spcBef>
+                <a:spcPts val="360"/>
+              </a:spcBef>
+              <a:buFont typeface="Arial" panose="020B0604020202020204" pitchFamily="34" charset="0"/>
+              <a:buChar char="•"/>
+              <a:defRPr lang="fr-FR" sz="2000" kern="1200">
+                <a:solidFill>
+                  <a:schemeClr val="accent6"/>
+                </a:solidFill>
+                <a:latin typeface="+mn-lt"/>
+                <a:ea typeface="+mn-ea"/>
+                <a:cs typeface="+mn-cs"/>
+              </a:defRPr>
+            </a:lvl3pPr>
+            <a:lvl4pPr marL="1600200" indent="-347472" algn="l" defTabSz="914400" rtl="0" eaLnBrk="1" latinLnBrk="0" hangingPunct="1">
+              <a:lnSpc>
+                <a:spcPct val="100000"/>
+              </a:lnSpc>
+              <a:spcBef>
+                <a:spcPts val="360"/>
+              </a:spcBef>
+              <a:buFont typeface="Arial" panose="020B0604020202020204" pitchFamily="34" charset="0"/>
+              <a:buChar char="•"/>
+              <a:defRPr lang="fr-FR" sz="1800" kern="1200">
+                <a:solidFill>
+                  <a:schemeClr val="accent6"/>
+                </a:solidFill>
+                <a:latin typeface="+mn-lt"/>
+                <a:ea typeface="+mn-ea"/>
+                <a:cs typeface="+mn-cs"/>
+              </a:defRPr>
+            </a:lvl4pPr>
+            <a:lvl5pPr marL="2057400" indent="-347472" algn="l" defTabSz="914400" rtl="0" eaLnBrk="1" latinLnBrk="0" hangingPunct="1">
+              <a:lnSpc>
+                <a:spcPct val="100000"/>
+              </a:lnSpc>
+              <a:spcBef>
+                <a:spcPts val="360"/>
+              </a:spcBef>
+              <a:buFont typeface="Arial" panose="020B0604020202020204" pitchFamily="34" charset="0"/>
+              <a:buChar char="•"/>
+              <a:defRPr lang="fr-FR" sz="1800" kern="1200">
+                <a:solidFill>
+                  <a:schemeClr val="accent6"/>
+                </a:solidFill>
+                <a:latin typeface="+mn-lt"/>
+                <a:ea typeface="+mn-ea"/>
+                <a:cs typeface="+mn-cs"/>
+              </a:defRPr>
+            </a:lvl5pPr>
+            <a:lvl6pPr marL="2514600" indent="-228600" algn="l" defTabSz="914400" rtl="0" eaLnBrk="1" latinLnBrk="0" hangingPunct="1">
+              <a:lnSpc>
+                <a:spcPct val="90000"/>
+              </a:lnSpc>
+              <a:spcBef>
+                <a:spcPts val="500"/>
+              </a:spcBef>
+              <a:buFont typeface="Arial" panose="020B0604020202020204" pitchFamily="34" charset="0"/>
+              <a:buChar char="•"/>
+              <a:defRPr lang="fr-FR" sz="1800" kern="1200">
+                <a:solidFill>
+                  <a:schemeClr val="tx1"/>
+                </a:solidFill>
+                <a:latin typeface="+mn-lt"/>
+                <a:ea typeface="+mn-ea"/>
+                <a:cs typeface="+mn-cs"/>
+              </a:defRPr>
+            </a:lvl6pPr>
+            <a:lvl7pPr marL="2971800" indent="-228600" algn="l" defTabSz="914400" rtl="0" eaLnBrk="1" latinLnBrk="0" hangingPunct="1">
+              <a:lnSpc>
+                <a:spcPct val="90000"/>
+              </a:lnSpc>
+              <a:spcBef>
+                <a:spcPts val="500"/>
+              </a:spcBef>
+              <a:buFont typeface="Arial" panose="020B0604020202020204" pitchFamily="34" charset="0"/>
+              <a:buChar char="•"/>
+              <a:defRPr lang="fr-FR" sz="1800" kern="1200">
+                <a:solidFill>
+                  <a:schemeClr val="tx1"/>
+                </a:solidFill>
+                <a:latin typeface="+mn-lt"/>
+                <a:ea typeface="+mn-ea"/>
+                <a:cs typeface="+mn-cs"/>
+              </a:defRPr>
+            </a:lvl7pPr>
+            <a:lvl8pPr marL="3429000" indent="-228600" algn="l" defTabSz="914400" rtl="0" eaLnBrk="1" latinLnBrk="0" hangingPunct="1">
+              <a:lnSpc>
+                <a:spcPct val="90000"/>
+              </a:lnSpc>
+              <a:spcBef>
+                <a:spcPts val="500"/>
+              </a:spcBef>
+              <a:buFont typeface="Arial" panose="020B0604020202020204" pitchFamily="34" charset="0"/>
+              <a:buChar char="•"/>
+              <a:defRPr lang="fr-FR" sz="1800" kern="1200">
+                <a:solidFill>
+                  <a:schemeClr val="tx1"/>
+                </a:solidFill>
+                <a:latin typeface="+mn-lt"/>
+                <a:ea typeface="+mn-ea"/>
+                <a:cs typeface="+mn-cs"/>
+              </a:defRPr>
+            </a:lvl8pPr>
+            <a:lvl9pPr marL="3886200" indent="-228600" algn="l" defTabSz="914400" rtl="0" eaLnBrk="1" latinLnBrk="0" hangingPunct="1">
+              <a:lnSpc>
+                <a:spcPct val="90000"/>
+              </a:lnSpc>
+              <a:spcBef>
+                <a:spcPts val="500"/>
+              </a:spcBef>
+              <a:buFont typeface="Arial" panose="020B0604020202020204" pitchFamily="34" charset="0"/>
+              <a:buChar char="•"/>
+              <a:defRPr lang="fr-FR" sz="1800" kern="1200">
+                <a:solidFill>
+                  <a:schemeClr val="tx1"/>
+                </a:solidFill>
+                <a:latin typeface="+mn-lt"/>
+                <a:ea typeface="+mn-ea"/>
+                <a:cs typeface="+mn-cs"/>
+              </a:defRPr>
+            </a:lvl9pPr>
+          </a:lstStyle>
+          <a:p>
+            <a:pPr algn="just"/>
+            <a:r>
+              <a:rPr lang="fr-FR" sz="2000" dirty="0">
+                <a:solidFill>
+                  <a:srgbClr val="202C8F"/>
+                </a:solidFill>
+              </a:rPr>
+              <a:t>Récupérer la valeur du signal plutôt que le signal lui-même est possible mais la valeur de « modifiableAppartment2 » ne sera pas automatiquement mise à jour lors des changement de valeur du signal.</a:t>
+            </a:r>
+          </a:p>
+        </p:txBody>
+      </p:sp>
+    </p:spTree>
+    <p:extLst>
+      <p:ext uri="{BB962C8B-B14F-4D97-AF65-F5344CB8AC3E}">
+        <p14:creationId xmlns:p14="http://schemas.microsoft.com/office/powerpoint/2010/main" val="805506917"/>
+      </p:ext>
+    </p:extLst>
+  </p:cSld>
+  <p:clrMapOvr>
+    <a:masterClrMapping/>
+  </p:clrMapOvr>
+  <p:timing>
+    <p:tnLst>
+      <p:par>
+        <p:cTn id="1" dur="indefinite" restart="never" nodeType="tmRoot">
+          <p:childTnLst>
+            <p:seq concurrent="1" nextAc="seek">
+              <p:cTn id="2" dur="indefinite" nodeType="mainSeq">
+                <p:childTnLst>
+                  <p:par>
+                    <p:cTn id="3" fill="hold">
+                      <p:stCondLst>
+                        <p:cond delay="indefinite"/>
+                      </p:stCondLst>
+                      <p:childTnLst>
+                        <p:par>
+                          <p:cTn id="4" fill="hold">
+                            <p:stCondLst>
+                              <p:cond delay="0"/>
+                            </p:stCondLst>
+                            <p:childTnLst>
+                              <p:par>
+                                <p:cTn id="5" presetID="10" presetClass="entr" presetSubtype="0" fill="hold" grpId="0" nodeType="clickEffect">
+                                  <p:stCondLst>
+                                    <p:cond delay="0"/>
+                                  </p:stCondLst>
+                                  <p:childTnLst>
+                                    <p:set>
+                                      <p:cBhvr>
+                                        <p:cTn id="6" dur="1" fill="hold">
+                                          <p:stCondLst>
+                                            <p:cond delay="0"/>
+                                          </p:stCondLst>
+                                        </p:cTn>
+                                        <p:tgtEl>
+                                          <p:spTgt spid="11"/>
+                                        </p:tgtEl>
+                                        <p:attrNameLst>
+                                          <p:attrName>style.visibility</p:attrName>
+                                        </p:attrNameLst>
+                                      </p:cBhvr>
+                                      <p:to>
+                                        <p:strVal val="visible"/>
+                                      </p:to>
+                                    </p:set>
+                                    <p:animEffect transition="in" filter="fade">
+                                      <p:cBhvr>
+                                        <p:cTn id="7" dur="500"/>
+                                        <p:tgtEl>
+                                          <p:spTgt spid="11"/>
+                                        </p:tgtEl>
+                                      </p:cBhvr>
+                                    </p:animEffect>
+                                  </p:childTnLst>
+                                </p:cTn>
+                              </p:par>
+                            </p:childTnLst>
+                          </p:cTn>
+                        </p:par>
+                      </p:childTnLst>
+                    </p:cTn>
+                  </p:par>
+                </p:childTnLst>
+              </p:cTn>
+              <p:prevCondLst>
+                <p:cond evt="onPrev" delay="0">
+                  <p:tgtEl>
+                    <p:sldTgt/>
+                  </p:tgtEl>
+                </p:cond>
+              </p:prevCondLst>
+              <p:nextCondLst>
+                <p:cond evt="onNext" delay="0">
+                  <p:tgtEl>
+                    <p:sldTgt/>
+                  </p:tgtEl>
+                </p:cond>
+              </p:nextCondLst>
+            </p:seq>
+          </p:childTnLst>
+        </p:cTn>
+      </p:par>
+    </p:tnLst>
+    <p:bldLst>
+      <p:bldP spid="11" grpId="0"/>
+    </p:bldLst>
+  </p:timing>
 </p:sld>
 </file>
 
@@ -19513,6 +28781,26 @@
 </file>
 
 <file path=customXml/item2.xml><?xml version="1.0" encoding="utf-8"?>
+<p:properties xmlns:p="http://schemas.microsoft.com/office/2006/metadata/properties" xmlns:xsi="http://www.w3.org/2001/XMLSchema-instance" xmlns:pc="http://schemas.microsoft.com/office/infopath/2007/PartnerControls">
+  <documentManagement>
+    <_ip_UnifiedCompliancePolicyUIAction xmlns="http://schemas.microsoft.com/sharepoint/v3" xsi:nil="true"/>
+    <Image xmlns="71af3243-3dd4-4a8d-8c0d-dd76da1f02a5">
+      <Url xsi:nil="true"/>
+      <Description xsi:nil="true"/>
+    </Image>
+    <Status xmlns="71af3243-3dd4-4a8d-8c0d-dd76da1f02a5">Not started</Status>
+    <Background xmlns="71af3243-3dd4-4a8d-8c0d-dd76da1f02a5">false</Background>
+    <_ip_UnifiedCompliancePolicyProperties xmlns="http://schemas.microsoft.com/sharepoint/v3" xsi:nil="true"/>
+    <ImageTagsTaxHTField xmlns="71af3243-3dd4-4a8d-8c0d-dd76da1f02a5">
+      <Terms xmlns="http://schemas.microsoft.com/office/infopath/2007/PartnerControls"/>
+    </ImageTagsTaxHTField>
+    <TaxCatchAll xmlns="230e9df3-be65-4c73-a93b-d1236ebd677e" xsi:nil="true"/>
+    <MediaServiceKeyPoints xmlns="71af3243-3dd4-4a8d-8c0d-dd76da1f02a5" xsi:nil="true"/>
+  </documentManagement>
+</p:properties>
+</file>
+
+<file path=customXml/item3.xml><?xml version="1.0" encoding="utf-8"?>
 <ct:contentTypeSchema xmlns:ct="http://schemas.microsoft.com/office/2006/metadata/contentType" xmlns:ma="http://schemas.microsoft.com/office/2006/metadata/properties/metaAttributes" ct:_="" ma:_="" ma:contentTypeName="Document" ma:contentTypeID="0x01010079F111ED35F8CC479449609E8A0923A6" ma:contentTypeVersion="28" ma:contentTypeDescription="Create a new document." ma:contentTypeScope="" ma:versionID="60f5a4f2d2b0abadcf532d48ebf9cb71">
   <xsd:schema xmlns:xsd="http://www.w3.org/2001/XMLSchema" xmlns:xs="http://www.w3.org/2001/XMLSchema" xmlns:p="http://schemas.microsoft.com/office/2006/metadata/properties" xmlns:ns1="http://schemas.microsoft.com/sharepoint/v3" xmlns:ns2="71af3243-3dd4-4a8d-8c0d-dd76da1f02a5" xmlns:ns3="16c05727-aa75-4e4a-9b5f-8a80a1165891" xmlns:ns4="230e9df3-be65-4c73-a93b-d1236ebd677e" targetNamespace="http://schemas.microsoft.com/office/2006/metadata/properties" ma:root="true" ma:fieldsID="7dd78129e6a1811f84807ad11c651531" ns1:_="" ns2:_="" ns3:_="" ns4:_="">
     <xsd:import namespace="http://schemas.microsoft.com/sharepoint/v3"/>
@@ -19824,26 +29112,6 @@
 </ct:contentTypeSchema>
 </file>
 
-<file path=customXml/item3.xml><?xml version="1.0" encoding="utf-8"?>
-<p:properties xmlns:p="http://schemas.microsoft.com/office/2006/metadata/properties" xmlns:xsi="http://www.w3.org/2001/XMLSchema-instance" xmlns:pc="http://schemas.microsoft.com/office/infopath/2007/PartnerControls">
-  <documentManagement>
-    <_ip_UnifiedCompliancePolicyUIAction xmlns="http://schemas.microsoft.com/sharepoint/v3" xsi:nil="true"/>
-    <Image xmlns="71af3243-3dd4-4a8d-8c0d-dd76da1f02a5">
-      <Url xsi:nil="true"/>
-      <Description xsi:nil="true"/>
-    </Image>
-    <Status xmlns="71af3243-3dd4-4a8d-8c0d-dd76da1f02a5">Not started</Status>
-    <Background xmlns="71af3243-3dd4-4a8d-8c0d-dd76da1f02a5">false</Background>
-    <_ip_UnifiedCompliancePolicyProperties xmlns="http://schemas.microsoft.com/sharepoint/v3" xsi:nil="true"/>
-    <ImageTagsTaxHTField xmlns="71af3243-3dd4-4a8d-8c0d-dd76da1f02a5">
-      <Terms xmlns="http://schemas.microsoft.com/office/infopath/2007/PartnerControls"/>
-    </ImageTagsTaxHTField>
-    <TaxCatchAll xmlns="230e9df3-be65-4c73-a93b-d1236ebd677e" xsi:nil="true"/>
-    <MediaServiceKeyPoints xmlns="71af3243-3dd4-4a8d-8c0d-dd76da1f02a5" xsi:nil="true"/>
-  </documentManagement>
-</p:properties>
-</file>
-
 <file path=customXml/itemProps1.xml><?xml version="1.0" encoding="utf-8"?>
 <ds:datastoreItem xmlns:ds="http://schemas.openxmlformats.org/officeDocument/2006/customXml" ds:itemID="{16DBB56F-4362-4386-A1A1-3DF898896616}">
   <ds:schemaRefs>
@@ -19853,6 +29121,18 @@
 </file>
 
 <file path=customXml/itemProps2.xml><?xml version="1.0" encoding="utf-8"?>
+<ds:datastoreItem xmlns:ds="http://schemas.openxmlformats.org/officeDocument/2006/customXml" ds:itemID="{BA719FA4-954C-4FA8-82CB-206659C3B826}">
+  <ds:schemaRefs>
+    <ds:schemaRef ds:uri="http://schemas.microsoft.com/office/2006/metadata/properties"/>
+    <ds:schemaRef ds:uri="http://schemas.microsoft.com/office/infopath/2007/PartnerControls"/>
+    <ds:schemaRef ds:uri="http://schemas.microsoft.com/sharepoint/v3"/>
+    <ds:schemaRef ds:uri="71af3243-3dd4-4a8d-8c0d-dd76da1f02a5"/>
+    <ds:schemaRef ds:uri="230e9df3-be65-4c73-a93b-d1236ebd677e"/>
+  </ds:schemaRefs>
+</ds:datastoreItem>
+</file>
+
+<file path=customXml/itemProps3.xml><?xml version="1.0" encoding="utf-8"?>
 <ds:datastoreItem xmlns:ds="http://schemas.openxmlformats.org/officeDocument/2006/customXml" ds:itemID="{04948363-B267-4BAC-8655-100FBEC280C1}">
   <ds:schemaRefs>
     <ds:schemaRef ds:uri="http://schemas.microsoft.com/office/2006/metadata/contentType"/>
@@ -19873,18 +29153,6 @@
 </ds:datastoreItem>
 </file>
 
-<file path=customXml/itemProps3.xml><?xml version="1.0" encoding="utf-8"?>
-<ds:datastoreItem xmlns:ds="http://schemas.openxmlformats.org/officeDocument/2006/customXml" ds:itemID="{BA719FA4-954C-4FA8-82CB-206659C3B826}">
-  <ds:schemaRefs>
-    <ds:schemaRef ds:uri="http://schemas.microsoft.com/office/2006/metadata/properties"/>
-    <ds:schemaRef ds:uri="http://schemas.microsoft.com/office/infopath/2007/PartnerControls"/>
-    <ds:schemaRef ds:uri="http://schemas.microsoft.com/sharepoint/v3"/>
-    <ds:schemaRef ds:uri="71af3243-3dd4-4a8d-8c0d-dd76da1f02a5"/>
-    <ds:schemaRef ds:uri="230e9df3-be65-4c73-a93b-d1236ebd677e"/>
-  </ds:schemaRefs>
-</ds:datastoreItem>
-</file>
-
 <file path=docMetadata/LabelInfo.xml><?xml version="1.0" encoding="utf-8"?>
 <clbl:labelList xmlns:clbl="http://schemas.microsoft.com/office/2020/mipLabelMetadata"/>
 </file>
--- a/Angular signals - présentation.pptx
+++ b/Angular signals - présentation.pptx
@@ -18471,6 +18471,97 @@
               <a:t>signals</a:t>
             </a:r>
             <a:endParaRPr lang="fr-FR" dirty="0"/>
+          </a:p>
+        </p:txBody>
+      </p:sp>
+      <p:sp>
+        <p:nvSpPr>
+          <p:cNvPr id="3" name="ZoneTexte 2">
+            <a:extLst>
+              <a:ext uri="{FF2B5EF4-FFF2-40B4-BE49-F238E27FC236}">
+                <a16:creationId xmlns:a16="http://schemas.microsoft.com/office/drawing/2014/main" id="{4131CBA9-13D8-9789-91AD-3F4F30793DAC}"/>
+              </a:ext>
+            </a:extLst>
+          </p:cNvPr>
+          <p:cNvSpPr txBox="1"/>
+          <p:nvPr/>
+        </p:nvSpPr>
+        <p:spPr>
+          <a:xfrm>
+            <a:off x="3222931" y="3163529"/>
+            <a:ext cx="5746140" cy="881332"/>
+          </a:xfrm>
+          <a:prstGeom prst="rect">
+            <a:avLst/>
+          </a:prstGeom>
+          <a:noFill/>
+        </p:spPr>
+        <p:txBody>
+          <a:bodyPr wrap="square" rtlCol="0">
+            <a:spAutoFit/>
+          </a:bodyPr>
+          <a:lstStyle/>
+          <a:p>
+            <a:pPr algn="ctr">
+              <a:lnSpc>
+                <a:spcPct val="150000"/>
+              </a:lnSpc>
+            </a:pPr>
+            <a:r>
+              <a:rPr lang="fr-FR" dirty="0">
+                <a:solidFill>
+                  <a:srgbClr val="202C8F"/>
+                </a:solidFill>
+              </a:rPr>
+              <a:t>Par Jérôme Desouches</a:t>
+            </a:r>
+          </a:p>
+          <a:p>
+            <a:pPr algn="ctr">
+              <a:lnSpc>
+                <a:spcPct val="150000"/>
+              </a:lnSpc>
+            </a:pPr>
+            <a:r>
+              <a:rPr lang="fr-FR" dirty="0">
+                <a:solidFill>
+                  <a:schemeClr val="accent2"/>
+                </a:solidFill>
+              </a:rPr>
+              <a:t>Wild Code </a:t>
+            </a:r>
+            <a:r>
+              <a:rPr lang="fr-FR" dirty="0" err="1">
+                <a:solidFill>
+                  <a:schemeClr val="accent2"/>
+                </a:solidFill>
+              </a:rPr>
+              <a:t>School</a:t>
+            </a:r>
+            <a:r>
+              <a:rPr lang="fr-FR" dirty="0">
+                <a:solidFill>
+                  <a:schemeClr val="accent2"/>
+                </a:solidFill>
+              </a:rPr>
+              <a:t> - </a:t>
+            </a:r>
+            <a:r>
+              <a:rPr lang="fr-FR" dirty="0" err="1">
+                <a:solidFill>
+                  <a:schemeClr val="accent2"/>
+                </a:solidFill>
+              </a:rPr>
+              <a:t>CDAJava</a:t>
+            </a:r>
+            <a:r>
+              <a:rPr lang="fr-FR" dirty="0">
+                <a:solidFill>
+                  <a:schemeClr val="accent2"/>
+                </a:solidFill>
+              </a:rPr>
+              <a:t> 2024</a:t>
+            </a:r>
           </a:p>
         </p:txBody>
       </p:sp>
@@ -23046,7 +23137,7 @@
         </p:nvSpPr>
         <p:spPr>
           <a:xfrm>
-            <a:off x="1550564" y="1089213"/>
+            <a:off x="1550564" y="676260"/>
             <a:ext cx="10297307" cy="980844"/>
           </a:xfrm>
         </p:spPr>
@@ -23084,8 +23175,8 @@
         </p:nvSpPr>
         <p:spPr>
           <a:xfrm>
-            <a:off x="639097" y="2517053"/>
-            <a:ext cx="10933471" cy="3913239"/>
+            <a:off x="3038171" y="1915950"/>
+            <a:ext cx="6213984" cy="4942050"/>
           </a:xfrm>
         </p:spPr>
         <p:txBody>
@@ -23209,6 +23300,28 @@
               </a:rPr>
               <a:t>Keeping state with a Service using Signals</a:t>
             </a:r>
+            <a:endParaRPr lang="en-US" sz="2000" dirty="0"/>
+          </a:p>
+          <a:p>
+            <a:pPr marL="342900" indent="-342900" rtl="0">
+              <a:lnSpc>
+                <a:spcPct val="150000"/>
+              </a:lnSpc>
+              <a:buFont typeface="Wingdings" panose="05000000000000000000" pitchFamily="2" charset="2"/>
+              <a:buChar char="Ø"/>
+            </a:pPr>
+            <a:r>
+              <a:rPr lang="fr-FR" sz="2000" dirty="0" err="1">
+                <a:hlinkClick r:id="rId8"/>
+              </a:rPr>
+              <a:t>Effects</a:t>
+            </a:r>
+            <a:r>
+              <a:rPr lang="fr-FR" sz="2000" dirty="0">
+                <a:hlinkClick r:id="rId8"/>
+              </a:rPr>
+              <a:t> - attention à cette règle</a:t>
+            </a:r>
             <a:endParaRPr lang="fr-FR" sz="2000" dirty="0"/>
           </a:p>
           <a:p>
@@ -23221,23 +23334,82 @@
             </a:pPr>
             <a:r>
               <a:rPr lang="fr-FR" sz="2000" dirty="0">
-                <a:hlinkClick r:id="rId8"/>
+                <a:hlinkClick r:id="rId9"/>
               </a:rPr>
               <a:t>Vidéo - pour aller plus loin : </a:t>
             </a:r>
             <a:r>
               <a:rPr lang="fr-FR" sz="2000" dirty="0" err="1">
-                <a:hlinkClick r:id="rId8"/>
+                <a:hlinkClick r:id="rId9"/>
               </a:rPr>
               <a:t>ngrx</a:t>
             </a:r>
             <a:r>
               <a:rPr lang="fr-FR" sz="2000" dirty="0">
-                <a:hlinkClick r:id="rId8"/>
+                <a:hlinkClick r:id="rId9"/>
               </a:rPr>
               <a:t> signal store</a:t>
             </a:r>
             <a:endParaRPr lang="fr-FR" sz="2000" dirty="0"/>
+          </a:p>
+          <a:p>
+            <a:pPr marL="342900" indent="-342900" rtl="0">
+              <a:lnSpc>
+                <a:spcPct val="150000"/>
+              </a:lnSpc>
+              <a:buFont typeface="Wingdings" panose="05000000000000000000" pitchFamily="2" charset="2"/>
+              <a:buChar char="Ø"/>
+            </a:pPr>
+            <a:r>
+              <a:rPr lang="fr-FR" sz="2000" dirty="0">
+                <a:solidFill>
+                  <a:srgbClr val="AAC3E9"/>
+                </a:solidFill>
+                <a:hlinkClick r:id="rId10">
+                  <a:extLst>
+                    <a:ext uri="{A12FA001-AC4F-418D-AE19-62706E023703}">
+                      <ahyp:hlinkClr xmlns:ahyp="http://schemas.microsoft.com/office/drawing/2018/hyperlinkcolor" val="tx"/>
+                    </a:ext>
+                  </a:extLst>
+                </a:hlinkClick>
+              </a:rPr>
+              <a:t>Exemple d'utilisation (</a:t>
+            </a:r>
+            <a:r>
+              <a:rPr lang="fr-FR" sz="2000" dirty="0" err="1">
+                <a:solidFill>
+                  <a:srgbClr val="AAC3E9"/>
+                </a:solidFill>
+                <a:hlinkClick r:id="rId10">
+                  <a:extLst>
+                    <a:ext uri="{A12FA001-AC4F-418D-AE19-62706E023703}">
+                      <ahyp:hlinkClr xmlns:ahyp="http://schemas.microsoft.com/office/drawing/2018/hyperlinkcolor" val="tx"/>
+                    </a:ext>
+                  </a:extLst>
+                </a:hlinkClick>
+              </a:rPr>
+              <a:t>Github</a:t>
+            </a:r>
+            <a:r>
+              <a:rPr lang="fr-FR" sz="2000" dirty="0">
+                <a:solidFill>
+                  <a:srgbClr val="C00000"/>
+                </a:solidFill>
+                <a:hlinkClick r:id="rId10">
+                  <a:extLst>
+                    <a:ext uri="{A12FA001-AC4F-418D-AE19-62706E023703}">
+                      <ahyp:hlinkClr xmlns:ahyp="http://schemas.microsoft.com/office/drawing/2018/hyperlinkcolor" val="tx"/>
+                    </a:ext>
+                  </a:extLst>
+                </a:hlinkClick>
+              </a:rPr>
+              <a:t>)</a:t>
+            </a:r>
+            <a:endParaRPr lang="fr-FR" sz="2000" dirty="0">
+              <a:solidFill>
+                <a:srgbClr val="C00000"/>
+              </a:solidFill>
+            </a:endParaRPr>
           </a:p>
           <a:p>
             <a:pPr marL="342900" indent="-342900" rtl="0">
@@ -28772,15 +28944,6 @@
 </file>
 
 <file path=customXml/item1.xml><?xml version="1.0" encoding="utf-8"?>
-<?mso-contentType ?>
-<FormTemplates xmlns="http://schemas.microsoft.com/sharepoint/v3/contenttype/forms">
-  <Display>DocumentLibraryForm</Display>
-  <Edit>DocumentLibraryForm</Edit>
-  <New>DocumentLibraryForm</New>
-</FormTemplates>
-</file>
-
-<file path=customXml/item2.xml><?xml version="1.0" encoding="utf-8"?>
 <p:properties xmlns:p="http://schemas.microsoft.com/office/2006/metadata/properties" xmlns:xsi="http://www.w3.org/2001/XMLSchema-instance" xmlns:pc="http://schemas.microsoft.com/office/infopath/2007/PartnerControls">
   <documentManagement>
     <_ip_UnifiedCompliancePolicyUIAction xmlns="http://schemas.microsoft.com/sharepoint/v3" xsi:nil="true"/>
@@ -28798,6 +28961,15 @@
     <MediaServiceKeyPoints xmlns="71af3243-3dd4-4a8d-8c0d-dd76da1f02a5" xsi:nil="true"/>
   </documentManagement>
 </p:properties>
+</file>
+
+<file path=customXml/item2.xml><?xml version="1.0" encoding="utf-8"?>
+<?mso-contentType ?>
+<FormTemplates xmlns="http://schemas.microsoft.com/sharepoint/v3/contenttype/forms">
+  <Display>DocumentLibraryForm</Display>
+  <Edit>DocumentLibraryForm</Edit>
+  <New>DocumentLibraryForm</New>
+</FormTemplates>
 </file>
 
 <file path=customXml/item3.xml><?xml version="1.0" encoding="utf-8"?>
@@ -29113,14 +29285,6 @@
 </file>
 
 <file path=customXml/itemProps1.xml><?xml version="1.0" encoding="utf-8"?>
-<ds:datastoreItem xmlns:ds="http://schemas.openxmlformats.org/officeDocument/2006/customXml" ds:itemID="{16DBB56F-4362-4386-A1A1-3DF898896616}">
-  <ds:schemaRefs>
-    <ds:schemaRef ds:uri="http://schemas.microsoft.com/sharepoint/v3/contenttype/forms"/>
-  </ds:schemaRefs>
-</ds:datastoreItem>
-</file>
-
-<file path=customXml/itemProps2.xml><?xml version="1.0" encoding="utf-8"?>
 <ds:datastoreItem xmlns:ds="http://schemas.openxmlformats.org/officeDocument/2006/customXml" ds:itemID="{BA719FA4-954C-4FA8-82CB-206659C3B826}">
   <ds:schemaRefs>
     <ds:schemaRef ds:uri="http://schemas.microsoft.com/office/2006/metadata/properties"/>
@@ -29128,6 +29292,14 @@
     <ds:schemaRef ds:uri="http://schemas.microsoft.com/sharepoint/v3"/>
     <ds:schemaRef ds:uri="71af3243-3dd4-4a8d-8c0d-dd76da1f02a5"/>
     <ds:schemaRef ds:uri="230e9df3-be65-4c73-a93b-d1236ebd677e"/>
+  </ds:schemaRefs>
+</ds:datastoreItem>
+</file>
+
+<file path=customXml/itemProps2.xml><?xml version="1.0" encoding="utf-8"?>
+<ds:datastoreItem xmlns:ds="http://schemas.openxmlformats.org/officeDocument/2006/customXml" ds:itemID="{16DBB56F-4362-4386-A1A1-3DF898896616}">
+  <ds:schemaRefs>
+    <ds:schemaRef ds:uri="http://schemas.microsoft.com/sharepoint/v3/contenttype/forms"/>
   </ds:schemaRefs>
 </ds:datastoreItem>
 </file>
